--- a/slides/ddl-w8l1.pptx
+++ b/slides/ddl-w8l1.pptx
@@ -5,23 +5,17 @@
     <p:sldMasterId id="2147483649" r:id="rId1"/>
   </p:sldMasterIdLst>
   <p:notesMasterIdLst>
-    <p:notesMasterId r:id="rId13"/>
+    <p:notesMasterId r:id="rId7"/>
   </p:notesMasterIdLst>
   <p:handoutMasterIdLst>
-    <p:handoutMasterId r:id="rId14"/>
+    <p:handoutMasterId r:id="rId8"/>
   </p:handoutMasterIdLst>
   <p:sldIdLst>
     <p:sldId id="256" r:id="rId2"/>
-    <p:sldId id="263" r:id="rId3"/>
-    <p:sldId id="264" r:id="rId4"/>
-    <p:sldId id="265" r:id="rId5"/>
-    <p:sldId id="267" r:id="rId6"/>
-    <p:sldId id="268" r:id="rId7"/>
-    <p:sldId id="269" r:id="rId8"/>
-    <p:sldId id="270" r:id="rId9"/>
-    <p:sldId id="271" r:id="rId10"/>
-    <p:sldId id="272" r:id="rId11"/>
-    <p:sldId id="275" r:id="rId12"/>
+    <p:sldId id="257" r:id="rId3"/>
+    <p:sldId id="258" r:id="rId4"/>
+    <p:sldId id="259" r:id="rId5"/>
+    <p:sldId id="260" r:id="rId6"/>
   </p:sldIdLst>
   <p:sldSz cx="9144000" cy="6858000" type="screen4x3"/>
   <p:notesSz cx="6858000" cy="9144000"/>
@@ -150,6 +144,40 @@
       </a:defRPr>
     </a:lvl9pPr>
   </p:defaultTextStyle>
+  <p:extLst>
+    <p:ext uri="{EFAFB233-063F-42B5-8137-9DF3F51BA10A}">
+      <p15:sldGuideLst xmlns:p15="http://schemas.microsoft.com/office/powerpoint/2012/main">
+        <p15:guide id="1" orient="horz" pos="2160">
+          <p15:clr>
+            <a:srgbClr val="A4A3A4"/>
+          </p15:clr>
+        </p15:guide>
+        <p15:guide id="2" orient="horz" pos="866">
+          <p15:clr>
+            <a:srgbClr val="A4A3A4"/>
+          </p15:clr>
+        </p15:guide>
+        <p15:guide id="3" pos="2880">
+          <p15:clr>
+            <a:srgbClr val="A4A3A4"/>
+          </p15:clr>
+        </p15:guide>
+        <p15:guide id="4" pos="476">
+          <p15:clr>
+            <a:srgbClr val="A4A3A4"/>
+          </p15:clr>
+        </p15:guide>
+        <p15:guide id="5" pos="1111">
+          <p15:clr>
+            <a:srgbClr val="A4A3A4"/>
+          </p15:clr>
+        </p15:guide>
+      </p15:sldGuideLst>
+    </p:ext>
+    <p:ext uri="{2D200454-40CA-4A62-9FC3-DE9A4176ACB9}">
+      <p15:notesGuideLst xmlns:p15="http://schemas.microsoft.com/office/powerpoint/2012/main"/>
+    </p:ext>
+  </p:extLst>
 </p:presentation>
 </file>
 
@@ -266,7 +294,7 @@
             <a:fld id="{373F1B60-BDF4-4D63-AD79-99D5A5B1DF99}" type="datetime1">
               <a:rPr lang="en-US"/>
               <a:pPr/>
-              <a:t>2/19/2013</a:t>
+              <a:t>12/12/2018</a:t>
             </a:fld>
             <a:endParaRPr lang="en-US"/>
           </a:p>
@@ -485,7 +513,7 @@
             <a:fld id="{4387A7AA-DFE9-4771-BEDE-3294FCEBFB02}" type="datetime1">
               <a:rPr lang="en-US"/>
               <a:pPr/>
-              <a:t>2/19/2013</a:t>
+              <a:t>12/12/2018</a:t>
             </a:fld>
             <a:endParaRPr lang="en-US"/>
           </a:p>
@@ -495,7 +523,7 @@
         <p:nvSpPr>
           <p:cNvPr id="50180" name="Rectangle 4"/>
           <p:cNvSpPr>
-            <a:spLocks noRot="1" noChangeArrowheads="1" noTextEdit="1"/>
+            <a:spLocks noGrp="1" noRot="1" noChangeAspect="1" noChangeArrowheads="1" noTextEdit="1"/>
           </p:cNvSpPr>
           <p:nvPr>
             <p:ph type="sldImg" idx="2"/>
@@ -876,7 +904,7 @@
             <a:fld id="{8541E2CD-DBF4-40F9-B6F8-EEFD0DF8A138}" type="datetime1">
               <a:rPr lang="en-US"/>
               <a:pPr/>
-              <a:t>2/19/2013</a:t>
+              <a:t>12/12/2018</a:t>
             </a:fld>
             <a:endParaRPr lang="en-US"/>
           </a:p>
@@ -936,7 +964,7 @@
         <p:nvSpPr>
           <p:cNvPr id="182274" name="Rectangle 2"/>
           <p:cNvSpPr>
-            <a:spLocks noRot="1" noChangeArrowheads="1" noTextEdit="1"/>
+            <a:spLocks noGrp="1" noRot="1" noChangeAspect="1" noChangeArrowheads="1" noTextEdit="1"/>
           </p:cNvSpPr>
           <p:nvPr>
             <p:ph type="sldImg"/>
@@ -966,1586 +994,11 @@
         </p:txBody>
       </p:sp>
     </p:spTree>
-  </p:cSld>
-  <p:clrMapOvr>
-    <a:masterClrMapping/>
-  </p:clrMapOvr>
-</p:notes>
-</file>
-
-<file path=ppt/notesSlides/notesSlide10.xml><?xml version="1.0" encoding="utf-8"?>
-<p:notes xmlns:a="http://schemas.openxmlformats.org/drawingml/2006/main" xmlns:r="http://schemas.openxmlformats.org/officeDocument/2006/relationships" xmlns:p="http://schemas.openxmlformats.org/presentationml/2006/main">
-  <p:cSld>
-    <p:spTree>
-      <p:nvGrpSpPr>
-        <p:cNvPr id="1" name=""/>
-        <p:cNvGrpSpPr/>
-        <p:nvPr/>
-      </p:nvGrpSpPr>
-      <p:grpSpPr>
-        <a:xfrm>
-          <a:off x="0" y="0"/>
-          <a:ext cx="0" cy="0"/>
-          <a:chOff x="0" y="0"/>
-          <a:chExt cx="0" cy="0"/>
-        </a:xfrm>
-      </p:grpSpPr>
-      <p:sp>
-        <p:nvSpPr>
-          <p:cNvPr id="4" name="Rectangle 2"/>
-          <p:cNvSpPr>
-            <a:spLocks noGrp="1" noChangeArrowheads="1"/>
-          </p:cNvSpPr>
-          <p:nvPr>
-            <p:ph type="hdr" sz="quarter"/>
-          </p:nvPr>
-        </p:nvSpPr>
-        <p:spPr>
-          <a:ln/>
-        </p:spPr>
-        <p:txBody>
-          <a:bodyPr/>
-          <a:lstStyle/>
-          <a:p>
-            <a:r>
-              <a:rPr lang="en-US"/>
-              <a:t>xxxxxxxxxxxxxxx</a:t>
-            </a:r>
-          </a:p>
-        </p:txBody>
-      </p:sp>
-      <p:sp>
-        <p:nvSpPr>
-          <p:cNvPr id="5" name="Rectangle 3"/>
-          <p:cNvSpPr>
-            <a:spLocks noGrp="1" noChangeArrowheads="1"/>
-          </p:cNvSpPr>
-          <p:nvPr>
-            <p:ph type="dt" idx="1"/>
-          </p:nvPr>
-        </p:nvSpPr>
-        <p:spPr>
-          <a:ln/>
-        </p:spPr>
-        <p:txBody>
-          <a:bodyPr/>
-          <a:lstStyle/>
-          <a:p>
-            <a:fld id="{A3734206-9E0D-45A8-9A9C-E9E820231454}" type="datetime1">
-              <a:rPr lang="en-US"/>
-              <a:pPr/>
-              <a:t>2/19/2013</a:t>
-            </a:fld>
-            <a:endParaRPr lang="en-US"/>
-          </a:p>
-        </p:txBody>
-      </p:sp>
-      <p:sp>
-        <p:nvSpPr>
-          <p:cNvPr id="6" name="Rectangle 6"/>
-          <p:cNvSpPr>
-            <a:spLocks noGrp="1" noChangeArrowheads="1"/>
-          </p:cNvSpPr>
-          <p:nvPr>
-            <p:ph type="ftr" sz="quarter" idx="4"/>
-          </p:nvPr>
-        </p:nvSpPr>
-        <p:spPr>
-          <a:ln/>
-        </p:spPr>
-        <p:txBody>
-          <a:bodyPr/>
-          <a:lstStyle/>
-          <a:p>
-            <a:r>
-              <a:rPr lang="en-US"/>
-              <a:t>xxxxxxxxxxxxx</a:t>
-            </a:r>
-          </a:p>
-        </p:txBody>
-      </p:sp>
-      <p:sp>
-        <p:nvSpPr>
-          <p:cNvPr id="7" name="Rectangle 7"/>
-          <p:cNvSpPr>
-            <a:spLocks noGrp="1" noChangeArrowheads="1"/>
-          </p:cNvSpPr>
-          <p:nvPr>
-            <p:ph type="sldNum" sz="quarter" idx="5"/>
-          </p:nvPr>
-        </p:nvSpPr>
-        <p:spPr>
-          <a:ln/>
-        </p:spPr>
-        <p:txBody>
-          <a:bodyPr/>
-          <a:lstStyle/>
-          <a:p>
-            <a:fld id="{3E24F508-BEE9-43B6-9C9C-05A1D82BD706}" type="slidenum">
-              <a:rPr lang="en-US"/>
-              <a:pPr/>
-              <a:t>10</a:t>
-            </a:fld>
-            <a:endParaRPr lang="en-US"/>
-          </a:p>
-        </p:txBody>
-      </p:sp>
-      <p:sp>
-        <p:nvSpPr>
-          <p:cNvPr id="191490" name="Rectangle 2"/>
-          <p:cNvSpPr>
-            <a:spLocks noRot="1" noChangeArrowheads="1" noTextEdit="1"/>
-          </p:cNvSpPr>
-          <p:nvPr>
-            <p:ph type="sldImg"/>
-          </p:nvPr>
-        </p:nvSpPr>
-        <p:spPr>
-          <a:ln/>
-        </p:spPr>
-      </p:sp>
-      <p:sp>
-        <p:nvSpPr>
-          <p:cNvPr id="191491" name="Rectangle 3"/>
-          <p:cNvSpPr>
-            <a:spLocks noGrp="1" noChangeArrowheads="1"/>
-          </p:cNvSpPr>
-          <p:nvPr>
-            <p:ph type="body" idx="1"/>
-          </p:nvPr>
-        </p:nvSpPr>
-        <p:spPr/>
-        <p:txBody>
-          <a:bodyPr/>
-          <a:lstStyle/>
-          <a:p>
-            <a:endParaRPr lang="nl-NL"/>
-          </a:p>
-        </p:txBody>
-      </p:sp>
-    </p:spTree>
-  </p:cSld>
-  <p:clrMapOvr>
-    <a:masterClrMapping/>
-  </p:clrMapOvr>
-</p:notes>
-</file>
-
-<file path=ppt/notesSlides/notesSlide11.xml><?xml version="1.0" encoding="utf-8"?>
-<p:notes xmlns:a="http://schemas.openxmlformats.org/drawingml/2006/main" xmlns:r="http://schemas.openxmlformats.org/officeDocument/2006/relationships" xmlns:p="http://schemas.openxmlformats.org/presentationml/2006/main">
-  <p:cSld>
-    <p:spTree>
-      <p:nvGrpSpPr>
-        <p:cNvPr id="1" name=""/>
-        <p:cNvGrpSpPr/>
-        <p:nvPr/>
-      </p:nvGrpSpPr>
-      <p:grpSpPr>
-        <a:xfrm>
-          <a:off x="0" y="0"/>
-          <a:ext cx="0" cy="0"/>
-          <a:chOff x="0" y="0"/>
-          <a:chExt cx="0" cy="0"/>
-        </a:xfrm>
-      </p:grpSpPr>
-      <p:sp>
-        <p:nvSpPr>
-          <p:cNvPr id="4" name="Rectangle 2"/>
-          <p:cNvSpPr>
-            <a:spLocks noGrp="1" noChangeArrowheads="1"/>
-          </p:cNvSpPr>
-          <p:nvPr>
-            <p:ph type="hdr" sz="quarter"/>
-          </p:nvPr>
-        </p:nvSpPr>
-        <p:spPr>
-          <a:ln/>
-        </p:spPr>
-        <p:txBody>
-          <a:bodyPr/>
-          <a:lstStyle/>
-          <a:p>
-            <a:r>
-              <a:rPr lang="en-US"/>
-              <a:t>xxxxxxxxxxxxxxx</a:t>
-            </a:r>
-          </a:p>
-        </p:txBody>
-      </p:sp>
-      <p:sp>
-        <p:nvSpPr>
-          <p:cNvPr id="5" name="Rectangle 3"/>
-          <p:cNvSpPr>
-            <a:spLocks noGrp="1" noChangeArrowheads="1"/>
-          </p:cNvSpPr>
-          <p:nvPr>
-            <p:ph type="dt" idx="1"/>
-          </p:nvPr>
-        </p:nvSpPr>
-        <p:spPr>
-          <a:ln/>
-        </p:spPr>
-        <p:txBody>
-          <a:bodyPr/>
-          <a:lstStyle/>
-          <a:p>
-            <a:fld id="{E01E3979-3EA1-4091-9A9F-0CDBD48FB10C}" type="datetime1">
-              <a:rPr lang="en-US"/>
-              <a:pPr/>
-              <a:t>2/19/2013</a:t>
-            </a:fld>
-            <a:endParaRPr lang="en-US"/>
-          </a:p>
-        </p:txBody>
-      </p:sp>
-      <p:sp>
-        <p:nvSpPr>
-          <p:cNvPr id="6" name="Rectangle 6"/>
-          <p:cNvSpPr>
-            <a:spLocks noGrp="1" noChangeArrowheads="1"/>
-          </p:cNvSpPr>
-          <p:nvPr>
-            <p:ph type="ftr" sz="quarter" idx="4"/>
-          </p:nvPr>
-        </p:nvSpPr>
-        <p:spPr>
-          <a:ln/>
-        </p:spPr>
-        <p:txBody>
-          <a:bodyPr/>
-          <a:lstStyle/>
-          <a:p>
-            <a:r>
-              <a:rPr lang="en-US"/>
-              <a:t>xxxxxxxxxxxxx</a:t>
-            </a:r>
-          </a:p>
-        </p:txBody>
-      </p:sp>
-      <p:sp>
-        <p:nvSpPr>
-          <p:cNvPr id="7" name="Rectangle 7"/>
-          <p:cNvSpPr>
-            <a:spLocks noGrp="1" noChangeArrowheads="1"/>
-          </p:cNvSpPr>
-          <p:nvPr>
-            <p:ph type="sldNum" sz="quarter" idx="5"/>
-          </p:nvPr>
-        </p:nvSpPr>
-        <p:spPr>
-          <a:ln/>
-        </p:spPr>
-        <p:txBody>
-          <a:bodyPr/>
-          <a:lstStyle/>
-          <a:p>
-            <a:fld id="{66654B76-19AB-4A8A-A997-35CF46824B95}" type="slidenum">
-              <a:rPr lang="en-US"/>
-              <a:pPr/>
-              <a:t>11</a:t>
-            </a:fld>
-            <a:endParaRPr lang="en-US"/>
-          </a:p>
-        </p:txBody>
-      </p:sp>
-      <p:sp>
-        <p:nvSpPr>
-          <p:cNvPr id="192514" name="Rectangle 2"/>
-          <p:cNvSpPr>
-            <a:spLocks noRot="1" noChangeArrowheads="1" noTextEdit="1"/>
-          </p:cNvSpPr>
-          <p:nvPr>
-            <p:ph type="sldImg"/>
-          </p:nvPr>
-        </p:nvSpPr>
-        <p:spPr>
-          <a:ln/>
-        </p:spPr>
-      </p:sp>
-      <p:sp>
-        <p:nvSpPr>
-          <p:cNvPr id="192515" name="Rectangle 3"/>
-          <p:cNvSpPr>
-            <a:spLocks noGrp="1" noChangeArrowheads="1"/>
-          </p:cNvSpPr>
-          <p:nvPr>
-            <p:ph type="body" idx="1"/>
-          </p:nvPr>
-        </p:nvSpPr>
-        <p:spPr/>
-        <p:txBody>
-          <a:bodyPr/>
-          <a:lstStyle/>
-          <a:p>
-            <a:endParaRPr lang="nl-NL"/>
-          </a:p>
-        </p:txBody>
-      </p:sp>
-    </p:spTree>
-  </p:cSld>
-  <p:clrMapOvr>
-    <a:masterClrMapping/>
-  </p:clrMapOvr>
-</p:notes>
-</file>
-
-<file path=ppt/notesSlides/notesSlide2.xml><?xml version="1.0" encoding="utf-8"?>
-<p:notes xmlns:a="http://schemas.openxmlformats.org/drawingml/2006/main" xmlns:r="http://schemas.openxmlformats.org/officeDocument/2006/relationships" xmlns:p="http://schemas.openxmlformats.org/presentationml/2006/main">
-  <p:cSld>
-    <p:spTree>
-      <p:nvGrpSpPr>
-        <p:cNvPr id="1" name=""/>
-        <p:cNvGrpSpPr/>
-        <p:nvPr/>
-      </p:nvGrpSpPr>
-      <p:grpSpPr>
-        <a:xfrm>
-          <a:off x="0" y="0"/>
-          <a:ext cx="0" cy="0"/>
-          <a:chOff x="0" y="0"/>
-          <a:chExt cx="0" cy="0"/>
-        </a:xfrm>
-      </p:grpSpPr>
-      <p:sp>
-        <p:nvSpPr>
-          <p:cNvPr id="4" name="Rectangle 2"/>
-          <p:cNvSpPr>
-            <a:spLocks noGrp="1" noChangeArrowheads="1"/>
-          </p:cNvSpPr>
-          <p:nvPr>
-            <p:ph type="hdr" sz="quarter"/>
-          </p:nvPr>
-        </p:nvSpPr>
-        <p:spPr>
-          <a:ln/>
-        </p:spPr>
-        <p:txBody>
-          <a:bodyPr/>
-          <a:lstStyle/>
-          <a:p>
-            <a:r>
-              <a:rPr lang="en-US"/>
-              <a:t>xxxxxxxxxxxxxxx</a:t>
-            </a:r>
-          </a:p>
-        </p:txBody>
-      </p:sp>
-      <p:sp>
-        <p:nvSpPr>
-          <p:cNvPr id="5" name="Rectangle 3"/>
-          <p:cNvSpPr>
-            <a:spLocks noGrp="1" noChangeArrowheads="1"/>
-          </p:cNvSpPr>
-          <p:nvPr>
-            <p:ph type="dt" idx="1"/>
-          </p:nvPr>
-        </p:nvSpPr>
-        <p:spPr>
-          <a:ln/>
-        </p:spPr>
-        <p:txBody>
-          <a:bodyPr/>
-          <a:lstStyle/>
-          <a:p>
-            <a:fld id="{D75D9CB6-A154-4961-BE96-B8A670095A3E}" type="datetime1">
-              <a:rPr lang="en-US"/>
-              <a:pPr/>
-              <a:t>2/19/2013</a:t>
-            </a:fld>
-            <a:endParaRPr lang="en-US"/>
-          </a:p>
-        </p:txBody>
-      </p:sp>
-      <p:sp>
-        <p:nvSpPr>
-          <p:cNvPr id="6" name="Rectangle 6"/>
-          <p:cNvSpPr>
-            <a:spLocks noGrp="1" noChangeArrowheads="1"/>
-          </p:cNvSpPr>
-          <p:nvPr>
-            <p:ph type="ftr" sz="quarter" idx="4"/>
-          </p:nvPr>
-        </p:nvSpPr>
-        <p:spPr>
-          <a:ln/>
-        </p:spPr>
-        <p:txBody>
-          <a:bodyPr/>
-          <a:lstStyle/>
-          <a:p>
-            <a:r>
-              <a:rPr lang="en-US"/>
-              <a:t>xxxxxxxxxxxxx</a:t>
-            </a:r>
-          </a:p>
-        </p:txBody>
-      </p:sp>
-      <p:sp>
-        <p:nvSpPr>
-          <p:cNvPr id="7" name="Rectangle 7"/>
-          <p:cNvSpPr>
-            <a:spLocks noGrp="1" noChangeArrowheads="1"/>
-          </p:cNvSpPr>
-          <p:nvPr>
-            <p:ph type="sldNum" sz="quarter" idx="5"/>
-          </p:nvPr>
-        </p:nvSpPr>
-        <p:spPr>
-          <a:ln/>
-        </p:spPr>
-        <p:txBody>
-          <a:bodyPr/>
-          <a:lstStyle/>
-          <a:p>
-            <a:fld id="{9670D17F-B3A3-4718-8A92-DA29315C8C76}" type="slidenum">
-              <a:rPr lang="en-US"/>
-              <a:pPr/>
-              <a:t>2</a:t>
-            </a:fld>
-            <a:endParaRPr lang="en-US"/>
-          </a:p>
-        </p:txBody>
-      </p:sp>
-      <p:sp>
-        <p:nvSpPr>
-          <p:cNvPr id="183298" name="Rectangle 2"/>
-          <p:cNvSpPr>
-            <a:spLocks noRot="1" noChangeArrowheads="1" noTextEdit="1"/>
-          </p:cNvSpPr>
-          <p:nvPr>
-            <p:ph type="sldImg"/>
-          </p:nvPr>
-        </p:nvSpPr>
-        <p:spPr>
-          <a:ln/>
-        </p:spPr>
-      </p:sp>
-      <p:sp>
-        <p:nvSpPr>
-          <p:cNvPr id="183299" name="Rectangle 3"/>
-          <p:cNvSpPr>
-            <a:spLocks noGrp="1" noChangeArrowheads="1"/>
-          </p:cNvSpPr>
-          <p:nvPr>
-            <p:ph type="body" idx="1"/>
-          </p:nvPr>
-        </p:nvSpPr>
-        <p:spPr/>
-        <p:txBody>
-          <a:bodyPr/>
-          <a:lstStyle/>
-          <a:p>
-            <a:endParaRPr lang="nl-NL"/>
-          </a:p>
-        </p:txBody>
-      </p:sp>
-    </p:spTree>
-  </p:cSld>
-  <p:clrMapOvr>
-    <a:masterClrMapping/>
-  </p:clrMapOvr>
-</p:notes>
-</file>
-
-<file path=ppt/notesSlides/notesSlide3.xml><?xml version="1.0" encoding="utf-8"?>
-<p:notes xmlns:a="http://schemas.openxmlformats.org/drawingml/2006/main" xmlns:r="http://schemas.openxmlformats.org/officeDocument/2006/relationships" xmlns:p="http://schemas.openxmlformats.org/presentationml/2006/main">
-  <p:cSld>
-    <p:spTree>
-      <p:nvGrpSpPr>
-        <p:cNvPr id="1" name=""/>
-        <p:cNvGrpSpPr/>
-        <p:nvPr/>
-      </p:nvGrpSpPr>
-      <p:grpSpPr>
-        <a:xfrm>
-          <a:off x="0" y="0"/>
-          <a:ext cx="0" cy="0"/>
-          <a:chOff x="0" y="0"/>
-          <a:chExt cx="0" cy="0"/>
-        </a:xfrm>
-      </p:grpSpPr>
-      <p:sp>
-        <p:nvSpPr>
-          <p:cNvPr id="4" name="Rectangle 2"/>
-          <p:cNvSpPr>
-            <a:spLocks noGrp="1" noChangeArrowheads="1"/>
-          </p:cNvSpPr>
-          <p:nvPr>
-            <p:ph type="hdr" sz="quarter"/>
-          </p:nvPr>
-        </p:nvSpPr>
-        <p:spPr>
-          <a:ln/>
-        </p:spPr>
-        <p:txBody>
-          <a:bodyPr/>
-          <a:lstStyle/>
-          <a:p>
-            <a:r>
-              <a:rPr lang="en-US"/>
-              <a:t>xxxxxxxxxxxxxxx</a:t>
-            </a:r>
-          </a:p>
-        </p:txBody>
-      </p:sp>
-      <p:sp>
-        <p:nvSpPr>
-          <p:cNvPr id="5" name="Rectangle 3"/>
-          <p:cNvSpPr>
-            <a:spLocks noGrp="1" noChangeArrowheads="1"/>
-          </p:cNvSpPr>
-          <p:nvPr>
-            <p:ph type="dt" idx="1"/>
-          </p:nvPr>
-        </p:nvSpPr>
-        <p:spPr>
-          <a:ln/>
-        </p:spPr>
-        <p:txBody>
-          <a:bodyPr/>
-          <a:lstStyle/>
-          <a:p>
-            <a:fld id="{FE64602E-BCD2-4C79-9F9B-2C05BD27637D}" type="datetime1">
-              <a:rPr lang="en-US"/>
-              <a:pPr/>
-              <a:t>2/19/2013</a:t>
-            </a:fld>
-            <a:endParaRPr lang="en-US"/>
-          </a:p>
-        </p:txBody>
-      </p:sp>
-      <p:sp>
-        <p:nvSpPr>
-          <p:cNvPr id="6" name="Rectangle 6"/>
-          <p:cNvSpPr>
-            <a:spLocks noGrp="1" noChangeArrowheads="1"/>
-          </p:cNvSpPr>
-          <p:nvPr>
-            <p:ph type="ftr" sz="quarter" idx="4"/>
-          </p:nvPr>
-        </p:nvSpPr>
-        <p:spPr>
-          <a:ln/>
-        </p:spPr>
-        <p:txBody>
-          <a:bodyPr/>
-          <a:lstStyle/>
-          <a:p>
-            <a:r>
-              <a:rPr lang="en-US"/>
-              <a:t>xxxxxxxxxxxxx</a:t>
-            </a:r>
-          </a:p>
-        </p:txBody>
-      </p:sp>
-      <p:sp>
-        <p:nvSpPr>
-          <p:cNvPr id="7" name="Rectangle 7"/>
-          <p:cNvSpPr>
-            <a:spLocks noGrp="1" noChangeArrowheads="1"/>
-          </p:cNvSpPr>
-          <p:nvPr>
-            <p:ph type="sldNum" sz="quarter" idx="5"/>
-          </p:nvPr>
-        </p:nvSpPr>
-        <p:spPr>
-          <a:ln/>
-        </p:spPr>
-        <p:txBody>
-          <a:bodyPr/>
-          <a:lstStyle/>
-          <a:p>
-            <a:fld id="{CDD309D1-08CF-441E-9DB4-960ECFE49892}" type="slidenum">
-              <a:rPr lang="en-US"/>
-              <a:pPr/>
-              <a:t>3</a:t>
-            </a:fld>
-            <a:endParaRPr lang="en-US"/>
-          </a:p>
-        </p:txBody>
-      </p:sp>
-      <p:sp>
-        <p:nvSpPr>
-          <p:cNvPr id="184322" name="Rectangle 2"/>
-          <p:cNvSpPr>
-            <a:spLocks noRot="1" noChangeArrowheads="1" noTextEdit="1"/>
-          </p:cNvSpPr>
-          <p:nvPr>
-            <p:ph type="sldImg"/>
-          </p:nvPr>
-        </p:nvSpPr>
-        <p:spPr>
-          <a:ln/>
-        </p:spPr>
-      </p:sp>
-      <p:sp>
-        <p:nvSpPr>
-          <p:cNvPr id="184323" name="Rectangle 3"/>
-          <p:cNvSpPr>
-            <a:spLocks noGrp="1" noChangeArrowheads="1"/>
-          </p:cNvSpPr>
-          <p:nvPr>
-            <p:ph type="body" idx="1"/>
-          </p:nvPr>
-        </p:nvSpPr>
-        <p:spPr/>
-        <p:txBody>
-          <a:bodyPr/>
-          <a:lstStyle/>
-          <a:p>
-            <a:endParaRPr lang="nl-NL"/>
-          </a:p>
-        </p:txBody>
-      </p:sp>
-    </p:spTree>
-  </p:cSld>
-  <p:clrMapOvr>
-    <a:masterClrMapping/>
-  </p:clrMapOvr>
-</p:notes>
-</file>
-
-<file path=ppt/notesSlides/notesSlide4.xml><?xml version="1.0" encoding="utf-8"?>
-<p:notes xmlns:a="http://schemas.openxmlformats.org/drawingml/2006/main" xmlns:r="http://schemas.openxmlformats.org/officeDocument/2006/relationships" xmlns:p="http://schemas.openxmlformats.org/presentationml/2006/main">
-  <p:cSld>
-    <p:spTree>
-      <p:nvGrpSpPr>
-        <p:cNvPr id="1" name=""/>
-        <p:cNvGrpSpPr/>
-        <p:nvPr/>
-      </p:nvGrpSpPr>
-      <p:grpSpPr>
-        <a:xfrm>
-          <a:off x="0" y="0"/>
-          <a:ext cx="0" cy="0"/>
-          <a:chOff x="0" y="0"/>
-          <a:chExt cx="0" cy="0"/>
-        </a:xfrm>
-      </p:grpSpPr>
-      <p:sp>
-        <p:nvSpPr>
-          <p:cNvPr id="4" name="Rectangle 2"/>
-          <p:cNvSpPr>
-            <a:spLocks noGrp="1" noChangeArrowheads="1"/>
-          </p:cNvSpPr>
-          <p:nvPr>
-            <p:ph type="hdr" sz="quarter"/>
-          </p:nvPr>
-        </p:nvSpPr>
-        <p:spPr>
-          <a:ln/>
-        </p:spPr>
-        <p:txBody>
-          <a:bodyPr/>
-          <a:lstStyle/>
-          <a:p>
-            <a:r>
-              <a:rPr lang="en-US"/>
-              <a:t>xxxxxxxxxxxxxxx</a:t>
-            </a:r>
-          </a:p>
-        </p:txBody>
-      </p:sp>
-      <p:sp>
-        <p:nvSpPr>
-          <p:cNvPr id="5" name="Rectangle 3"/>
-          <p:cNvSpPr>
-            <a:spLocks noGrp="1" noChangeArrowheads="1"/>
-          </p:cNvSpPr>
-          <p:nvPr>
-            <p:ph type="dt" idx="1"/>
-          </p:nvPr>
-        </p:nvSpPr>
-        <p:spPr>
-          <a:ln/>
-        </p:spPr>
-        <p:txBody>
-          <a:bodyPr/>
-          <a:lstStyle/>
-          <a:p>
-            <a:fld id="{3A9285C3-5D65-4A73-97EF-F314E52DFB4D}" type="datetime1">
-              <a:rPr lang="en-US"/>
-              <a:pPr/>
-              <a:t>2/19/2013</a:t>
-            </a:fld>
-            <a:endParaRPr lang="en-US"/>
-          </a:p>
-        </p:txBody>
-      </p:sp>
-      <p:sp>
-        <p:nvSpPr>
-          <p:cNvPr id="6" name="Rectangle 6"/>
-          <p:cNvSpPr>
-            <a:spLocks noGrp="1" noChangeArrowheads="1"/>
-          </p:cNvSpPr>
-          <p:nvPr>
-            <p:ph type="ftr" sz="quarter" idx="4"/>
-          </p:nvPr>
-        </p:nvSpPr>
-        <p:spPr>
-          <a:ln/>
-        </p:spPr>
-        <p:txBody>
-          <a:bodyPr/>
-          <a:lstStyle/>
-          <a:p>
-            <a:r>
-              <a:rPr lang="en-US"/>
-              <a:t>xxxxxxxxxxxxx</a:t>
-            </a:r>
-          </a:p>
-        </p:txBody>
-      </p:sp>
-      <p:sp>
-        <p:nvSpPr>
-          <p:cNvPr id="7" name="Rectangle 7"/>
-          <p:cNvSpPr>
-            <a:spLocks noGrp="1" noChangeArrowheads="1"/>
-          </p:cNvSpPr>
-          <p:nvPr>
-            <p:ph type="sldNum" sz="quarter" idx="5"/>
-          </p:nvPr>
-        </p:nvSpPr>
-        <p:spPr>
-          <a:ln/>
-        </p:spPr>
-        <p:txBody>
-          <a:bodyPr/>
-          <a:lstStyle/>
-          <a:p>
-            <a:fld id="{228D5BC3-B994-462F-A11D-9C2A0A52EDDD}" type="slidenum">
-              <a:rPr lang="en-US"/>
-              <a:pPr/>
-              <a:t>4</a:t>
-            </a:fld>
-            <a:endParaRPr lang="en-US"/>
-          </a:p>
-        </p:txBody>
-      </p:sp>
-      <p:sp>
-        <p:nvSpPr>
-          <p:cNvPr id="185346" name="Rectangle 2"/>
-          <p:cNvSpPr>
-            <a:spLocks noRot="1" noChangeArrowheads="1" noTextEdit="1"/>
-          </p:cNvSpPr>
-          <p:nvPr>
-            <p:ph type="sldImg"/>
-          </p:nvPr>
-        </p:nvSpPr>
-        <p:spPr>
-          <a:ln/>
-        </p:spPr>
-      </p:sp>
-      <p:sp>
-        <p:nvSpPr>
-          <p:cNvPr id="185347" name="Rectangle 3"/>
-          <p:cNvSpPr>
-            <a:spLocks noGrp="1" noChangeArrowheads="1"/>
-          </p:cNvSpPr>
-          <p:nvPr>
-            <p:ph type="body" idx="1"/>
-          </p:nvPr>
-        </p:nvSpPr>
-        <p:spPr/>
-        <p:txBody>
-          <a:bodyPr/>
-          <a:lstStyle/>
-          <a:p>
-            <a:endParaRPr lang="nl-NL"/>
-          </a:p>
-        </p:txBody>
-      </p:sp>
-    </p:spTree>
-  </p:cSld>
-  <p:clrMapOvr>
-    <a:masterClrMapping/>
-  </p:clrMapOvr>
-</p:notes>
-</file>
-
-<file path=ppt/notesSlides/notesSlide5.xml><?xml version="1.0" encoding="utf-8"?>
-<p:notes xmlns:a="http://schemas.openxmlformats.org/drawingml/2006/main" xmlns:r="http://schemas.openxmlformats.org/officeDocument/2006/relationships" xmlns:p="http://schemas.openxmlformats.org/presentationml/2006/main">
-  <p:cSld>
-    <p:spTree>
-      <p:nvGrpSpPr>
-        <p:cNvPr id="1" name=""/>
-        <p:cNvGrpSpPr/>
-        <p:nvPr/>
-      </p:nvGrpSpPr>
-      <p:grpSpPr>
-        <a:xfrm>
-          <a:off x="0" y="0"/>
-          <a:ext cx="0" cy="0"/>
-          <a:chOff x="0" y="0"/>
-          <a:chExt cx="0" cy="0"/>
-        </a:xfrm>
-      </p:grpSpPr>
-      <p:sp>
-        <p:nvSpPr>
-          <p:cNvPr id="4" name="Rectangle 2"/>
-          <p:cNvSpPr>
-            <a:spLocks noGrp="1" noChangeArrowheads="1"/>
-          </p:cNvSpPr>
-          <p:nvPr>
-            <p:ph type="hdr" sz="quarter"/>
-          </p:nvPr>
-        </p:nvSpPr>
-        <p:spPr>
-          <a:ln/>
-        </p:spPr>
-        <p:txBody>
-          <a:bodyPr/>
-          <a:lstStyle/>
-          <a:p>
-            <a:r>
-              <a:rPr lang="en-US"/>
-              <a:t>xxxxxxxxxxxxxxx</a:t>
-            </a:r>
-          </a:p>
-        </p:txBody>
-      </p:sp>
-      <p:sp>
-        <p:nvSpPr>
-          <p:cNvPr id="5" name="Rectangle 3"/>
-          <p:cNvSpPr>
-            <a:spLocks noGrp="1" noChangeArrowheads="1"/>
-          </p:cNvSpPr>
-          <p:nvPr>
-            <p:ph type="dt" idx="1"/>
-          </p:nvPr>
-        </p:nvSpPr>
-        <p:spPr>
-          <a:ln/>
-        </p:spPr>
-        <p:txBody>
-          <a:bodyPr/>
-          <a:lstStyle/>
-          <a:p>
-            <a:fld id="{A4B8657F-9B7B-42B4-A71A-56C1FB299691}" type="datetime1">
-              <a:rPr lang="en-US"/>
-              <a:pPr/>
-              <a:t>2/19/2013</a:t>
-            </a:fld>
-            <a:endParaRPr lang="en-US"/>
-          </a:p>
-        </p:txBody>
-      </p:sp>
-      <p:sp>
-        <p:nvSpPr>
-          <p:cNvPr id="6" name="Rectangle 6"/>
-          <p:cNvSpPr>
-            <a:spLocks noGrp="1" noChangeArrowheads="1"/>
-          </p:cNvSpPr>
-          <p:nvPr>
-            <p:ph type="ftr" sz="quarter" idx="4"/>
-          </p:nvPr>
-        </p:nvSpPr>
-        <p:spPr>
-          <a:ln/>
-        </p:spPr>
-        <p:txBody>
-          <a:bodyPr/>
-          <a:lstStyle/>
-          <a:p>
-            <a:r>
-              <a:rPr lang="en-US"/>
-              <a:t>xxxxxxxxxxxxx</a:t>
-            </a:r>
-          </a:p>
-        </p:txBody>
-      </p:sp>
-      <p:sp>
-        <p:nvSpPr>
-          <p:cNvPr id="7" name="Rectangle 7"/>
-          <p:cNvSpPr>
-            <a:spLocks noGrp="1" noChangeArrowheads="1"/>
-          </p:cNvSpPr>
-          <p:nvPr>
-            <p:ph type="sldNum" sz="quarter" idx="5"/>
-          </p:nvPr>
-        </p:nvSpPr>
-        <p:spPr>
-          <a:ln/>
-        </p:spPr>
-        <p:txBody>
-          <a:bodyPr/>
-          <a:lstStyle/>
-          <a:p>
-            <a:fld id="{98A3F1F1-1BE1-4826-8E66-04F9BEBFBA7E}" type="slidenum">
-              <a:rPr lang="en-US"/>
-              <a:pPr/>
-              <a:t>5</a:t>
-            </a:fld>
-            <a:endParaRPr lang="en-US"/>
-          </a:p>
-        </p:txBody>
-      </p:sp>
-      <p:sp>
-        <p:nvSpPr>
-          <p:cNvPr id="186370" name="Rectangle 2"/>
-          <p:cNvSpPr>
-            <a:spLocks noRot="1" noChangeArrowheads="1" noTextEdit="1"/>
-          </p:cNvSpPr>
-          <p:nvPr>
-            <p:ph type="sldImg"/>
-          </p:nvPr>
-        </p:nvSpPr>
-        <p:spPr>
-          <a:ln/>
-        </p:spPr>
-      </p:sp>
-      <p:sp>
-        <p:nvSpPr>
-          <p:cNvPr id="186371" name="Rectangle 3"/>
-          <p:cNvSpPr>
-            <a:spLocks noGrp="1" noChangeArrowheads="1"/>
-          </p:cNvSpPr>
-          <p:nvPr>
-            <p:ph type="body" idx="1"/>
-          </p:nvPr>
-        </p:nvSpPr>
-        <p:spPr/>
-        <p:txBody>
-          <a:bodyPr/>
-          <a:lstStyle/>
-          <a:p>
-            <a:endParaRPr lang="nl-NL"/>
-          </a:p>
-        </p:txBody>
-      </p:sp>
-    </p:spTree>
-  </p:cSld>
-  <p:clrMapOvr>
-    <a:masterClrMapping/>
-  </p:clrMapOvr>
-</p:notes>
-</file>
-
-<file path=ppt/notesSlides/notesSlide6.xml><?xml version="1.0" encoding="utf-8"?>
-<p:notes xmlns:a="http://schemas.openxmlformats.org/drawingml/2006/main" xmlns:r="http://schemas.openxmlformats.org/officeDocument/2006/relationships" xmlns:p="http://schemas.openxmlformats.org/presentationml/2006/main">
-  <p:cSld>
-    <p:spTree>
-      <p:nvGrpSpPr>
-        <p:cNvPr id="1" name=""/>
-        <p:cNvGrpSpPr/>
-        <p:nvPr/>
-      </p:nvGrpSpPr>
-      <p:grpSpPr>
-        <a:xfrm>
-          <a:off x="0" y="0"/>
-          <a:ext cx="0" cy="0"/>
-          <a:chOff x="0" y="0"/>
-          <a:chExt cx="0" cy="0"/>
-        </a:xfrm>
-      </p:grpSpPr>
-      <p:sp>
-        <p:nvSpPr>
-          <p:cNvPr id="4" name="Rectangle 2"/>
-          <p:cNvSpPr>
-            <a:spLocks noGrp="1" noChangeArrowheads="1"/>
-          </p:cNvSpPr>
-          <p:nvPr>
-            <p:ph type="hdr" sz="quarter"/>
-          </p:nvPr>
-        </p:nvSpPr>
-        <p:spPr>
-          <a:ln/>
-        </p:spPr>
-        <p:txBody>
-          <a:bodyPr/>
-          <a:lstStyle/>
-          <a:p>
-            <a:r>
-              <a:rPr lang="en-US"/>
-              <a:t>xxxxxxxxxxxxxxx</a:t>
-            </a:r>
-          </a:p>
-        </p:txBody>
-      </p:sp>
-      <p:sp>
-        <p:nvSpPr>
-          <p:cNvPr id="5" name="Rectangle 3"/>
-          <p:cNvSpPr>
-            <a:spLocks noGrp="1" noChangeArrowheads="1"/>
-          </p:cNvSpPr>
-          <p:nvPr>
-            <p:ph type="dt" idx="1"/>
-          </p:nvPr>
-        </p:nvSpPr>
-        <p:spPr>
-          <a:ln/>
-        </p:spPr>
-        <p:txBody>
-          <a:bodyPr/>
-          <a:lstStyle/>
-          <a:p>
-            <a:fld id="{2A04ECD9-CD1F-48DC-A3FA-02E8247F768F}" type="datetime1">
-              <a:rPr lang="en-US"/>
-              <a:pPr/>
-              <a:t>2/19/2013</a:t>
-            </a:fld>
-            <a:endParaRPr lang="en-US"/>
-          </a:p>
-        </p:txBody>
-      </p:sp>
-      <p:sp>
-        <p:nvSpPr>
-          <p:cNvPr id="6" name="Rectangle 6"/>
-          <p:cNvSpPr>
-            <a:spLocks noGrp="1" noChangeArrowheads="1"/>
-          </p:cNvSpPr>
-          <p:nvPr>
-            <p:ph type="ftr" sz="quarter" idx="4"/>
-          </p:nvPr>
-        </p:nvSpPr>
-        <p:spPr>
-          <a:ln/>
-        </p:spPr>
-        <p:txBody>
-          <a:bodyPr/>
-          <a:lstStyle/>
-          <a:p>
-            <a:r>
-              <a:rPr lang="en-US"/>
-              <a:t>xxxxxxxxxxxxx</a:t>
-            </a:r>
-          </a:p>
-        </p:txBody>
-      </p:sp>
-      <p:sp>
-        <p:nvSpPr>
-          <p:cNvPr id="7" name="Rectangle 7"/>
-          <p:cNvSpPr>
-            <a:spLocks noGrp="1" noChangeArrowheads="1"/>
-          </p:cNvSpPr>
-          <p:nvPr>
-            <p:ph type="sldNum" sz="quarter" idx="5"/>
-          </p:nvPr>
-        </p:nvSpPr>
-        <p:spPr>
-          <a:ln/>
-        </p:spPr>
-        <p:txBody>
-          <a:bodyPr/>
-          <a:lstStyle/>
-          <a:p>
-            <a:fld id="{A54D6D3A-60B6-4E2F-96FF-5A0A1570CE34}" type="slidenum">
-              <a:rPr lang="en-US"/>
-              <a:pPr/>
-              <a:t>6</a:t>
-            </a:fld>
-            <a:endParaRPr lang="en-US"/>
-          </a:p>
-        </p:txBody>
-      </p:sp>
-      <p:sp>
-        <p:nvSpPr>
-          <p:cNvPr id="187394" name="Rectangle 2"/>
-          <p:cNvSpPr>
-            <a:spLocks noRot="1" noChangeArrowheads="1" noTextEdit="1"/>
-          </p:cNvSpPr>
-          <p:nvPr>
-            <p:ph type="sldImg"/>
-          </p:nvPr>
-        </p:nvSpPr>
-        <p:spPr>
-          <a:ln/>
-        </p:spPr>
-      </p:sp>
-      <p:sp>
-        <p:nvSpPr>
-          <p:cNvPr id="187395" name="Rectangle 3"/>
-          <p:cNvSpPr>
-            <a:spLocks noGrp="1" noChangeArrowheads="1"/>
-          </p:cNvSpPr>
-          <p:nvPr>
-            <p:ph type="body" idx="1"/>
-          </p:nvPr>
-        </p:nvSpPr>
-        <p:spPr/>
-        <p:txBody>
-          <a:bodyPr/>
-          <a:lstStyle/>
-          <a:p>
-            <a:endParaRPr lang="nl-NL"/>
-          </a:p>
-        </p:txBody>
-      </p:sp>
-    </p:spTree>
-  </p:cSld>
-  <p:clrMapOvr>
-    <a:masterClrMapping/>
-  </p:clrMapOvr>
-</p:notes>
-</file>
-
-<file path=ppt/notesSlides/notesSlide7.xml><?xml version="1.0" encoding="utf-8"?>
-<p:notes xmlns:a="http://schemas.openxmlformats.org/drawingml/2006/main" xmlns:r="http://schemas.openxmlformats.org/officeDocument/2006/relationships" xmlns:p="http://schemas.openxmlformats.org/presentationml/2006/main">
-  <p:cSld>
-    <p:spTree>
-      <p:nvGrpSpPr>
-        <p:cNvPr id="1" name=""/>
-        <p:cNvGrpSpPr/>
-        <p:nvPr/>
-      </p:nvGrpSpPr>
-      <p:grpSpPr>
-        <a:xfrm>
-          <a:off x="0" y="0"/>
-          <a:ext cx="0" cy="0"/>
-          <a:chOff x="0" y="0"/>
-          <a:chExt cx="0" cy="0"/>
-        </a:xfrm>
-      </p:grpSpPr>
-      <p:sp>
-        <p:nvSpPr>
-          <p:cNvPr id="4" name="Rectangle 2"/>
-          <p:cNvSpPr>
-            <a:spLocks noGrp="1" noChangeArrowheads="1"/>
-          </p:cNvSpPr>
-          <p:nvPr>
-            <p:ph type="hdr" sz="quarter"/>
-          </p:nvPr>
-        </p:nvSpPr>
-        <p:spPr>
-          <a:ln/>
-        </p:spPr>
-        <p:txBody>
-          <a:bodyPr/>
-          <a:lstStyle/>
-          <a:p>
-            <a:r>
-              <a:rPr lang="en-US"/>
-              <a:t>xxxxxxxxxxxxxxx</a:t>
-            </a:r>
-          </a:p>
-        </p:txBody>
-      </p:sp>
-      <p:sp>
-        <p:nvSpPr>
-          <p:cNvPr id="5" name="Rectangle 3"/>
-          <p:cNvSpPr>
-            <a:spLocks noGrp="1" noChangeArrowheads="1"/>
-          </p:cNvSpPr>
-          <p:nvPr>
-            <p:ph type="dt" idx="1"/>
-          </p:nvPr>
-        </p:nvSpPr>
-        <p:spPr>
-          <a:ln/>
-        </p:spPr>
-        <p:txBody>
-          <a:bodyPr/>
-          <a:lstStyle/>
-          <a:p>
-            <a:fld id="{44D02D24-DF92-4868-A617-AFB17E64FD83}" type="datetime1">
-              <a:rPr lang="en-US"/>
-              <a:pPr/>
-              <a:t>2/19/2013</a:t>
-            </a:fld>
-            <a:endParaRPr lang="en-US"/>
-          </a:p>
-        </p:txBody>
-      </p:sp>
-      <p:sp>
-        <p:nvSpPr>
-          <p:cNvPr id="6" name="Rectangle 6"/>
-          <p:cNvSpPr>
-            <a:spLocks noGrp="1" noChangeArrowheads="1"/>
-          </p:cNvSpPr>
-          <p:nvPr>
-            <p:ph type="ftr" sz="quarter" idx="4"/>
-          </p:nvPr>
-        </p:nvSpPr>
-        <p:spPr>
-          <a:ln/>
-        </p:spPr>
-        <p:txBody>
-          <a:bodyPr/>
-          <a:lstStyle/>
-          <a:p>
-            <a:r>
-              <a:rPr lang="en-US"/>
-              <a:t>xxxxxxxxxxxxx</a:t>
-            </a:r>
-          </a:p>
-        </p:txBody>
-      </p:sp>
-      <p:sp>
-        <p:nvSpPr>
-          <p:cNvPr id="7" name="Rectangle 7"/>
-          <p:cNvSpPr>
-            <a:spLocks noGrp="1" noChangeArrowheads="1"/>
-          </p:cNvSpPr>
-          <p:nvPr>
-            <p:ph type="sldNum" sz="quarter" idx="5"/>
-          </p:nvPr>
-        </p:nvSpPr>
-        <p:spPr>
-          <a:ln/>
-        </p:spPr>
-        <p:txBody>
-          <a:bodyPr/>
-          <a:lstStyle/>
-          <a:p>
-            <a:fld id="{1CE20ECD-122A-431E-9180-D0AF6053AA97}" type="slidenum">
-              <a:rPr lang="en-US"/>
-              <a:pPr/>
-              <a:t>7</a:t>
-            </a:fld>
-            <a:endParaRPr lang="en-US"/>
-          </a:p>
-        </p:txBody>
-      </p:sp>
-      <p:sp>
-        <p:nvSpPr>
-          <p:cNvPr id="188418" name="Rectangle 2"/>
-          <p:cNvSpPr>
-            <a:spLocks noRot="1" noChangeArrowheads="1" noTextEdit="1"/>
-          </p:cNvSpPr>
-          <p:nvPr>
-            <p:ph type="sldImg"/>
-          </p:nvPr>
-        </p:nvSpPr>
-        <p:spPr>
-          <a:ln/>
-        </p:spPr>
-      </p:sp>
-      <p:sp>
-        <p:nvSpPr>
-          <p:cNvPr id="188419" name="Rectangle 3"/>
-          <p:cNvSpPr>
-            <a:spLocks noGrp="1" noChangeArrowheads="1"/>
-          </p:cNvSpPr>
-          <p:nvPr>
-            <p:ph type="body" idx="1"/>
-          </p:nvPr>
-        </p:nvSpPr>
-        <p:spPr/>
-        <p:txBody>
-          <a:bodyPr/>
-          <a:lstStyle/>
-          <a:p>
-            <a:endParaRPr lang="nl-NL"/>
-          </a:p>
-        </p:txBody>
-      </p:sp>
-    </p:spTree>
-  </p:cSld>
-  <p:clrMapOvr>
-    <a:masterClrMapping/>
-  </p:clrMapOvr>
-</p:notes>
-</file>
-
-<file path=ppt/notesSlides/notesSlide8.xml><?xml version="1.0" encoding="utf-8"?>
-<p:notes xmlns:a="http://schemas.openxmlformats.org/drawingml/2006/main" xmlns:r="http://schemas.openxmlformats.org/officeDocument/2006/relationships" xmlns:p="http://schemas.openxmlformats.org/presentationml/2006/main">
-  <p:cSld>
-    <p:spTree>
-      <p:nvGrpSpPr>
-        <p:cNvPr id="1" name=""/>
-        <p:cNvGrpSpPr/>
-        <p:nvPr/>
-      </p:nvGrpSpPr>
-      <p:grpSpPr>
-        <a:xfrm>
-          <a:off x="0" y="0"/>
-          <a:ext cx="0" cy="0"/>
-          <a:chOff x="0" y="0"/>
-          <a:chExt cx="0" cy="0"/>
-        </a:xfrm>
-      </p:grpSpPr>
-      <p:sp>
-        <p:nvSpPr>
-          <p:cNvPr id="4" name="Rectangle 2"/>
-          <p:cNvSpPr>
-            <a:spLocks noGrp="1" noChangeArrowheads="1"/>
-          </p:cNvSpPr>
-          <p:nvPr>
-            <p:ph type="hdr" sz="quarter"/>
-          </p:nvPr>
-        </p:nvSpPr>
-        <p:spPr>
-          <a:ln/>
-        </p:spPr>
-        <p:txBody>
-          <a:bodyPr/>
-          <a:lstStyle/>
-          <a:p>
-            <a:r>
-              <a:rPr lang="en-US"/>
-              <a:t>xxxxxxxxxxxxxxx</a:t>
-            </a:r>
-          </a:p>
-        </p:txBody>
-      </p:sp>
-      <p:sp>
-        <p:nvSpPr>
-          <p:cNvPr id="5" name="Rectangle 3"/>
-          <p:cNvSpPr>
-            <a:spLocks noGrp="1" noChangeArrowheads="1"/>
-          </p:cNvSpPr>
-          <p:nvPr>
-            <p:ph type="dt" idx="1"/>
-          </p:nvPr>
-        </p:nvSpPr>
-        <p:spPr>
-          <a:ln/>
-        </p:spPr>
-        <p:txBody>
-          <a:bodyPr/>
-          <a:lstStyle/>
-          <a:p>
-            <a:fld id="{65156C2C-AC52-4106-9D3A-30D2E7496094}" type="datetime1">
-              <a:rPr lang="en-US"/>
-              <a:pPr/>
-              <a:t>2/19/2013</a:t>
-            </a:fld>
-            <a:endParaRPr lang="en-US"/>
-          </a:p>
-        </p:txBody>
-      </p:sp>
-      <p:sp>
-        <p:nvSpPr>
-          <p:cNvPr id="6" name="Rectangle 6"/>
-          <p:cNvSpPr>
-            <a:spLocks noGrp="1" noChangeArrowheads="1"/>
-          </p:cNvSpPr>
-          <p:nvPr>
-            <p:ph type="ftr" sz="quarter" idx="4"/>
-          </p:nvPr>
-        </p:nvSpPr>
-        <p:spPr>
-          <a:ln/>
-        </p:spPr>
-        <p:txBody>
-          <a:bodyPr/>
-          <a:lstStyle/>
-          <a:p>
-            <a:r>
-              <a:rPr lang="en-US"/>
-              <a:t>xxxxxxxxxxxxx</a:t>
-            </a:r>
-          </a:p>
-        </p:txBody>
-      </p:sp>
-      <p:sp>
-        <p:nvSpPr>
-          <p:cNvPr id="7" name="Rectangle 7"/>
-          <p:cNvSpPr>
-            <a:spLocks noGrp="1" noChangeArrowheads="1"/>
-          </p:cNvSpPr>
-          <p:nvPr>
-            <p:ph type="sldNum" sz="quarter" idx="5"/>
-          </p:nvPr>
-        </p:nvSpPr>
-        <p:spPr>
-          <a:ln/>
-        </p:spPr>
-        <p:txBody>
-          <a:bodyPr/>
-          <a:lstStyle/>
-          <a:p>
-            <a:fld id="{22015A77-993A-47B7-8DFA-A8FC7083A1A9}" type="slidenum">
-              <a:rPr lang="en-US"/>
-              <a:pPr/>
-              <a:t>8</a:t>
-            </a:fld>
-            <a:endParaRPr lang="en-US"/>
-          </a:p>
-        </p:txBody>
-      </p:sp>
-      <p:sp>
-        <p:nvSpPr>
-          <p:cNvPr id="189442" name="Rectangle 2"/>
-          <p:cNvSpPr>
-            <a:spLocks noRot="1" noChangeArrowheads="1" noTextEdit="1"/>
-          </p:cNvSpPr>
-          <p:nvPr>
-            <p:ph type="sldImg"/>
-          </p:nvPr>
-        </p:nvSpPr>
-        <p:spPr>
-          <a:ln/>
-        </p:spPr>
-      </p:sp>
-      <p:sp>
-        <p:nvSpPr>
-          <p:cNvPr id="189443" name="Rectangle 3"/>
-          <p:cNvSpPr>
-            <a:spLocks noGrp="1" noChangeArrowheads="1"/>
-          </p:cNvSpPr>
-          <p:nvPr>
-            <p:ph type="body" idx="1"/>
-          </p:nvPr>
-        </p:nvSpPr>
-        <p:spPr/>
-        <p:txBody>
-          <a:bodyPr/>
-          <a:lstStyle/>
-          <a:p>
-            <a:endParaRPr lang="nl-NL"/>
-          </a:p>
-        </p:txBody>
-      </p:sp>
-    </p:spTree>
-  </p:cSld>
-  <p:clrMapOvr>
-    <a:masterClrMapping/>
-  </p:clrMapOvr>
-</p:notes>
-</file>
-
-<file path=ppt/notesSlides/notesSlide9.xml><?xml version="1.0" encoding="utf-8"?>
-<p:notes xmlns:a="http://schemas.openxmlformats.org/drawingml/2006/main" xmlns:r="http://schemas.openxmlformats.org/officeDocument/2006/relationships" xmlns:p="http://schemas.openxmlformats.org/presentationml/2006/main">
-  <p:cSld>
-    <p:spTree>
-      <p:nvGrpSpPr>
-        <p:cNvPr id="1" name=""/>
-        <p:cNvGrpSpPr/>
-        <p:nvPr/>
-      </p:nvGrpSpPr>
-      <p:grpSpPr>
-        <a:xfrm>
-          <a:off x="0" y="0"/>
-          <a:ext cx="0" cy="0"/>
-          <a:chOff x="0" y="0"/>
-          <a:chExt cx="0" cy="0"/>
-        </a:xfrm>
-      </p:grpSpPr>
-      <p:sp>
-        <p:nvSpPr>
-          <p:cNvPr id="4" name="Rectangle 2"/>
-          <p:cNvSpPr>
-            <a:spLocks noGrp="1" noChangeArrowheads="1"/>
-          </p:cNvSpPr>
-          <p:nvPr>
-            <p:ph type="hdr" sz="quarter"/>
-          </p:nvPr>
-        </p:nvSpPr>
-        <p:spPr>
-          <a:ln/>
-        </p:spPr>
-        <p:txBody>
-          <a:bodyPr/>
-          <a:lstStyle/>
-          <a:p>
-            <a:r>
-              <a:rPr lang="en-US"/>
-              <a:t>xxxxxxxxxxxxxxx</a:t>
-            </a:r>
-          </a:p>
-        </p:txBody>
-      </p:sp>
-      <p:sp>
-        <p:nvSpPr>
-          <p:cNvPr id="5" name="Rectangle 3"/>
-          <p:cNvSpPr>
-            <a:spLocks noGrp="1" noChangeArrowheads="1"/>
-          </p:cNvSpPr>
-          <p:nvPr>
-            <p:ph type="dt" idx="1"/>
-          </p:nvPr>
-        </p:nvSpPr>
-        <p:spPr>
-          <a:ln/>
-        </p:spPr>
-        <p:txBody>
-          <a:bodyPr/>
-          <a:lstStyle/>
-          <a:p>
-            <a:fld id="{6D2115F2-323E-4739-AAA5-A0527194E8D9}" type="datetime1">
-              <a:rPr lang="en-US"/>
-              <a:pPr/>
-              <a:t>2/19/2013</a:t>
-            </a:fld>
-            <a:endParaRPr lang="en-US"/>
-          </a:p>
-        </p:txBody>
-      </p:sp>
-      <p:sp>
-        <p:nvSpPr>
-          <p:cNvPr id="6" name="Rectangle 6"/>
-          <p:cNvSpPr>
-            <a:spLocks noGrp="1" noChangeArrowheads="1"/>
-          </p:cNvSpPr>
-          <p:nvPr>
-            <p:ph type="ftr" sz="quarter" idx="4"/>
-          </p:nvPr>
-        </p:nvSpPr>
-        <p:spPr>
-          <a:ln/>
-        </p:spPr>
-        <p:txBody>
-          <a:bodyPr/>
-          <a:lstStyle/>
-          <a:p>
-            <a:r>
-              <a:rPr lang="en-US"/>
-              <a:t>xxxxxxxxxxxxx</a:t>
-            </a:r>
-          </a:p>
-        </p:txBody>
-      </p:sp>
-      <p:sp>
-        <p:nvSpPr>
-          <p:cNvPr id="7" name="Rectangle 7"/>
-          <p:cNvSpPr>
-            <a:spLocks noGrp="1" noChangeArrowheads="1"/>
-          </p:cNvSpPr>
-          <p:nvPr>
-            <p:ph type="sldNum" sz="quarter" idx="5"/>
-          </p:nvPr>
-        </p:nvSpPr>
-        <p:spPr>
-          <a:ln/>
-        </p:spPr>
-        <p:txBody>
-          <a:bodyPr/>
-          <a:lstStyle/>
-          <a:p>
-            <a:fld id="{AD2C158C-A258-478D-9F91-4BA9D35DE1F3}" type="slidenum">
-              <a:rPr lang="en-US"/>
-              <a:pPr/>
-              <a:t>9</a:t>
-            </a:fld>
-            <a:endParaRPr lang="en-US"/>
-          </a:p>
-        </p:txBody>
-      </p:sp>
-      <p:sp>
-        <p:nvSpPr>
-          <p:cNvPr id="190466" name="Rectangle 2"/>
-          <p:cNvSpPr>
-            <a:spLocks noRot="1" noChangeArrowheads="1" noTextEdit="1"/>
-          </p:cNvSpPr>
-          <p:nvPr>
-            <p:ph type="sldImg"/>
-          </p:nvPr>
-        </p:nvSpPr>
-        <p:spPr>
-          <a:ln/>
-        </p:spPr>
-      </p:sp>
-      <p:sp>
-        <p:nvSpPr>
-          <p:cNvPr id="190467" name="Rectangle 3"/>
-          <p:cNvSpPr>
-            <a:spLocks noGrp="1" noChangeArrowheads="1"/>
-          </p:cNvSpPr>
-          <p:nvPr>
-            <p:ph type="body" idx="1"/>
-          </p:nvPr>
-        </p:nvSpPr>
-        <p:spPr/>
-        <p:txBody>
-          <a:bodyPr/>
-          <a:lstStyle/>
-          <a:p>
-            <a:endParaRPr lang="nl-NL"/>
-          </a:p>
-        </p:txBody>
-      </p:sp>
-    </p:spTree>
+    <p:extLst>
+      <p:ext uri="{BB962C8B-B14F-4D97-AF65-F5344CB8AC3E}">
+        <p14:creationId xmlns:p14="http://schemas.microsoft.com/office/powerpoint/2010/main" val="3803194698"/>
+      </p:ext>
+    </p:extLst>
   </p:cSld>
   <p:clrMapOvr>
     <a:masterClrMapping/>
@@ -2671,7 +1124,7 @@
             <a:fld id="{93F21019-3A00-48AC-9663-40DF67A83229}" type="datetime1">
               <a:rPr lang="en-US"/>
               <a:pPr/>
-              <a:t>2/19/2013</a:t>
+              <a:t>12/12/2018</a:t>
             </a:fld>
             <a:endParaRPr lang="en-US">
               <a:solidFill>
@@ -2857,7 +1310,7 @@
             <a:fld id="{8B2EF9C8-0AC3-4A53-9A61-1834A571F420}" type="datetime1">
               <a:rPr lang="en-US"/>
               <a:pPr/>
-              <a:t>2/19/2013</a:t>
+              <a:t>12/12/2018</a:t>
             </a:fld>
             <a:endParaRPr lang="en-US" sz="1400">
               <a:solidFill>
@@ -3054,7 +1507,7 @@
             <a:fld id="{F02960F3-A385-4905-A491-FDC17E063DD1}" type="datetime1">
               <a:rPr lang="en-US"/>
               <a:pPr/>
-              <a:t>2/19/2013</a:t>
+              <a:t>12/12/2018</a:t>
             </a:fld>
             <a:endParaRPr lang="en-US" sz="1400">
               <a:solidFill>
@@ -3313,7 +1766,7 @@
             <a:fld id="{CD3AD70A-8E2A-47B5-AC18-ABBB5A8E737D}" type="datetime1">
               <a:rPr lang="en-US"/>
               <a:pPr/>
-              <a:t>2/19/2013</a:t>
+              <a:t>12/12/2018</a:t>
             </a:fld>
             <a:endParaRPr lang="en-US" sz="1400">
               <a:solidFill>
@@ -3549,7 +2002,7 @@
             <a:fld id="{07008C2E-9BD6-496B-BFC3-B4A975EBC85E}" type="datetime1">
               <a:rPr lang="en-US"/>
               <a:pPr/>
-              <a:t>2/19/2013</a:t>
+              <a:t>12/12/2018</a:t>
             </a:fld>
             <a:endParaRPr lang="en-US" sz="1400">
               <a:solidFill>
@@ -3728,7 +2181,7 @@
             <a:fld id="{1AA2C3CF-866C-4FDE-B76D-4E9536901630}" type="datetime1">
               <a:rPr lang="en-US"/>
               <a:pPr/>
-              <a:t>2/19/2013</a:t>
+              <a:t>12/12/2018</a:t>
             </a:fld>
             <a:endParaRPr lang="en-US" sz="1400">
               <a:solidFill>
@@ -3907,7 +2360,7 @@
             <a:fld id="{555EE259-FE08-4558-B721-B189FFE77284}" type="datetime1">
               <a:rPr lang="en-US"/>
               <a:pPr/>
-              <a:t>2/19/2013</a:t>
+              <a:t>12/12/2018</a:t>
             </a:fld>
             <a:endParaRPr lang="en-US" sz="1400">
               <a:solidFill>
@@ -4176,7 +2629,7 @@
             <a:fld id="{0AF4064E-5624-49AB-B7C6-E301A8F6B1FF}" type="datetime1">
               <a:rPr lang="en-US"/>
               <a:pPr/>
-              <a:t>2/19/2013</a:t>
+              <a:t>12/12/2018</a:t>
             </a:fld>
             <a:endParaRPr lang="en-US" sz="1400">
               <a:solidFill>
@@ -4373,7 +2826,7 @@
             <a:fld id="{CBC97FCD-6C54-4833-B032-BFBCDFA8379D}" type="datetime1">
               <a:rPr lang="en-US"/>
               <a:pPr/>
-              <a:t>2/19/2013</a:t>
+              <a:t>12/12/2018</a:t>
             </a:fld>
             <a:endParaRPr lang="en-US" sz="1400">
               <a:solidFill>
@@ -4582,7 +3035,7 @@
             <a:fld id="{F04AA577-515A-431F-98B6-3B03494ABB11}" type="datetime1">
               <a:rPr lang="en-US"/>
               <a:pPr/>
-              <a:t>2/19/2013</a:t>
+              <a:t>12/12/2018</a:t>
             </a:fld>
             <a:endParaRPr lang="en-US" sz="1400">
               <a:solidFill>
@@ -4887,7 +3340,7 @@
             <a:fld id="{6475F1A4-C474-4345-A800-2F40B0E4E70C}" type="datetime1">
               <a:rPr lang="en-US"/>
               <a:pPr/>
-              <a:t>2/19/2013</a:t>
+              <a:t>12/12/2018</a:t>
             </a:fld>
             <a:endParaRPr lang="en-US" sz="1400">
               <a:solidFill>
@@ -5331,7 +3784,7 @@
             <a:fld id="{7BA535AB-820E-4207-9DA8-5F37106C7AF4}" type="datetime1">
               <a:rPr lang="en-US"/>
               <a:pPr/>
-              <a:t>2/19/2013</a:t>
+              <a:t>12/12/2018</a:t>
             </a:fld>
             <a:endParaRPr lang="en-US" sz="1400">
               <a:solidFill>
@@ -5466,7 +3919,7 @@
             <a:fld id="{0A7E69FA-D7EE-42C0-9117-1971B541885F}" type="datetime1">
               <a:rPr lang="en-US"/>
               <a:pPr/>
-              <a:t>2/19/2013</a:t>
+              <a:t>12/12/2018</a:t>
             </a:fld>
             <a:endParaRPr lang="en-US" sz="1400">
               <a:solidFill>
@@ -5578,7 +4031,7 @@
             <a:fld id="{10D7644E-1B5D-4325-BA79-338DF2B89B56}" type="datetime1">
               <a:rPr lang="en-US"/>
               <a:pPr/>
-              <a:t>2/19/2013</a:t>
+              <a:t>12/12/2018</a:t>
             </a:fld>
             <a:endParaRPr lang="en-US" sz="1400">
               <a:solidFill>
@@ -5872,7 +4325,7 @@
             <a:fld id="{B790C882-0B74-4932-8998-E9ABB8AF1740}" type="datetime1">
               <a:rPr lang="en-US"/>
               <a:pPr/>
-              <a:t>2/19/2013</a:t>
+              <a:t>12/12/2018</a:t>
             </a:fld>
             <a:endParaRPr lang="en-US" sz="1400">
               <a:solidFill>
@@ -6142,7 +4595,7 @@
             <a:fld id="{9DC585DC-AE7D-44C1-90AB-C3A391DEA065}" type="datetime1">
               <a:rPr lang="en-US"/>
               <a:pPr/>
-              <a:t>2/19/2013</a:t>
+              <a:t>12/12/2018</a:t>
             </a:fld>
             <a:endParaRPr lang="en-US" sz="1400">
               <a:solidFill>
@@ -6406,7 +4859,7 @@
             <a:fld id="{256CE565-1940-4E5F-9190-C0815CEAAA9D}" type="datetime1">
               <a:rPr lang="en-US"/>
               <a:pPr/>
-              <a:t>2/19/2013</a:t>
+              <a:t>12/12/2018</a:t>
             </a:fld>
             <a:endParaRPr lang="en-US"/>
           </a:p>
@@ -6976,15 +5429,35 @@
             <p:ph type="ctrTitle"/>
           </p:nvPr>
         </p:nvSpPr>
-        <p:spPr/>
+        <p:spPr>
+          <a:xfrm>
+            <a:off x="1798638" y="2286000"/>
+            <a:ext cx="6583362" cy="1261884"/>
+          </a:xfrm>
+        </p:spPr>
         <p:txBody>
           <a:bodyPr/>
           <a:lstStyle/>
           <a:p>
             <a:r>
-              <a:rPr lang="en-US"/>
-              <a:t>HU powerpoint-presentatie</a:t>
-            </a:r>
+              <a:rPr lang="en-US" dirty="0" smtClean="0"/>
+              <a:t>Data-driven learning</a:t>
+            </a:r>
+            <a:br>
+              <a:rPr lang="en-US" dirty="0" smtClean="0"/>
+            </a:br>
+            <a:r>
+              <a:rPr lang="en-US" sz="2400" dirty="0" smtClean="0"/>
+              <a:t>W8 L1:</a:t>
+            </a:r>
+            <a:r>
+              <a:rPr lang="en-US" sz="2400" smtClean="0"/>
+              <a:t/>
+            </a:r>
+            <a:br>
+              <a:rPr lang="en-US" sz="2400" smtClean="0"/>
+            </a:br>
+            <a:endParaRPr lang="en-US" sz="2000" dirty="0"/>
           </a:p>
         </p:txBody>
       </p:sp>
@@ -7001,1682 +5474,39 @@
         <p:spPr>
           <a:xfrm>
             <a:off x="1798638" y="3886200"/>
-            <a:ext cx="6583362" cy="336550"/>
+            <a:ext cx="6583362" cy="1569660"/>
           </a:xfrm>
         </p:spPr>
         <p:txBody>
           <a:bodyPr/>
           <a:lstStyle/>
           <a:p>
-            <a:r>
-              <a:rPr lang="en-US"/>
-              <a:t>Voorbeelden en suggesties</a:t>
-            </a:r>
+            <a:endParaRPr lang="en-US" dirty="0" smtClean="0"/>
+          </a:p>
+          <a:p>
+            <a:endParaRPr lang="en-US" dirty="0"/>
+          </a:p>
+          <a:p>
+            <a:endParaRPr lang="en-US" dirty="0" smtClean="0"/>
+          </a:p>
+          <a:p>
+            <a:endParaRPr lang="en-US" dirty="0"/>
+          </a:p>
+          <a:p>
+            <a:r>
+              <a:rPr lang="en-US" dirty="0" smtClean="0"/>
+              <a:t>Jonas Moons</a:t>
+            </a:r>
+            <a:endParaRPr lang="en-US" dirty="0"/>
           </a:p>
         </p:txBody>
       </p:sp>
     </p:spTree>
-  </p:cSld>
-  <p:clrMapOvr>
-    <a:masterClrMapping/>
-  </p:clrMapOvr>
-  <p:timing>
-    <p:tnLst>
-      <p:par>
-        <p:cTn id="1" dur="indefinite" restart="never" nodeType="tmRoot"/>
-      </p:par>
-    </p:tnLst>
-  </p:timing>
-</p:sld>
-</file>
-
-<file path=ppt/slides/slide10.xml><?xml version="1.0" encoding="utf-8"?>
-<p:sld xmlns:a="http://schemas.openxmlformats.org/drawingml/2006/main" xmlns:r="http://schemas.openxmlformats.org/officeDocument/2006/relationships" xmlns:p="http://schemas.openxmlformats.org/presentationml/2006/main">
-  <p:cSld>
-    <p:spTree>
-      <p:nvGrpSpPr>
-        <p:cNvPr id="1" name=""/>
-        <p:cNvGrpSpPr/>
-        <p:nvPr/>
-      </p:nvGrpSpPr>
-      <p:grpSpPr>
-        <a:xfrm>
-          <a:off x="0" y="0"/>
-          <a:ext cx="0" cy="0"/>
-          <a:chOff x="0" y="0"/>
-          <a:chExt cx="0" cy="0"/>
-        </a:xfrm>
-      </p:grpSpPr>
-      <p:sp>
-        <p:nvSpPr>
-          <p:cNvPr id="176130" name="Rectangle 2"/>
-          <p:cNvSpPr>
-            <a:spLocks noGrp="1" noChangeArrowheads="1"/>
-          </p:cNvSpPr>
-          <p:nvPr>
-            <p:ph type="title"/>
-          </p:nvPr>
-        </p:nvSpPr>
-        <p:spPr/>
-        <p:txBody>
-          <a:bodyPr/>
-          <a:lstStyle/>
-          <a:p>
-            <a:r>
-              <a:rPr lang="en-US"/>
-              <a:t>HU ppt [tabel]</a:t>
-            </a:r>
-          </a:p>
-        </p:txBody>
-      </p:sp>
-      <p:graphicFrame>
-        <p:nvGraphicFramePr>
-          <p:cNvPr id="176488" name="Group 360"/>
-          <p:cNvGraphicFramePr>
-            <a:graphicFrameLocks noGrp="1"/>
-          </p:cNvGraphicFramePr>
-          <p:nvPr>
-            <p:ph type="tbl" idx="1"/>
-          </p:nvPr>
-        </p:nvGraphicFramePr>
-        <p:xfrm>
-          <a:off x="762000" y="1762125"/>
-          <a:ext cx="7620000" cy="2540002"/>
-        </p:xfrm>
-        <a:graphic>
-          <a:graphicData uri="http://schemas.openxmlformats.org/drawingml/2006/table">
-            <a:tbl>
-              <a:tblPr/>
-              <a:tblGrid>
-                <a:gridCol w="1905000"/>
-                <a:gridCol w="1905000"/>
-                <a:gridCol w="1905000"/>
-                <a:gridCol w="1905000"/>
-              </a:tblGrid>
-              <a:tr h="636588">
-                <a:tc>
-                  <a:txBody>
-                    <a:bodyPr/>
-                    <a:lstStyle/>
-                    <a:p>
-                      <a:pPr marL="0" marR="0" lvl="0" indent="0" algn="l" defTabSz="914400" rtl="0" eaLnBrk="1" fontAlgn="base" latinLnBrk="0" hangingPunct="1">
-                        <a:lnSpc>
-                          <a:spcPct val="100000"/>
-                        </a:lnSpc>
-                        <a:spcBef>
-                          <a:spcPct val="20000"/>
-                        </a:spcBef>
-                        <a:spcAft>
-                          <a:spcPct val="0"/>
-                        </a:spcAft>
-                        <a:buClr>
-                          <a:srgbClr val="ED0010"/>
-                        </a:buClr>
-                        <a:buSzPct val="60000"/>
-                        <a:buFont typeface="Zapf Dingbats" charset="2"/>
-                        <a:buNone/>
-                        <a:tabLst/>
-                      </a:pPr>
-                      <a:endParaRPr kumimoji="0" lang="nl-NL" sz="2400" b="0" i="0" u="none" strike="noStrike" cap="none" normalizeH="0" baseline="0" smtClean="0">
-                        <a:ln>
-                          <a:noFill/>
-                        </a:ln>
-                        <a:solidFill>
-                          <a:srgbClr val="000000"/>
-                        </a:solidFill>
-                        <a:effectLst/>
-                        <a:latin typeface="Arial" charset="0"/>
-                      </a:endParaRPr>
-                    </a:p>
-                  </a:txBody>
-                  <a:tcPr horzOverflow="overflow">
-                    <a:lnL w="12700" cap="flat" cmpd="sng" algn="ctr">
-                      <a:solidFill>
-                        <a:schemeClr val="bg1"/>
-                      </a:solidFill>
-                      <a:prstDash val="solid"/>
-                      <a:round/>
-                      <a:headEnd type="none" w="med" len="med"/>
-                      <a:tailEnd type="none" w="med" len="med"/>
-                    </a:lnL>
-                    <a:lnR w="28575" cap="flat" cmpd="sng" algn="ctr">
-                      <a:solidFill>
-                        <a:schemeClr val="bg1"/>
-                      </a:solidFill>
-                      <a:prstDash val="solid"/>
-                      <a:round/>
-                      <a:headEnd type="none" w="med" len="med"/>
-                      <a:tailEnd type="none" w="med" len="med"/>
-                    </a:lnR>
-                    <a:lnT w="12700" cap="flat" cmpd="sng" algn="ctr">
-                      <a:solidFill>
-                        <a:schemeClr val="bg1"/>
-                      </a:solidFill>
-                      <a:prstDash val="solid"/>
-                      <a:round/>
-                      <a:headEnd type="none" w="med" len="med"/>
-                      <a:tailEnd type="none" w="med" len="med"/>
-                    </a:lnT>
-                    <a:lnB w="28575" cap="flat" cmpd="sng" algn="ctr">
-                      <a:solidFill>
-                        <a:schemeClr val="bg1"/>
-                      </a:solidFill>
-                      <a:prstDash val="solid"/>
-                      <a:round/>
-                      <a:headEnd type="none" w="med" len="med"/>
-                      <a:tailEnd type="none" w="med" len="med"/>
-                    </a:lnB>
-                    <a:lnTlToBr>
-                      <a:noFill/>
-                    </a:lnTlToBr>
-                    <a:lnBlToTr>
-                      <a:noFill/>
-                    </a:lnBlToTr>
-                    <a:solidFill>
-                      <a:schemeClr val="accent1"/>
-                    </a:solidFill>
-                  </a:tcPr>
-                </a:tc>
-                <a:tc>
-                  <a:txBody>
-                    <a:bodyPr/>
-                    <a:lstStyle/>
-                    <a:p>
-                      <a:pPr marL="0" marR="0" lvl="0" indent="0" algn="l" defTabSz="914400" rtl="0" eaLnBrk="1" fontAlgn="base" latinLnBrk="0" hangingPunct="1">
-                        <a:lnSpc>
-                          <a:spcPct val="100000"/>
-                        </a:lnSpc>
-                        <a:spcBef>
-                          <a:spcPct val="20000"/>
-                        </a:spcBef>
-                        <a:spcAft>
-                          <a:spcPct val="0"/>
-                        </a:spcAft>
-                        <a:buClr>
-                          <a:srgbClr val="ED0010"/>
-                        </a:buClr>
-                        <a:buSzPct val="60000"/>
-                        <a:buFont typeface="Zapf Dingbats" charset="2"/>
-                        <a:buNone/>
-                        <a:tabLst/>
-                      </a:pPr>
-                      <a:r>
-                        <a:rPr kumimoji="0" lang="en-US" sz="2400" b="1" i="0" u="none" strike="noStrike" cap="none" normalizeH="0" baseline="0" smtClean="0">
-                          <a:ln>
-                            <a:noFill/>
-                          </a:ln>
-                          <a:solidFill>
-                            <a:srgbClr val="000000"/>
-                          </a:solidFill>
-                          <a:effectLst/>
-                          <a:latin typeface="Arial" charset="0"/>
-                        </a:rPr>
-                        <a:t>Instituut</a:t>
-                      </a:r>
-                      <a:endParaRPr kumimoji="0" lang="en-US" sz="2400" b="0" i="0" u="none" strike="noStrike" cap="none" normalizeH="0" baseline="0" smtClean="0">
-                        <a:ln>
-                          <a:noFill/>
-                        </a:ln>
-                        <a:solidFill>
-                          <a:srgbClr val="000000"/>
-                        </a:solidFill>
-                        <a:effectLst/>
-                        <a:latin typeface="Arial" charset="0"/>
-                      </a:endParaRPr>
-                    </a:p>
-                  </a:txBody>
-                  <a:tcPr horzOverflow="overflow">
-                    <a:lnL w="28575" cap="flat" cmpd="sng" algn="ctr">
-                      <a:solidFill>
-                        <a:schemeClr val="bg1"/>
-                      </a:solidFill>
-                      <a:prstDash val="solid"/>
-                      <a:round/>
-                      <a:headEnd type="none" w="med" len="med"/>
-                      <a:tailEnd type="none" w="med" len="med"/>
-                    </a:lnL>
-                    <a:lnR w="28575" cap="flat" cmpd="sng" algn="ctr">
-                      <a:solidFill>
-                        <a:schemeClr val="bg1"/>
-                      </a:solidFill>
-                      <a:prstDash val="solid"/>
-                      <a:round/>
-                      <a:headEnd type="none" w="med" len="med"/>
-                      <a:tailEnd type="none" w="med" len="med"/>
-                    </a:lnR>
-                    <a:lnT w="12700" cap="flat" cmpd="sng" algn="ctr">
-                      <a:solidFill>
-                        <a:schemeClr val="bg1"/>
-                      </a:solidFill>
-                      <a:prstDash val="solid"/>
-                      <a:round/>
-                      <a:headEnd type="none" w="med" len="med"/>
-                      <a:tailEnd type="none" w="med" len="med"/>
-                    </a:lnT>
-                    <a:lnB w="28575" cap="flat" cmpd="sng" algn="ctr">
-                      <a:solidFill>
-                        <a:schemeClr val="bg1"/>
-                      </a:solidFill>
-                      <a:prstDash val="solid"/>
-                      <a:round/>
-                      <a:headEnd type="none" w="med" len="med"/>
-                      <a:tailEnd type="none" w="med" len="med"/>
-                    </a:lnB>
-                    <a:lnTlToBr>
-                      <a:noFill/>
-                    </a:lnTlToBr>
-                    <a:lnBlToTr>
-                      <a:noFill/>
-                    </a:lnBlToTr>
-                    <a:solidFill>
-                      <a:schemeClr val="accent1"/>
-                    </a:solidFill>
-                  </a:tcPr>
-                </a:tc>
-                <a:tc>
-                  <a:txBody>
-                    <a:bodyPr/>
-                    <a:lstStyle/>
-                    <a:p>
-                      <a:pPr marL="0" marR="0" lvl="0" indent="0" algn="l" defTabSz="914400" rtl="0" eaLnBrk="1" fontAlgn="base" latinLnBrk="0" hangingPunct="1">
-                        <a:lnSpc>
-                          <a:spcPct val="100000"/>
-                        </a:lnSpc>
-                        <a:spcBef>
-                          <a:spcPct val="20000"/>
-                        </a:spcBef>
-                        <a:spcAft>
-                          <a:spcPct val="0"/>
-                        </a:spcAft>
-                        <a:buClr>
-                          <a:srgbClr val="ED0010"/>
-                        </a:buClr>
-                        <a:buSzPct val="60000"/>
-                        <a:buFont typeface="Zapf Dingbats" charset="2"/>
-                        <a:buNone/>
-                        <a:tabLst/>
-                      </a:pPr>
-                      <a:r>
-                        <a:rPr kumimoji="0" lang="en-US" sz="2400" b="1" i="0" u="none" strike="noStrike" cap="none" normalizeH="0" baseline="0" smtClean="0">
-                          <a:ln>
-                            <a:noFill/>
-                          </a:ln>
-                          <a:solidFill>
-                            <a:srgbClr val="000000"/>
-                          </a:solidFill>
-                          <a:effectLst/>
-                          <a:latin typeface="Arial" charset="0"/>
-                        </a:rPr>
-                        <a:t>academie</a:t>
-                      </a:r>
-                    </a:p>
-                  </a:txBody>
-                  <a:tcPr horzOverflow="overflow">
-                    <a:lnL w="28575" cap="flat" cmpd="sng" algn="ctr">
-                      <a:solidFill>
-                        <a:schemeClr val="bg1"/>
-                      </a:solidFill>
-                      <a:prstDash val="solid"/>
-                      <a:round/>
-                      <a:headEnd type="none" w="med" len="med"/>
-                      <a:tailEnd type="none" w="med" len="med"/>
-                    </a:lnL>
-                    <a:lnR w="28575" cap="flat" cmpd="sng" algn="ctr">
-                      <a:solidFill>
-                        <a:schemeClr val="bg1"/>
-                      </a:solidFill>
-                      <a:prstDash val="solid"/>
-                      <a:round/>
-                      <a:headEnd type="none" w="med" len="med"/>
-                      <a:tailEnd type="none" w="med" len="med"/>
-                    </a:lnR>
-                    <a:lnT w="12700" cap="flat" cmpd="sng" algn="ctr">
-                      <a:solidFill>
-                        <a:schemeClr val="bg1"/>
-                      </a:solidFill>
-                      <a:prstDash val="solid"/>
-                      <a:round/>
-                      <a:headEnd type="none" w="med" len="med"/>
-                      <a:tailEnd type="none" w="med" len="med"/>
-                    </a:lnT>
-                    <a:lnB w="28575" cap="flat" cmpd="sng" algn="ctr">
-                      <a:solidFill>
-                        <a:schemeClr val="bg1"/>
-                      </a:solidFill>
-                      <a:prstDash val="solid"/>
-                      <a:round/>
-                      <a:headEnd type="none" w="med" len="med"/>
-                      <a:tailEnd type="none" w="med" len="med"/>
-                    </a:lnB>
-                    <a:lnTlToBr>
-                      <a:noFill/>
-                    </a:lnTlToBr>
-                    <a:lnBlToTr>
-                      <a:noFill/>
-                    </a:lnBlToTr>
-                    <a:solidFill>
-                      <a:schemeClr val="accent1"/>
-                    </a:solidFill>
-                  </a:tcPr>
-                </a:tc>
-                <a:tc>
-                  <a:txBody>
-                    <a:bodyPr/>
-                    <a:lstStyle/>
-                    <a:p>
-                      <a:pPr marL="0" marR="0" lvl="0" indent="0" algn="l" defTabSz="914400" rtl="0" eaLnBrk="1" fontAlgn="base" latinLnBrk="0" hangingPunct="1">
-                        <a:lnSpc>
-                          <a:spcPct val="100000"/>
-                        </a:lnSpc>
-                        <a:spcBef>
-                          <a:spcPct val="20000"/>
-                        </a:spcBef>
-                        <a:spcAft>
-                          <a:spcPct val="0"/>
-                        </a:spcAft>
-                        <a:buClr>
-                          <a:srgbClr val="ED0010"/>
-                        </a:buClr>
-                        <a:buSzPct val="60000"/>
-                        <a:buFont typeface="Zapf Dingbats" charset="2"/>
-                        <a:buNone/>
-                        <a:tabLst/>
-                      </a:pPr>
-                      <a:r>
-                        <a:rPr kumimoji="0" lang="en-US" sz="2400" b="1" i="0" u="none" strike="noStrike" cap="none" normalizeH="0" baseline="0" smtClean="0">
-                          <a:ln>
-                            <a:noFill/>
-                          </a:ln>
-                          <a:solidFill>
-                            <a:srgbClr val="000000"/>
-                          </a:solidFill>
-                          <a:effectLst/>
-                          <a:latin typeface="Arial" charset="0"/>
-                        </a:rPr>
-                        <a:t>centrum</a:t>
-                      </a:r>
-                    </a:p>
-                  </a:txBody>
-                  <a:tcPr horzOverflow="overflow">
-                    <a:lnL w="28575" cap="flat" cmpd="sng" algn="ctr">
-                      <a:solidFill>
-                        <a:schemeClr val="bg1"/>
-                      </a:solidFill>
-                      <a:prstDash val="solid"/>
-                      <a:round/>
-                      <a:headEnd type="none" w="med" len="med"/>
-                      <a:tailEnd type="none" w="med" len="med"/>
-                    </a:lnL>
-                    <a:lnR w="12700" cap="flat" cmpd="sng" algn="ctr">
-                      <a:solidFill>
-                        <a:schemeClr val="bg1"/>
-                      </a:solidFill>
-                      <a:prstDash val="solid"/>
-                      <a:round/>
-                      <a:headEnd type="none" w="med" len="med"/>
-                      <a:tailEnd type="none" w="med" len="med"/>
-                    </a:lnR>
-                    <a:lnT w="12700" cap="flat" cmpd="sng" algn="ctr">
-                      <a:solidFill>
-                        <a:schemeClr val="bg1"/>
-                      </a:solidFill>
-                      <a:prstDash val="solid"/>
-                      <a:round/>
-                      <a:headEnd type="none" w="med" len="med"/>
-                      <a:tailEnd type="none" w="med" len="med"/>
-                    </a:lnT>
-                    <a:lnB w="28575" cap="flat" cmpd="sng" algn="ctr">
-                      <a:solidFill>
-                        <a:schemeClr val="bg1"/>
-                      </a:solidFill>
-                      <a:prstDash val="solid"/>
-                      <a:round/>
-                      <a:headEnd type="none" w="med" len="med"/>
-                      <a:tailEnd type="none" w="med" len="med"/>
-                    </a:lnB>
-                    <a:lnTlToBr>
-                      <a:noFill/>
-                    </a:lnTlToBr>
-                    <a:lnBlToTr>
-                      <a:noFill/>
-                    </a:lnBlToTr>
-                    <a:solidFill>
-                      <a:schemeClr val="accent1"/>
-                    </a:solidFill>
-                  </a:tcPr>
-                </a:tc>
-              </a:tr>
-              <a:tr h="633413">
-                <a:tc>
-                  <a:txBody>
-                    <a:bodyPr/>
-                    <a:lstStyle/>
-                    <a:p>
-                      <a:pPr marL="0" marR="0" lvl="0" indent="0" algn="l" defTabSz="914400" rtl="0" eaLnBrk="1" fontAlgn="base" latinLnBrk="0" hangingPunct="1">
-                        <a:lnSpc>
-                          <a:spcPct val="100000"/>
-                        </a:lnSpc>
-                        <a:spcBef>
-                          <a:spcPct val="20000"/>
-                        </a:spcBef>
-                        <a:spcAft>
-                          <a:spcPct val="0"/>
-                        </a:spcAft>
-                        <a:buClr>
-                          <a:srgbClr val="ED0010"/>
-                        </a:buClr>
-                        <a:buSzPct val="60000"/>
-                        <a:buFont typeface="Zapf Dingbats" charset="2"/>
-                        <a:buNone/>
-                        <a:tabLst/>
-                      </a:pPr>
-                      <a:r>
-                        <a:rPr kumimoji="0" lang="en-US" sz="2400" b="1" i="0" u="none" strike="noStrike" cap="none" normalizeH="0" baseline="0" smtClean="0">
-                          <a:ln>
-                            <a:noFill/>
-                          </a:ln>
-                          <a:solidFill>
-                            <a:srgbClr val="000000"/>
-                          </a:solidFill>
-                          <a:effectLst/>
-                          <a:latin typeface="Arial" charset="0"/>
-                        </a:rPr>
-                        <a:t>2003</a:t>
-                      </a:r>
-                      <a:endParaRPr kumimoji="0" lang="en-US" sz="2400" b="0" i="0" u="none" strike="noStrike" cap="none" normalizeH="0" baseline="0" smtClean="0">
-                        <a:ln>
-                          <a:noFill/>
-                        </a:ln>
-                        <a:solidFill>
-                          <a:srgbClr val="000000"/>
-                        </a:solidFill>
-                        <a:effectLst/>
-                        <a:latin typeface="Arial" charset="0"/>
-                      </a:endParaRPr>
-                    </a:p>
-                  </a:txBody>
-                  <a:tcPr horzOverflow="overflow">
-                    <a:lnL w="12700" cap="flat" cmpd="sng" algn="ctr">
-                      <a:solidFill>
-                        <a:schemeClr val="bg1"/>
-                      </a:solidFill>
-                      <a:prstDash val="solid"/>
-                      <a:round/>
-                      <a:headEnd type="none" w="med" len="med"/>
-                      <a:tailEnd type="none" w="med" len="med"/>
-                    </a:lnL>
-                    <a:lnR w="28575" cap="flat" cmpd="sng" algn="ctr">
-                      <a:solidFill>
-                        <a:schemeClr val="bg1"/>
-                      </a:solidFill>
-                      <a:prstDash val="solid"/>
-                      <a:round/>
-                      <a:headEnd type="none" w="med" len="med"/>
-                      <a:tailEnd type="none" w="med" len="med"/>
-                    </a:lnR>
-                    <a:lnT w="28575" cap="flat" cmpd="sng" algn="ctr">
-                      <a:solidFill>
-                        <a:schemeClr val="bg1"/>
-                      </a:solidFill>
-                      <a:prstDash val="solid"/>
-                      <a:round/>
-                      <a:headEnd type="none" w="med" len="med"/>
-                      <a:tailEnd type="none" w="med" len="med"/>
-                    </a:lnT>
-                    <a:lnB w="28575" cap="flat" cmpd="sng" algn="ctr">
-                      <a:solidFill>
-                        <a:schemeClr val="bg1"/>
-                      </a:solidFill>
-                      <a:prstDash val="solid"/>
-                      <a:round/>
-                      <a:headEnd type="none" w="med" len="med"/>
-                      <a:tailEnd type="none" w="med" len="med"/>
-                    </a:lnB>
-                    <a:lnTlToBr>
-                      <a:noFill/>
-                    </a:lnTlToBr>
-                    <a:lnBlToTr>
-                      <a:noFill/>
-                    </a:lnBlToTr>
-                    <a:solidFill>
-                      <a:schemeClr val="accent1"/>
-                    </a:solidFill>
-                  </a:tcPr>
-                </a:tc>
-                <a:tc>
-                  <a:txBody>
-                    <a:bodyPr/>
-                    <a:lstStyle/>
-                    <a:p>
-                      <a:pPr marL="0" marR="0" lvl="0" indent="0" algn="l" defTabSz="914400" rtl="0" eaLnBrk="1" fontAlgn="base" latinLnBrk="0" hangingPunct="1">
-                        <a:lnSpc>
-                          <a:spcPct val="100000"/>
-                        </a:lnSpc>
-                        <a:spcBef>
-                          <a:spcPct val="20000"/>
-                        </a:spcBef>
-                        <a:spcAft>
-                          <a:spcPct val="0"/>
-                        </a:spcAft>
-                        <a:buClr>
-                          <a:srgbClr val="ED0010"/>
-                        </a:buClr>
-                        <a:buSzPct val="60000"/>
-                        <a:buFont typeface="Zapf Dingbats" charset="2"/>
-                        <a:buNone/>
-                        <a:tabLst/>
-                      </a:pPr>
-                      <a:r>
-                        <a:rPr kumimoji="0" lang="en-US" sz="2400" b="0" i="0" u="none" strike="noStrike" cap="none" normalizeH="0" baseline="0" smtClean="0">
-                          <a:ln>
-                            <a:noFill/>
-                          </a:ln>
-                          <a:solidFill>
-                            <a:srgbClr val="000000"/>
-                          </a:solidFill>
-                          <a:effectLst/>
-                          <a:latin typeface="Arial" charset="0"/>
-                        </a:rPr>
-                        <a:t>30%</a:t>
-                      </a:r>
-                    </a:p>
-                  </a:txBody>
-                  <a:tcPr horzOverflow="overflow">
-                    <a:lnL w="28575" cap="flat" cmpd="sng" algn="ctr">
-                      <a:solidFill>
-                        <a:schemeClr val="bg1"/>
-                      </a:solidFill>
-                      <a:prstDash val="solid"/>
-                      <a:round/>
-                      <a:headEnd type="none" w="med" len="med"/>
-                      <a:tailEnd type="none" w="med" len="med"/>
-                    </a:lnL>
-                    <a:lnR w="28575" cap="flat" cmpd="sng" algn="ctr">
-                      <a:solidFill>
-                        <a:schemeClr val="bg1"/>
-                      </a:solidFill>
-                      <a:prstDash val="solid"/>
-                      <a:round/>
-                      <a:headEnd type="none" w="med" len="med"/>
-                      <a:tailEnd type="none" w="med" len="med"/>
-                    </a:lnR>
-                    <a:lnT w="28575" cap="flat" cmpd="sng" algn="ctr">
-                      <a:solidFill>
-                        <a:schemeClr val="bg1"/>
-                      </a:solidFill>
-                      <a:prstDash val="solid"/>
-                      <a:round/>
-                      <a:headEnd type="none" w="med" len="med"/>
-                      <a:tailEnd type="none" w="med" len="med"/>
-                    </a:lnT>
-                    <a:lnB w="28575" cap="flat" cmpd="sng" algn="ctr">
-                      <a:solidFill>
-                        <a:schemeClr val="bg1"/>
-                      </a:solidFill>
-                      <a:prstDash val="solid"/>
-                      <a:round/>
-                      <a:headEnd type="none" w="med" len="med"/>
-                      <a:tailEnd type="none" w="med" len="med"/>
-                    </a:lnB>
-                    <a:lnTlToBr>
-                      <a:noFill/>
-                    </a:lnTlToBr>
-                    <a:lnBlToTr>
-                      <a:noFill/>
-                    </a:lnBlToTr>
-                    <a:solidFill>
-                      <a:schemeClr val="accent1"/>
-                    </a:solidFill>
-                  </a:tcPr>
-                </a:tc>
-                <a:tc>
-                  <a:txBody>
-                    <a:bodyPr/>
-                    <a:lstStyle/>
-                    <a:p>
-                      <a:pPr marL="0" marR="0" lvl="0" indent="0" algn="l" defTabSz="914400" rtl="0" eaLnBrk="1" fontAlgn="base" latinLnBrk="0" hangingPunct="1">
-                        <a:lnSpc>
-                          <a:spcPct val="100000"/>
-                        </a:lnSpc>
-                        <a:spcBef>
-                          <a:spcPct val="20000"/>
-                        </a:spcBef>
-                        <a:spcAft>
-                          <a:spcPct val="0"/>
-                        </a:spcAft>
-                        <a:buClr>
-                          <a:srgbClr val="ED0010"/>
-                        </a:buClr>
-                        <a:buSzPct val="60000"/>
-                        <a:buFont typeface="Zapf Dingbats" charset="2"/>
-                        <a:buNone/>
-                        <a:tabLst/>
-                      </a:pPr>
-                      <a:r>
-                        <a:rPr kumimoji="0" lang="en-US" sz="2400" b="0" i="0" u="none" strike="noStrike" cap="none" normalizeH="0" baseline="0" smtClean="0">
-                          <a:ln>
-                            <a:noFill/>
-                          </a:ln>
-                          <a:solidFill>
-                            <a:srgbClr val="000000"/>
-                          </a:solidFill>
-                          <a:effectLst/>
-                          <a:latin typeface="Arial" charset="0"/>
-                        </a:rPr>
-                        <a:t>28%</a:t>
-                      </a:r>
-                    </a:p>
-                  </a:txBody>
-                  <a:tcPr horzOverflow="overflow">
-                    <a:lnL w="28575" cap="flat" cmpd="sng" algn="ctr">
-                      <a:solidFill>
-                        <a:schemeClr val="bg1"/>
-                      </a:solidFill>
-                      <a:prstDash val="solid"/>
-                      <a:round/>
-                      <a:headEnd type="none" w="med" len="med"/>
-                      <a:tailEnd type="none" w="med" len="med"/>
-                    </a:lnL>
-                    <a:lnR w="28575" cap="flat" cmpd="sng" algn="ctr">
-                      <a:solidFill>
-                        <a:schemeClr val="bg1"/>
-                      </a:solidFill>
-                      <a:prstDash val="solid"/>
-                      <a:round/>
-                      <a:headEnd type="none" w="med" len="med"/>
-                      <a:tailEnd type="none" w="med" len="med"/>
-                    </a:lnR>
-                    <a:lnT w="28575" cap="flat" cmpd="sng" algn="ctr">
-                      <a:solidFill>
-                        <a:schemeClr val="bg1"/>
-                      </a:solidFill>
-                      <a:prstDash val="solid"/>
-                      <a:round/>
-                      <a:headEnd type="none" w="med" len="med"/>
-                      <a:tailEnd type="none" w="med" len="med"/>
-                    </a:lnT>
-                    <a:lnB w="28575" cap="flat" cmpd="sng" algn="ctr">
-                      <a:solidFill>
-                        <a:schemeClr val="bg1"/>
-                      </a:solidFill>
-                      <a:prstDash val="solid"/>
-                      <a:round/>
-                      <a:headEnd type="none" w="med" len="med"/>
-                      <a:tailEnd type="none" w="med" len="med"/>
-                    </a:lnB>
-                    <a:lnTlToBr>
-                      <a:noFill/>
-                    </a:lnTlToBr>
-                    <a:lnBlToTr>
-                      <a:noFill/>
-                    </a:lnBlToTr>
-                    <a:solidFill>
-                      <a:schemeClr val="accent1"/>
-                    </a:solidFill>
-                  </a:tcPr>
-                </a:tc>
-                <a:tc>
-                  <a:txBody>
-                    <a:bodyPr/>
-                    <a:lstStyle/>
-                    <a:p>
-                      <a:pPr marL="0" marR="0" lvl="0" indent="0" algn="l" defTabSz="914400" rtl="0" eaLnBrk="1" fontAlgn="base" latinLnBrk="0" hangingPunct="1">
-                        <a:lnSpc>
-                          <a:spcPct val="100000"/>
-                        </a:lnSpc>
-                        <a:spcBef>
-                          <a:spcPct val="20000"/>
-                        </a:spcBef>
-                        <a:spcAft>
-                          <a:spcPct val="0"/>
-                        </a:spcAft>
-                        <a:buClr>
-                          <a:srgbClr val="ED0010"/>
-                        </a:buClr>
-                        <a:buSzPct val="60000"/>
-                        <a:buFont typeface="Zapf Dingbats" charset="2"/>
-                        <a:buNone/>
-                        <a:tabLst/>
-                      </a:pPr>
-                      <a:r>
-                        <a:rPr kumimoji="0" lang="en-US" sz="2400" b="0" i="0" u="none" strike="noStrike" cap="none" normalizeH="0" baseline="0" smtClean="0">
-                          <a:ln>
-                            <a:noFill/>
-                          </a:ln>
-                          <a:solidFill>
-                            <a:srgbClr val="000000"/>
-                          </a:solidFill>
-                          <a:effectLst/>
-                          <a:latin typeface="Arial" charset="0"/>
-                        </a:rPr>
-                        <a:t>32%</a:t>
-                      </a:r>
-                    </a:p>
-                  </a:txBody>
-                  <a:tcPr horzOverflow="overflow">
-                    <a:lnL w="28575" cap="flat" cmpd="sng" algn="ctr">
-                      <a:solidFill>
-                        <a:schemeClr val="bg1"/>
-                      </a:solidFill>
-                      <a:prstDash val="solid"/>
-                      <a:round/>
-                      <a:headEnd type="none" w="med" len="med"/>
-                      <a:tailEnd type="none" w="med" len="med"/>
-                    </a:lnL>
-                    <a:lnR w="12700" cap="flat" cmpd="sng" algn="ctr">
-                      <a:solidFill>
-                        <a:schemeClr val="bg1"/>
-                      </a:solidFill>
-                      <a:prstDash val="solid"/>
-                      <a:round/>
-                      <a:headEnd type="none" w="med" len="med"/>
-                      <a:tailEnd type="none" w="med" len="med"/>
-                    </a:lnR>
-                    <a:lnT w="28575" cap="flat" cmpd="sng" algn="ctr">
-                      <a:solidFill>
-                        <a:schemeClr val="bg1"/>
-                      </a:solidFill>
-                      <a:prstDash val="solid"/>
-                      <a:round/>
-                      <a:headEnd type="none" w="med" len="med"/>
-                      <a:tailEnd type="none" w="med" len="med"/>
-                    </a:lnT>
-                    <a:lnB w="28575" cap="flat" cmpd="sng" algn="ctr">
-                      <a:solidFill>
-                        <a:schemeClr val="bg1"/>
-                      </a:solidFill>
-                      <a:prstDash val="solid"/>
-                      <a:round/>
-                      <a:headEnd type="none" w="med" len="med"/>
-                      <a:tailEnd type="none" w="med" len="med"/>
-                    </a:lnB>
-                    <a:lnTlToBr>
-                      <a:noFill/>
-                    </a:lnTlToBr>
-                    <a:lnBlToTr>
-                      <a:noFill/>
-                    </a:lnBlToTr>
-                    <a:solidFill>
-                      <a:schemeClr val="accent1"/>
-                    </a:solidFill>
-                  </a:tcPr>
-                </a:tc>
-              </a:tr>
-              <a:tr h="636588">
-                <a:tc>
-                  <a:txBody>
-                    <a:bodyPr/>
-                    <a:lstStyle/>
-                    <a:p>
-                      <a:pPr marL="0" marR="0" lvl="0" indent="0" algn="l" defTabSz="914400" rtl="0" eaLnBrk="1" fontAlgn="base" latinLnBrk="0" hangingPunct="1">
-                        <a:lnSpc>
-                          <a:spcPct val="100000"/>
-                        </a:lnSpc>
-                        <a:spcBef>
-                          <a:spcPct val="20000"/>
-                        </a:spcBef>
-                        <a:spcAft>
-                          <a:spcPct val="0"/>
-                        </a:spcAft>
-                        <a:buClr>
-                          <a:srgbClr val="ED0010"/>
-                        </a:buClr>
-                        <a:buSzPct val="60000"/>
-                        <a:buFont typeface="Zapf Dingbats" charset="2"/>
-                        <a:buNone/>
-                        <a:tabLst/>
-                      </a:pPr>
-                      <a:r>
-                        <a:rPr kumimoji="0" lang="en-US" sz="2400" b="1" i="0" u="none" strike="noStrike" cap="none" normalizeH="0" baseline="0" smtClean="0">
-                          <a:ln>
-                            <a:noFill/>
-                          </a:ln>
-                          <a:solidFill>
-                            <a:srgbClr val="000000"/>
-                          </a:solidFill>
-                          <a:effectLst/>
-                          <a:latin typeface="Arial" charset="0"/>
-                        </a:rPr>
-                        <a:t>2004</a:t>
-                      </a:r>
-                      <a:endParaRPr kumimoji="0" lang="en-US" sz="2400" b="0" i="0" u="none" strike="noStrike" cap="none" normalizeH="0" baseline="0" smtClean="0">
-                        <a:ln>
-                          <a:noFill/>
-                        </a:ln>
-                        <a:solidFill>
-                          <a:srgbClr val="000000"/>
-                        </a:solidFill>
-                        <a:effectLst/>
-                        <a:latin typeface="Arial" charset="0"/>
-                      </a:endParaRPr>
-                    </a:p>
-                  </a:txBody>
-                  <a:tcPr horzOverflow="overflow">
-                    <a:lnL w="12700" cap="flat" cmpd="sng" algn="ctr">
-                      <a:solidFill>
-                        <a:schemeClr val="bg1"/>
-                      </a:solidFill>
-                      <a:prstDash val="solid"/>
-                      <a:round/>
-                      <a:headEnd type="none" w="med" len="med"/>
-                      <a:tailEnd type="none" w="med" len="med"/>
-                    </a:lnL>
-                    <a:lnR w="28575" cap="flat" cmpd="sng" algn="ctr">
-                      <a:solidFill>
-                        <a:schemeClr val="bg1"/>
-                      </a:solidFill>
-                      <a:prstDash val="solid"/>
-                      <a:round/>
-                      <a:headEnd type="none" w="med" len="med"/>
-                      <a:tailEnd type="none" w="med" len="med"/>
-                    </a:lnR>
-                    <a:lnT w="28575" cap="flat" cmpd="sng" algn="ctr">
-                      <a:solidFill>
-                        <a:schemeClr val="bg1"/>
-                      </a:solidFill>
-                      <a:prstDash val="solid"/>
-                      <a:round/>
-                      <a:headEnd type="none" w="med" len="med"/>
-                      <a:tailEnd type="none" w="med" len="med"/>
-                    </a:lnT>
-                    <a:lnB w="28575" cap="flat" cmpd="sng" algn="ctr">
-                      <a:solidFill>
-                        <a:schemeClr val="bg1"/>
-                      </a:solidFill>
-                      <a:prstDash val="solid"/>
-                      <a:round/>
-                      <a:headEnd type="none" w="med" len="med"/>
-                      <a:tailEnd type="none" w="med" len="med"/>
-                    </a:lnB>
-                    <a:lnTlToBr>
-                      <a:noFill/>
-                    </a:lnTlToBr>
-                    <a:lnBlToTr>
-                      <a:noFill/>
-                    </a:lnBlToTr>
-                    <a:solidFill>
-                      <a:schemeClr val="accent1"/>
-                    </a:solidFill>
-                  </a:tcPr>
-                </a:tc>
-                <a:tc>
-                  <a:txBody>
-                    <a:bodyPr/>
-                    <a:lstStyle/>
-                    <a:p>
-                      <a:pPr marL="0" marR="0" lvl="0" indent="0" algn="l" defTabSz="914400" rtl="0" eaLnBrk="1" fontAlgn="base" latinLnBrk="0" hangingPunct="1">
-                        <a:lnSpc>
-                          <a:spcPct val="100000"/>
-                        </a:lnSpc>
-                        <a:spcBef>
-                          <a:spcPct val="20000"/>
-                        </a:spcBef>
-                        <a:spcAft>
-                          <a:spcPct val="0"/>
-                        </a:spcAft>
-                        <a:buClr>
-                          <a:srgbClr val="ED0010"/>
-                        </a:buClr>
-                        <a:buSzPct val="60000"/>
-                        <a:buFont typeface="Zapf Dingbats" charset="2"/>
-                        <a:buNone/>
-                        <a:tabLst/>
-                      </a:pPr>
-                      <a:r>
-                        <a:rPr kumimoji="0" lang="en-US" sz="2400" b="0" i="0" u="none" strike="noStrike" cap="none" normalizeH="0" baseline="0" smtClean="0">
-                          <a:ln>
-                            <a:noFill/>
-                          </a:ln>
-                          <a:solidFill>
-                            <a:srgbClr val="000000"/>
-                          </a:solidFill>
-                          <a:effectLst/>
-                          <a:latin typeface="Arial" charset="0"/>
-                        </a:rPr>
-                        <a:t>28%</a:t>
-                      </a:r>
-                    </a:p>
-                  </a:txBody>
-                  <a:tcPr horzOverflow="overflow">
-                    <a:lnL w="28575" cap="flat" cmpd="sng" algn="ctr">
-                      <a:solidFill>
-                        <a:schemeClr val="bg1"/>
-                      </a:solidFill>
-                      <a:prstDash val="solid"/>
-                      <a:round/>
-                      <a:headEnd type="none" w="med" len="med"/>
-                      <a:tailEnd type="none" w="med" len="med"/>
-                    </a:lnL>
-                    <a:lnR w="28575" cap="flat" cmpd="sng" algn="ctr">
-                      <a:solidFill>
-                        <a:schemeClr val="bg1"/>
-                      </a:solidFill>
-                      <a:prstDash val="solid"/>
-                      <a:round/>
-                      <a:headEnd type="none" w="med" len="med"/>
-                      <a:tailEnd type="none" w="med" len="med"/>
-                    </a:lnR>
-                    <a:lnT w="28575" cap="flat" cmpd="sng" algn="ctr">
-                      <a:solidFill>
-                        <a:schemeClr val="bg1"/>
-                      </a:solidFill>
-                      <a:prstDash val="solid"/>
-                      <a:round/>
-                      <a:headEnd type="none" w="med" len="med"/>
-                      <a:tailEnd type="none" w="med" len="med"/>
-                    </a:lnT>
-                    <a:lnB w="28575" cap="flat" cmpd="sng" algn="ctr">
-                      <a:solidFill>
-                        <a:schemeClr val="bg1"/>
-                      </a:solidFill>
-                      <a:prstDash val="solid"/>
-                      <a:round/>
-                      <a:headEnd type="none" w="med" len="med"/>
-                      <a:tailEnd type="none" w="med" len="med"/>
-                    </a:lnB>
-                    <a:lnTlToBr>
-                      <a:noFill/>
-                    </a:lnTlToBr>
-                    <a:lnBlToTr>
-                      <a:noFill/>
-                    </a:lnBlToTr>
-                    <a:solidFill>
-                      <a:schemeClr val="accent1"/>
-                    </a:solidFill>
-                  </a:tcPr>
-                </a:tc>
-                <a:tc>
-                  <a:txBody>
-                    <a:bodyPr/>
-                    <a:lstStyle/>
-                    <a:p>
-                      <a:pPr marL="0" marR="0" lvl="0" indent="0" algn="l" defTabSz="914400" rtl="0" eaLnBrk="1" fontAlgn="base" latinLnBrk="0" hangingPunct="1">
-                        <a:lnSpc>
-                          <a:spcPct val="100000"/>
-                        </a:lnSpc>
-                        <a:spcBef>
-                          <a:spcPct val="20000"/>
-                        </a:spcBef>
-                        <a:spcAft>
-                          <a:spcPct val="0"/>
-                        </a:spcAft>
-                        <a:buClr>
-                          <a:srgbClr val="ED0010"/>
-                        </a:buClr>
-                        <a:buSzPct val="60000"/>
-                        <a:buFont typeface="Zapf Dingbats" charset="2"/>
-                        <a:buNone/>
-                        <a:tabLst/>
-                      </a:pPr>
-                      <a:r>
-                        <a:rPr kumimoji="0" lang="en-US" sz="2400" b="0" i="0" u="none" strike="noStrike" cap="none" normalizeH="0" baseline="0" smtClean="0">
-                          <a:ln>
-                            <a:noFill/>
-                          </a:ln>
-                          <a:solidFill>
-                            <a:srgbClr val="000000"/>
-                          </a:solidFill>
-                          <a:effectLst/>
-                          <a:latin typeface="Arial" charset="0"/>
-                        </a:rPr>
-                        <a:t>32%</a:t>
-                      </a:r>
-                    </a:p>
-                  </a:txBody>
-                  <a:tcPr horzOverflow="overflow">
-                    <a:lnL w="28575" cap="flat" cmpd="sng" algn="ctr">
-                      <a:solidFill>
-                        <a:schemeClr val="bg1"/>
-                      </a:solidFill>
-                      <a:prstDash val="solid"/>
-                      <a:round/>
-                      <a:headEnd type="none" w="med" len="med"/>
-                      <a:tailEnd type="none" w="med" len="med"/>
-                    </a:lnL>
-                    <a:lnR w="28575" cap="flat" cmpd="sng" algn="ctr">
-                      <a:solidFill>
-                        <a:schemeClr val="bg1"/>
-                      </a:solidFill>
-                      <a:prstDash val="solid"/>
-                      <a:round/>
-                      <a:headEnd type="none" w="med" len="med"/>
-                      <a:tailEnd type="none" w="med" len="med"/>
-                    </a:lnR>
-                    <a:lnT w="28575" cap="flat" cmpd="sng" algn="ctr">
-                      <a:solidFill>
-                        <a:schemeClr val="bg1"/>
-                      </a:solidFill>
-                      <a:prstDash val="solid"/>
-                      <a:round/>
-                      <a:headEnd type="none" w="med" len="med"/>
-                      <a:tailEnd type="none" w="med" len="med"/>
-                    </a:lnT>
-                    <a:lnB w="28575" cap="flat" cmpd="sng" algn="ctr">
-                      <a:solidFill>
-                        <a:schemeClr val="bg1"/>
-                      </a:solidFill>
-                      <a:prstDash val="solid"/>
-                      <a:round/>
-                      <a:headEnd type="none" w="med" len="med"/>
-                      <a:tailEnd type="none" w="med" len="med"/>
-                    </a:lnB>
-                    <a:lnTlToBr>
-                      <a:noFill/>
-                    </a:lnTlToBr>
-                    <a:lnBlToTr>
-                      <a:noFill/>
-                    </a:lnBlToTr>
-                    <a:solidFill>
-                      <a:schemeClr val="accent1"/>
-                    </a:solidFill>
-                  </a:tcPr>
-                </a:tc>
-                <a:tc>
-                  <a:txBody>
-                    <a:bodyPr/>
-                    <a:lstStyle/>
-                    <a:p>
-                      <a:pPr marL="0" marR="0" lvl="0" indent="0" algn="l" defTabSz="914400" rtl="0" eaLnBrk="1" fontAlgn="base" latinLnBrk="0" hangingPunct="1">
-                        <a:lnSpc>
-                          <a:spcPct val="100000"/>
-                        </a:lnSpc>
-                        <a:spcBef>
-                          <a:spcPct val="20000"/>
-                        </a:spcBef>
-                        <a:spcAft>
-                          <a:spcPct val="0"/>
-                        </a:spcAft>
-                        <a:buClr>
-                          <a:srgbClr val="ED0010"/>
-                        </a:buClr>
-                        <a:buSzPct val="60000"/>
-                        <a:buFont typeface="Zapf Dingbats" charset="2"/>
-                        <a:buNone/>
-                        <a:tabLst/>
-                      </a:pPr>
-                      <a:r>
-                        <a:rPr kumimoji="0" lang="en-US" sz="2400" b="0" i="0" u="none" strike="noStrike" cap="none" normalizeH="0" baseline="0" smtClean="0">
-                          <a:ln>
-                            <a:noFill/>
-                          </a:ln>
-                          <a:solidFill>
-                            <a:srgbClr val="000000"/>
-                          </a:solidFill>
-                          <a:effectLst/>
-                          <a:latin typeface="Arial" charset="0"/>
-                        </a:rPr>
-                        <a:t>30%</a:t>
-                      </a:r>
-                    </a:p>
-                  </a:txBody>
-                  <a:tcPr horzOverflow="overflow">
-                    <a:lnL w="28575" cap="flat" cmpd="sng" algn="ctr">
-                      <a:solidFill>
-                        <a:schemeClr val="bg1"/>
-                      </a:solidFill>
-                      <a:prstDash val="solid"/>
-                      <a:round/>
-                      <a:headEnd type="none" w="med" len="med"/>
-                      <a:tailEnd type="none" w="med" len="med"/>
-                    </a:lnL>
-                    <a:lnR w="12700" cap="flat" cmpd="sng" algn="ctr">
-                      <a:solidFill>
-                        <a:schemeClr val="bg1"/>
-                      </a:solidFill>
-                      <a:prstDash val="solid"/>
-                      <a:round/>
-                      <a:headEnd type="none" w="med" len="med"/>
-                      <a:tailEnd type="none" w="med" len="med"/>
-                    </a:lnR>
-                    <a:lnT w="28575" cap="flat" cmpd="sng" algn="ctr">
-                      <a:solidFill>
-                        <a:schemeClr val="bg1"/>
-                      </a:solidFill>
-                      <a:prstDash val="solid"/>
-                      <a:round/>
-                      <a:headEnd type="none" w="med" len="med"/>
-                      <a:tailEnd type="none" w="med" len="med"/>
-                    </a:lnT>
-                    <a:lnB w="28575" cap="flat" cmpd="sng" algn="ctr">
-                      <a:solidFill>
-                        <a:schemeClr val="bg1"/>
-                      </a:solidFill>
-                      <a:prstDash val="solid"/>
-                      <a:round/>
-                      <a:headEnd type="none" w="med" len="med"/>
-                      <a:tailEnd type="none" w="med" len="med"/>
-                    </a:lnB>
-                    <a:lnTlToBr>
-                      <a:noFill/>
-                    </a:lnTlToBr>
-                    <a:lnBlToTr>
-                      <a:noFill/>
-                    </a:lnBlToTr>
-                    <a:solidFill>
-                      <a:schemeClr val="accent1"/>
-                    </a:solidFill>
-                  </a:tcPr>
-                </a:tc>
-              </a:tr>
-              <a:tr h="633413">
-                <a:tc>
-                  <a:txBody>
-                    <a:bodyPr/>
-                    <a:lstStyle/>
-                    <a:p>
-                      <a:pPr marL="0" marR="0" lvl="0" indent="0" algn="l" defTabSz="914400" rtl="0" eaLnBrk="1" fontAlgn="base" latinLnBrk="0" hangingPunct="1">
-                        <a:lnSpc>
-                          <a:spcPct val="100000"/>
-                        </a:lnSpc>
-                        <a:spcBef>
-                          <a:spcPct val="20000"/>
-                        </a:spcBef>
-                        <a:spcAft>
-                          <a:spcPct val="0"/>
-                        </a:spcAft>
-                        <a:buClr>
-                          <a:srgbClr val="ED0010"/>
-                        </a:buClr>
-                        <a:buSzPct val="60000"/>
-                        <a:buFont typeface="Zapf Dingbats" charset="2"/>
-                        <a:buNone/>
-                        <a:tabLst/>
-                      </a:pPr>
-                      <a:r>
-                        <a:rPr kumimoji="0" lang="en-US" sz="2400" b="1" i="0" u="none" strike="noStrike" cap="none" normalizeH="0" baseline="0" smtClean="0">
-                          <a:ln>
-                            <a:noFill/>
-                          </a:ln>
-                          <a:solidFill>
-                            <a:srgbClr val="000000"/>
-                          </a:solidFill>
-                          <a:effectLst/>
-                          <a:latin typeface="Arial" charset="0"/>
-                        </a:rPr>
-                        <a:t>2005</a:t>
-                      </a:r>
-                      <a:endParaRPr kumimoji="0" lang="en-US" sz="2400" b="0" i="0" u="none" strike="noStrike" cap="none" normalizeH="0" baseline="0" smtClean="0">
-                        <a:ln>
-                          <a:noFill/>
-                        </a:ln>
-                        <a:solidFill>
-                          <a:srgbClr val="000000"/>
-                        </a:solidFill>
-                        <a:effectLst/>
-                        <a:latin typeface="Arial" charset="0"/>
-                      </a:endParaRPr>
-                    </a:p>
-                  </a:txBody>
-                  <a:tcPr horzOverflow="overflow">
-                    <a:lnL w="12700" cap="flat" cmpd="sng" algn="ctr">
-                      <a:solidFill>
-                        <a:schemeClr val="bg1"/>
-                      </a:solidFill>
-                      <a:prstDash val="solid"/>
-                      <a:round/>
-                      <a:headEnd type="none" w="med" len="med"/>
-                      <a:tailEnd type="none" w="med" len="med"/>
-                    </a:lnL>
-                    <a:lnR w="28575" cap="flat" cmpd="sng" algn="ctr">
-                      <a:solidFill>
-                        <a:schemeClr val="bg1"/>
-                      </a:solidFill>
-                      <a:prstDash val="solid"/>
-                      <a:round/>
-                      <a:headEnd type="none" w="med" len="med"/>
-                      <a:tailEnd type="none" w="med" len="med"/>
-                    </a:lnR>
-                    <a:lnT w="28575" cap="flat" cmpd="sng" algn="ctr">
-                      <a:solidFill>
-                        <a:schemeClr val="bg1"/>
-                      </a:solidFill>
-                      <a:prstDash val="solid"/>
-                      <a:round/>
-                      <a:headEnd type="none" w="med" len="med"/>
-                      <a:tailEnd type="none" w="med" len="med"/>
-                    </a:lnT>
-                    <a:lnB w="12700" cap="flat" cmpd="sng" algn="ctr">
-                      <a:solidFill>
-                        <a:schemeClr val="bg1"/>
-                      </a:solidFill>
-                      <a:prstDash val="solid"/>
-                      <a:round/>
-                      <a:headEnd type="none" w="med" len="med"/>
-                      <a:tailEnd type="none" w="med" len="med"/>
-                    </a:lnB>
-                    <a:lnTlToBr>
-                      <a:noFill/>
-                    </a:lnTlToBr>
-                    <a:lnBlToTr>
-                      <a:noFill/>
-                    </a:lnBlToTr>
-                    <a:solidFill>
-                      <a:schemeClr val="accent1"/>
-                    </a:solidFill>
-                  </a:tcPr>
-                </a:tc>
-                <a:tc>
-                  <a:txBody>
-                    <a:bodyPr/>
-                    <a:lstStyle/>
-                    <a:p>
-                      <a:pPr marL="0" marR="0" lvl="0" indent="0" algn="l" defTabSz="914400" rtl="0" eaLnBrk="1" fontAlgn="base" latinLnBrk="0" hangingPunct="1">
-                        <a:lnSpc>
-                          <a:spcPct val="100000"/>
-                        </a:lnSpc>
-                        <a:spcBef>
-                          <a:spcPct val="20000"/>
-                        </a:spcBef>
-                        <a:spcAft>
-                          <a:spcPct val="0"/>
-                        </a:spcAft>
-                        <a:buClr>
-                          <a:srgbClr val="ED0010"/>
-                        </a:buClr>
-                        <a:buSzPct val="60000"/>
-                        <a:buFont typeface="Zapf Dingbats" charset="2"/>
-                        <a:buNone/>
-                        <a:tabLst/>
-                      </a:pPr>
-                      <a:r>
-                        <a:rPr kumimoji="0" lang="en-US" sz="2400" b="0" i="0" u="none" strike="noStrike" cap="none" normalizeH="0" baseline="0" smtClean="0">
-                          <a:ln>
-                            <a:noFill/>
-                          </a:ln>
-                          <a:solidFill>
-                            <a:srgbClr val="000000"/>
-                          </a:solidFill>
-                          <a:effectLst/>
-                          <a:latin typeface="Arial" charset="0"/>
-                        </a:rPr>
-                        <a:t>32%</a:t>
-                      </a:r>
-                    </a:p>
-                  </a:txBody>
-                  <a:tcPr horzOverflow="overflow">
-                    <a:lnL w="28575" cap="flat" cmpd="sng" algn="ctr">
-                      <a:solidFill>
-                        <a:schemeClr val="bg1"/>
-                      </a:solidFill>
-                      <a:prstDash val="solid"/>
-                      <a:round/>
-                      <a:headEnd type="none" w="med" len="med"/>
-                      <a:tailEnd type="none" w="med" len="med"/>
-                    </a:lnL>
-                    <a:lnR w="28575" cap="flat" cmpd="sng" algn="ctr">
-                      <a:solidFill>
-                        <a:schemeClr val="bg1"/>
-                      </a:solidFill>
-                      <a:prstDash val="solid"/>
-                      <a:round/>
-                      <a:headEnd type="none" w="med" len="med"/>
-                      <a:tailEnd type="none" w="med" len="med"/>
-                    </a:lnR>
-                    <a:lnT w="28575" cap="flat" cmpd="sng" algn="ctr">
-                      <a:solidFill>
-                        <a:schemeClr val="bg1"/>
-                      </a:solidFill>
-                      <a:prstDash val="solid"/>
-                      <a:round/>
-                      <a:headEnd type="none" w="med" len="med"/>
-                      <a:tailEnd type="none" w="med" len="med"/>
-                    </a:lnT>
-                    <a:lnB w="12700" cap="flat" cmpd="sng" algn="ctr">
-                      <a:solidFill>
-                        <a:schemeClr val="bg1"/>
-                      </a:solidFill>
-                      <a:prstDash val="solid"/>
-                      <a:round/>
-                      <a:headEnd type="none" w="med" len="med"/>
-                      <a:tailEnd type="none" w="med" len="med"/>
-                    </a:lnB>
-                    <a:lnTlToBr>
-                      <a:noFill/>
-                    </a:lnTlToBr>
-                    <a:lnBlToTr>
-                      <a:noFill/>
-                    </a:lnBlToTr>
-                    <a:solidFill>
-                      <a:schemeClr val="accent1"/>
-                    </a:solidFill>
-                  </a:tcPr>
-                </a:tc>
-                <a:tc>
-                  <a:txBody>
-                    <a:bodyPr/>
-                    <a:lstStyle/>
-                    <a:p>
-                      <a:pPr marL="0" marR="0" lvl="0" indent="0" algn="l" defTabSz="914400" rtl="0" eaLnBrk="1" fontAlgn="base" latinLnBrk="0" hangingPunct="1">
-                        <a:lnSpc>
-                          <a:spcPct val="100000"/>
-                        </a:lnSpc>
-                        <a:spcBef>
-                          <a:spcPct val="20000"/>
-                        </a:spcBef>
-                        <a:spcAft>
-                          <a:spcPct val="0"/>
-                        </a:spcAft>
-                        <a:buClr>
-                          <a:srgbClr val="ED0010"/>
-                        </a:buClr>
-                        <a:buSzPct val="60000"/>
-                        <a:buFont typeface="Zapf Dingbats" charset="2"/>
-                        <a:buNone/>
-                        <a:tabLst/>
-                      </a:pPr>
-                      <a:r>
-                        <a:rPr kumimoji="0" lang="en-US" sz="2400" b="0" i="0" u="none" strike="noStrike" cap="none" normalizeH="0" baseline="0" smtClean="0">
-                          <a:ln>
-                            <a:noFill/>
-                          </a:ln>
-                          <a:solidFill>
-                            <a:srgbClr val="000000"/>
-                          </a:solidFill>
-                          <a:effectLst/>
-                          <a:latin typeface="Arial" charset="0"/>
-                        </a:rPr>
-                        <a:t>30%</a:t>
-                      </a:r>
-                    </a:p>
-                  </a:txBody>
-                  <a:tcPr horzOverflow="overflow">
-                    <a:lnL w="28575" cap="flat" cmpd="sng" algn="ctr">
-                      <a:solidFill>
-                        <a:schemeClr val="bg1"/>
-                      </a:solidFill>
-                      <a:prstDash val="solid"/>
-                      <a:round/>
-                      <a:headEnd type="none" w="med" len="med"/>
-                      <a:tailEnd type="none" w="med" len="med"/>
-                    </a:lnL>
-                    <a:lnR w="28575" cap="flat" cmpd="sng" algn="ctr">
-                      <a:solidFill>
-                        <a:schemeClr val="bg1"/>
-                      </a:solidFill>
-                      <a:prstDash val="solid"/>
-                      <a:round/>
-                      <a:headEnd type="none" w="med" len="med"/>
-                      <a:tailEnd type="none" w="med" len="med"/>
-                    </a:lnR>
-                    <a:lnT w="28575" cap="flat" cmpd="sng" algn="ctr">
-                      <a:solidFill>
-                        <a:schemeClr val="bg1"/>
-                      </a:solidFill>
-                      <a:prstDash val="solid"/>
-                      <a:round/>
-                      <a:headEnd type="none" w="med" len="med"/>
-                      <a:tailEnd type="none" w="med" len="med"/>
-                    </a:lnT>
-                    <a:lnB w="12700" cap="flat" cmpd="sng" algn="ctr">
-                      <a:solidFill>
-                        <a:schemeClr val="bg1"/>
-                      </a:solidFill>
-                      <a:prstDash val="solid"/>
-                      <a:round/>
-                      <a:headEnd type="none" w="med" len="med"/>
-                      <a:tailEnd type="none" w="med" len="med"/>
-                    </a:lnB>
-                    <a:lnTlToBr>
-                      <a:noFill/>
-                    </a:lnTlToBr>
-                    <a:lnBlToTr>
-                      <a:noFill/>
-                    </a:lnBlToTr>
-                    <a:solidFill>
-                      <a:schemeClr val="accent1"/>
-                    </a:solidFill>
-                  </a:tcPr>
-                </a:tc>
-                <a:tc>
-                  <a:txBody>
-                    <a:bodyPr/>
-                    <a:lstStyle/>
-                    <a:p>
-                      <a:pPr marL="0" marR="0" lvl="0" indent="0" algn="l" defTabSz="914400" rtl="0" eaLnBrk="1" fontAlgn="base" latinLnBrk="0" hangingPunct="1">
-                        <a:lnSpc>
-                          <a:spcPct val="100000"/>
-                        </a:lnSpc>
-                        <a:spcBef>
-                          <a:spcPct val="20000"/>
-                        </a:spcBef>
-                        <a:spcAft>
-                          <a:spcPct val="0"/>
-                        </a:spcAft>
-                        <a:buClr>
-                          <a:srgbClr val="ED0010"/>
-                        </a:buClr>
-                        <a:buSzPct val="60000"/>
-                        <a:buFont typeface="Zapf Dingbats" charset="2"/>
-                        <a:buNone/>
-                        <a:tabLst/>
-                      </a:pPr>
-                      <a:r>
-                        <a:rPr kumimoji="0" lang="en-US" sz="2400" b="0" i="0" u="none" strike="noStrike" cap="none" normalizeH="0" baseline="0" smtClean="0">
-                          <a:ln>
-                            <a:noFill/>
-                          </a:ln>
-                          <a:solidFill>
-                            <a:srgbClr val="000000"/>
-                          </a:solidFill>
-                          <a:effectLst/>
-                          <a:latin typeface="Arial" charset="0"/>
-                        </a:rPr>
-                        <a:t>28%</a:t>
-                      </a:r>
-                    </a:p>
-                  </a:txBody>
-                  <a:tcPr horzOverflow="overflow">
-                    <a:lnL w="28575" cap="flat" cmpd="sng" algn="ctr">
-                      <a:solidFill>
-                        <a:schemeClr val="bg1"/>
-                      </a:solidFill>
-                      <a:prstDash val="solid"/>
-                      <a:round/>
-                      <a:headEnd type="none" w="med" len="med"/>
-                      <a:tailEnd type="none" w="med" len="med"/>
-                    </a:lnL>
-                    <a:lnR w="12700" cap="flat" cmpd="sng" algn="ctr">
-                      <a:solidFill>
-                        <a:schemeClr val="bg1"/>
-                      </a:solidFill>
-                      <a:prstDash val="solid"/>
-                      <a:round/>
-                      <a:headEnd type="none" w="med" len="med"/>
-                      <a:tailEnd type="none" w="med" len="med"/>
-                    </a:lnR>
-                    <a:lnT w="28575" cap="flat" cmpd="sng" algn="ctr">
-                      <a:solidFill>
-                        <a:schemeClr val="bg1"/>
-                      </a:solidFill>
-                      <a:prstDash val="solid"/>
-                      <a:round/>
-                      <a:headEnd type="none" w="med" len="med"/>
-                      <a:tailEnd type="none" w="med" len="med"/>
-                    </a:lnT>
-                    <a:lnB w="12700" cap="flat" cmpd="sng" algn="ctr">
-                      <a:solidFill>
-                        <a:schemeClr val="bg1"/>
-                      </a:solidFill>
-                      <a:prstDash val="solid"/>
-                      <a:round/>
-                      <a:headEnd type="none" w="med" len="med"/>
-                      <a:tailEnd type="none" w="med" len="med"/>
-                    </a:lnB>
-                    <a:lnTlToBr>
-                      <a:noFill/>
-                    </a:lnTlToBr>
-                    <a:lnBlToTr>
-                      <a:noFill/>
-                    </a:lnBlToTr>
-                    <a:solidFill>
-                      <a:schemeClr val="accent1"/>
-                    </a:solidFill>
-                  </a:tcPr>
-                </a:tc>
-              </a:tr>
-            </a:tbl>
-          </a:graphicData>
-        </a:graphic>
-      </p:graphicFrame>
-    </p:spTree>
-  </p:cSld>
-  <p:clrMapOvr>
-    <a:masterClrMapping/>
-  </p:clrMapOvr>
-  <p:timing>
-    <p:tnLst>
-      <p:par>
-        <p:cTn id="1" dur="indefinite" restart="never" nodeType="tmRoot"/>
-      </p:par>
-    </p:tnLst>
-  </p:timing>
-</p:sld>
-</file>
-
-<file path=ppt/slides/slide11.xml><?xml version="1.0" encoding="utf-8"?>
-<p:sld xmlns:a="http://schemas.openxmlformats.org/drawingml/2006/main" xmlns:r="http://schemas.openxmlformats.org/officeDocument/2006/relationships" xmlns:p="http://schemas.openxmlformats.org/presentationml/2006/main">
-  <p:cSld>
-    <p:spTree>
-      <p:nvGrpSpPr>
-        <p:cNvPr id="1" name=""/>
-        <p:cNvGrpSpPr/>
-        <p:nvPr/>
-      </p:nvGrpSpPr>
-      <p:grpSpPr>
-        <a:xfrm>
-          <a:off x="0" y="0"/>
-          <a:ext cx="0" cy="0"/>
-          <a:chOff x="0" y="0"/>
-          <a:chExt cx="0" cy="0"/>
-        </a:xfrm>
-      </p:grpSpPr>
-      <p:sp>
-        <p:nvSpPr>
-          <p:cNvPr id="5" name="Tijdelijke aanduiding voor dianummer 5"/>
-          <p:cNvSpPr>
-            <a:spLocks noGrp="1"/>
-          </p:cNvSpPr>
-          <p:nvPr>
-            <p:ph type="sldNum" sz="quarter" idx="11"/>
-          </p:nvPr>
-        </p:nvSpPr>
-        <p:spPr/>
-        <p:txBody>
-          <a:bodyPr/>
-          <a:lstStyle/>
-          <a:p>
-            <a:fld id="{E1AE7EA4-5A90-44E6-8B58-0534BBE8B606}" type="slidenum">
-              <a:rPr lang="en-US"/>
-              <a:pPr/>
-              <a:t>11</a:t>
-            </a:fld>
-            <a:endParaRPr lang="en-US"/>
-          </a:p>
-        </p:txBody>
-      </p:sp>
-      <p:sp>
-        <p:nvSpPr>
-          <p:cNvPr id="6" name="Tijdelijke aanduiding voor voettekst 6"/>
-          <p:cNvSpPr>
-            <a:spLocks noGrp="1"/>
-          </p:cNvSpPr>
-          <p:nvPr>
-            <p:ph type="ftr" sz="quarter" idx="12"/>
-          </p:nvPr>
-        </p:nvSpPr>
-        <p:spPr/>
-        <p:txBody>
-          <a:bodyPr/>
-          <a:lstStyle/>
-          <a:p>
-            <a:r>
-              <a:rPr lang="en-US"/>
-              <a:t>HU powerpoint template</a:t>
-            </a:r>
-            <a:endParaRPr lang="en-US" sz="1400"/>
-          </a:p>
-        </p:txBody>
-      </p:sp>
-      <p:sp>
-        <p:nvSpPr>
-          <p:cNvPr id="179202" name="Rectangle 2"/>
-          <p:cNvSpPr>
-            <a:spLocks noGrp="1" noChangeArrowheads="1"/>
-          </p:cNvSpPr>
-          <p:nvPr>
-            <p:ph type="title"/>
-          </p:nvPr>
-        </p:nvSpPr>
-        <p:spPr/>
-        <p:txBody>
-          <a:bodyPr/>
-          <a:lstStyle/>
-          <a:p>
-            <a:r>
-              <a:rPr lang="en-US"/>
-              <a:t>HU ppt [kop- en voetregels]</a:t>
-            </a:r>
-          </a:p>
-        </p:txBody>
-      </p:sp>
-      <p:sp>
-        <p:nvSpPr>
-          <p:cNvPr id="179203" name="Rectangle 3"/>
-          <p:cNvSpPr>
-            <a:spLocks noGrp="1" noChangeAspect="1" noChangeArrowheads="1"/>
-          </p:cNvSpPr>
-          <p:nvPr>
-            <p:ph type="body" sz="half" idx="1"/>
-          </p:nvPr>
-        </p:nvSpPr>
-        <p:spPr>
-          <a:xfrm>
-            <a:off x="457200" y="1762125"/>
-            <a:ext cx="4168775" cy="1552575"/>
-          </a:xfrm>
-        </p:spPr>
-        <p:txBody>
-          <a:bodyPr/>
-          <a:lstStyle/>
-          <a:p>
-            <a:pPr>
-              <a:buFont typeface="Zapf Dingbats" charset="2"/>
-              <a:buNone/>
-            </a:pPr>
-            <a:r>
-              <a:rPr lang="en-US" sz="2400"/>
-              <a:t>	Door ‘Footer’ te activeren in het hiernaast getoonde venster kunt u voetregels activeren</a:t>
-            </a:r>
-          </a:p>
-        </p:txBody>
-      </p:sp>
-      <p:pic>
-        <p:nvPicPr>
-          <p:cNvPr id="179209" name="Picture 9" descr="kop en voet.pdf                                                000C6298Macintosh HD                   BB707946:"/>
-          <p:cNvPicPr>
-            <a:picLocks noChangeAspect="1" noChangeArrowheads="1"/>
-          </p:cNvPicPr>
-          <p:nvPr/>
-        </p:nvPicPr>
-        <p:blipFill>
-          <a:blip r:embed="rId3" r:link="rId4" cstate="print"/>
-          <a:srcRect/>
-          <a:stretch>
-            <a:fillRect/>
-          </a:stretch>
-        </p:blipFill>
-        <p:spPr bwMode="auto">
-          <a:xfrm>
-            <a:off x="4876800" y="1828800"/>
-            <a:ext cx="3482975" cy="3657600"/>
-          </a:xfrm>
-          <a:prstGeom prst="rect">
-            <a:avLst/>
-          </a:prstGeom>
-          <a:noFill/>
-        </p:spPr>
-      </p:pic>
-    </p:spTree>
+    <p:extLst>
+      <p:ext uri="{BB962C8B-B14F-4D97-AF65-F5344CB8AC3E}">
+        <p14:creationId xmlns:p14="http://schemas.microsoft.com/office/powerpoint/2010/main" val="1822027127"/>
+      </p:ext>
+    </p:extLst>
   </p:cSld>
   <p:clrMapOvr>
     <a:masterClrMapping/>
@@ -8710,9 +5540,9 @@
       </p:grpSpPr>
       <p:sp>
         <p:nvSpPr>
-          <p:cNvPr id="164866" name="Rectangle 2"/>
-          <p:cNvSpPr>
-            <a:spLocks noGrp="1" noChangeArrowheads="1"/>
+          <p:cNvPr id="2" name="Titel 1"/>
+          <p:cNvSpPr>
+            <a:spLocks noGrp="1"/>
           </p:cNvSpPr>
           <p:nvPr>
             <p:ph type="title"/>
@@ -8724,66 +5554,110 @@
           <a:lstStyle/>
           <a:p>
             <a:r>
-              <a:rPr lang="en-US"/>
-              <a:t>HU-ppt [bullets 1 kolom]</a:t>
-            </a:r>
-          </a:p>
-        </p:txBody>
-      </p:sp>
-      <p:sp>
-        <p:nvSpPr>
-          <p:cNvPr id="164867" name="Rectangle 3"/>
-          <p:cNvSpPr>
-            <a:spLocks noGrp="1" noChangeAspect="1" noChangeArrowheads="1"/>
-          </p:cNvSpPr>
-          <p:nvPr>
-            <p:ph type="body" idx="1"/>
-          </p:nvPr>
-        </p:nvSpPr>
+              <a:rPr lang="nl-NL" dirty="0" smtClean="0"/>
+              <a:t>Check-in</a:t>
+            </a:r>
+            <a:endParaRPr lang="nl-NL" dirty="0"/>
+          </a:p>
+        </p:txBody>
+      </p:sp>
+      <p:sp>
+        <p:nvSpPr>
+          <p:cNvPr id="9" name="Tijdelijke aanduiding voor inhoud 8"/>
+          <p:cNvSpPr>
+            <a:spLocks noGrp="1"/>
+          </p:cNvSpPr>
+          <p:nvPr>
+            <p:ph idx="1"/>
+          </p:nvPr>
+        </p:nvSpPr>
+        <p:spPr/>
+        <p:txBody>
+          <a:bodyPr/>
+          <a:lstStyle/>
+          <a:p>
+            <a:endParaRPr lang="nl-NL"/>
+          </a:p>
+        </p:txBody>
+      </p:sp>
+      <p:pic>
+        <p:nvPicPr>
+          <p:cNvPr id="12" name="Afbeelding 11"/>
+          <p:cNvPicPr>
+            <a:picLocks noChangeAspect="1"/>
+          </p:cNvPicPr>
+          <p:nvPr/>
+        </p:nvPicPr>
+        <p:blipFill>
+          <a:blip r:embed="rId2"/>
+          <a:stretch>
+            <a:fillRect/>
+          </a:stretch>
+        </p:blipFill>
         <p:spPr>
           <a:xfrm>
-            <a:off x="762000" y="1762125"/>
-            <a:ext cx="7881938" cy="1947863"/>
+            <a:off x="6156176" y="2492896"/>
+            <a:ext cx="2253070" cy="2016224"/>
           </a:xfrm>
+          <a:prstGeom prst="rect">
+            <a:avLst/>
+          </a:prstGeom>
         </p:spPr>
-        <p:txBody>
-          <a:bodyPr/>
-          <a:lstStyle/>
-          <a:p>
-            <a:pPr>
-              <a:buClr>
-                <a:schemeClr val="accent2"/>
-              </a:buClr>
-            </a:pPr>
-            <a:r>
-              <a:rPr lang="en-US"/>
-              <a:t>HU huisstijl kernbegrippen </a:t>
-            </a:r>
-          </a:p>
-          <a:p>
-            <a:pPr lvl="1"/>
-            <a:r>
-              <a:rPr lang="en-US"/>
-              <a:t>krachtig</a:t>
-            </a:r>
-          </a:p>
-          <a:p>
-            <a:pPr lvl="1"/>
-            <a:r>
-              <a:rPr lang="en-US"/>
-              <a:t>vriendelijk</a:t>
-            </a:r>
-          </a:p>
-          <a:p>
-            <a:pPr lvl="1"/>
-            <a:r>
-              <a:rPr lang="en-US"/>
-              <a:t>helder</a:t>
-            </a:r>
-          </a:p>
-        </p:txBody>
-      </p:sp>
+      </p:pic>
+      <p:pic>
+        <p:nvPicPr>
+          <p:cNvPr id="13" name="Afbeelding 12"/>
+          <p:cNvPicPr>
+            <a:picLocks noChangeAspect="1"/>
+          </p:cNvPicPr>
+          <p:nvPr/>
+        </p:nvPicPr>
+        <p:blipFill>
+          <a:blip r:embed="rId3"/>
+          <a:stretch>
+            <a:fillRect/>
+          </a:stretch>
+        </p:blipFill>
+        <p:spPr>
+          <a:xfrm>
+            <a:off x="3491880" y="2616786"/>
+            <a:ext cx="2129219" cy="1988089"/>
+          </a:xfrm>
+          <a:prstGeom prst="rect">
+            <a:avLst/>
+          </a:prstGeom>
+        </p:spPr>
+      </p:pic>
+      <p:pic>
+        <p:nvPicPr>
+          <p:cNvPr id="14" name="Afbeelding 13"/>
+          <p:cNvPicPr>
+            <a:picLocks noChangeAspect="1"/>
+          </p:cNvPicPr>
+          <p:nvPr/>
+        </p:nvPicPr>
+        <p:blipFill>
+          <a:blip r:embed="rId4"/>
+          <a:stretch>
+            <a:fillRect/>
+          </a:stretch>
+        </p:blipFill>
+        <p:spPr>
+          <a:xfrm>
+            <a:off x="869217" y="2712543"/>
+            <a:ext cx="1873659" cy="1796577"/>
+          </a:xfrm>
+          <a:prstGeom prst="rect">
+            <a:avLst/>
+          </a:prstGeom>
+        </p:spPr>
+      </p:pic>
     </p:spTree>
+    <p:extLst>
+      <p:ext uri="{BB962C8B-B14F-4D97-AF65-F5344CB8AC3E}">
+        <p14:creationId xmlns:p14="http://schemas.microsoft.com/office/powerpoint/2010/main" val="2041238147"/>
+      </p:ext>
+    </p:extLst>
   </p:cSld>
   <p:clrMapOvr>
     <a:masterClrMapping/>
@@ -8817,9 +5691,9 @@
       </p:grpSpPr>
       <p:sp>
         <p:nvSpPr>
-          <p:cNvPr id="165890" name="Rectangle 2"/>
-          <p:cNvSpPr>
-            <a:spLocks noGrp="1" noChangeArrowheads="1"/>
+          <p:cNvPr id="2" name="Titel 1"/>
+          <p:cNvSpPr>
+            <a:spLocks noGrp="1"/>
           </p:cNvSpPr>
           <p:nvPr>
             <p:ph type="title"/>
@@ -8831,240 +5705,42 @@
           <a:lstStyle/>
           <a:p>
             <a:r>
-              <a:rPr lang="en-US"/>
-              <a:t>HU-ppt [bullets 2 kolommen]</a:t>
-            </a:r>
-          </a:p>
-        </p:txBody>
-      </p:sp>
-      <p:sp>
-        <p:nvSpPr>
-          <p:cNvPr id="165891" name="Rectangle 3"/>
-          <p:cNvSpPr>
-            <a:spLocks noGrp="1" noChangeAspect="1" noChangeArrowheads="1"/>
-          </p:cNvSpPr>
-          <p:nvPr>
-            <p:ph type="body" sz="half" idx="1"/>
-          </p:nvPr>
-        </p:nvSpPr>
-        <p:spPr>
-          <a:xfrm>
-            <a:off x="762000" y="1762125"/>
-            <a:ext cx="3863975" cy="2465388"/>
-          </a:xfrm>
-        </p:spPr>
+              <a:rPr lang="nl-NL" dirty="0" smtClean="0"/>
+              <a:t>Intro</a:t>
+            </a:r>
+            <a:endParaRPr lang="nl-NL" dirty="0"/>
+          </a:p>
+        </p:txBody>
+      </p:sp>
+      <p:sp>
+        <p:nvSpPr>
+          <p:cNvPr id="3" name="Tijdelijke aanduiding voor inhoud 2"/>
+          <p:cNvSpPr>
+            <a:spLocks noGrp="1"/>
+          </p:cNvSpPr>
+          <p:nvPr>
+            <p:ph idx="1"/>
+          </p:nvPr>
+        </p:nvSpPr>
+        <p:spPr/>
         <p:txBody>
           <a:bodyPr/>
           <a:lstStyle/>
           <a:p>
-            <a:pPr>
-              <a:buClr>
-                <a:schemeClr val="accent2"/>
-              </a:buClr>
-            </a:pPr>
-            <a:r>
-              <a:rPr lang="en-US" sz="2400"/>
-              <a:t>HU Blauw</a:t>
-            </a:r>
-          </a:p>
-          <a:p>
-            <a:pPr lvl="1"/>
-            <a:r>
-              <a:rPr lang="en-US" sz="2200"/>
-              <a:t>PMS 639</a:t>
-            </a:r>
-          </a:p>
-          <a:p>
-            <a:pPr lvl="1"/>
-            <a:r>
-              <a:rPr lang="en-US" sz="2200"/>
-              <a:t>CMYK 100/0/5/5</a:t>
-            </a:r>
-          </a:p>
-          <a:p>
-            <a:pPr lvl="1"/>
-            <a:r>
-              <a:rPr lang="en-US" sz="2200"/>
-              <a:t>RGB 0/160/210</a:t>
-            </a:r>
-          </a:p>
-          <a:p>
-            <a:pPr lvl="1"/>
-            <a:r>
-              <a:rPr lang="en-US" sz="2200"/>
-              <a:t>RAL Himmelblau</a:t>
-            </a:r>
-          </a:p>
-          <a:p>
-            <a:pPr lvl="1"/>
-            <a:endParaRPr lang="en-US" sz="2200"/>
-          </a:p>
-        </p:txBody>
-      </p:sp>
-      <p:sp>
-        <p:nvSpPr>
-          <p:cNvPr id="165892" name="Rectangle 4"/>
-          <p:cNvSpPr>
-            <a:spLocks noGrp="1" noChangeAspect="1" noChangeArrowheads="1"/>
-          </p:cNvSpPr>
-          <p:nvPr>
-            <p:ph type="body" sz="half" idx="2"/>
-          </p:nvPr>
-        </p:nvSpPr>
-        <p:spPr>
-          <a:xfrm>
-            <a:off x="4778375" y="1762125"/>
-            <a:ext cx="3865563" cy="2063750"/>
-          </a:xfrm>
-        </p:spPr>
-        <p:txBody>
-          <a:bodyPr/>
-          <a:lstStyle/>
-          <a:p>
-            <a:pPr>
-              <a:buClr>
-                <a:schemeClr val="accent2"/>
-              </a:buClr>
-            </a:pPr>
-            <a:r>
-              <a:rPr lang="en-US" sz="2400"/>
-              <a:t>HU Rood</a:t>
-            </a:r>
-          </a:p>
-          <a:p>
-            <a:pPr lvl="1"/>
-            <a:r>
-              <a:rPr lang="en-US" sz="2200"/>
-              <a:t>PMS 485</a:t>
-            </a:r>
-          </a:p>
-          <a:p>
-            <a:pPr lvl="1"/>
-            <a:r>
-              <a:rPr lang="en-US" sz="2200"/>
-              <a:t>CMYK 0/85/100/0</a:t>
-            </a:r>
-          </a:p>
-          <a:p>
-            <a:pPr lvl="1"/>
-            <a:r>
-              <a:rPr lang="en-US" sz="2200"/>
-              <a:t>RGB 237/0/16</a:t>
-            </a:r>
-          </a:p>
-          <a:p>
-            <a:pPr lvl="1"/>
-            <a:r>
-              <a:rPr lang="en-US" sz="2200"/>
-              <a:t>RAL 2002 Blutorange</a:t>
-            </a:r>
-          </a:p>
-        </p:txBody>
-      </p:sp>
-      <p:sp>
-        <p:nvSpPr>
-          <p:cNvPr id="165893" name="Rectangle 5"/>
-          <p:cNvSpPr>
-            <a:spLocks noChangeArrowheads="1"/>
-          </p:cNvSpPr>
-          <p:nvPr/>
-        </p:nvSpPr>
-        <p:spPr bwMode="auto">
-          <a:xfrm>
-            <a:off x="914400" y="4114800"/>
-            <a:ext cx="2133600" cy="2133600"/>
-          </a:xfrm>
-          <a:prstGeom prst="rect">
-            <a:avLst/>
-          </a:prstGeom>
-          <a:solidFill>
-            <a:schemeClr val="bg1"/>
-          </a:solidFill>
-          <a:ln w="9525">
-            <a:solidFill>
-              <a:schemeClr val="tx1"/>
-            </a:solidFill>
-            <a:miter lim="800000"/>
-            <a:headEnd/>
-            <a:tailEnd/>
-          </a:ln>
-          <a:effectLst>
-            <a:outerShdw dist="35921" dir="2700000" algn="ctr" rotWithShape="0">
-              <a:schemeClr val="bg2"/>
-            </a:outerShdw>
-          </a:effectLst>
-        </p:spPr>
-        <p:txBody>
-          <a:bodyPr wrap="none" anchor="ctr"/>
-          <a:lstStyle/>
-          <a:p>
-            <a:pPr algn="ctr"/>
-            <a:endParaRPr lang="nl-NL">
-              <a:solidFill>
-                <a:schemeClr val="accent2"/>
-              </a:solidFill>
-            </a:endParaRPr>
-          </a:p>
-        </p:txBody>
-      </p:sp>
-      <p:sp>
-        <p:nvSpPr>
-          <p:cNvPr id="165895" name="Rectangle 7"/>
-          <p:cNvSpPr>
-            <a:spLocks noChangeArrowheads="1"/>
-          </p:cNvSpPr>
-          <p:nvPr/>
-        </p:nvSpPr>
-        <p:spPr bwMode="auto">
-          <a:xfrm>
-            <a:off x="4876800" y="4114800"/>
-            <a:ext cx="2133600" cy="2133600"/>
-          </a:xfrm>
-          <a:prstGeom prst="rect">
-            <a:avLst/>
-          </a:prstGeom>
-          <a:solidFill>
-            <a:schemeClr val="accent2"/>
-          </a:solidFill>
-          <a:ln w="9525">
-            <a:solidFill>
-              <a:schemeClr val="accent2"/>
-            </a:solidFill>
-            <a:miter lim="800000"/>
-            <a:headEnd/>
-            <a:tailEnd/>
-          </a:ln>
-          <a:effectLst>
-            <a:outerShdw dist="35921" dir="2700000" algn="ctr" rotWithShape="0">
-              <a:schemeClr val="bg2"/>
-            </a:outerShdw>
-          </a:effectLst>
-        </p:spPr>
-        <p:txBody>
-          <a:bodyPr wrap="none" anchor="ctr"/>
-          <a:lstStyle/>
-          <a:p>
-            <a:pPr algn="ctr"/>
-            <a:endParaRPr lang="nl-NL">
-              <a:solidFill>
-                <a:schemeClr val="accent2"/>
-              </a:solidFill>
-            </a:endParaRPr>
+            <a:endParaRPr lang="nl-NL"/>
           </a:p>
         </p:txBody>
       </p:sp>
     </p:spTree>
+    <p:extLst>
+      <p:ext uri="{BB962C8B-B14F-4D97-AF65-F5344CB8AC3E}">
+        <p14:creationId xmlns:p14="http://schemas.microsoft.com/office/powerpoint/2010/main" val="919713174"/>
+      </p:ext>
+    </p:extLst>
   </p:cSld>
   <p:clrMapOvr>
     <a:masterClrMapping/>
   </p:clrMapOvr>
-  <p:timing>
-    <p:tnLst>
-      <p:par>
-        <p:cTn id="1" dur="indefinite" restart="never" nodeType="tmRoot"/>
-      </p:par>
-    </p:tnLst>
-  </p:timing>
 </p:sld>
 </file>
 
@@ -9087,9 +5763,9 @@
       </p:grpSpPr>
       <p:sp>
         <p:nvSpPr>
-          <p:cNvPr id="166914" name="Rectangle 2"/>
-          <p:cNvSpPr>
-            <a:spLocks noGrp="1" noChangeArrowheads="1"/>
+          <p:cNvPr id="2" name="Titel 1"/>
+          <p:cNvSpPr>
+            <a:spLocks noGrp="1"/>
           </p:cNvSpPr>
           <p:nvPr>
             <p:ph type="title"/>
@@ -9101,82 +5777,42 @@
           <a:lstStyle/>
           <a:p>
             <a:r>
-              <a:rPr lang="en-US"/>
-              <a:t>Hu ppt [fotografie]</a:t>
-            </a:r>
-          </a:p>
-        </p:txBody>
-      </p:sp>
-      <p:sp>
-        <p:nvSpPr>
-          <p:cNvPr id="166915" name="Rectangle 3"/>
-          <p:cNvSpPr>
-            <a:spLocks noGrp="1" noChangeAspect="1" noChangeArrowheads="1"/>
-          </p:cNvSpPr>
-          <p:nvPr>
-            <p:ph type="body" idx="1"/>
-          </p:nvPr>
-        </p:nvSpPr>
-        <p:spPr>
-          <a:xfrm>
-            <a:off x="3962400" y="3206750"/>
-            <a:ext cx="3843338" cy="946150"/>
-          </a:xfrm>
-          <a:noFill/>
-        </p:spPr>
+              <a:rPr lang="nl-NL" dirty="0" smtClean="0"/>
+              <a:t>Feedback</a:t>
+            </a:r>
+            <a:endParaRPr lang="nl-NL" dirty="0"/>
+          </a:p>
+        </p:txBody>
+      </p:sp>
+      <p:sp>
+        <p:nvSpPr>
+          <p:cNvPr id="3" name="Tijdelijke aanduiding voor inhoud 2"/>
+          <p:cNvSpPr>
+            <a:spLocks noGrp="1"/>
+          </p:cNvSpPr>
+          <p:nvPr>
+            <p:ph idx="1"/>
+          </p:nvPr>
+        </p:nvSpPr>
+        <p:spPr/>
         <p:txBody>
           <a:bodyPr/>
           <a:lstStyle/>
           <a:p>
-            <a:pPr>
-              <a:buFont typeface="Zapf Dingbats" charset="2"/>
-              <a:buNone/>
-            </a:pPr>
-            <a:r>
-              <a:rPr lang="en-US"/>
-              <a:t>	foto’s bij voorkeur aflopend plaatsen</a:t>
-            </a:r>
-          </a:p>
-        </p:txBody>
-      </p:sp>
-      <p:pic>
-        <p:nvPicPr>
-          <p:cNvPr id="166923" name="Picture 11" descr="fotografie.pdf                                                 000C6298Macintosh HD                   BB707946:"/>
-          <p:cNvPicPr>
-            <a:picLocks noChangeAspect="1" noChangeArrowheads="1"/>
-          </p:cNvPicPr>
-          <p:nvPr/>
-        </p:nvPicPr>
-        <p:blipFill>
-          <a:blip r:embed="rId3" r:link="rId4" cstate="print"/>
-          <a:srcRect/>
-          <a:stretch>
-            <a:fillRect/>
-          </a:stretch>
-        </p:blipFill>
-        <p:spPr bwMode="auto">
-          <a:xfrm>
-            <a:off x="-63500" y="1371600"/>
-            <a:ext cx="3949700" cy="5715000"/>
-          </a:xfrm>
-          <a:prstGeom prst="rect">
-            <a:avLst/>
-          </a:prstGeom>
-          <a:noFill/>
-        </p:spPr>
-      </p:pic>
+            <a:endParaRPr lang="nl-NL"/>
+          </a:p>
+        </p:txBody>
+      </p:sp>
     </p:spTree>
+    <p:extLst>
+      <p:ext uri="{BB962C8B-B14F-4D97-AF65-F5344CB8AC3E}">
+        <p14:creationId xmlns:p14="http://schemas.microsoft.com/office/powerpoint/2010/main" val="956277182"/>
+      </p:ext>
+    </p:extLst>
   </p:cSld>
   <p:clrMapOvr>
     <a:masterClrMapping/>
   </p:clrMapOvr>
-  <p:timing>
-    <p:tnLst>
-      <p:par>
-        <p:cTn id="1" dur="indefinite" restart="never" nodeType="tmRoot"/>
-      </p:par>
-    </p:tnLst>
-  </p:timing>
 </p:sld>
 </file>
 
@@ -9199,9 +5835,9 @@
       </p:grpSpPr>
       <p:sp>
         <p:nvSpPr>
-          <p:cNvPr id="169986" name="Rectangle 2"/>
-          <p:cNvSpPr>
-            <a:spLocks noGrp="1" noChangeArrowheads="1"/>
+          <p:cNvPr id="2" name="Titel 1"/>
+          <p:cNvSpPr>
+            <a:spLocks noGrp="1"/>
           </p:cNvSpPr>
           <p:nvPr>
             <p:ph type="title"/>
@@ -9213,558 +5849,42 @@
           <a:lstStyle/>
           <a:p>
             <a:r>
-              <a:rPr lang="en-US"/>
-              <a:t>HU ppt kleurenschema</a:t>
-            </a:r>
-          </a:p>
-        </p:txBody>
-      </p:sp>
-      <p:sp>
-        <p:nvSpPr>
-          <p:cNvPr id="169988" name="Rectangle 4"/>
-          <p:cNvSpPr>
-            <a:spLocks noGrp="1" noChangeAspect="1" noChangeArrowheads="1"/>
-          </p:cNvSpPr>
-          <p:nvPr>
-            <p:ph type="body" sz="half" idx="2"/>
-          </p:nvPr>
-        </p:nvSpPr>
-        <p:spPr>
-          <a:xfrm>
-            <a:off x="4191000" y="3111500"/>
-            <a:ext cx="4724400" cy="1552575"/>
-          </a:xfrm>
-        </p:spPr>
+              <a:rPr lang="nl-NL" dirty="0" smtClean="0"/>
+              <a:t>Topics</a:t>
+            </a:r>
+            <a:endParaRPr lang="nl-NL" dirty="0"/>
+          </a:p>
+        </p:txBody>
+      </p:sp>
+      <p:sp>
+        <p:nvSpPr>
+          <p:cNvPr id="3" name="Tijdelijke aanduiding voor inhoud 2"/>
+          <p:cNvSpPr>
+            <a:spLocks noGrp="1"/>
+          </p:cNvSpPr>
+          <p:nvPr>
+            <p:ph idx="1"/>
+          </p:nvPr>
+        </p:nvSpPr>
+        <p:spPr/>
         <p:txBody>
           <a:bodyPr/>
           <a:lstStyle/>
           <a:p>
-            <a:pPr>
-              <a:buClr>
-                <a:schemeClr val="tx1"/>
-              </a:buClr>
-              <a:buSzPct val="70000"/>
-              <a:buFont typeface="Wingdings" pitchFamily="2" charset="2"/>
-              <a:buNone/>
-            </a:pPr>
-            <a:r>
-              <a:rPr lang="en-US" sz="2400"/>
-              <a:t>	Het hiernaast weergegeven kleurenschema is in de        HU-template ingesteld als voorkeursschema</a:t>
-            </a:r>
-          </a:p>
-        </p:txBody>
-      </p:sp>
-      <p:pic>
-        <p:nvPicPr>
-          <p:cNvPr id="169993" name="Picture 9" descr="kleurenschema.pdf                                              000C6298Macintosh HD                   BB707946:"/>
-          <p:cNvPicPr>
-            <a:picLocks noGrp="1" noChangeAspect="1" noChangeArrowheads="1"/>
-          </p:cNvPicPr>
-          <p:nvPr>
-            <p:ph sz="half" idx="1"/>
-          </p:nvPr>
-        </p:nvPicPr>
-        <p:blipFill>
-          <a:blip r:embed="rId3" r:link="rId4" cstate="print"/>
-          <a:srcRect/>
-          <a:stretch>
-            <a:fillRect/>
-          </a:stretch>
-        </p:blipFill>
-        <p:spPr>
-          <a:xfrm>
-            <a:off x="928688" y="1752600"/>
-            <a:ext cx="3262312" cy="3810000"/>
-          </a:xfrm>
-        </p:spPr>
-      </p:pic>
+            <a:endParaRPr lang="nl-NL" dirty="0"/>
+          </a:p>
+        </p:txBody>
+      </p:sp>
     </p:spTree>
+    <p:extLst>
+      <p:ext uri="{BB962C8B-B14F-4D97-AF65-F5344CB8AC3E}">
+        <p14:creationId xmlns:p14="http://schemas.microsoft.com/office/powerpoint/2010/main" val="2729931763"/>
+      </p:ext>
+    </p:extLst>
   </p:cSld>
   <p:clrMapOvr>
     <a:masterClrMapping/>
   </p:clrMapOvr>
-  <p:timing>
-    <p:tnLst>
-      <p:par>
-        <p:cTn id="1" dur="indefinite" restart="never" nodeType="tmRoot"/>
-      </p:par>
-    </p:tnLst>
-  </p:timing>
-</p:sld>
-</file>
-
-<file path=ppt/slides/slide6.xml><?xml version="1.0" encoding="utf-8"?>
-<p:sld xmlns:a="http://schemas.openxmlformats.org/drawingml/2006/main" xmlns:r="http://schemas.openxmlformats.org/officeDocument/2006/relationships" xmlns:p="http://schemas.openxmlformats.org/presentationml/2006/main">
-  <p:cSld>
-    <p:spTree>
-      <p:nvGrpSpPr>
-        <p:cNvPr id="1" name=""/>
-        <p:cNvGrpSpPr/>
-        <p:nvPr/>
-      </p:nvGrpSpPr>
-      <p:grpSpPr>
-        <a:xfrm>
-          <a:off x="0" y="0"/>
-          <a:ext cx="0" cy="0"/>
-          <a:chOff x="0" y="0"/>
-          <a:chExt cx="0" cy="0"/>
-        </a:xfrm>
-      </p:grpSpPr>
-      <p:sp>
-        <p:nvSpPr>
-          <p:cNvPr id="171010" name="Rectangle 2"/>
-          <p:cNvSpPr>
-            <a:spLocks noGrp="1" noChangeArrowheads="1"/>
-          </p:cNvSpPr>
-          <p:nvPr>
-            <p:ph type="title"/>
-          </p:nvPr>
-        </p:nvSpPr>
-        <p:spPr/>
-        <p:txBody>
-          <a:bodyPr/>
-          <a:lstStyle/>
-          <a:p>
-            <a:r>
-              <a:rPr lang="en-US"/>
-              <a:t>HU ppt [taart]</a:t>
-            </a:r>
-          </a:p>
-        </p:txBody>
-      </p:sp>
-      <p:graphicFrame>
-        <p:nvGraphicFramePr>
-          <p:cNvPr id="171011" name="Object 3"/>
-          <p:cNvGraphicFramePr>
-            <a:graphicFrameLocks noChangeAspect="1"/>
-          </p:cNvGraphicFramePr>
-          <p:nvPr>
-            <p:ph type="chart" sz="half" idx="1"/>
-          </p:nvPr>
-        </p:nvGraphicFramePr>
-        <p:xfrm>
-          <a:off x="-1219200" y="1219200"/>
-          <a:ext cx="5943600" cy="3406775"/>
-        </p:xfrm>
-        <a:graphic>
-          <a:graphicData uri="http://schemas.openxmlformats.org/presentationml/2006/ole">
-            <p:oleObj spid="_x0000_s171011" name="Chart" r:id="rId4" imgW="8991600" imgH="5152934" progId="MSGraph.Chart.8">
-              <p:embed followColorScheme="full"/>
-            </p:oleObj>
-          </a:graphicData>
-        </a:graphic>
-      </p:graphicFrame>
-      <p:sp>
-        <p:nvSpPr>
-          <p:cNvPr id="171012" name="Rectangle 4"/>
-          <p:cNvSpPr>
-            <a:spLocks noGrp="1" noChangeAspect="1" noChangeArrowheads="1"/>
-          </p:cNvSpPr>
-          <p:nvPr>
-            <p:ph type="body" sz="half" idx="2"/>
-          </p:nvPr>
-        </p:nvSpPr>
-        <p:spPr>
-          <a:xfrm>
-            <a:off x="381000" y="4953000"/>
-            <a:ext cx="8262938" cy="822325"/>
-          </a:xfrm>
-        </p:spPr>
-        <p:txBody>
-          <a:bodyPr/>
-          <a:lstStyle/>
-          <a:p>
-            <a:pPr>
-              <a:buFont typeface="Zapf Dingbats" charset="2"/>
-              <a:buNone/>
-            </a:pPr>
-            <a:r>
-              <a:rPr lang="en-US" sz="2400"/>
-              <a:t>	Door dubbel te klikken op de ‘taart’ kunt u deze toevoegen aan uw persoonlijke voorkeuren</a:t>
-            </a:r>
-          </a:p>
-        </p:txBody>
-      </p:sp>
-      <p:pic>
-        <p:nvPicPr>
-          <p:cNvPr id="171015" name="Picture 7" descr="hu-taart.pdf                                                   000C6298Macintosh HD                   BB707946:"/>
-          <p:cNvPicPr>
-            <a:picLocks noChangeAspect="1" noChangeArrowheads="1"/>
-          </p:cNvPicPr>
-          <p:nvPr/>
-        </p:nvPicPr>
-        <p:blipFill>
-          <a:blip r:embed="rId5" r:link="rId6" cstate="print"/>
-          <a:srcRect/>
-          <a:stretch>
-            <a:fillRect/>
-          </a:stretch>
-        </p:blipFill>
-        <p:spPr bwMode="auto">
-          <a:xfrm>
-            <a:off x="4953000" y="1828800"/>
-            <a:ext cx="2328863" cy="2514600"/>
-          </a:xfrm>
-          <a:prstGeom prst="rect">
-            <a:avLst/>
-          </a:prstGeom>
-          <a:noFill/>
-        </p:spPr>
-      </p:pic>
-    </p:spTree>
-  </p:cSld>
-  <p:clrMapOvr>
-    <a:masterClrMapping/>
-  </p:clrMapOvr>
-  <p:timing>
-    <p:tnLst>
-      <p:par>
-        <p:cTn id="1" dur="indefinite" restart="never" nodeType="tmRoot"/>
-      </p:par>
-    </p:tnLst>
-  </p:timing>
-</p:sld>
-</file>
-
-<file path=ppt/slides/slide7.xml><?xml version="1.0" encoding="utf-8"?>
-<p:sld xmlns:a="http://schemas.openxmlformats.org/drawingml/2006/main" xmlns:r="http://schemas.openxmlformats.org/officeDocument/2006/relationships" xmlns:p="http://schemas.openxmlformats.org/presentationml/2006/main">
-  <p:cSld>
-    <p:spTree>
-      <p:nvGrpSpPr>
-        <p:cNvPr id="1" name=""/>
-        <p:cNvGrpSpPr/>
-        <p:nvPr/>
-      </p:nvGrpSpPr>
-      <p:grpSpPr>
-        <a:xfrm>
-          <a:off x="0" y="0"/>
-          <a:ext cx="0" cy="0"/>
-          <a:chOff x="0" y="0"/>
-          <a:chExt cx="0" cy="0"/>
-        </a:xfrm>
-      </p:grpSpPr>
-      <p:sp>
-        <p:nvSpPr>
-          <p:cNvPr id="172034" name="Rectangle 2"/>
-          <p:cNvSpPr>
-            <a:spLocks noGrp="1" noChangeArrowheads="1"/>
-          </p:cNvSpPr>
-          <p:nvPr>
-            <p:ph type="title"/>
-          </p:nvPr>
-        </p:nvSpPr>
-        <p:spPr/>
-        <p:txBody>
-          <a:bodyPr/>
-          <a:lstStyle/>
-          <a:p>
-            <a:r>
-              <a:rPr lang="en-US"/>
-              <a:t>HU ppt [staaf]</a:t>
-            </a:r>
-          </a:p>
-        </p:txBody>
-      </p:sp>
-      <p:graphicFrame>
-        <p:nvGraphicFramePr>
-          <p:cNvPr id="172035" name="Object 3"/>
-          <p:cNvGraphicFramePr>
-            <a:graphicFrameLocks noChangeAspect="1"/>
-          </p:cNvGraphicFramePr>
-          <p:nvPr>
-            <p:ph type="chart" sz="half" idx="1"/>
-          </p:nvPr>
-        </p:nvGraphicFramePr>
-        <p:xfrm>
-          <a:off x="-1295400" y="1681163"/>
-          <a:ext cx="6096000" cy="3494087"/>
-        </p:xfrm>
-        <a:graphic>
-          <a:graphicData uri="http://schemas.openxmlformats.org/presentationml/2006/ole">
-            <p:oleObj spid="_x0000_s172035" name="Chart" r:id="rId4" imgW="8991600" imgH="5152934" progId="MSGraph.Chart.8">
-              <p:embed followColorScheme="full"/>
-            </p:oleObj>
-          </a:graphicData>
-        </a:graphic>
-      </p:graphicFrame>
-      <p:sp>
-        <p:nvSpPr>
-          <p:cNvPr id="172036" name="Rectangle 4"/>
-          <p:cNvSpPr>
-            <a:spLocks noGrp="1" noChangeAspect="1" noChangeArrowheads="1"/>
-          </p:cNvSpPr>
-          <p:nvPr>
-            <p:ph type="body" sz="half" idx="2"/>
-          </p:nvPr>
-        </p:nvSpPr>
-        <p:spPr>
-          <a:xfrm>
-            <a:off x="457200" y="4953000"/>
-            <a:ext cx="8262938" cy="822325"/>
-          </a:xfrm>
-        </p:spPr>
-        <p:txBody>
-          <a:bodyPr/>
-          <a:lstStyle/>
-          <a:p>
-            <a:pPr>
-              <a:buFont typeface="Zapf Dingbats" charset="2"/>
-              <a:buNone/>
-            </a:pPr>
-            <a:r>
-              <a:rPr lang="en-US" sz="2400"/>
-              <a:t>	Door dubbel te klikken op de ‘staafdiagram’ kunt u deze toevoegen aan uw persoonlijke voorkeuren</a:t>
-            </a:r>
-          </a:p>
-        </p:txBody>
-      </p:sp>
-      <p:pic>
-        <p:nvPicPr>
-          <p:cNvPr id="172040" name="Picture 8" descr=" staaf.pdf                                                      000C6298Macintosh HD                   BB707946:"/>
-          <p:cNvPicPr>
-            <a:picLocks noChangeAspect="1" noChangeArrowheads="1"/>
-          </p:cNvPicPr>
-          <p:nvPr/>
-        </p:nvPicPr>
-        <p:blipFill>
-          <a:blip r:embed="rId5" r:link="rId6" cstate="print"/>
-          <a:srcRect/>
-          <a:stretch>
-            <a:fillRect/>
-          </a:stretch>
-        </p:blipFill>
-        <p:spPr bwMode="auto">
-          <a:xfrm>
-            <a:off x="4953000" y="1828800"/>
-            <a:ext cx="2654300" cy="2819400"/>
-          </a:xfrm>
-          <a:prstGeom prst="rect">
-            <a:avLst/>
-          </a:prstGeom>
-          <a:noFill/>
-        </p:spPr>
-      </p:pic>
-    </p:spTree>
-  </p:cSld>
-  <p:clrMapOvr>
-    <a:masterClrMapping/>
-  </p:clrMapOvr>
-  <p:timing>
-    <p:tnLst>
-      <p:par>
-        <p:cTn id="1" dur="indefinite" restart="never" nodeType="tmRoot"/>
-      </p:par>
-    </p:tnLst>
-  </p:timing>
-</p:sld>
-</file>
-
-<file path=ppt/slides/slide8.xml><?xml version="1.0" encoding="utf-8"?>
-<p:sld xmlns:a="http://schemas.openxmlformats.org/drawingml/2006/main" xmlns:r="http://schemas.openxmlformats.org/officeDocument/2006/relationships" xmlns:p="http://schemas.openxmlformats.org/presentationml/2006/main">
-  <p:cSld>
-    <p:spTree>
-      <p:nvGrpSpPr>
-        <p:cNvPr id="1" name=""/>
-        <p:cNvGrpSpPr/>
-        <p:nvPr/>
-      </p:nvGrpSpPr>
-      <p:grpSpPr>
-        <a:xfrm>
-          <a:off x="0" y="0"/>
-          <a:ext cx="0" cy="0"/>
-          <a:chOff x="0" y="0"/>
-          <a:chExt cx="0" cy="0"/>
-        </a:xfrm>
-      </p:grpSpPr>
-      <p:sp>
-        <p:nvSpPr>
-          <p:cNvPr id="173058" name="Rectangle 2"/>
-          <p:cNvSpPr>
-            <a:spLocks noGrp="1" noChangeArrowheads="1"/>
-          </p:cNvSpPr>
-          <p:nvPr>
-            <p:ph type="title"/>
-          </p:nvPr>
-        </p:nvSpPr>
-        <p:spPr/>
-        <p:txBody>
-          <a:bodyPr/>
-          <a:lstStyle/>
-          <a:p>
-            <a:r>
-              <a:rPr lang="en-US"/>
-              <a:t>HU ppt [lijn]</a:t>
-            </a:r>
-          </a:p>
-        </p:txBody>
-      </p:sp>
-      <p:graphicFrame>
-        <p:nvGraphicFramePr>
-          <p:cNvPr id="173059" name="Object 3"/>
-          <p:cNvGraphicFramePr>
-            <a:graphicFrameLocks noChangeAspect="1"/>
-          </p:cNvGraphicFramePr>
-          <p:nvPr>
-            <p:ph type="chart" sz="half" idx="1"/>
-          </p:nvPr>
-        </p:nvGraphicFramePr>
-        <p:xfrm>
-          <a:off x="-1219200" y="1681163"/>
-          <a:ext cx="6096000" cy="3494087"/>
-        </p:xfrm>
-        <a:graphic>
-          <a:graphicData uri="http://schemas.openxmlformats.org/presentationml/2006/ole">
-            <p:oleObj spid="_x0000_s173059" name="Chart" r:id="rId4" imgW="8991600" imgH="5152934" progId="MSGraph.Chart.8">
-              <p:embed followColorScheme="full"/>
-            </p:oleObj>
-          </a:graphicData>
-        </a:graphic>
-      </p:graphicFrame>
-      <p:sp>
-        <p:nvSpPr>
-          <p:cNvPr id="173060" name="Rectangle 4"/>
-          <p:cNvSpPr>
-            <a:spLocks noGrp="1" noChangeAspect="1" noChangeArrowheads="1"/>
-          </p:cNvSpPr>
-          <p:nvPr>
-            <p:ph type="body" sz="half" idx="2"/>
-          </p:nvPr>
-        </p:nvSpPr>
-        <p:spPr>
-          <a:xfrm>
-            <a:off x="457200" y="4953000"/>
-            <a:ext cx="8262938" cy="822325"/>
-          </a:xfrm>
-        </p:spPr>
-        <p:txBody>
-          <a:bodyPr/>
-          <a:lstStyle/>
-          <a:p>
-            <a:pPr>
-              <a:buFont typeface="Zapf Dingbats" charset="2"/>
-              <a:buNone/>
-            </a:pPr>
-            <a:r>
-              <a:rPr lang="en-US" sz="2400"/>
-              <a:t>	Door dubbel te klikken op de ‘lijndiagram’ kunt u deze toevoegen aan uw persoonlijke voorkeuren</a:t>
-            </a:r>
-          </a:p>
-        </p:txBody>
-      </p:sp>
-      <p:pic>
-        <p:nvPicPr>
-          <p:cNvPr id="173063" name="Picture 7" descr="lijn.pdf                                                       000C6298Macintosh HD                   BB707946:"/>
-          <p:cNvPicPr>
-            <a:picLocks noChangeAspect="1" noChangeArrowheads="1"/>
-          </p:cNvPicPr>
-          <p:nvPr/>
-        </p:nvPicPr>
-        <p:blipFill>
-          <a:blip r:embed="rId5" r:link="rId6" cstate="print"/>
-          <a:srcRect/>
-          <a:stretch>
-            <a:fillRect/>
-          </a:stretch>
-        </p:blipFill>
-        <p:spPr bwMode="auto">
-          <a:xfrm>
-            <a:off x="4875213" y="1828800"/>
-            <a:ext cx="2617787" cy="2819400"/>
-          </a:xfrm>
-          <a:prstGeom prst="rect">
-            <a:avLst/>
-          </a:prstGeom>
-          <a:noFill/>
-        </p:spPr>
-      </p:pic>
-    </p:spTree>
-  </p:cSld>
-  <p:clrMapOvr>
-    <a:masterClrMapping/>
-  </p:clrMapOvr>
-  <p:timing>
-    <p:tnLst>
-      <p:par>
-        <p:cTn id="1" dur="indefinite" restart="never" nodeType="tmRoot"/>
-      </p:par>
-    </p:tnLst>
-  </p:timing>
-</p:sld>
-</file>
-
-<file path=ppt/slides/slide9.xml><?xml version="1.0" encoding="utf-8"?>
-<p:sld xmlns:a="http://schemas.openxmlformats.org/drawingml/2006/main" xmlns:r="http://schemas.openxmlformats.org/officeDocument/2006/relationships" xmlns:p="http://schemas.openxmlformats.org/presentationml/2006/main">
-  <p:cSld>
-    <p:spTree>
-      <p:nvGrpSpPr>
-        <p:cNvPr id="1" name=""/>
-        <p:cNvGrpSpPr/>
-        <p:nvPr/>
-      </p:nvGrpSpPr>
-      <p:grpSpPr>
-        <a:xfrm>
-          <a:off x="0" y="0"/>
-          <a:ext cx="0" cy="0"/>
-          <a:chOff x="0" y="0"/>
-          <a:chExt cx="0" cy="0"/>
-        </a:xfrm>
-      </p:grpSpPr>
-      <p:sp>
-        <p:nvSpPr>
-          <p:cNvPr id="175106" name="Rectangle 2"/>
-          <p:cNvSpPr>
-            <a:spLocks noGrp="1" noChangeArrowheads="1"/>
-          </p:cNvSpPr>
-          <p:nvPr>
-            <p:ph type="title"/>
-          </p:nvPr>
-        </p:nvSpPr>
-        <p:spPr/>
-        <p:txBody>
-          <a:bodyPr/>
-          <a:lstStyle/>
-          <a:p>
-            <a:r>
-              <a:rPr lang="en-US"/>
-              <a:t>HU ppt [organisatieschema]</a:t>
-            </a:r>
-          </a:p>
-        </p:txBody>
-      </p:sp>
-      <p:graphicFrame>
-        <p:nvGraphicFramePr>
-          <p:cNvPr id="175107" name="Object 3"/>
-          <p:cNvGraphicFramePr>
-            <a:graphicFrameLocks noChangeAspect="1"/>
-          </p:cNvGraphicFramePr>
-          <p:nvPr>
-            <p:ph type="dgm" idx="1"/>
-          </p:nvPr>
-        </p:nvGraphicFramePr>
-        <p:xfrm>
-          <a:off x="1187450" y="2060575"/>
-          <a:ext cx="6769100" cy="1368425"/>
-        </p:xfrm>
-        <a:graphic>
-          <a:graphicData uri="http://schemas.openxmlformats.org/presentationml/2006/ole">
-            <p:oleObj spid="_x0000_s175107" name="Microsoft Organization Chart" r:id="rId4" imgW="9550400" imgH="2667000" progId="MSOrgChart.2">
-              <p:embed followColorScheme="full"/>
-            </p:oleObj>
-          </a:graphicData>
-        </a:graphic>
-      </p:graphicFrame>
-    </p:spTree>
-  </p:cSld>
-  <p:clrMapOvr>
-    <a:masterClrMapping/>
-  </p:clrMapOvr>
-  <p:timing>
-    <p:tnLst>
-      <p:par>
-        <p:cTn id="1" dur="indefinite" restart="never" nodeType="tmRoot"/>
-      </p:par>
-    </p:tnLst>
-  </p:timing>
 </p:sld>
 </file>
 

--- a/slides/ddl-w8l1.pptx
+++ b/slides/ddl-w8l1.pptx
@@ -5,17 +5,32 @@
     <p:sldMasterId id="2147483649" r:id="rId1"/>
   </p:sldMasterIdLst>
   <p:notesMasterIdLst>
-    <p:notesMasterId r:id="rId7"/>
+    <p:notesMasterId r:id="rId22"/>
   </p:notesMasterIdLst>
   <p:handoutMasterIdLst>
-    <p:handoutMasterId r:id="rId8"/>
+    <p:handoutMasterId r:id="rId23"/>
   </p:handoutMasterIdLst>
   <p:sldIdLst>
     <p:sldId id="256" r:id="rId2"/>
     <p:sldId id="257" r:id="rId3"/>
     <p:sldId id="258" r:id="rId4"/>
     <p:sldId id="259" r:id="rId5"/>
-    <p:sldId id="260" r:id="rId6"/>
+    <p:sldId id="282" r:id="rId6"/>
+    <p:sldId id="280" r:id="rId7"/>
+    <p:sldId id="284" r:id="rId8"/>
+    <p:sldId id="268" r:id="rId9"/>
+    <p:sldId id="279" r:id="rId10"/>
+    <p:sldId id="267" r:id="rId11"/>
+    <p:sldId id="278" r:id="rId12"/>
+    <p:sldId id="273" r:id="rId13"/>
+    <p:sldId id="276" r:id="rId14"/>
+    <p:sldId id="277" r:id="rId15"/>
+    <p:sldId id="281" r:id="rId16"/>
+    <p:sldId id="261" r:id="rId17"/>
+    <p:sldId id="265" r:id="rId18"/>
+    <p:sldId id="266" r:id="rId19"/>
+    <p:sldId id="274" r:id="rId20"/>
+    <p:sldId id="283" r:id="rId21"/>
   </p:sldIdLst>
   <p:sldSz cx="9144000" cy="6858000" type="screen4x3"/>
   <p:notesSz cx="6858000" cy="9144000"/>
@@ -294,7 +309,7 @@
             <a:fld id="{373F1B60-BDF4-4D63-AD79-99D5A5B1DF99}" type="datetime1">
               <a:rPr lang="en-US"/>
               <a:pPr/>
-              <a:t>12/12/2018</a:t>
+              <a:t>1/4/2019</a:t>
             </a:fld>
             <a:endParaRPr lang="en-US"/>
           </a:p>
@@ -513,7 +528,7 @@
             <a:fld id="{4387A7AA-DFE9-4771-BEDE-3294FCEBFB02}" type="datetime1">
               <a:rPr lang="en-US"/>
               <a:pPr/>
-              <a:t>12/12/2018</a:t>
+              <a:t>1/4/2019</a:t>
             </a:fld>
             <a:endParaRPr lang="en-US"/>
           </a:p>
@@ -904,7 +919,7 @@
             <a:fld id="{8541E2CD-DBF4-40F9-B6F8-EEFD0DF8A138}" type="datetime1">
               <a:rPr lang="en-US"/>
               <a:pPr/>
-              <a:t>12/12/2018</a:t>
+              <a:t>1/4/2019</a:t>
             </a:fld>
             <a:endParaRPr lang="en-US"/>
           </a:p>
@@ -1124,7 +1139,7 @@
             <a:fld id="{93F21019-3A00-48AC-9663-40DF67A83229}" type="datetime1">
               <a:rPr lang="en-US"/>
               <a:pPr/>
-              <a:t>12/12/2018</a:t>
+              <a:t>1/4/2019</a:t>
             </a:fld>
             <a:endParaRPr lang="en-US">
               <a:solidFill>
@@ -1310,7 +1325,7 @@
             <a:fld id="{8B2EF9C8-0AC3-4A53-9A61-1834A571F420}" type="datetime1">
               <a:rPr lang="en-US"/>
               <a:pPr/>
-              <a:t>12/12/2018</a:t>
+              <a:t>1/4/2019</a:t>
             </a:fld>
             <a:endParaRPr lang="en-US" sz="1400">
               <a:solidFill>
@@ -1507,7 +1522,7 @@
             <a:fld id="{F02960F3-A385-4905-A491-FDC17E063DD1}" type="datetime1">
               <a:rPr lang="en-US"/>
               <a:pPr/>
-              <a:t>12/12/2018</a:t>
+              <a:t>1/4/2019</a:t>
             </a:fld>
             <a:endParaRPr lang="en-US" sz="1400">
               <a:solidFill>
@@ -1766,7 +1781,7 @@
             <a:fld id="{CD3AD70A-8E2A-47B5-AC18-ABBB5A8E737D}" type="datetime1">
               <a:rPr lang="en-US"/>
               <a:pPr/>
-              <a:t>12/12/2018</a:t>
+              <a:t>1/4/2019</a:t>
             </a:fld>
             <a:endParaRPr lang="en-US" sz="1400">
               <a:solidFill>
@@ -2002,7 +2017,7 @@
             <a:fld id="{07008C2E-9BD6-496B-BFC3-B4A975EBC85E}" type="datetime1">
               <a:rPr lang="en-US"/>
               <a:pPr/>
-              <a:t>12/12/2018</a:t>
+              <a:t>1/4/2019</a:t>
             </a:fld>
             <a:endParaRPr lang="en-US" sz="1400">
               <a:solidFill>
@@ -2181,7 +2196,7 @@
             <a:fld id="{1AA2C3CF-866C-4FDE-B76D-4E9536901630}" type="datetime1">
               <a:rPr lang="en-US"/>
               <a:pPr/>
-              <a:t>12/12/2018</a:t>
+              <a:t>1/4/2019</a:t>
             </a:fld>
             <a:endParaRPr lang="en-US" sz="1400">
               <a:solidFill>
@@ -2360,7 +2375,7 @@
             <a:fld id="{555EE259-FE08-4558-B721-B189FFE77284}" type="datetime1">
               <a:rPr lang="en-US"/>
               <a:pPr/>
-              <a:t>12/12/2018</a:t>
+              <a:t>1/4/2019</a:t>
             </a:fld>
             <a:endParaRPr lang="en-US" sz="1400">
               <a:solidFill>
@@ -2629,7 +2644,7 @@
             <a:fld id="{0AF4064E-5624-49AB-B7C6-E301A8F6B1FF}" type="datetime1">
               <a:rPr lang="en-US"/>
               <a:pPr/>
-              <a:t>12/12/2018</a:t>
+              <a:t>1/4/2019</a:t>
             </a:fld>
             <a:endParaRPr lang="en-US" sz="1400">
               <a:solidFill>
@@ -2826,7 +2841,7 @@
             <a:fld id="{CBC97FCD-6C54-4833-B032-BFBCDFA8379D}" type="datetime1">
               <a:rPr lang="en-US"/>
               <a:pPr/>
-              <a:t>12/12/2018</a:t>
+              <a:t>1/4/2019</a:t>
             </a:fld>
             <a:endParaRPr lang="en-US" sz="1400">
               <a:solidFill>
@@ -3035,7 +3050,7 @@
             <a:fld id="{F04AA577-515A-431F-98B6-3B03494ABB11}" type="datetime1">
               <a:rPr lang="en-US"/>
               <a:pPr/>
-              <a:t>12/12/2018</a:t>
+              <a:t>1/4/2019</a:t>
             </a:fld>
             <a:endParaRPr lang="en-US" sz="1400">
               <a:solidFill>
@@ -3340,7 +3355,7 @@
             <a:fld id="{6475F1A4-C474-4345-A800-2F40B0E4E70C}" type="datetime1">
               <a:rPr lang="en-US"/>
               <a:pPr/>
-              <a:t>12/12/2018</a:t>
+              <a:t>1/4/2019</a:t>
             </a:fld>
             <a:endParaRPr lang="en-US" sz="1400">
               <a:solidFill>
@@ -3784,7 +3799,7 @@
             <a:fld id="{7BA535AB-820E-4207-9DA8-5F37106C7AF4}" type="datetime1">
               <a:rPr lang="en-US"/>
               <a:pPr/>
-              <a:t>12/12/2018</a:t>
+              <a:t>1/4/2019</a:t>
             </a:fld>
             <a:endParaRPr lang="en-US" sz="1400">
               <a:solidFill>
@@ -3919,7 +3934,7 @@
             <a:fld id="{0A7E69FA-D7EE-42C0-9117-1971B541885F}" type="datetime1">
               <a:rPr lang="en-US"/>
               <a:pPr/>
-              <a:t>12/12/2018</a:t>
+              <a:t>1/4/2019</a:t>
             </a:fld>
             <a:endParaRPr lang="en-US" sz="1400">
               <a:solidFill>
@@ -4031,7 +4046,7 @@
             <a:fld id="{10D7644E-1B5D-4325-BA79-338DF2B89B56}" type="datetime1">
               <a:rPr lang="en-US"/>
               <a:pPr/>
-              <a:t>12/12/2018</a:t>
+              <a:t>1/4/2019</a:t>
             </a:fld>
             <a:endParaRPr lang="en-US" sz="1400">
               <a:solidFill>
@@ -4325,7 +4340,7 @@
             <a:fld id="{B790C882-0B74-4932-8998-E9ABB8AF1740}" type="datetime1">
               <a:rPr lang="en-US"/>
               <a:pPr/>
-              <a:t>12/12/2018</a:t>
+              <a:t>1/4/2019</a:t>
             </a:fld>
             <a:endParaRPr lang="en-US" sz="1400">
               <a:solidFill>
@@ -4595,7 +4610,7 @@
             <a:fld id="{9DC585DC-AE7D-44C1-90AB-C3A391DEA065}" type="datetime1">
               <a:rPr lang="en-US"/>
               <a:pPr/>
-              <a:t>12/12/2018</a:t>
+              <a:t>1/4/2019</a:t>
             </a:fld>
             <a:endParaRPr lang="en-US" sz="1400">
               <a:solidFill>
@@ -4859,7 +4874,7 @@
             <a:fld id="{256CE565-1940-4E5F-9190-C0815CEAAA9D}" type="datetime1">
               <a:rPr lang="en-US"/>
               <a:pPr/>
-              <a:t>12/12/2018</a:t>
+              <a:t>1/4/2019</a:t>
             </a:fld>
             <a:endParaRPr lang="en-US"/>
           </a:p>
@@ -5448,14 +5463,10 @@
             </a:br>
             <a:r>
               <a:rPr lang="en-US" sz="2400" dirty="0" smtClean="0"/>
-              <a:t>W8 L1:</a:t>
-            </a:r>
-            <a:r>
-              <a:rPr lang="en-US" sz="2400" smtClean="0"/>
-              <a:t/>
+              <a:t>W8 L1: Text mining: Naïve Bayes</a:t>
             </a:r>
             <a:br>
-              <a:rPr lang="en-US" sz="2400" smtClean="0"/>
+              <a:rPr lang="en-US" sz="2400" dirty="0" smtClean="0"/>
             </a:br>
             <a:endParaRPr lang="en-US" sz="2000" dirty="0"/>
           </a:p>
@@ -5518,6 +5529,6604 @@
       </p:par>
     </p:tnLst>
   </p:timing>
+</p:sld>
+</file>
+
+<file path=ppt/slides/slide10.xml><?xml version="1.0" encoding="utf-8"?>
+<p:sld xmlns:a="http://schemas.openxmlformats.org/drawingml/2006/main" xmlns:r="http://schemas.openxmlformats.org/officeDocument/2006/relationships" xmlns:p="http://schemas.openxmlformats.org/presentationml/2006/main">
+  <p:cSld>
+    <p:spTree>
+      <p:nvGrpSpPr>
+        <p:cNvPr id="1" name=""/>
+        <p:cNvGrpSpPr/>
+        <p:nvPr/>
+      </p:nvGrpSpPr>
+      <p:grpSpPr>
+        <a:xfrm>
+          <a:off x="0" y="0"/>
+          <a:ext cx="0" cy="0"/>
+          <a:chOff x="0" y="0"/>
+          <a:chExt cx="0" cy="0"/>
+        </a:xfrm>
+      </p:grpSpPr>
+      <p:sp>
+        <p:nvSpPr>
+          <p:cNvPr id="2" name="Titel 1"/>
+          <p:cNvSpPr>
+            <a:spLocks noGrp="1"/>
+          </p:cNvSpPr>
+          <p:nvPr>
+            <p:ph type="title"/>
+          </p:nvPr>
+        </p:nvSpPr>
+        <p:spPr/>
+        <p:txBody>
+          <a:bodyPr/>
+          <a:lstStyle/>
+          <a:p>
+            <a:r>
+              <a:rPr lang="nl-NL" dirty="0" smtClean="0"/>
+              <a:t>Bag of </a:t>
+            </a:r>
+            <a:r>
+              <a:rPr lang="nl-NL" dirty="0" err="1" smtClean="0"/>
+              <a:t>words</a:t>
+            </a:r>
+            <a:endParaRPr lang="nl-NL" dirty="0"/>
+          </a:p>
+        </p:txBody>
+      </p:sp>
+      <p:sp>
+        <p:nvSpPr>
+          <p:cNvPr id="3" name="Tijdelijke aanduiding voor inhoud 2"/>
+          <p:cNvSpPr>
+            <a:spLocks noGrp="1"/>
+          </p:cNvSpPr>
+          <p:nvPr>
+            <p:ph idx="1"/>
+          </p:nvPr>
+        </p:nvSpPr>
+        <p:spPr>
+          <a:xfrm>
+            <a:off x="762000" y="1762125"/>
+            <a:ext cx="4530080" cy="4450449"/>
+          </a:xfrm>
+        </p:spPr>
+        <p:txBody>
+          <a:bodyPr/>
+          <a:lstStyle/>
+          <a:p>
+            <a:r>
+              <a:rPr lang="nl-NL" sz="2400" dirty="0" smtClean="0"/>
+              <a:t>The ‘bag of </a:t>
+            </a:r>
+            <a:r>
+              <a:rPr lang="nl-NL" sz="2400" dirty="0" err="1" smtClean="0"/>
+              <a:t>words</a:t>
+            </a:r>
+            <a:r>
+              <a:rPr lang="nl-NL" sz="2400" dirty="0" smtClean="0"/>
+              <a:t>’ model </a:t>
+            </a:r>
+            <a:r>
+              <a:rPr lang="nl-NL" sz="2400" dirty="0" err="1" smtClean="0"/>
+              <a:t>treats</a:t>
+            </a:r>
+            <a:r>
+              <a:rPr lang="nl-NL" sz="2400" dirty="0" smtClean="0"/>
+              <a:t> a document as a </a:t>
+            </a:r>
+            <a:r>
+              <a:rPr lang="nl-NL" sz="2400" dirty="0" err="1" smtClean="0"/>
+              <a:t>collection</a:t>
+            </a:r>
+            <a:r>
+              <a:rPr lang="nl-NL" sz="2400" dirty="0" smtClean="0"/>
+              <a:t> of </a:t>
+            </a:r>
+            <a:r>
+              <a:rPr lang="nl-NL" sz="2400" dirty="0" err="1" smtClean="0"/>
+              <a:t>words</a:t>
+            </a:r>
+            <a:r>
+              <a:rPr lang="nl-NL" sz="2400" dirty="0" smtClean="0"/>
+              <a:t>, </a:t>
+            </a:r>
+            <a:r>
+              <a:rPr lang="nl-NL" sz="2400" dirty="0" err="1" smtClean="0"/>
+              <a:t>and</a:t>
+            </a:r>
+            <a:r>
+              <a:rPr lang="nl-NL" sz="2400" dirty="0" smtClean="0"/>
+              <a:t> a </a:t>
+            </a:r>
+            <a:r>
+              <a:rPr lang="nl-NL" sz="2400" dirty="0" err="1" smtClean="0"/>
+              <a:t>count</a:t>
+            </a:r>
+            <a:r>
+              <a:rPr lang="nl-NL" sz="2400" dirty="0" smtClean="0"/>
+              <a:t> </a:t>
+            </a:r>
+            <a:r>
+              <a:rPr lang="nl-NL" sz="2400" dirty="0" err="1" smtClean="0"/>
+              <a:t>for</a:t>
+            </a:r>
+            <a:r>
+              <a:rPr lang="nl-NL" sz="2400" dirty="0" smtClean="0"/>
+              <a:t> </a:t>
+            </a:r>
+            <a:r>
+              <a:rPr lang="nl-NL" sz="2400" dirty="0" err="1" smtClean="0"/>
+              <a:t>each</a:t>
+            </a:r>
+            <a:endParaRPr lang="nl-NL" sz="2400" dirty="0" smtClean="0"/>
+          </a:p>
+          <a:p>
+            <a:endParaRPr lang="nl-NL" sz="2400" dirty="0"/>
+          </a:p>
+          <a:p>
+            <a:r>
+              <a:rPr lang="nl-NL" sz="2400" dirty="0" smtClean="0"/>
+              <a:t>It </a:t>
+            </a:r>
+            <a:r>
+              <a:rPr lang="nl-NL" sz="2400" dirty="0" err="1" smtClean="0"/>
+              <a:t>ignores</a:t>
+            </a:r>
+            <a:r>
+              <a:rPr lang="nl-NL" sz="2400" dirty="0" smtClean="0"/>
+              <a:t> </a:t>
+            </a:r>
+            <a:r>
+              <a:rPr lang="nl-NL" sz="2400" dirty="0" err="1" smtClean="0"/>
+              <a:t>semantics</a:t>
+            </a:r>
+            <a:r>
+              <a:rPr lang="nl-NL" sz="2400" dirty="0" smtClean="0"/>
+              <a:t>, syntax (word order), </a:t>
+            </a:r>
+            <a:r>
+              <a:rPr lang="nl-NL" sz="2400" dirty="0" err="1" smtClean="0"/>
+              <a:t>morphology</a:t>
+            </a:r>
+            <a:r>
+              <a:rPr lang="nl-NL" sz="2400" dirty="0" smtClean="0"/>
+              <a:t> </a:t>
+            </a:r>
+            <a:r>
+              <a:rPr lang="nl-NL" sz="2400" dirty="0" err="1" smtClean="0"/>
+              <a:t>and</a:t>
+            </a:r>
+            <a:r>
+              <a:rPr lang="nl-NL" sz="2400" dirty="0" smtClean="0"/>
+              <a:t> </a:t>
+            </a:r>
+            <a:r>
+              <a:rPr lang="nl-NL" sz="2400" dirty="0" err="1" smtClean="0"/>
+              <a:t>pragmatics</a:t>
+            </a:r>
+            <a:r>
+              <a:rPr lang="nl-NL" sz="2400" dirty="0"/>
+              <a:t> </a:t>
+            </a:r>
+            <a:r>
+              <a:rPr lang="nl-NL" sz="2400" dirty="0" smtClean="0"/>
+              <a:t>(e.g., </a:t>
+            </a:r>
+            <a:r>
+              <a:rPr lang="nl-NL" sz="2400" dirty="0" err="1" smtClean="0"/>
+              <a:t>irony</a:t>
+            </a:r>
+            <a:r>
+              <a:rPr lang="nl-NL" sz="2400" dirty="0" smtClean="0"/>
+              <a:t>)</a:t>
+            </a:r>
+          </a:p>
+          <a:p>
+            <a:endParaRPr lang="nl-NL" sz="2400" dirty="0"/>
+          </a:p>
+          <a:p>
+            <a:r>
+              <a:rPr lang="nl-NL" sz="2400" dirty="0" err="1" smtClean="0"/>
+              <a:t>Very</a:t>
+            </a:r>
+            <a:r>
+              <a:rPr lang="nl-NL" sz="2400" dirty="0" smtClean="0"/>
+              <a:t> </a:t>
+            </a:r>
+            <a:r>
+              <a:rPr lang="nl-NL" sz="2400" dirty="0" err="1" smtClean="0"/>
+              <a:t>simple</a:t>
+            </a:r>
+            <a:r>
+              <a:rPr lang="nl-NL" sz="2400" dirty="0" smtClean="0"/>
+              <a:t> but </a:t>
+            </a:r>
+            <a:r>
+              <a:rPr lang="nl-NL" sz="2400" dirty="0" err="1" smtClean="0"/>
+              <a:t>often</a:t>
+            </a:r>
+            <a:r>
+              <a:rPr lang="nl-NL" sz="2400" dirty="0" smtClean="0"/>
+              <a:t> </a:t>
+            </a:r>
+            <a:r>
+              <a:rPr lang="nl-NL" sz="2400" dirty="0" err="1" smtClean="0"/>
+              <a:t>effective</a:t>
+            </a:r>
+            <a:endParaRPr lang="nl-NL" sz="2400" dirty="0" smtClean="0"/>
+          </a:p>
+        </p:txBody>
+      </p:sp>
+      <p:graphicFrame>
+        <p:nvGraphicFramePr>
+          <p:cNvPr id="4" name="Tabel 3"/>
+          <p:cNvGraphicFramePr>
+            <a:graphicFrameLocks noGrp="1"/>
+          </p:cNvGraphicFramePr>
+          <p:nvPr>
+            <p:extLst>
+              <p:ext uri="{D42A27DB-BD31-4B8C-83A1-F6EECF244321}">
+                <p14:modId xmlns:p14="http://schemas.microsoft.com/office/powerpoint/2010/main" val="711043460"/>
+              </p:ext>
+            </p:extLst>
+          </p:nvPr>
+        </p:nvGraphicFramePr>
+        <p:xfrm>
+          <a:off x="5580112" y="3645024"/>
+          <a:ext cx="2543944" cy="2464050"/>
+        </p:xfrm>
+        <a:graphic>
+          <a:graphicData uri="http://schemas.openxmlformats.org/drawingml/2006/table">
+            <a:tbl>
+              <a:tblPr firstRow="1" bandRow="1">
+                <a:tableStyleId>{5C22544A-7EE6-4342-B048-85BDC9FD1C3A}</a:tableStyleId>
+              </a:tblPr>
+              <a:tblGrid>
+                <a:gridCol w="1271972">
+                  <a:extLst>
+                    <a:ext uri="{9D8B030D-6E8A-4147-A177-3AD203B41FA5}">
+                      <a16:colId xmlns:a16="http://schemas.microsoft.com/office/drawing/2014/main" val="2772722430"/>
+                    </a:ext>
+                  </a:extLst>
+                </a:gridCol>
+                <a:gridCol w="1271972">
+                  <a:extLst>
+                    <a:ext uri="{9D8B030D-6E8A-4147-A177-3AD203B41FA5}">
+                      <a16:colId xmlns:a16="http://schemas.microsoft.com/office/drawing/2014/main" val="3705205455"/>
+                    </a:ext>
+                  </a:extLst>
+                </a:gridCol>
+              </a:tblGrid>
+              <a:tr h="410675">
+                <a:tc>
+                  <a:txBody>
+                    <a:bodyPr/>
+                    <a:lstStyle/>
+                    <a:p>
+                      <a:r>
+                        <a:rPr lang="nl-NL" dirty="0" smtClean="0"/>
+                        <a:t>Word</a:t>
+                      </a:r>
+                      <a:endParaRPr lang="nl-NL" dirty="0"/>
+                    </a:p>
+                  </a:txBody>
+                  <a:tcPr/>
+                </a:tc>
+                <a:tc>
+                  <a:txBody>
+                    <a:bodyPr/>
+                    <a:lstStyle/>
+                    <a:p>
+                      <a:r>
+                        <a:rPr lang="nl-NL" dirty="0" err="1" smtClean="0"/>
+                        <a:t>Count</a:t>
+                      </a:r>
+                      <a:endParaRPr lang="nl-NL" dirty="0"/>
+                    </a:p>
+                  </a:txBody>
+                  <a:tcPr/>
+                </a:tc>
+                <a:extLst>
+                  <a:ext uri="{0D108BD9-81ED-4DB2-BD59-A6C34878D82A}">
+                    <a16:rowId xmlns:a16="http://schemas.microsoft.com/office/drawing/2014/main" val="4293008583"/>
+                  </a:ext>
+                </a:extLst>
+              </a:tr>
+              <a:tr h="410675">
+                <a:tc>
+                  <a:txBody>
+                    <a:bodyPr/>
+                    <a:lstStyle/>
+                    <a:p>
+                      <a:r>
+                        <a:rPr lang="nl-NL" dirty="0" err="1" smtClean="0"/>
+                        <a:t>You</a:t>
+                      </a:r>
+                      <a:endParaRPr lang="nl-NL" dirty="0"/>
+                    </a:p>
+                  </a:txBody>
+                  <a:tcPr/>
+                </a:tc>
+                <a:tc>
+                  <a:txBody>
+                    <a:bodyPr/>
+                    <a:lstStyle/>
+                    <a:p>
+                      <a:r>
+                        <a:rPr lang="nl-NL" dirty="0" smtClean="0"/>
+                        <a:t>8</a:t>
+                      </a:r>
+                      <a:endParaRPr lang="nl-NL" dirty="0"/>
+                    </a:p>
+                  </a:txBody>
+                  <a:tcPr/>
+                </a:tc>
+                <a:extLst>
+                  <a:ext uri="{0D108BD9-81ED-4DB2-BD59-A6C34878D82A}">
+                    <a16:rowId xmlns:a16="http://schemas.microsoft.com/office/drawing/2014/main" val="1738222635"/>
+                  </a:ext>
+                </a:extLst>
+              </a:tr>
+              <a:tr h="410675">
+                <a:tc>
+                  <a:txBody>
+                    <a:bodyPr/>
+                    <a:lstStyle/>
+                    <a:p>
+                      <a:r>
+                        <a:rPr lang="nl-NL" dirty="0" smtClean="0"/>
+                        <a:t>I</a:t>
+                      </a:r>
+                      <a:endParaRPr lang="nl-NL" dirty="0"/>
+                    </a:p>
+                  </a:txBody>
+                  <a:tcPr/>
+                </a:tc>
+                <a:tc>
+                  <a:txBody>
+                    <a:bodyPr/>
+                    <a:lstStyle/>
+                    <a:p>
+                      <a:r>
+                        <a:rPr lang="nl-NL" dirty="0" smtClean="0"/>
+                        <a:t>6</a:t>
+                      </a:r>
+                      <a:endParaRPr lang="nl-NL" dirty="0"/>
+                    </a:p>
+                  </a:txBody>
+                  <a:tcPr/>
+                </a:tc>
+                <a:extLst>
+                  <a:ext uri="{0D108BD9-81ED-4DB2-BD59-A6C34878D82A}">
+                    <a16:rowId xmlns:a16="http://schemas.microsoft.com/office/drawing/2014/main" val="274242068"/>
+                  </a:ext>
+                </a:extLst>
+              </a:tr>
+              <a:tr h="410675">
+                <a:tc>
+                  <a:txBody>
+                    <a:bodyPr/>
+                    <a:lstStyle/>
+                    <a:p>
+                      <a:r>
+                        <a:rPr lang="nl-NL" dirty="0" err="1" smtClean="0"/>
+                        <a:t>And</a:t>
+                      </a:r>
+                      <a:endParaRPr lang="nl-NL" dirty="0"/>
+                    </a:p>
+                  </a:txBody>
+                  <a:tcPr/>
+                </a:tc>
+                <a:tc>
+                  <a:txBody>
+                    <a:bodyPr/>
+                    <a:lstStyle/>
+                    <a:p>
+                      <a:r>
+                        <a:rPr lang="nl-NL" dirty="0" smtClean="0"/>
+                        <a:t>5</a:t>
+                      </a:r>
+                      <a:endParaRPr lang="nl-NL" dirty="0"/>
+                    </a:p>
+                  </a:txBody>
+                  <a:tcPr/>
+                </a:tc>
+                <a:extLst>
+                  <a:ext uri="{0D108BD9-81ED-4DB2-BD59-A6C34878D82A}">
+                    <a16:rowId xmlns:a16="http://schemas.microsoft.com/office/drawing/2014/main" val="1843385924"/>
+                  </a:ext>
+                </a:extLst>
+              </a:tr>
+              <a:tr h="410675">
+                <a:tc>
+                  <a:txBody>
+                    <a:bodyPr/>
+                    <a:lstStyle/>
+                    <a:p>
+                      <a:r>
+                        <a:rPr lang="nl-NL" dirty="0" smtClean="0"/>
+                        <a:t>Will</a:t>
+                      </a:r>
+                      <a:endParaRPr lang="nl-NL" dirty="0"/>
+                    </a:p>
+                  </a:txBody>
+                  <a:tcPr/>
+                </a:tc>
+                <a:tc>
+                  <a:txBody>
+                    <a:bodyPr/>
+                    <a:lstStyle/>
+                    <a:p>
+                      <a:r>
+                        <a:rPr lang="nl-NL" dirty="0" smtClean="0"/>
+                        <a:t>5</a:t>
+                      </a:r>
+                      <a:endParaRPr lang="nl-NL" dirty="0"/>
+                    </a:p>
+                  </a:txBody>
+                  <a:tcPr/>
+                </a:tc>
+                <a:extLst>
+                  <a:ext uri="{0D108BD9-81ED-4DB2-BD59-A6C34878D82A}">
+                    <a16:rowId xmlns:a16="http://schemas.microsoft.com/office/drawing/2014/main" val="3547913285"/>
+                  </a:ext>
+                </a:extLst>
+              </a:tr>
+              <a:tr h="410675">
+                <a:tc>
+                  <a:txBody>
+                    <a:bodyPr/>
+                    <a:lstStyle/>
+                    <a:p>
+                      <a:r>
+                        <a:rPr lang="nl-NL" dirty="0" smtClean="0"/>
+                        <a:t>Be</a:t>
+                      </a:r>
+                      <a:endParaRPr lang="nl-NL" dirty="0"/>
+                    </a:p>
+                  </a:txBody>
+                  <a:tcPr/>
+                </a:tc>
+                <a:tc>
+                  <a:txBody>
+                    <a:bodyPr/>
+                    <a:lstStyle/>
+                    <a:p>
+                      <a:r>
+                        <a:rPr lang="nl-NL" dirty="0" smtClean="0"/>
+                        <a:t>4</a:t>
+                      </a:r>
+                      <a:endParaRPr lang="nl-NL" dirty="0"/>
+                    </a:p>
+                  </a:txBody>
+                  <a:tcPr/>
+                </a:tc>
+                <a:extLst>
+                  <a:ext uri="{0D108BD9-81ED-4DB2-BD59-A6C34878D82A}">
+                    <a16:rowId xmlns:a16="http://schemas.microsoft.com/office/drawing/2014/main" val="183468617"/>
+                  </a:ext>
+                </a:extLst>
+              </a:tr>
+            </a:tbl>
+          </a:graphicData>
+        </a:graphic>
+      </p:graphicFrame>
+      <p:pic>
+        <p:nvPicPr>
+          <p:cNvPr id="5" name="Afbeelding 4"/>
+          <p:cNvPicPr>
+            <a:picLocks noChangeAspect="1"/>
+          </p:cNvPicPr>
+          <p:nvPr/>
+        </p:nvPicPr>
+        <p:blipFill>
+          <a:blip r:embed="rId2" cstate="print">
+            <a:extLst>
+              <a:ext uri="{28A0092B-C50C-407E-A947-70E740481C1C}">
+                <a14:useLocalDpi xmlns:a14="http://schemas.microsoft.com/office/drawing/2010/main" val="0"/>
+              </a:ext>
+            </a:extLst>
+          </a:blip>
+          <a:stretch>
+            <a:fillRect/>
+          </a:stretch>
+        </p:blipFill>
+        <p:spPr>
+          <a:xfrm>
+            <a:off x="5652120" y="1189038"/>
+            <a:ext cx="2132856" cy="2132856"/>
+          </a:xfrm>
+          <a:prstGeom prst="rect">
+            <a:avLst/>
+          </a:prstGeom>
+        </p:spPr>
+      </p:pic>
+    </p:spTree>
+    <p:extLst>
+      <p:ext uri="{BB962C8B-B14F-4D97-AF65-F5344CB8AC3E}">
+        <p14:creationId xmlns:p14="http://schemas.microsoft.com/office/powerpoint/2010/main" val="861781693"/>
+      </p:ext>
+    </p:extLst>
+  </p:cSld>
+  <p:clrMapOvr>
+    <a:masterClrMapping/>
+  </p:clrMapOvr>
+  <p:timing>
+    <p:tnLst>
+      <p:par>
+        <p:cTn id="1" dur="indefinite" restart="never" nodeType="tmRoot"/>
+      </p:par>
+    </p:tnLst>
+  </p:timing>
+</p:sld>
+</file>
+
+<file path=ppt/slides/slide11.xml><?xml version="1.0" encoding="utf-8"?>
+<p:sld xmlns:a="http://schemas.openxmlformats.org/drawingml/2006/main" xmlns:r="http://schemas.openxmlformats.org/officeDocument/2006/relationships" xmlns:p="http://schemas.openxmlformats.org/presentationml/2006/main">
+  <p:cSld>
+    <p:spTree>
+      <p:nvGrpSpPr>
+        <p:cNvPr id="1" name=""/>
+        <p:cNvGrpSpPr/>
+        <p:nvPr/>
+      </p:nvGrpSpPr>
+      <p:grpSpPr>
+        <a:xfrm>
+          <a:off x="0" y="0"/>
+          <a:ext cx="0" cy="0"/>
+          <a:chOff x="0" y="0"/>
+          <a:chExt cx="0" cy="0"/>
+        </a:xfrm>
+      </p:grpSpPr>
+      <p:sp>
+        <p:nvSpPr>
+          <p:cNvPr id="2" name="Titel 1"/>
+          <p:cNvSpPr>
+            <a:spLocks noGrp="1"/>
+          </p:cNvSpPr>
+          <p:nvPr>
+            <p:ph type="title"/>
+          </p:nvPr>
+        </p:nvSpPr>
+        <p:spPr/>
+        <p:txBody>
+          <a:bodyPr/>
+          <a:lstStyle/>
+          <a:p>
+            <a:r>
+              <a:rPr lang="nl-NL" dirty="0" err="1" smtClean="0"/>
+              <a:t>Tokenizing</a:t>
+            </a:r>
+            <a:endParaRPr lang="nl-NL" dirty="0"/>
+          </a:p>
+        </p:txBody>
+      </p:sp>
+      <p:sp>
+        <p:nvSpPr>
+          <p:cNvPr id="3" name="Tijdelijke aanduiding voor inhoud 2"/>
+          <p:cNvSpPr>
+            <a:spLocks noGrp="1"/>
+          </p:cNvSpPr>
+          <p:nvPr>
+            <p:ph idx="1"/>
+          </p:nvPr>
+        </p:nvSpPr>
+        <p:spPr>
+          <a:xfrm>
+            <a:off x="762000" y="1762125"/>
+            <a:ext cx="7881938" cy="3416320"/>
+          </a:xfrm>
+        </p:spPr>
+        <p:txBody>
+          <a:bodyPr/>
+          <a:lstStyle/>
+          <a:p>
+            <a:r>
+              <a:rPr lang="nl-NL" sz="2400" dirty="0" err="1" smtClean="0"/>
+              <a:t>Tokenizing</a:t>
+            </a:r>
+            <a:r>
+              <a:rPr lang="nl-NL" sz="2400" dirty="0" smtClean="0"/>
+              <a:t> is </a:t>
+            </a:r>
+            <a:r>
+              <a:rPr lang="nl-NL" sz="2400" dirty="0" err="1" smtClean="0"/>
+              <a:t>about</a:t>
+            </a:r>
+            <a:r>
+              <a:rPr lang="nl-NL" sz="2400" dirty="0" smtClean="0"/>
+              <a:t> </a:t>
+            </a:r>
+            <a:r>
+              <a:rPr lang="nl-NL" sz="2400" dirty="0" err="1" smtClean="0"/>
+              <a:t>breaking</a:t>
+            </a:r>
+            <a:r>
+              <a:rPr lang="nl-NL" sz="2400" dirty="0" smtClean="0"/>
+              <a:t> text up </a:t>
+            </a:r>
+            <a:r>
+              <a:rPr lang="nl-NL" sz="2400" dirty="0" err="1" smtClean="0"/>
+              <a:t>into</a:t>
+            </a:r>
+            <a:r>
+              <a:rPr lang="nl-NL" sz="2400" dirty="0" smtClean="0"/>
+              <a:t> units (‘</a:t>
+            </a:r>
+            <a:r>
+              <a:rPr lang="nl-NL" sz="2400" dirty="0" err="1" smtClean="0"/>
+              <a:t>words</a:t>
+            </a:r>
+            <a:r>
+              <a:rPr lang="nl-NL" sz="2400" dirty="0" smtClean="0"/>
+              <a:t>’)</a:t>
+            </a:r>
+          </a:p>
+          <a:p>
+            <a:endParaRPr lang="nl-NL" sz="2400" dirty="0"/>
+          </a:p>
+          <a:p>
+            <a:r>
+              <a:rPr lang="nl-NL" sz="2400" dirty="0" err="1" smtClean="0"/>
+              <a:t>Relatively</a:t>
+            </a:r>
+            <a:r>
+              <a:rPr lang="nl-NL" sz="2400" dirty="0" smtClean="0"/>
+              <a:t> easy in English…</a:t>
+            </a:r>
+          </a:p>
+          <a:p>
+            <a:pPr marL="533400" lvl="1" indent="0">
+              <a:buNone/>
+            </a:pPr>
+            <a:r>
+              <a:rPr lang="nl-NL" sz="2400" dirty="0" smtClean="0"/>
+              <a:t>(But </a:t>
+            </a:r>
+            <a:r>
+              <a:rPr lang="nl-NL" sz="2400" dirty="0" err="1" smtClean="0"/>
+              <a:t>what</a:t>
+            </a:r>
+            <a:r>
+              <a:rPr lang="nl-NL" sz="2400" dirty="0" smtClean="0"/>
+              <a:t> </a:t>
+            </a:r>
+            <a:r>
+              <a:rPr lang="nl-NL" sz="2400" dirty="0" err="1" smtClean="0"/>
+              <a:t>about</a:t>
+            </a:r>
+            <a:r>
+              <a:rPr lang="nl-NL" sz="2400" dirty="0" smtClean="0"/>
+              <a:t> ‘New York’, ‘ice cream’)</a:t>
+            </a:r>
+          </a:p>
+          <a:p>
+            <a:pPr lvl="1"/>
+            <a:endParaRPr lang="nl-NL" sz="2400" dirty="0" smtClean="0"/>
+          </a:p>
+          <a:p>
+            <a:r>
+              <a:rPr lang="nl-NL" sz="2400" dirty="0" smtClean="0"/>
+              <a:t>A lot harder in ‘</a:t>
+            </a:r>
+            <a:r>
+              <a:rPr lang="nl-NL" sz="2400" dirty="0" err="1" smtClean="0"/>
+              <a:t>agglutinative</a:t>
+            </a:r>
+            <a:r>
+              <a:rPr lang="nl-NL" sz="2400" dirty="0" smtClean="0"/>
+              <a:t>’ </a:t>
+            </a:r>
+            <a:r>
+              <a:rPr lang="nl-NL" sz="2400" dirty="0" err="1" smtClean="0"/>
+              <a:t>languages</a:t>
+            </a:r>
+            <a:r>
+              <a:rPr lang="nl-NL" sz="2400" dirty="0" smtClean="0"/>
+              <a:t> like </a:t>
+            </a:r>
+            <a:r>
+              <a:rPr lang="nl-NL" sz="2400" dirty="0" err="1" smtClean="0"/>
+              <a:t>Turkish</a:t>
+            </a:r>
+            <a:r>
+              <a:rPr lang="nl-NL" sz="2400" dirty="0" smtClean="0"/>
+              <a:t> or </a:t>
+            </a:r>
+            <a:r>
+              <a:rPr lang="nl-NL" sz="2400" dirty="0" err="1" smtClean="0"/>
+              <a:t>Finnish</a:t>
+            </a:r>
+            <a:endParaRPr lang="nl-NL" sz="2400" dirty="0" smtClean="0"/>
+          </a:p>
+        </p:txBody>
+      </p:sp>
+    </p:spTree>
+    <p:extLst>
+      <p:ext uri="{BB962C8B-B14F-4D97-AF65-F5344CB8AC3E}">
+        <p14:creationId xmlns:p14="http://schemas.microsoft.com/office/powerpoint/2010/main" val="3012499521"/>
+      </p:ext>
+    </p:extLst>
+  </p:cSld>
+  <p:clrMapOvr>
+    <a:masterClrMapping/>
+  </p:clrMapOvr>
+</p:sld>
+</file>
+
+<file path=ppt/slides/slide12.xml><?xml version="1.0" encoding="utf-8"?>
+<p:sld xmlns:a="http://schemas.openxmlformats.org/drawingml/2006/main" xmlns:r="http://schemas.openxmlformats.org/officeDocument/2006/relationships" xmlns:p="http://schemas.openxmlformats.org/presentationml/2006/main">
+  <p:cSld>
+    <p:spTree>
+      <p:nvGrpSpPr>
+        <p:cNvPr id="1" name=""/>
+        <p:cNvGrpSpPr/>
+        <p:nvPr/>
+      </p:nvGrpSpPr>
+      <p:grpSpPr>
+        <a:xfrm>
+          <a:off x="0" y="0"/>
+          <a:ext cx="0" cy="0"/>
+          <a:chOff x="0" y="0"/>
+          <a:chExt cx="0" cy="0"/>
+        </a:xfrm>
+      </p:grpSpPr>
+      <p:sp>
+        <p:nvSpPr>
+          <p:cNvPr id="2" name="Titel 1"/>
+          <p:cNvSpPr>
+            <a:spLocks noGrp="1"/>
+          </p:cNvSpPr>
+          <p:nvPr>
+            <p:ph type="title"/>
+          </p:nvPr>
+        </p:nvSpPr>
+        <p:spPr/>
+        <p:txBody>
+          <a:bodyPr/>
+          <a:lstStyle/>
+          <a:p>
+            <a:r>
+              <a:rPr lang="nl-NL" dirty="0" smtClean="0"/>
+              <a:t>Document-feature matrix</a:t>
+            </a:r>
+            <a:endParaRPr lang="nl-NL" dirty="0"/>
+          </a:p>
+        </p:txBody>
+      </p:sp>
+      <p:graphicFrame>
+        <p:nvGraphicFramePr>
+          <p:cNvPr id="4" name="Tabel 3"/>
+          <p:cNvGraphicFramePr>
+            <a:graphicFrameLocks noGrp="1"/>
+          </p:cNvGraphicFramePr>
+          <p:nvPr>
+            <p:extLst>
+              <p:ext uri="{D42A27DB-BD31-4B8C-83A1-F6EECF244321}">
+                <p14:modId xmlns:p14="http://schemas.microsoft.com/office/powerpoint/2010/main" val="178939963"/>
+              </p:ext>
+            </p:extLst>
+          </p:nvPr>
+        </p:nvGraphicFramePr>
+        <p:xfrm>
+          <a:off x="1232366" y="2060848"/>
+          <a:ext cx="6696746" cy="3672408"/>
+        </p:xfrm>
+        <a:graphic>
+          <a:graphicData uri="http://schemas.openxmlformats.org/drawingml/2006/table">
+            <a:tbl>
+              <a:tblPr firstRow="1" firstCol="1" bandRow="1">
+                <a:tableStyleId>{5C22544A-7EE6-4342-B048-85BDC9FD1C3A}</a:tableStyleId>
+              </a:tblPr>
+              <a:tblGrid>
+                <a:gridCol w="1178699">
+                  <a:extLst>
+                    <a:ext uri="{9D8B030D-6E8A-4147-A177-3AD203B41FA5}">
+                      <a16:colId xmlns:a16="http://schemas.microsoft.com/office/drawing/2014/main" val="3316881083"/>
+                    </a:ext>
+                  </a:extLst>
+                </a:gridCol>
+                <a:gridCol w="909536">
+                  <a:extLst>
+                    <a:ext uri="{9D8B030D-6E8A-4147-A177-3AD203B41FA5}">
+                      <a16:colId xmlns:a16="http://schemas.microsoft.com/office/drawing/2014/main" val="306565805"/>
+                    </a:ext>
+                  </a:extLst>
+                </a:gridCol>
+                <a:gridCol w="929739">
+                  <a:extLst>
+                    <a:ext uri="{9D8B030D-6E8A-4147-A177-3AD203B41FA5}">
+                      <a16:colId xmlns:a16="http://schemas.microsoft.com/office/drawing/2014/main" val="807612761"/>
+                    </a:ext>
+                  </a:extLst>
+                </a:gridCol>
+                <a:gridCol w="808738">
+                  <a:extLst>
+                    <a:ext uri="{9D8B030D-6E8A-4147-A177-3AD203B41FA5}">
+                      <a16:colId xmlns:a16="http://schemas.microsoft.com/office/drawing/2014/main" val="2263090308"/>
+                    </a:ext>
+                  </a:extLst>
+                </a:gridCol>
+                <a:gridCol w="956678">
+                  <a:extLst>
+                    <a:ext uri="{9D8B030D-6E8A-4147-A177-3AD203B41FA5}">
+                      <a16:colId xmlns:a16="http://schemas.microsoft.com/office/drawing/2014/main" val="350935630"/>
+                    </a:ext>
+                  </a:extLst>
+                </a:gridCol>
+                <a:gridCol w="956678">
+                  <a:extLst>
+                    <a:ext uri="{9D8B030D-6E8A-4147-A177-3AD203B41FA5}">
+                      <a16:colId xmlns:a16="http://schemas.microsoft.com/office/drawing/2014/main" val="2889941945"/>
+                    </a:ext>
+                  </a:extLst>
+                </a:gridCol>
+                <a:gridCol w="956678">
+                  <a:extLst>
+                    <a:ext uri="{9D8B030D-6E8A-4147-A177-3AD203B41FA5}">
+                      <a16:colId xmlns:a16="http://schemas.microsoft.com/office/drawing/2014/main" val="1740416763"/>
+                    </a:ext>
+                  </a:extLst>
+                </a:gridCol>
+              </a:tblGrid>
+              <a:tr h="612068">
+                <a:tc>
+                  <a:txBody>
+                    <a:bodyPr/>
+                    <a:lstStyle/>
+                    <a:p>
+                      <a:endParaRPr lang="nl-NL" dirty="0"/>
+                    </a:p>
+                  </a:txBody>
+                  <a:tcPr/>
+                </a:tc>
+                <a:tc>
+                  <a:txBody>
+                    <a:bodyPr/>
+                    <a:lstStyle/>
+                    <a:p>
+                      <a:r>
+                        <a:rPr lang="nl-NL" sz="1400" dirty="0" err="1" smtClean="0"/>
+                        <a:t>flouncy</a:t>
+                      </a:r>
+                      <a:endParaRPr lang="nl-NL" sz="1400" dirty="0"/>
+                    </a:p>
+                  </a:txBody>
+                  <a:tcPr/>
+                </a:tc>
+                <a:tc>
+                  <a:txBody>
+                    <a:bodyPr/>
+                    <a:lstStyle/>
+                    <a:p>
+                      <a:r>
+                        <a:rPr lang="nl-NL" sz="1400" dirty="0" smtClean="0"/>
+                        <a:t>flow</a:t>
+                      </a:r>
+                      <a:endParaRPr lang="nl-NL" sz="1400" dirty="0"/>
+                    </a:p>
+                  </a:txBody>
+                  <a:tcPr/>
+                </a:tc>
+                <a:tc>
+                  <a:txBody>
+                    <a:bodyPr/>
+                    <a:lstStyle/>
+                    <a:p>
+                      <a:pPr marL="0" marR="0" lvl="0" indent="0" algn="l" defTabSz="914400" rtl="0" eaLnBrk="1" fontAlgn="auto" latinLnBrk="0" hangingPunct="1">
+                        <a:lnSpc>
+                          <a:spcPct val="100000"/>
+                        </a:lnSpc>
+                        <a:spcBef>
+                          <a:spcPts val="0"/>
+                        </a:spcBef>
+                        <a:spcAft>
+                          <a:spcPts val="0"/>
+                        </a:spcAft>
+                        <a:buClrTx/>
+                        <a:buSzTx/>
+                        <a:buFontTx/>
+                        <a:buNone/>
+                        <a:tabLst/>
+                        <a:defRPr/>
+                      </a:pPr>
+                      <a:r>
+                        <a:rPr lang="nl-NL" sz="1400" dirty="0" err="1" smtClean="0"/>
+                        <a:t>flower</a:t>
+                      </a:r>
+                      <a:endParaRPr lang="nl-NL" sz="1400" dirty="0" smtClean="0"/>
+                    </a:p>
+                    <a:p>
+                      <a:endParaRPr lang="nl-NL" sz="1400" dirty="0"/>
+                    </a:p>
+                  </a:txBody>
+                  <a:tcPr/>
+                </a:tc>
+                <a:tc>
+                  <a:txBody>
+                    <a:bodyPr/>
+                    <a:lstStyle/>
+                    <a:p>
+                      <a:r>
+                        <a:rPr lang="nl-NL" sz="1400" dirty="0" err="1" smtClean="0"/>
+                        <a:t>flowery</a:t>
+                      </a:r>
+                      <a:endParaRPr lang="nl-NL" sz="1400" dirty="0"/>
+                    </a:p>
+                  </a:txBody>
+                  <a:tcPr/>
+                </a:tc>
+                <a:tc>
+                  <a:txBody>
+                    <a:bodyPr/>
+                    <a:lstStyle/>
+                    <a:p>
+                      <a:r>
+                        <a:rPr lang="nl-NL" sz="1400" dirty="0" err="1" smtClean="0"/>
+                        <a:t>flowey</a:t>
+                      </a:r>
+                      <a:endParaRPr lang="nl-NL" sz="1400" dirty="0"/>
+                    </a:p>
+                  </a:txBody>
+                  <a:tcPr/>
+                </a:tc>
+                <a:tc>
+                  <a:txBody>
+                    <a:bodyPr/>
+                    <a:lstStyle/>
+                    <a:p>
+                      <a:r>
+                        <a:rPr lang="nl-NL" sz="1400" dirty="0" err="1" smtClean="0"/>
+                        <a:t>flowier</a:t>
+                      </a:r>
+                      <a:endParaRPr lang="nl-NL" sz="1400" dirty="0"/>
+                    </a:p>
+                  </a:txBody>
+                  <a:tcPr/>
+                </a:tc>
+                <a:extLst>
+                  <a:ext uri="{0D108BD9-81ED-4DB2-BD59-A6C34878D82A}">
+                    <a16:rowId xmlns:a16="http://schemas.microsoft.com/office/drawing/2014/main" val="3567780009"/>
+                  </a:ext>
+                </a:extLst>
+              </a:tr>
+              <a:tr h="612068">
+                <a:tc>
+                  <a:txBody>
+                    <a:bodyPr/>
+                    <a:lstStyle/>
+                    <a:p>
+                      <a:r>
+                        <a:rPr lang="nl-NL" dirty="0" smtClean="0"/>
+                        <a:t>Doc1</a:t>
+                      </a:r>
+                      <a:endParaRPr lang="nl-NL" dirty="0"/>
+                    </a:p>
+                  </a:txBody>
+                  <a:tcPr/>
+                </a:tc>
+                <a:tc>
+                  <a:txBody>
+                    <a:bodyPr/>
+                    <a:lstStyle/>
+                    <a:p>
+                      <a:pPr algn="ctr"/>
+                      <a:r>
+                        <a:rPr lang="nl-NL" dirty="0" smtClean="0"/>
+                        <a:t>0</a:t>
+                      </a:r>
+                      <a:endParaRPr lang="nl-NL" dirty="0"/>
+                    </a:p>
+                  </a:txBody>
+                  <a:tcPr/>
+                </a:tc>
+                <a:tc>
+                  <a:txBody>
+                    <a:bodyPr/>
+                    <a:lstStyle/>
+                    <a:p>
+                      <a:pPr algn="ctr"/>
+                      <a:r>
+                        <a:rPr lang="nl-NL" dirty="0" smtClean="0"/>
+                        <a:t>0</a:t>
+                      </a:r>
+                      <a:endParaRPr lang="nl-NL" dirty="0"/>
+                    </a:p>
+                  </a:txBody>
+                  <a:tcPr/>
+                </a:tc>
+                <a:tc>
+                  <a:txBody>
+                    <a:bodyPr/>
+                    <a:lstStyle/>
+                    <a:p>
+                      <a:pPr algn="ctr"/>
+                      <a:r>
+                        <a:rPr lang="nl-NL" dirty="0" smtClean="0"/>
+                        <a:t>0</a:t>
+                      </a:r>
+                      <a:endParaRPr lang="nl-NL" dirty="0"/>
+                    </a:p>
+                  </a:txBody>
+                  <a:tcPr/>
+                </a:tc>
+                <a:tc>
+                  <a:txBody>
+                    <a:bodyPr/>
+                    <a:lstStyle/>
+                    <a:p>
+                      <a:pPr algn="ctr"/>
+                      <a:r>
+                        <a:rPr lang="nl-NL" dirty="0" smtClean="0"/>
+                        <a:t>1</a:t>
+                      </a:r>
+                      <a:endParaRPr lang="nl-NL" dirty="0"/>
+                    </a:p>
+                  </a:txBody>
+                  <a:tcPr/>
+                </a:tc>
+                <a:tc>
+                  <a:txBody>
+                    <a:bodyPr/>
+                    <a:lstStyle/>
+                    <a:p>
+                      <a:pPr algn="ctr"/>
+                      <a:r>
+                        <a:rPr lang="nl-NL" dirty="0" smtClean="0"/>
+                        <a:t>0</a:t>
+                      </a:r>
+                      <a:endParaRPr lang="nl-NL" dirty="0"/>
+                    </a:p>
+                  </a:txBody>
+                  <a:tcPr/>
+                </a:tc>
+                <a:tc>
+                  <a:txBody>
+                    <a:bodyPr/>
+                    <a:lstStyle/>
+                    <a:p>
+                      <a:pPr algn="ctr"/>
+                      <a:r>
+                        <a:rPr lang="nl-NL" dirty="0" smtClean="0"/>
+                        <a:t>0</a:t>
+                      </a:r>
+                      <a:endParaRPr lang="nl-NL" dirty="0"/>
+                    </a:p>
+                  </a:txBody>
+                  <a:tcPr/>
+                </a:tc>
+                <a:extLst>
+                  <a:ext uri="{0D108BD9-81ED-4DB2-BD59-A6C34878D82A}">
+                    <a16:rowId xmlns:a16="http://schemas.microsoft.com/office/drawing/2014/main" val="3897622156"/>
+                  </a:ext>
+                </a:extLst>
+              </a:tr>
+              <a:tr h="612068">
+                <a:tc>
+                  <a:txBody>
+                    <a:bodyPr/>
+                    <a:lstStyle/>
+                    <a:p>
+                      <a:r>
+                        <a:rPr lang="nl-NL" dirty="0" smtClean="0"/>
+                        <a:t>Doc2</a:t>
+                      </a:r>
+                      <a:endParaRPr lang="nl-NL" dirty="0"/>
+                    </a:p>
+                  </a:txBody>
+                  <a:tcPr/>
+                </a:tc>
+                <a:tc>
+                  <a:txBody>
+                    <a:bodyPr/>
+                    <a:lstStyle/>
+                    <a:p>
+                      <a:pPr algn="ctr"/>
+                      <a:r>
+                        <a:rPr lang="nl-NL" dirty="0" smtClean="0"/>
+                        <a:t>0</a:t>
+                      </a:r>
+                      <a:endParaRPr lang="nl-NL" dirty="0"/>
+                    </a:p>
+                  </a:txBody>
+                  <a:tcPr/>
+                </a:tc>
+                <a:tc>
+                  <a:txBody>
+                    <a:bodyPr/>
+                    <a:lstStyle/>
+                    <a:p>
+                      <a:pPr algn="ctr"/>
+                      <a:r>
+                        <a:rPr lang="nl-NL" dirty="0" smtClean="0"/>
+                        <a:t>0</a:t>
+                      </a:r>
+                      <a:endParaRPr lang="nl-NL" dirty="0"/>
+                    </a:p>
+                  </a:txBody>
+                  <a:tcPr/>
+                </a:tc>
+                <a:tc>
+                  <a:txBody>
+                    <a:bodyPr/>
+                    <a:lstStyle/>
+                    <a:p>
+                      <a:pPr algn="ctr"/>
+                      <a:r>
+                        <a:rPr lang="nl-NL" dirty="0" smtClean="0"/>
+                        <a:t>0</a:t>
+                      </a:r>
+                      <a:endParaRPr lang="nl-NL" dirty="0"/>
+                    </a:p>
+                  </a:txBody>
+                  <a:tcPr/>
+                </a:tc>
+                <a:tc>
+                  <a:txBody>
+                    <a:bodyPr/>
+                    <a:lstStyle/>
+                    <a:p>
+                      <a:pPr algn="ctr"/>
+                      <a:r>
+                        <a:rPr lang="nl-NL" dirty="0" smtClean="0"/>
+                        <a:t>0</a:t>
+                      </a:r>
+                      <a:endParaRPr lang="nl-NL" dirty="0"/>
+                    </a:p>
+                  </a:txBody>
+                  <a:tcPr/>
+                </a:tc>
+                <a:tc>
+                  <a:txBody>
+                    <a:bodyPr/>
+                    <a:lstStyle/>
+                    <a:p>
+                      <a:pPr algn="ctr"/>
+                      <a:r>
+                        <a:rPr lang="nl-NL" dirty="0" smtClean="0"/>
+                        <a:t>0</a:t>
+                      </a:r>
+                      <a:endParaRPr lang="nl-NL" dirty="0"/>
+                    </a:p>
+                  </a:txBody>
+                  <a:tcPr/>
+                </a:tc>
+                <a:tc>
+                  <a:txBody>
+                    <a:bodyPr/>
+                    <a:lstStyle/>
+                    <a:p>
+                      <a:pPr algn="ctr"/>
+                      <a:r>
+                        <a:rPr lang="nl-NL" dirty="0" smtClean="0"/>
+                        <a:t>0</a:t>
+                      </a:r>
+                      <a:endParaRPr lang="nl-NL" dirty="0"/>
+                    </a:p>
+                  </a:txBody>
+                  <a:tcPr/>
+                </a:tc>
+                <a:extLst>
+                  <a:ext uri="{0D108BD9-81ED-4DB2-BD59-A6C34878D82A}">
+                    <a16:rowId xmlns:a16="http://schemas.microsoft.com/office/drawing/2014/main" val="3539681997"/>
+                  </a:ext>
+                </a:extLst>
+              </a:tr>
+              <a:tr h="612068">
+                <a:tc>
+                  <a:txBody>
+                    <a:bodyPr/>
+                    <a:lstStyle/>
+                    <a:p>
+                      <a:r>
+                        <a:rPr lang="nl-NL" dirty="0" smtClean="0"/>
+                        <a:t>Doc3</a:t>
+                      </a:r>
+                      <a:endParaRPr lang="nl-NL" dirty="0"/>
+                    </a:p>
+                  </a:txBody>
+                  <a:tcPr/>
+                </a:tc>
+                <a:tc>
+                  <a:txBody>
+                    <a:bodyPr/>
+                    <a:lstStyle/>
+                    <a:p>
+                      <a:pPr algn="ctr"/>
+                      <a:r>
+                        <a:rPr lang="nl-NL" dirty="0" smtClean="0"/>
+                        <a:t>0</a:t>
+                      </a:r>
+                      <a:endParaRPr lang="nl-NL" dirty="0"/>
+                    </a:p>
+                  </a:txBody>
+                  <a:tcPr/>
+                </a:tc>
+                <a:tc>
+                  <a:txBody>
+                    <a:bodyPr/>
+                    <a:lstStyle/>
+                    <a:p>
+                      <a:pPr algn="ctr"/>
+                      <a:r>
+                        <a:rPr lang="nl-NL" dirty="0" smtClean="0"/>
+                        <a:t>0</a:t>
+                      </a:r>
+                      <a:endParaRPr lang="nl-NL" dirty="0"/>
+                    </a:p>
+                  </a:txBody>
+                  <a:tcPr/>
+                </a:tc>
+                <a:tc>
+                  <a:txBody>
+                    <a:bodyPr/>
+                    <a:lstStyle/>
+                    <a:p>
+                      <a:pPr algn="ctr"/>
+                      <a:r>
+                        <a:rPr lang="nl-NL" dirty="0" smtClean="0"/>
+                        <a:t>2</a:t>
+                      </a:r>
+                      <a:endParaRPr lang="nl-NL" dirty="0"/>
+                    </a:p>
+                  </a:txBody>
+                  <a:tcPr/>
+                </a:tc>
+                <a:tc>
+                  <a:txBody>
+                    <a:bodyPr/>
+                    <a:lstStyle/>
+                    <a:p>
+                      <a:pPr algn="ctr"/>
+                      <a:r>
+                        <a:rPr lang="nl-NL" dirty="0" smtClean="0"/>
+                        <a:t>0</a:t>
+                      </a:r>
+                      <a:endParaRPr lang="nl-NL" dirty="0"/>
+                    </a:p>
+                  </a:txBody>
+                  <a:tcPr/>
+                </a:tc>
+                <a:tc>
+                  <a:txBody>
+                    <a:bodyPr/>
+                    <a:lstStyle/>
+                    <a:p>
+                      <a:pPr algn="ctr"/>
+                      <a:r>
+                        <a:rPr lang="nl-NL" dirty="0" smtClean="0"/>
+                        <a:t>0</a:t>
+                      </a:r>
+                      <a:endParaRPr lang="nl-NL" dirty="0"/>
+                    </a:p>
+                  </a:txBody>
+                  <a:tcPr/>
+                </a:tc>
+                <a:tc>
+                  <a:txBody>
+                    <a:bodyPr/>
+                    <a:lstStyle/>
+                    <a:p>
+                      <a:pPr algn="ctr"/>
+                      <a:r>
+                        <a:rPr lang="nl-NL" dirty="0" smtClean="0"/>
+                        <a:t>0</a:t>
+                      </a:r>
+                      <a:endParaRPr lang="nl-NL" dirty="0"/>
+                    </a:p>
+                  </a:txBody>
+                  <a:tcPr/>
+                </a:tc>
+                <a:extLst>
+                  <a:ext uri="{0D108BD9-81ED-4DB2-BD59-A6C34878D82A}">
+                    <a16:rowId xmlns:a16="http://schemas.microsoft.com/office/drawing/2014/main" val="2696399632"/>
+                  </a:ext>
+                </a:extLst>
+              </a:tr>
+              <a:tr h="612068">
+                <a:tc>
+                  <a:txBody>
+                    <a:bodyPr/>
+                    <a:lstStyle/>
+                    <a:p>
+                      <a:r>
+                        <a:rPr lang="nl-NL" dirty="0" smtClean="0"/>
+                        <a:t>Doc4</a:t>
+                      </a:r>
+                      <a:endParaRPr lang="nl-NL" dirty="0"/>
+                    </a:p>
+                  </a:txBody>
+                  <a:tcPr/>
+                </a:tc>
+                <a:tc>
+                  <a:txBody>
+                    <a:bodyPr/>
+                    <a:lstStyle/>
+                    <a:p>
+                      <a:pPr algn="ctr"/>
+                      <a:r>
+                        <a:rPr lang="nl-NL" dirty="0" smtClean="0"/>
+                        <a:t>0</a:t>
+                      </a:r>
+                      <a:endParaRPr lang="nl-NL" dirty="0"/>
+                    </a:p>
+                  </a:txBody>
+                  <a:tcPr/>
+                </a:tc>
+                <a:tc>
+                  <a:txBody>
+                    <a:bodyPr/>
+                    <a:lstStyle/>
+                    <a:p>
+                      <a:pPr algn="ctr"/>
+                      <a:r>
+                        <a:rPr lang="nl-NL" dirty="0" smtClean="0"/>
+                        <a:t>0</a:t>
+                      </a:r>
+                      <a:endParaRPr lang="nl-NL" dirty="0"/>
+                    </a:p>
+                  </a:txBody>
+                  <a:tcPr/>
+                </a:tc>
+                <a:tc>
+                  <a:txBody>
+                    <a:bodyPr/>
+                    <a:lstStyle/>
+                    <a:p>
+                      <a:pPr algn="ctr"/>
+                      <a:r>
+                        <a:rPr lang="nl-NL" dirty="0" smtClean="0"/>
+                        <a:t>0</a:t>
+                      </a:r>
+                      <a:endParaRPr lang="nl-NL" dirty="0"/>
+                    </a:p>
+                  </a:txBody>
+                  <a:tcPr/>
+                </a:tc>
+                <a:tc>
+                  <a:txBody>
+                    <a:bodyPr/>
+                    <a:lstStyle/>
+                    <a:p>
+                      <a:pPr algn="ctr"/>
+                      <a:r>
+                        <a:rPr lang="nl-NL" dirty="0" smtClean="0"/>
+                        <a:t>0</a:t>
+                      </a:r>
+                      <a:endParaRPr lang="nl-NL" dirty="0"/>
+                    </a:p>
+                  </a:txBody>
+                  <a:tcPr/>
+                </a:tc>
+                <a:tc>
+                  <a:txBody>
+                    <a:bodyPr/>
+                    <a:lstStyle/>
+                    <a:p>
+                      <a:pPr algn="ctr"/>
+                      <a:r>
+                        <a:rPr lang="nl-NL" dirty="0" smtClean="0"/>
+                        <a:t>0</a:t>
+                      </a:r>
+                      <a:endParaRPr lang="nl-NL" dirty="0"/>
+                    </a:p>
+                  </a:txBody>
+                  <a:tcPr/>
+                </a:tc>
+                <a:tc>
+                  <a:txBody>
+                    <a:bodyPr/>
+                    <a:lstStyle/>
+                    <a:p>
+                      <a:pPr algn="ctr"/>
+                      <a:r>
+                        <a:rPr lang="nl-NL" dirty="0" smtClean="0"/>
+                        <a:t>0</a:t>
+                      </a:r>
+                      <a:endParaRPr lang="nl-NL" dirty="0"/>
+                    </a:p>
+                  </a:txBody>
+                  <a:tcPr/>
+                </a:tc>
+                <a:extLst>
+                  <a:ext uri="{0D108BD9-81ED-4DB2-BD59-A6C34878D82A}">
+                    <a16:rowId xmlns:a16="http://schemas.microsoft.com/office/drawing/2014/main" val="874467435"/>
+                  </a:ext>
+                </a:extLst>
+              </a:tr>
+              <a:tr h="612068">
+                <a:tc>
+                  <a:txBody>
+                    <a:bodyPr/>
+                    <a:lstStyle/>
+                    <a:p>
+                      <a:r>
+                        <a:rPr lang="nl-NL" dirty="0" smtClean="0"/>
+                        <a:t>Doc5</a:t>
+                      </a:r>
+                      <a:endParaRPr lang="nl-NL" dirty="0"/>
+                    </a:p>
+                  </a:txBody>
+                  <a:tcPr/>
+                </a:tc>
+                <a:tc>
+                  <a:txBody>
+                    <a:bodyPr/>
+                    <a:lstStyle/>
+                    <a:p>
+                      <a:pPr algn="ctr"/>
+                      <a:r>
+                        <a:rPr lang="nl-NL" dirty="0" smtClean="0"/>
+                        <a:t>0</a:t>
+                      </a:r>
+                      <a:endParaRPr lang="nl-NL" dirty="0"/>
+                    </a:p>
+                  </a:txBody>
+                  <a:tcPr/>
+                </a:tc>
+                <a:tc>
+                  <a:txBody>
+                    <a:bodyPr/>
+                    <a:lstStyle/>
+                    <a:p>
+                      <a:pPr algn="ctr"/>
+                      <a:r>
+                        <a:rPr lang="nl-NL" dirty="0" smtClean="0"/>
+                        <a:t>1</a:t>
+                      </a:r>
+                      <a:endParaRPr lang="nl-NL" dirty="0"/>
+                    </a:p>
+                  </a:txBody>
+                  <a:tcPr/>
+                </a:tc>
+                <a:tc>
+                  <a:txBody>
+                    <a:bodyPr/>
+                    <a:lstStyle/>
+                    <a:p>
+                      <a:pPr algn="ctr"/>
+                      <a:r>
+                        <a:rPr lang="nl-NL" dirty="0" smtClean="0"/>
+                        <a:t>0</a:t>
+                      </a:r>
+                      <a:endParaRPr lang="nl-NL" dirty="0"/>
+                    </a:p>
+                  </a:txBody>
+                  <a:tcPr/>
+                </a:tc>
+                <a:tc>
+                  <a:txBody>
+                    <a:bodyPr/>
+                    <a:lstStyle/>
+                    <a:p>
+                      <a:pPr algn="ctr"/>
+                      <a:r>
+                        <a:rPr lang="nl-NL" dirty="0" smtClean="0"/>
+                        <a:t>0</a:t>
+                      </a:r>
+                      <a:endParaRPr lang="nl-NL" dirty="0"/>
+                    </a:p>
+                  </a:txBody>
+                  <a:tcPr/>
+                </a:tc>
+                <a:tc>
+                  <a:txBody>
+                    <a:bodyPr/>
+                    <a:lstStyle/>
+                    <a:p>
+                      <a:pPr algn="ctr"/>
+                      <a:r>
+                        <a:rPr lang="nl-NL" dirty="0" smtClean="0"/>
+                        <a:t>0</a:t>
+                      </a:r>
+                      <a:endParaRPr lang="nl-NL" dirty="0"/>
+                    </a:p>
+                  </a:txBody>
+                  <a:tcPr/>
+                </a:tc>
+                <a:tc>
+                  <a:txBody>
+                    <a:bodyPr/>
+                    <a:lstStyle/>
+                    <a:p>
+                      <a:pPr algn="ctr"/>
+                      <a:r>
+                        <a:rPr lang="nl-NL" dirty="0" smtClean="0"/>
+                        <a:t>0</a:t>
+                      </a:r>
+                      <a:endParaRPr lang="nl-NL" dirty="0"/>
+                    </a:p>
+                  </a:txBody>
+                  <a:tcPr/>
+                </a:tc>
+                <a:extLst>
+                  <a:ext uri="{0D108BD9-81ED-4DB2-BD59-A6C34878D82A}">
+                    <a16:rowId xmlns:a16="http://schemas.microsoft.com/office/drawing/2014/main" val="3912425466"/>
+                  </a:ext>
+                </a:extLst>
+              </a:tr>
+            </a:tbl>
+          </a:graphicData>
+        </a:graphic>
+      </p:graphicFrame>
+      <p:sp>
+        <p:nvSpPr>
+          <p:cNvPr id="5" name="Tijdelijke aanduiding voor inhoud 2"/>
+          <p:cNvSpPr>
+            <a:spLocks noGrp="1"/>
+          </p:cNvSpPr>
+          <p:nvPr>
+            <p:ph idx="1"/>
+          </p:nvPr>
+        </p:nvSpPr>
+        <p:spPr>
+          <a:xfrm>
+            <a:off x="1247182" y="6021288"/>
+            <a:ext cx="7881938" cy="461665"/>
+          </a:xfrm>
+        </p:spPr>
+        <p:txBody>
+          <a:bodyPr/>
+          <a:lstStyle/>
+          <a:p>
+            <a:pPr marL="0" indent="0">
+              <a:buNone/>
+            </a:pPr>
+            <a:r>
+              <a:rPr lang="nl-NL" sz="2400" dirty="0" smtClean="0"/>
+              <a:t>High-</a:t>
+            </a:r>
+            <a:r>
+              <a:rPr lang="nl-NL" sz="2400" dirty="0" err="1" smtClean="0"/>
+              <a:t>dimensional</a:t>
+            </a:r>
+            <a:r>
+              <a:rPr lang="nl-NL" sz="2400" dirty="0" smtClean="0"/>
+              <a:t> &amp; </a:t>
+            </a:r>
+            <a:r>
+              <a:rPr lang="nl-NL" sz="2400" dirty="0" err="1" smtClean="0"/>
+              <a:t>sparse</a:t>
+            </a:r>
+            <a:r>
+              <a:rPr lang="nl-NL" sz="2400" dirty="0" smtClean="0"/>
+              <a:t>: </a:t>
+            </a:r>
+            <a:r>
+              <a:rPr lang="nl-NL" sz="2400" dirty="0" err="1" smtClean="0"/>
+              <a:t>almost</a:t>
+            </a:r>
+            <a:r>
+              <a:rPr lang="nl-NL" sz="2400" dirty="0" smtClean="0"/>
+              <a:t> </a:t>
+            </a:r>
+            <a:r>
+              <a:rPr lang="nl-NL" sz="2400" dirty="0" err="1" smtClean="0"/>
+              <a:t>entirely</a:t>
+            </a:r>
+            <a:r>
+              <a:rPr lang="nl-NL" sz="2400" dirty="0" smtClean="0"/>
+              <a:t> empty </a:t>
+            </a:r>
+          </a:p>
+        </p:txBody>
+      </p:sp>
+      <p:sp>
+        <p:nvSpPr>
+          <p:cNvPr id="6" name="Tijdelijke aanduiding voor inhoud 2"/>
+          <p:cNvSpPr txBox="1">
+            <a:spLocks/>
+          </p:cNvSpPr>
+          <p:nvPr/>
+        </p:nvSpPr>
+        <p:spPr bwMode="auto">
+          <a:xfrm>
+            <a:off x="2915816" y="1469032"/>
+            <a:ext cx="7881938" cy="400110"/>
+          </a:xfrm>
+          <a:prstGeom prst="rect">
+            <a:avLst/>
+          </a:prstGeom>
+          <a:noFill/>
+          <a:ln w="9525">
+            <a:noFill/>
+            <a:miter lim="800000"/>
+            <a:headEnd/>
+            <a:tailEnd/>
+          </a:ln>
+          <a:effectLst/>
+        </p:spPr>
+        <p:txBody>
+          <a:bodyPr vert="horz" wrap="square" lIns="91440" tIns="45720" rIns="91440" bIns="45720" numCol="1" anchor="t" anchorCtr="0" compatLnSpc="1">
+            <a:prstTxWarp prst="textNoShape">
+              <a:avLst/>
+            </a:prstTxWarp>
+            <a:spAutoFit/>
+          </a:bodyPr>
+          <a:lstStyle>
+            <a:lvl1pPr marL="342900" indent="-342900" algn="l" rtl="0" fontAlgn="base">
+              <a:spcBef>
+                <a:spcPct val="20000"/>
+              </a:spcBef>
+              <a:spcAft>
+                <a:spcPct val="0"/>
+              </a:spcAft>
+              <a:buClr>
+                <a:srgbClr val="ED0010"/>
+              </a:buClr>
+              <a:buSzPct val="60000"/>
+              <a:buFont typeface="Zapf Dingbats" charset="2"/>
+              <a:buChar char="n"/>
+              <a:defRPr sz="2800">
+                <a:solidFill>
+                  <a:srgbClr val="000000"/>
+                </a:solidFill>
+                <a:latin typeface="+mn-lt"/>
+                <a:ea typeface="+mn-ea"/>
+                <a:cs typeface="+mn-cs"/>
+              </a:defRPr>
+            </a:lvl1pPr>
+            <a:lvl2pPr marL="819150" indent="-285750" algn="l" rtl="0" fontAlgn="base">
+              <a:spcBef>
+                <a:spcPct val="20000"/>
+              </a:spcBef>
+              <a:spcAft>
+                <a:spcPct val="0"/>
+              </a:spcAft>
+              <a:buClr>
+                <a:schemeClr val="accent1"/>
+              </a:buClr>
+              <a:buSzPct val="60000"/>
+              <a:buFont typeface="Zapf Dingbats" charset="2"/>
+              <a:buChar char="n"/>
+              <a:defRPr sz="2600">
+                <a:solidFill>
+                  <a:srgbClr val="000000"/>
+                </a:solidFill>
+                <a:latin typeface="+mn-lt"/>
+              </a:defRPr>
+            </a:lvl2pPr>
+            <a:lvl3pPr marL="1143000" indent="-228600" algn="l" rtl="0" fontAlgn="base">
+              <a:spcBef>
+                <a:spcPct val="20000"/>
+              </a:spcBef>
+              <a:spcAft>
+                <a:spcPct val="0"/>
+              </a:spcAft>
+              <a:buClr>
+                <a:schemeClr val="accent1"/>
+              </a:buClr>
+              <a:buSzPct val="60000"/>
+              <a:buFont typeface="Zapf Dingbats" charset="2"/>
+              <a:buChar char="n"/>
+              <a:defRPr sz="2400">
+                <a:solidFill>
+                  <a:srgbClr val="000000"/>
+                </a:solidFill>
+                <a:latin typeface="+mn-lt"/>
+              </a:defRPr>
+            </a:lvl3pPr>
+            <a:lvl4pPr marL="1562100" indent="-228600" algn="l" rtl="0" fontAlgn="base">
+              <a:spcBef>
+                <a:spcPct val="20000"/>
+              </a:spcBef>
+              <a:spcAft>
+                <a:spcPct val="0"/>
+              </a:spcAft>
+              <a:buClr>
+                <a:schemeClr val="accent1"/>
+              </a:buClr>
+              <a:buSzPct val="60000"/>
+              <a:buFont typeface="Zapf Dingbats" charset="2"/>
+              <a:buChar char="n"/>
+              <a:defRPr sz="2200">
+                <a:solidFill>
+                  <a:srgbClr val="000000"/>
+                </a:solidFill>
+                <a:latin typeface="+mn-lt"/>
+              </a:defRPr>
+            </a:lvl4pPr>
+            <a:lvl5pPr marL="1981200" indent="-228600" algn="l" rtl="0" fontAlgn="base">
+              <a:spcBef>
+                <a:spcPct val="20000"/>
+              </a:spcBef>
+              <a:spcAft>
+                <a:spcPct val="0"/>
+              </a:spcAft>
+              <a:buClr>
+                <a:schemeClr val="accent1"/>
+              </a:buClr>
+              <a:buSzPct val="60000"/>
+              <a:buFont typeface="Zapf Dingbats" charset="2"/>
+              <a:buChar char="n"/>
+              <a:defRPr sz="2000">
+                <a:solidFill>
+                  <a:srgbClr val="000000"/>
+                </a:solidFill>
+                <a:latin typeface="+mn-lt"/>
+              </a:defRPr>
+            </a:lvl5pPr>
+            <a:lvl6pPr marL="2438400" indent="-228600" algn="l" rtl="0" fontAlgn="base">
+              <a:spcBef>
+                <a:spcPct val="20000"/>
+              </a:spcBef>
+              <a:spcAft>
+                <a:spcPct val="0"/>
+              </a:spcAft>
+              <a:buClr>
+                <a:schemeClr val="accent1"/>
+              </a:buClr>
+              <a:buSzPct val="60000"/>
+              <a:buFont typeface="Zapf Dingbats" charset="2"/>
+              <a:buChar char="n"/>
+              <a:defRPr sz="2000">
+                <a:solidFill>
+                  <a:srgbClr val="000000"/>
+                </a:solidFill>
+                <a:latin typeface="+mn-lt"/>
+              </a:defRPr>
+            </a:lvl6pPr>
+            <a:lvl7pPr marL="2895600" indent="-228600" algn="l" rtl="0" fontAlgn="base">
+              <a:spcBef>
+                <a:spcPct val="20000"/>
+              </a:spcBef>
+              <a:spcAft>
+                <a:spcPct val="0"/>
+              </a:spcAft>
+              <a:buClr>
+                <a:schemeClr val="accent1"/>
+              </a:buClr>
+              <a:buSzPct val="60000"/>
+              <a:buFont typeface="Zapf Dingbats" charset="2"/>
+              <a:buChar char="n"/>
+              <a:defRPr sz="2000">
+                <a:solidFill>
+                  <a:srgbClr val="000000"/>
+                </a:solidFill>
+                <a:latin typeface="+mn-lt"/>
+              </a:defRPr>
+            </a:lvl7pPr>
+            <a:lvl8pPr marL="3352800" indent="-228600" algn="l" rtl="0" fontAlgn="base">
+              <a:spcBef>
+                <a:spcPct val="20000"/>
+              </a:spcBef>
+              <a:spcAft>
+                <a:spcPct val="0"/>
+              </a:spcAft>
+              <a:buClr>
+                <a:schemeClr val="accent1"/>
+              </a:buClr>
+              <a:buSzPct val="60000"/>
+              <a:buFont typeface="Zapf Dingbats" charset="2"/>
+              <a:buChar char="n"/>
+              <a:defRPr sz="2000">
+                <a:solidFill>
+                  <a:srgbClr val="000000"/>
+                </a:solidFill>
+                <a:latin typeface="+mn-lt"/>
+              </a:defRPr>
+            </a:lvl8pPr>
+            <a:lvl9pPr marL="3810000" indent="-228600" algn="l" rtl="0" fontAlgn="base">
+              <a:spcBef>
+                <a:spcPct val="20000"/>
+              </a:spcBef>
+              <a:spcAft>
+                <a:spcPct val="0"/>
+              </a:spcAft>
+              <a:buClr>
+                <a:schemeClr val="accent1"/>
+              </a:buClr>
+              <a:buSzPct val="60000"/>
+              <a:buFont typeface="Zapf Dingbats" charset="2"/>
+              <a:buChar char="n"/>
+              <a:defRPr sz="2000">
+                <a:solidFill>
+                  <a:srgbClr val="000000"/>
+                </a:solidFill>
+                <a:latin typeface="+mn-lt"/>
+              </a:defRPr>
+            </a:lvl9pPr>
+          </a:lstStyle>
+          <a:p>
+            <a:pPr marL="0" indent="0">
+              <a:buFont typeface="Zapf Dingbats" charset="2"/>
+              <a:buNone/>
+            </a:pPr>
+            <a:r>
+              <a:rPr lang="nl-NL" sz="2000" kern="0" dirty="0" smtClean="0"/>
+              <a:t>Features / </a:t>
+            </a:r>
+            <a:r>
+              <a:rPr lang="nl-NL" sz="2000" kern="0" dirty="0" err="1" smtClean="0"/>
+              <a:t>words</a:t>
+            </a:r>
+            <a:r>
+              <a:rPr lang="nl-NL" sz="2000" kern="0" dirty="0" smtClean="0"/>
+              <a:t> / variables</a:t>
+            </a:r>
+            <a:endParaRPr lang="nl-NL" sz="2000" kern="0" dirty="0" smtClean="0"/>
+          </a:p>
+        </p:txBody>
+      </p:sp>
+    </p:spTree>
+    <p:extLst>
+      <p:ext uri="{BB962C8B-B14F-4D97-AF65-F5344CB8AC3E}">
+        <p14:creationId xmlns:p14="http://schemas.microsoft.com/office/powerpoint/2010/main" val="2384364262"/>
+      </p:ext>
+    </p:extLst>
+  </p:cSld>
+  <p:clrMapOvr>
+    <a:masterClrMapping/>
+  </p:clrMapOvr>
+</p:sld>
+</file>
+
+<file path=ppt/slides/slide13.xml><?xml version="1.0" encoding="utf-8"?>
+<p:sld xmlns:a="http://schemas.openxmlformats.org/drawingml/2006/main" xmlns:r="http://schemas.openxmlformats.org/officeDocument/2006/relationships" xmlns:p="http://schemas.openxmlformats.org/presentationml/2006/main">
+  <p:cSld>
+    <p:spTree>
+      <p:nvGrpSpPr>
+        <p:cNvPr id="1" name=""/>
+        <p:cNvGrpSpPr/>
+        <p:nvPr/>
+      </p:nvGrpSpPr>
+      <p:grpSpPr>
+        <a:xfrm>
+          <a:off x="0" y="0"/>
+          <a:ext cx="0" cy="0"/>
+          <a:chOff x="0" y="0"/>
+          <a:chExt cx="0" cy="0"/>
+        </a:xfrm>
+      </p:grpSpPr>
+      <p:sp>
+        <p:nvSpPr>
+          <p:cNvPr id="2" name="Titel 1"/>
+          <p:cNvSpPr>
+            <a:spLocks noGrp="1"/>
+          </p:cNvSpPr>
+          <p:nvPr>
+            <p:ph type="title"/>
+          </p:nvPr>
+        </p:nvSpPr>
+        <p:spPr>
+          <a:xfrm>
+            <a:off x="838200" y="604263"/>
+            <a:ext cx="6686128" cy="584775"/>
+          </a:xfrm>
+        </p:spPr>
+        <p:txBody>
+          <a:bodyPr/>
+          <a:lstStyle/>
+          <a:p>
+            <a:r>
+              <a:rPr lang="nl-NL" dirty="0" err="1" smtClean="0"/>
+              <a:t>Exercise</a:t>
+            </a:r>
+            <a:r>
+              <a:rPr lang="nl-NL" dirty="0" smtClean="0"/>
+              <a:t> 1: building a text model</a:t>
+            </a:r>
+            <a:endParaRPr lang="nl-NL" dirty="0"/>
+          </a:p>
+        </p:txBody>
+      </p:sp>
+      <p:sp>
+        <p:nvSpPr>
+          <p:cNvPr id="5" name="Tijdelijke aanduiding voor inhoud 2"/>
+          <p:cNvSpPr txBox="1">
+            <a:spLocks noGrp="1"/>
+          </p:cNvSpPr>
+          <p:nvPr>
+            <p:ph idx="1"/>
+          </p:nvPr>
+        </p:nvSpPr>
+        <p:spPr bwMode="auto">
+          <a:xfrm>
+            <a:off x="755576" y="1556792"/>
+            <a:ext cx="7881938" cy="824841"/>
+          </a:xfrm>
+          <a:prstGeom prst="rect">
+            <a:avLst/>
+          </a:prstGeom>
+          <a:noFill/>
+          <a:ln w="9525">
+            <a:noFill/>
+            <a:miter lim="800000"/>
+            <a:headEnd/>
+            <a:tailEnd/>
+          </a:ln>
+          <a:effectLst/>
+        </p:spPr>
+        <p:txBody>
+          <a:bodyPr vert="horz" wrap="square" lIns="91440" tIns="45720" rIns="91440" bIns="45720" numCol="1" anchor="t" anchorCtr="0" compatLnSpc="1">
+            <a:prstTxWarp prst="textNoShape">
+              <a:avLst/>
+            </a:prstTxWarp>
+            <a:spAutoFit/>
+          </a:bodyPr>
+          <a:lstStyle>
+            <a:lvl1pPr marL="342900" indent="-342900" algn="l" rtl="0" fontAlgn="base">
+              <a:spcBef>
+                <a:spcPct val="20000"/>
+              </a:spcBef>
+              <a:spcAft>
+                <a:spcPct val="0"/>
+              </a:spcAft>
+              <a:buClr>
+                <a:srgbClr val="ED0010"/>
+              </a:buClr>
+              <a:buSzPct val="60000"/>
+              <a:buFont typeface="Zapf Dingbats" charset="2"/>
+              <a:buChar char="n"/>
+              <a:defRPr sz="2800">
+                <a:solidFill>
+                  <a:srgbClr val="000000"/>
+                </a:solidFill>
+                <a:latin typeface="+mn-lt"/>
+                <a:ea typeface="+mn-ea"/>
+                <a:cs typeface="+mn-cs"/>
+              </a:defRPr>
+            </a:lvl1pPr>
+            <a:lvl2pPr marL="819150" indent="-285750" algn="l" rtl="0" fontAlgn="base">
+              <a:spcBef>
+                <a:spcPct val="20000"/>
+              </a:spcBef>
+              <a:spcAft>
+                <a:spcPct val="0"/>
+              </a:spcAft>
+              <a:buClr>
+                <a:schemeClr val="accent1"/>
+              </a:buClr>
+              <a:buSzPct val="60000"/>
+              <a:buFont typeface="Zapf Dingbats" charset="2"/>
+              <a:buChar char="n"/>
+              <a:defRPr sz="2600">
+                <a:solidFill>
+                  <a:srgbClr val="000000"/>
+                </a:solidFill>
+                <a:latin typeface="+mn-lt"/>
+              </a:defRPr>
+            </a:lvl2pPr>
+            <a:lvl3pPr marL="1143000" indent="-228600" algn="l" rtl="0" fontAlgn="base">
+              <a:spcBef>
+                <a:spcPct val="20000"/>
+              </a:spcBef>
+              <a:spcAft>
+                <a:spcPct val="0"/>
+              </a:spcAft>
+              <a:buClr>
+                <a:schemeClr val="accent1"/>
+              </a:buClr>
+              <a:buSzPct val="60000"/>
+              <a:buFont typeface="Zapf Dingbats" charset="2"/>
+              <a:buChar char="n"/>
+              <a:defRPr sz="2400">
+                <a:solidFill>
+                  <a:srgbClr val="000000"/>
+                </a:solidFill>
+                <a:latin typeface="+mn-lt"/>
+              </a:defRPr>
+            </a:lvl3pPr>
+            <a:lvl4pPr marL="1562100" indent="-228600" algn="l" rtl="0" fontAlgn="base">
+              <a:spcBef>
+                <a:spcPct val="20000"/>
+              </a:spcBef>
+              <a:spcAft>
+                <a:spcPct val="0"/>
+              </a:spcAft>
+              <a:buClr>
+                <a:schemeClr val="accent1"/>
+              </a:buClr>
+              <a:buSzPct val="60000"/>
+              <a:buFont typeface="Zapf Dingbats" charset="2"/>
+              <a:buChar char="n"/>
+              <a:defRPr sz="2200">
+                <a:solidFill>
+                  <a:srgbClr val="000000"/>
+                </a:solidFill>
+                <a:latin typeface="+mn-lt"/>
+              </a:defRPr>
+            </a:lvl4pPr>
+            <a:lvl5pPr marL="1981200" indent="-228600" algn="l" rtl="0" fontAlgn="base">
+              <a:spcBef>
+                <a:spcPct val="20000"/>
+              </a:spcBef>
+              <a:spcAft>
+                <a:spcPct val="0"/>
+              </a:spcAft>
+              <a:buClr>
+                <a:schemeClr val="accent1"/>
+              </a:buClr>
+              <a:buSzPct val="60000"/>
+              <a:buFont typeface="Zapf Dingbats" charset="2"/>
+              <a:buChar char="n"/>
+              <a:defRPr sz="2000">
+                <a:solidFill>
+                  <a:srgbClr val="000000"/>
+                </a:solidFill>
+                <a:latin typeface="+mn-lt"/>
+              </a:defRPr>
+            </a:lvl5pPr>
+            <a:lvl6pPr marL="2438400" indent="-228600" algn="l" rtl="0" fontAlgn="base">
+              <a:spcBef>
+                <a:spcPct val="20000"/>
+              </a:spcBef>
+              <a:spcAft>
+                <a:spcPct val="0"/>
+              </a:spcAft>
+              <a:buClr>
+                <a:schemeClr val="accent1"/>
+              </a:buClr>
+              <a:buSzPct val="60000"/>
+              <a:buFont typeface="Zapf Dingbats" charset="2"/>
+              <a:buChar char="n"/>
+              <a:defRPr sz="2000">
+                <a:solidFill>
+                  <a:srgbClr val="000000"/>
+                </a:solidFill>
+                <a:latin typeface="+mn-lt"/>
+              </a:defRPr>
+            </a:lvl6pPr>
+            <a:lvl7pPr marL="2895600" indent="-228600" algn="l" rtl="0" fontAlgn="base">
+              <a:spcBef>
+                <a:spcPct val="20000"/>
+              </a:spcBef>
+              <a:spcAft>
+                <a:spcPct val="0"/>
+              </a:spcAft>
+              <a:buClr>
+                <a:schemeClr val="accent1"/>
+              </a:buClr>
+              <a:buSzPct val="60000"/>
+              <a:buFont typeface="Zapf Dingbats" charset="2"/>
+              <a:buChar char="n"/>
+              <a:defRPr sz="2000">
+                <a:solidFill>
+                  <a:srgbClr val="000000"/>
+                </a:solidFill>
+                <a:latin typeface="+mn-lt"/>
+              </a:defRPr>
+            </a:lvl7pPr>
+            <a:lvl8pPr marL="3352800" indent="-228600" algn="l" rtl="0" fontAlgn="base">
+              <a:spcBef>
+                <a:spcPct val="20000"/>
+              </a:spcBef>
+              <a:spcAft>
+                <a:spcPct val="0"/>
+              </a:spcAft>
+              <a:buClr>
+                <a:schemeClr val="accent1"/>
+              </a:buClr>
+              <a:buSzPct val="60000"/>
+              <a:buFont typeface="Zapf Dingbats" charset="2"/>
+              <a:buChar char="n"/>
+              <a:defRPr sz="2000">
+                <a:solidFill>
+                  <a:srgbClr val="000000"/>
+                </a:solidFill>
+                <a:latin typeface="+mn-lt"/>
+              </a:defRPr>
+            </a:lvl8pPr>
+            <a:lvl9pPr marL="3810000" indent="-228600" algn="l" rtl="0" fontAlgn="base">
+              <a:spcBef>
+                <a:spcPct val="20000"/>
+              </a:spcBef>
+              <a:spcAft>
+                <a:spcPct val="0"/>
+              </a:spcAft>
+              <a:buClr>
+                <a:schemeClr val="accent1"/>
+              </a:buClr>
+              <a:buSzPct val="60000"/>
+              <a:buFont typeface="Zapf Dingbats" charset="2"/>
+              <a:buChar char="n"/>
+              <a:defRPr sz="2000">
+                <a:solidFill>
+                  <a:srgbClr val="000000"/>
+                </a:solidFill>
+                <a:latin typeface="+mn-lt"/>
+              </a:defRPr>
+            </a:lvl9pPr>
+          </a:lstStyle>
+          <a:p>
+            <a:pPr>
+              <a:buFont typeface="+mj-lt"/>
+              <a:buAutoNum type="arabicPeriod"/>
+            </a:pPr>
+            <a:endParaRPr lang="nl-NL" sz="1400" kern="0" dirty="0" smtClean="0">
+              <a:latin typeface="Courier New" panose="02070309020205020404" pitchFamily="49" charset="0"/>
+              <a:cs typeface="Courier New" panose="02070309020205020404" pitchFamily="49" charset="0"/>
+            </a:endParaRPr>
+          </a:p>
+          <a:p>
+            <a:pPr marL="0" indent="0">
+              <a:buFont typeface="Zapf Dingbats" charset="2"/>
+              <a:buNone/>
+            </a:pPr>
+            <a:endParaRPr lang="nl-NL" sz="1400" kern="0" dirty="0">
+              <a:latin typeface="Courier New" panose="02070309020205020404" pitchFamily="49" charset="0"/>
+              <a:cs typeface="Courier New" panose="02070309020205020404" pitchFamily="49" charset="0"/>
+            </a:endParaRPr>
+          </a:p>
+          <a:p>
+            <a:pPr marL="0" indent="0">
+              <a:buFont typeface="Zapf Dingbats" charset="2"/>
+              <a:buNone/>
+            </a:pPr>
+            <a:endParaRPr lang="nl-NL" sz="1400" kern="0" dirty="0" smtClean="0">
+              <a:latin typeface="Courier New" panose="02070309020205020404" pitchFamily="49" charset="0"/>
+              <a:cs typeface="Courier New" panose="02070309020205020404" pitchFamily="49" charset="0"/>
+            </a:endParaRPr>
+          </a:p>
+        </p:txBody>
+      </p:sp>
+      <p:sp>
+        <p:nvSpPr>
+          <p:cNvPr id="4" name="Tijdelijke aanduiding voor inhoud 2"/>
+          <p:cNvSpPr txBox="1">
+            <a:spLocks/>
+          </p:cNvSpPr>
+          <p:nvPr/>
+        </p:nvSpPr>
+        <p:spPr bwMode="auto">
+          <a:xfrm>
+            <a:off x="838200" y="1484784"/>
+            <a:ext cx="7881938" cy="7343549"/>
+          </a:xfrm>
+          <a:prstGeom prst="rect">
+            <a:avLst/>
+          </a:prstGeom>
+          <a:noFill/>
+          <a:ln w="9525">
+            <a:noFill/>
+            <a:miter lim="800000"/>
+            <a:headEnd/>
+            <a:tailEnd/>
+          </a:ln>
+          <a:effectLst/>
+        </p:spPr>
+        <p:txBody>
+          <a:bodyPr vert="horz" wrap="square" lIns="91440" tIns="45720" rIns="91440" bIns="45720" numCol="1" anchor="t" anchorCtr="0" compatLnSpc="1">
+            <a:prstTxWarp prst="textNoShape">
+              <a:avLst/>
+            </a:prstTxWarp>
+            <a:spAutoFit/>
+          </a:bodyPr>
+          <a:lstStyle>
+            <a:lvl1pPr marL="342900" indent="-342900" algn="l" rtl="0" fontAlgn="base">
+              <a:spcBef>
+                <a:spcPct val="20000"/>
+              </a:spcBef>
+              <a:spcAft>
+                <a:spcPct val="0"/>
+              </a:spcAft>
+              <a:buClr>
+                <a:srgbClr val="ED0010"/>
+              </a:buClr>
+              <a:buSzPct val="60000"/>
+              <a:buFont typeface="Zapf Dingbats" charset="2"/>
+              <a:buChar char="n"/>
+              <a:defRPr sz="2800">
+                <a:solidFill>
+                  <a:srgbClr val="000000"/>
+                </a:solidFill>
+                <a:latin typeface="+mn-lt"/>
+                <a:ea typeface="+mn-ea"/>
+                <a:cs typeface="+mn-cs"/>
+              </a:defRPr>
+            </a:lvl1pPr>
+            <a:lvl2pPr marL="819150" indent="-285750" algn="l" rtl="0" fontAlgn="base">
+              <a:spcBef>
+                <a:spcPct val="20000"/>
+              </a:spcBef>
+              <a:spcAft>
+                <a:spcPct val="0"/>
+              </a:spcAft>
+              <a:buClr>
+                <a:schemeClr val="accent1"/>
+              </a:buClr>
+              <a:buSzPct val="60000"/>
+              <a:buFont typeface="Zapf Dingbats" charset="2"/>
+              <a:buChar char="n"/>
+              <a:defRPr sz="2600">
+                <a:solidFill>
+                  <a:srgbClr val="000000"/>
+                </a:solidFill>
+                <a:latin typeface="+mn-lt"/>
+              </a:defRPr>
+            </a:lvl2pPr>
+            <a:lvl3pPr marL="1143000" indent="-228600" algn="l" rtl="0" fontAlgn="base">
+              <a:spcBef>
+                <a:spcPct val="20000"/>
+              </a:spcBef>
+              <a:spcAft>
+                <a:spcPct val="0"/>
+              </a:spcAft>
+              <a:buClr>
+                <a:schemeClr val="accent1"/>
+              </a:buClr>
+              <a:buSzPct val="60000"/>
+              <a:buFont typeface="Zapf Dingbats" charset="2"/>
+              <a:buChar char="n"/>
+              <a:defRPr sz="2400">
+                <a:solidFill>
+                  <a:srgbClr val="000000"/>
+                </a:solidFill>
+                <a:latin typeface="+mn-lt"/>
+              </a:defRPr>
+            </a:lvl3pPr>
+            <a:lvl4pPr marL="1562100" indent="-228600" algn="l" rtl="0" fontAlgn="base">
+              <a:spcBef>
+                <a:spcPct val="20000"/>
+              </a:spcBef>
+              <a:spcAft>
+                <a:spcPct val="0"/>
+              </a:spcAft>
+              <a:buClr>
+                <a:schemeClr val="accent1"/>
+              </a:buClr>
+              <a:buSzPct val="60000"/>
+              <a:buFont typeface="Zapf Dingbats" charset="2"/>
+              <a:buChar char="n"/>
+              <a:defRPr sz="2200">
+                <a:solidFill>
+                  <a:srgbClr val="000000"/>
+                </a:solidFill>
+                <a:latin typeface="+mn-lt"/>
+              </a:defRPr>
+            </a:lvl4pPr>
+            <a:lvl5pPr marL="1981200" indent="-228600" algn="l" rtl="0" fontAlgn="base">
+              <a:spcBef>
+                <a:spcPct val="20000"/>
+              </a:spcBef>
+              <a:spcAft>
+                <a:spcPct val="0"/>
+              </a:spcAft>
+              <a:buClr>
+                <a:schemeClr val="accent1"/>
+              </a:buClr>
+              <a:buSzPct val="60000"/>
+              <a:buFont typeface="Zapf Dingbats" charset="2"/>
+              <a:buChar char="n"/>
+              <a:defRPr sz="2000">
+                <a:solidFill>
+                  <a:srgbClr val="000000"/>
+                </a:solidFill>
+                <a:latin typeface="+mn-lt"/>
+              </a:defRPr>
+            </a:lvl5pPr>
+            <a:lvl6pPr marL="2438400" indent="-228600" algn="l" rtl="0" fontAlgn="base">
+              <a:spcBef>
+                <a:spcPct val="20000"/>
+              </a:spcBef>
+              <a:spcAft>
+                <a:spcPct val="0"/>
+              </a:spcAft>
+              <a:buClr>
+                <a:schemeClr val="accent1"/>
+              </a:buClr>
+              <a:buSzPct val="60000"/>
+              <a:buFont typeface="Zapf Dingbats" charset="2"/>
+              <a:buChar char="n"/>
+              <a:defRPr sz="2000">
+                <a:solidFill>
+                  <a:srgbClr val="000000"/>
+                </a:solidFill>
+                <a:latin typeface="+mn-lt"/>
+              </a:defRPr>
+            </a:lvl6pPr>
+            <a:lvl7pPr marL="2895600" indent="-228600" algn="l" rtl="0" fontAlgn="base">
+              <a:spcBef>
+                <a:spcPct val="20000"/>
+              </a:spcBef>
+              <a:spcAft>
+                <a:spcPct val="0"/>
+              </a:spcAft>
+              <a:buClr>
+                <a:schemeClr val="accent1"/>
+              </a:buClr>
+              <a:buSzPct val="60000"/>
+              <a:buFont typeface="Zapf Dingbats" charset="2"/>
+              <a:buChar char="n"/>
+              <a:defRPr sz="2000">
+                <a:solidFill>
+                  <a:srgbClr val="000000"/>
+                </a:solidFill>
+                <a:latin typeface="+mn-lt"/>
+              </a:defRPr>
+            </a:lvl7pPr>
+            <a:lvl8pPr marL="3352800" indent="-228600" algn="l" rtl="0" fontAlgn="base">
+              <a:spcBef>
+                <a:spcPct val="20000"/>
+              </a:spcBef>
+              <a:spcAft>
+                <a:spcPct val="0"/>
+              </a:spcAft>
+              <a:buClr>
+                <a:schemeClr val="accent1"/>
+              </a:buClr>
+              <a:buSzPct val="60000"/>
+              <a:buFont typeface="Zapf Dingbats" charset="2"/>
+              <a:buChar char="n"/>
+              <a:defRPr sz="2000">
+                <a:solidFill>
+                  <a:srgbClr val="000000"/>
+                </a:solidFill>
+                <a:latin typeface="+mn-lt"/>
+              </a:defRPr>
+            </a:lvl8pPr>
+            <a:lvl9pPr marL="3810000" indent="-228600" algn="l" rtl="0" fontAlgn="base">
+              <a:spcBef>
+                <a:spcPct val="20000"/>
+              </a:spcBef>
+              <a:spcAft>
+                <a:spcPct val="0"/>
+              </a:spcAft>
+              <a:buClr>
+                <a:schemeClr val="accent1"/>
+              </a:buClr>
+              <a:buSzPct val="60000"/>
+              <a:buFont typeface="Zapf Dingbats" charset="2"/>
+              <a:buChar char="n"/>
+              <a:defRPr sz="2000">
+                <a:solidFill>
+                  <a:srgbClr val="000000"/>
+                </a:solidFill>
+                <a:latin typeface="+mn-lt"/>
+              </a:defRPr>
+            </a:lvl9pPr>
+          </a:lstStyle>
+          <a:p>
+            <a:pPr marL="0" indent="0">
+              <a:buNone/>
+            </a:pPr>
+            <a:r>
+              <a:rPr lang="nl-NL" sz="1600" kern="0" dirty="0" err="1" smtClean="0">
+                <a:latin typeface="Courier New" panose="02070309020205020404" pitchFamily="49" charset="0"/>
+                <a:cs typeface="Courier New" panose="02070309020205020404" pitchFamily="49" charset="0"/>
+              </a:rPr>
+              <a:t>During</a:t>
+            </a:r>
+            <a:r>
+              <a:rPr lang="nl-NL" sz="1600" kern="0" dirty="0" smtClean="0">
+                <a:latin typeface="Courier New" panose="02070309020205020404" pitchFamily="49" charset="0"/>
+                <a:cs typeface="Courier New" panose="02070309020205020404" pitchFamily="49" charset="0"/>
+              </a:rPr>
+              <a:t> this week, </a:t>
+            </a:r>
+            <a:r>
+              <a:rPr lang="nl-NL" sz="1600" kern="0" dirty="0" err="1" smtClean="0">
+                <a:latin typeface="Courier New" panose="02070309020205020404" pitchFamily="49" charset="0"/>
+                <a:cs typeface="Courier New" panose="02070309020205020404" pitchFamily="49" charset="0"/>
+              </a:rPr>
+              <a:t>you</a:t>
+            </a:r>
+            <a:r>
+              <a:rPr lang="nl-NL" sz="1600" kern="0" dirty="0" smtClean="0">
+                <a:latin typeface="Courier New" panose="02070309020205020404" pitchFamily="49" charset="0"/>
+                <a:cs typeface="Courier New" panose="02070309020205020404" pitchFamily="49" charset="0"/>
+              </a:rPr>
+              <a:t> are </a:t>
+            </a:r>
+            <a:r>
+              <a:rPr lang="nl-NL" sz="1600" kern="0" dirty="0" err="1" smtClean="0">
+                <a:latin typeface="Courier New" panose="02070309020205020404" pitchFamily="49" charset="0"/>
+                <a:cs typeface="Courier New" panose="02070309020205020404" pitchFamily="49" charset="0"/>
+              </a:rPr>
+              <a:t>going</a:t>
+            </a:r>
+            <a:r>
+              <a:rPr lang="nl-NL" sz="1600" kern="0" dirty="0" smtClean="0">
+                <a:latin typeface="Courier New" panose="02070309020205020404" pitchFamily="49" charset="0"/>
+                <a:cs typeface="Courier New" panose="02070309020205020404" pitchFamily="49" charset="0"/>
+              </a:rPr>
+              <a:t> </a:t>
+            </a:r>
+            <a:r>
+              <a:rPr lang="nl-NL" sz="1600" kern="0" dirty="0" err="1" smtClean="0">
+                <a:latin typeface="Courier New" panose="02070309020205020404" pitchFamily="49" charset="0"/>
+                <a:cs typeface="Courier New" panose="02070309020205020404" pitchFamily="49" charset="0"/>
+              </a:rPr>
+              <a:t>to</a:t>
+            </a:r>
+            <a:r>
+              <a:rPr lang="nl-NL" sz="1600" kern="0" dirty="0" smtClean="0">
+                <a:latin typeface="Courier New" panose="02070309020205020404" pitchFamily="49" charset="0"/>
+                <a:cs typeface="Courier New" panose="02070309020205020404" pitchFamily="49" charset="0"/>
+              </a:rPr>
+              <a:t> </a:t>
+            </a:r>
+            <a:r>
+              <a:rPr lang="nl-NL" sz="1600" kern="0" dirty="0" err="1" smtClean="0">
+                <a:latin typeface="Courier New" panose="02070309020205020404" pitchFamily="49" charset="0"/>
+                <a:cs typeface="Courier New" panose="02070309020205020404" pitchFamily="49" charset="0"/>
+              </a:rPr>
+              <a:t>work</a:t>
+            </a:r>
+            <a:r>
+              <a:rPr lang="nl-NL" sz="1600" kern="0" dirty="0" smtClean="0">
+                <a:latin typeface="Courier New" panose="02070309020205020404" pitchFamily="49" charset="0"/>
+                <a:cs typeface="Courier New" panose="02070309020205020404" pitchFamily="49" charset="0"/>
+              </a:rPr>
+              <a:t> </a:t>
+            </a:r>
+            <a:r>
+              <a:rPr lang="nl-NL" sz="1600" kern="0" dirty="0" err="1" smtClean="0">
+                <a:latin typeface="Courier New" panose="02070309020205020404" pitchFamily="49" charset="0"/>
+                <a:cs typeface="Courier New" panose="02070309020205020404" pitchFamily="49" charset="0"/>
+              </a:rPr>
+              <a:t>with</a:t>
+            </a:r>
+            <a:r>
+              <a:rPr lang="nl-NL" sz="1600" kern="0" dirty="0" smtClean="0">
+                <a:latin typeface="Courier New" panose="02070309020205020404" pitchFamily="49" charset="0"/>
+                <a:cs typeface="Courier New" panose="02070309020205020404" pitchFamily="49" charset="0"/>
+              </a:rPr>
+              <a:t> </a:t>
+            </a:r>
+            <a:r>
+              <a:rPr lang="nl-NL" sz="1600" kern="0" dirty="0" err="1" smtClean="0">
+                <a:latin typeface="Courier New" panose="02070309020205020404" pitchFamily="49" charset="0"/>
+                <a:cs typeface="Courier New" panose="02070309020205020404" pitchFamily="49" charset="0"/>
+              </a:rPr>
+              <a:t>dialog</a:t>
+            </a:r>
+            <a:r>
+              <a:rPr lang="nl-NL" sz="1600" kern="0" dirty="0" smtClean="0">
+                <a:latin typeface="Courier New" panose="02070309020205020404" pitchFamily="49" charset="0"/>
+                <a:cs typeface="Courier New" panose="02070309020205020404" pitchFamily="49" charset="0"/>
+              </a:rPr>
+              <a:t> </a:t>
+            </a:r>
+            <a:r>
+              <a:rPr lang="nl-NL" sz="1600" kern="0" dirty="0" err="1" smtClean="0">
+                <a:latin typeface="Courier New" panose="02070309020205020404" pitchFamily="49" charset="0"/>
+                <a:cs typeface="Courier New" panose="02070309020205020404" pitchFamily="49" charset="0"/>
+              </a:rPr>
+              <a:t>lines</a:t>
+            </a:r>
+            <a:r>
+              <a:rPr lang="nl-NL" sz="1600" kern="0" dirty="0" smtClean="0">
+                <a:latin typeface="Courier New" panose="02070309020205020404" pitchFamily="49" charset="0"/>
+                <a:cs typeface="Courier New" panose="02070309020205020404" pitchFamily="49" charset="0"/>
+              </a:rPr>
+              <a:t> from the </a:t>
+            </a:r>
+            <a:r>
+              <a:rPr lang="nl-NL" sz="1600" kern="0" dirty="0" err="1" smtClean="0">
+                <a:latin typeface="Courier New" panose="02070309020205020404" pitchFamily="49" charset="0"/>
+                <a:cs typeface="Courier New" panose="02070309020205020404" pitchFamily="49" charset="0"/>
+              </a:rPr>
+              <a:t>Simpson’s</a:t>
+            </a:r>
+            <a:r>
+              <a:rPr lang="nl-NL" sz="1600" kern="0" dirty="0" smtClean="0">
+                <a:latin typeface="Courier New" panose="02070309020205020404" pitchFamily="49" charset="0"/>
+                <a:cs typeface="Courier New" panose="02070309020205020404" pitchFamily="49" charset="0"/>
+              </a:rPr>
+              <a:t>. </a:t>
+            </a:r>
+            <a:r>
+              <a:rPr lang="nl-NL" sz="1600" kern="0" dirty="0" err="1" smtClean="0">
+                <a:latin typeface="Courier New" panose="02070309020205020404" pitchFamily="49" charset="0"/>
+                <a:cs typeface="Courier New" panose="02070309020205020404" pitchFamily="49" charset="0"/>
+              </a:rPr>
+              <a:t>Your</a:t>
+            </a:r>
+            <a:r>
+              <a:rPr lang="nl-NL" sz="1600" kern="0" dirty="0" smtClean="0">
+                <a:latin typeface="Courier New" panose="02070309020205020404" pitchFamily="49" charset="0"/>
+                <a:cs typeface="Courier New" panose="02070309020205020404" pitchFamily="49" charset="0"/>
+              </a:rPr>
+              <a:t> </a:t>
+            </a:r>
+            <a:r>
+              <a:rPr lang="nl-NL" sz="1600" kern="0" dirty="0" err="1" smtClean="0">
+                <a:latin typeface="Courier New" panose="02070309020205020404" pitchFamily="49" charset="0"/>
+                <a:cs typeface="Courier New" panose="02070309020205020404" pitchFamily="49" charset="0"/>
+              </a:rPr>
+              <a:t>task</a:t>
+            </a:r>
+            <a:r>
+              <a:rPr lang="nl-NL" sz="1600" kern="0" dirty="0" smtClean="0">
+                <a:latin typeface="Courier New" panose="02070309020205020404" pitchFamily="49" charset="0"/>
+                <a:cs typeface="Courier New" panose="02070309020205020404" pitchFamily="49" charset="0"/>
+              </a:rPr>
+              <a:t> </a:t>
+            </a:r>
+            <a:r>
+              <a:rPr lang="nl-NL" sz="1600" kern="0" dirty="0" err="1" smtClean="0">
+                <a:latin typeface="Courier New" panose="02070309020205020404" pitchFamily="49" charset="0"/>
+                <a:cs typeface="Courier New" panose="02070309020205020404" pitchFamily="49" charset="0"/>
+              </a:rPr>
+              <a:t>during</a:t>
+            </a:r>
+            <a:r>
+              <a:rPr lang="nl-NL" sz="1600" kern="0" dirty="0" smtClean="0">
+                <a:latin typeface="Courier New" panose="02070309020205020404" pitchFamily="49" charset="0"/>
+                <a:cs typeface="Courier New" panose="02070309020205020404" pitchFamily="49" charset="0"/>
+              </a:rPr>
+              <a:t> this week is </a:t>
+            </a:r>
+            <a:r>
+              <a:rPr lang="nl-NL" sz="1600" kern="0" dirty="0" err="1" smtClean="0">
+                <a:latin typeface="Courier New" panose="02070309020205020404" pitchFamily="49" charset="0"/>
+                <a:cs typeface="Courier New" panose="02070309020205020404" pitchFamily="49" charset="0"/>
+              </a:rPr>
+              <a:t>to</a:t>
+            </a:r>
+            <a:r>
+              <a:rPr lang="nl-NL" sz="1600" kern="0" dirty="0" smtClean="0">
+                <a:latin typeface="Courier New" panose="02070309020205020404" pitchFamily="49" charset="0"/>
+                <a:cs typeface="Courier New" panose="02070309020205020404" pitchFamily="49" charset="0"/>
+              </a:rPr>
+              <a:t> </a:t>
+            </a:r>
+            <a:r>
+              <a:rPr lang="nl-NL" sz="1600" kern="0" dirty="0" err="1" smtClean="0">
+                <a:latin typeface="Courier New" panose="02070309020205020404" pitchFamily="49" charset="0"/>
+                <a:cs typeface="Courier New" panose="02070309020205020404" pitchFamily="49" charset="0"/>
+              </a:rPr>
+              <a:t>build</a:t>
+            </a:r>
+            <a:r>
+              <a:rPr lang="nl-NL" sz="1600" kern="0" dirty="0" smtClean="0">
+                <a:latin typeface="Courier New" panose="02070309020205020404" pitchFamily="49" charset="0"/>
+                <a:cs typeface="Courier New" panose="02070309020205020404" pitchFamily="49" charset="0"/>
+              </a:rPr>
+              <a:t> a model </a:t>
+            </a:r>
+            <a:r>
+              <a:rPr lang="nl-NL" sz="1600" kern="0" dirty="0" err="1" smtClean="0">
+                <a:latin typeface="Courier New" panose="02070309020205020404" pitchFamily="49" charset="0"/>
+                <a:cs typeface="Courier New" panose="02070309020205020404" pitchFamily="49" charset="0"/>
+              </a:rPr>
+              <a:t>that</a:t>
+            </a:r>
+            <a:r>
+              <a:rPr lang="nl-NL" sz="1600" kern="0" dirty="0" smtClean="0">
+                <a:latin typeface="Courier New" panose="02070309020205020404" pitchFamily="49" charset="0"/>
+                <a:cs typeface="Courier New" panose="02070309020205020404" pitchFamily="49" charset="0"/>
+              </a:rPr>
+              <a:t> </a:t>
+            </a:r>
+            <a:r>
+              <a:rPr lang="nl-NL" sz="1600" kern="0" dirty="0" err="1" smtClean="0">
+                <a:latin typeface="Courier New" panose="02070309020205020404" pitchFamily="49" charset="0"/>
+                <a:cs typeface="Courier New" panose="02070309020205020404" pitchFamily="49" charset="0"/>
+              </a:rPr>
+              <a:t>distinguishes</a:t>
+            </a:r>
+            <a:r>
+              <a:rPr lang="nl-NL" sz="1600" kern="0" dirty="0">
+                <a:latin typeface="Courier New" panose="02070309020205020404" pitchFamily="49" charset="0"/>
+                <a:cs typeface="Courier New" panose="02070309020205020404" pitchFamily="49" charset="0"/>
+              </a:rPr>
+              <a:t> </a:t>
+            </a:r>
+            <a:r>
+              <a:rPr lang="nl-NL" sz="1600" kern="0" dirty="0" err="1" smtClean="0">
+                <a:latin typeface="Courier New" panose="02070309020205020404" pitchFamily="49" charset="0"/>
+                <a:cs typeface="Courier New" panose="02070309020205020404" pitchFamily="49" charset="0"/>
+              </a:rPr>
+              <a:t>Bart’s</a:t>
+            </a:r>
+            <a:r>
+              <a:rPr lang="nl-NL" sz="1600" kern="0" dirty="0" smtClean="0">
+                <a:latin typeface="Courier New" panose="02070309020205020404" pitchFamily="49" charset="0"/>
+                <a:cs typeface="Courier New" panose="02070309020205020404" pitchFamily="49" charset="0"/>
+              </a:rPr>
+              <a:t> </a:t>
+            </a:r>
+            <a:r>
+              <a:rPr lang="nl-NL" sz="1600" kern="0" dirty="0" err="1" smtClean="0">
+                <a:latin typeface="Courier New" panose="02070309020205020404" pitchFamily="49" charset="0"/>
+                <a:cs typeface="Courier New" panose="02070309020205020404" pitchFamily="49" charset="0"/>
+              </a:rPr>
+              <a:t>dialogue</a:t>
+            </a:r>
+            <a:r>
+              <a:rPr lang="nl-NL" sz="1600" kern="0" dirty="0" smtClean="0">
+                <a:latin typeface="Courier New" panose="02070309020205020404" pitchFamily="49" charset="0"/>
+                <a:cs typeface="Courier New" panose="02070309020205020404" pitchFamily="49" charset="0"/>
+              </a:rPr>
+              <a:t> from Lisa’s </a:t>
+            </a:r>
+            <a:r>
+              <a:rPr lang="nl-NL" sz="1600" kern="0" dirty="0" err="1" smtClean="0">
+                <a:latin typeface="Courier New" panose="02070309020205020404" pitchFamily="49" charset="0"/>
+                <a:cs typeface="Courier New" panose="02070309020205020404" pitchFamily="49" charset="0"/>
+              </a:rPr>
+              <a:t>dialogue</a:t>
+            </a:r>
+            <a:r>
+              <a:rPr lang="nl-NL" sz="1600" kern="0" dirty="0" smtClean="0">
+                <a:latin typeface="Courier New" panose="02070309020205020404" pitchFamily="49" charset="0"/>
+                <a:cs typeface="Courier New" panose="02070309020205020404" pitchFamily="49" charset="0"/>
+              </a:rPr>
+              <a:t>.</a:t>
+            </a:r>
+          </a:p>
+          <a:p>
+            <a:pPr marL="0" indent="0">
+              <a:buNone/>
+            </a:pPr>
+            <a:endParaRPr lang="nl-NL" sz="1600" kern="0" dirty="0">
+              <a:latin typeface="Courier New" panose="02070309020205020404" pitchFamily="49" charset="0"/>
+              <a:cs typeface="Courier New" panose="02070309020205020404" pitchFamily="49" charset="0"/>
+            </a:endParaRPr>
+          </a:p>
+          <a:p>
+            <a:pPr>
+              <a:buFont typeface="+mj-lt"/>
+              <a:buAutoNum type="arabicPeriod"/>
+            </a:pPr>
+            <a:r>
+              <a:rPr lang="nl-NL" sz="1600" kern="0" dirty="0" smtClean="0">
+                <a:latin typeface="Courier New" panose="02070309020205020404" pitchFamily="49" charset="0"/>
+                <a:cs typeface="Courier New" panose="02070309020205020404" pitchFamily="49" charset="0"/>
+              </a:rPr>
+              <a:t>Load in the .</a:t>
+            </a:r>
+            <a:r>
+              <a:rPr lang="nl-NL" sz="1600" kern="0" dirty="0" err="1" smtClean="0">
+                <a:latin typeface="Courier New" panose="02070309020205020404" pitchFamily="49" charset="0"/>
+                <a:cs typeface="Courier New" panose="02070309020205020404" pitchFamily="49" charset="0"/>
+              </a:rPr>
+              <a:t>csv</a:t>
+            </a:r>
+            <a:r>
+              <a:rPr lang="nl-NL" sz="1600" kern="0" dirty="0" smtClean="0">
+                <a:latin typeface="Courier New" panose="02070309020205020404" pitchFamily="49" charset="0"/>
+                <a:cs typeface="Courier New" panose="02070309020205020404" pitchFamily="49" charset="0"/>
+              </a:rPr>
+              <a:t> file </a:t>
+            </a:r>
+            <a:r>
+              <a:rPr lang="nl-NL" sz="1600" kern="0" dirty="0" err="1" smtClean="0">
+                <a:latin typeface="Courier New" panose="02070309020205020404" pitchFamily="49" charset="0"/>
+                <a:cs typeface="Courier New" panose="02070309020205020404" pitchFamily="49" charset="0"/>
+              </a:rPr>
+              <a:t>and</a:t>
+            </a:r>
+            <a:r>
+              <a:rPr lang="nl-NL" sz="1600" kern="0" dirty="0" smtClean="0">
+                <a:latin typeface="Courier New" panose="02070309020205020404" pitchFamily="49" charset="0"/>
+                <a:cs typeface="Courier New" panose="02070309020205020404" pitchFamily="49" charset="0"/>
+              </a:rPr>
+              <a:t> have a look at the data set. </a:t>
+            </a:r>
+            <a:r>
+              <a:rPr lang="nl-NL" sz="1600" kern="0" dirty="0" err="1" smtClean="0">
+                <a:latin typeface="Courier New" panose="02070309020205020404" pitchFamily="49" charset="0"/>
+                <a:cs typeface="Courier New" panose="02070309020205020404" pitchFamily="49" charset="0"/>
+              </a:rPr>
+              <a:t>What</a:t>
+            </a:r>
+            <a:r>
+              <a:rPr lang="nl-NL" sz="1600" kern="0" dirty="0" smtClean="0">
+                <a:latin typeface="Courier New" panose="02070309020205020404" pitchFamily="49" charset="0"/>
+                <a:cs typeface="Courier New" panose="02070309020205020404" pitchFamily="49" charset="0"/>
+              </a:rPr>
+              <a:t> </a:t>
+            </a:r>
+            <a:r>
+              <a:rPr lang="nl-NL" sz="1600" kern="0" dirty="0" err="1" smtClean="0">
+                <a:latin typeface="Courier New" panose="02070309020205020404" pitchFamily="49" charset="0"/>
+                <a:cs typeface="Courier New" panose="02070309020205020404" pitchFamily="49" charset="0"/>
+              </a:rPr>
+              <a:t>will</a:t>
+            </a:r>
+            <a:r>
+              <a:rPr lang="nl-NL" sz="1600" kern="0" dirty="0" smtClean="0">
+                <a:latin typeface="Courier New" panose="02070309020205020404" pitchFamily="49" charset="0"/>
+                <a:cs typeface="Courier New" panose="02070309020205020404" pitchFamily="49" charset="0"/>
+              </a:rPr>
+              <a:t> </a:t>
+            </a:r>
+            <a:r>
+              <a:rPr lang="nl-NL" sz="1600" kern="0" dirty="0" err="1" smtClean="0">
+                <a:latin typeface="Courier New" panose="02070309020205020404" pitchFamily="49" charset="0"/>
+                <a:cs typeface="Courier New" panose="02070309020205020404" pitchFamily="49" charset="0"/>
+              </a:rPr>
+              <a:t>be</a:t>
+            </a:r>
+            <a:r>
+              <a:rPr lang="nl-NL" sz="1600" kern="0" dirty="0" smtClean="0">
+                <a:latin typeface="Courier New" panose="02070309020205020404" pitchFamily="49" charset="0"/>
+                <a:cs typeface="Courier New" panose="02070309020205020404" pitchFamily="49" charset="0"/>
+              </a:rPr>
+              <a:t> </a:t>
+            </a:r>
+            <a:r>
+              <a:rPr lang="nl-NL" sz="1600" kern="0" dirty="0" err="1" smtClean="0">
+                <a:latin typeface="Courier New" panose="02070309020205020404" pitchFamily="49" charset="0"/>
+                <a:cs typeface="Courier New" panose="02070309020205020404" pitchFamily="49" charset="0"/>
+              </a:rPr>
+              <a:t>challenging</a:t>
+            </a:r>
+            <a:r>
+              <a:rPr lang="nl-NL" sz="1600" kern="0" dirty="0" smtClean="0">
+                <a:latin typeface="Courier New" panose="02070309020205020404" pitchFamily="49" charset="0"/>
+                <a:cs typeface="Courier New" panose="02070309020205020404" pitchFamily="49" charset="0"/>
+              </a:rPr>
+              <a:t> </a:t>
+            </a:r>
+            <a:r>
+              <a:rPr lang="nl-NL" sz="1600" kern="0" dirty="0" err="1" smtClean="0">
+                <a:latin typeface="Courier New" panose="02070309020205020404" pitchFamily="49" charset="0"/>
+                <a:cs typeface="Courier New" panose="02070309020205020404" pitchFamily="49" charset="0"/>
+              </a:rPr>
+              <a:t>when</a:t>
+            </a:r>
+            <a:r>
+              <a:rPr lang="nl-NL" sz="1600" kern="0" dirty="0" smtClean="0">
+                <a:latin typeface="Courier New" panose="02070309020205020404" pitchFamily="49" charset="0"/>
+                <a:cs typeface="Courier New" panose="02070309020205020404" pitchFamily="49" charset="0"/>
+              </a:rPr>
+              <a:t> building a </a:t>
+            </a:r>
+            <a:r>
+              <a:rPr lang="nl-NL" sz="1600" kern="0" dirty="0" err="1" smtClean="0">
+                <a:latin typeface="Courier New" panose="02070309020205020404" pitchFamily="49" charset="0"/>
+                <a:cs typeface="Courier New" panose="02070309020205020404" pitchFamily="49" charset="0"/>
+              </a:rPr>
+              <a:t>predictive</a:t>
+            </a:r>
+            <a:r>
+              <a:rPr lang="nl-NL" sz="1600" kern="0" dirty="0" smtClean="0">
+                <a:latin typeface="Courier New" panose="02070309020205020404" pitchFamily="49" charset="0"/>
+                <a:cs typeface="Courier New" panose="02070309020205020404" pitchFamily="49" charset="0"/>
+              </a:rPr>
+              <a:t> model?</a:t>
+            </a:r>
+          </a:p>
+          <a:p>
+            <a:pPr>
+              <a:buFont typeface="+mj-lt"/>
+              <a:buAutoNum type="arabicPeriod"/>
+            </a:pPr>
+            <a:endParaRPr lang="nl-NL" sz="1600" kern="0" dirty="0">
+              <a:latin typeface="Courier New" panose="02070309020205020404" pitchFamily="49" charset="0"/>
+              <a:cs typeface="Courier New" panose="02070309020205020404" pitchFamily="49" charset="0"/>
+            </a:endParaRPr>
+          </a:p>
+          <a:p>
+            <a:pPr>
+              <a:buFont typeface="+mj-lt"/>
+              <a:buAutoNum type="arabicPeriod"/>
+            </a:pPr>
+            <a:r>
+              <a:rPr lang="nl-NL" sz="1600" kern="0" dirty="0" smtClean="0">
+                <a:latin typeface="Courier New" panose="02070309020205020404" pitchFamily="49" charset="0"/>
+                <a:cs typeface="Courier New" panose="02070309020205020404" pitchFamily="49" charset="0"/>
+              </a:rPr>
+              <a:t>We </a:t>
+            </a:r>
+            <a:r>
+              <a:rPr lang="nl-NL" sz="1600" kern="0" dirty="0" err="1" smtClean="0">
+                <a:latin typeface="Courier New" panose="02070309020205020404" pitchFamily="49" charset="0"/>
+                <a:cs typeface="Courier New" panose="02070309020205020404" pitchFamily="49" charset="0"/>
+              </a:rPr>
+              <a:t>will</a:t>
+            </a:r>
+            <a:r>
+              <a:rPr lang="nl-NL" sz="1600" kern="0" dirty="0" smtClean="0">
+                <a:latin typeface="Courier New" panose="02070309020205020404" pitchFamily="49" charset="0"/>
+                <a:cs typeface="Courier New" panose="02070309020205020404" pitchFamily="49" charset="0"/>
+              </a:rPr>
+              <a:t> </a:t>
+            </a:r>
+            <a:r>
+              <a:rPr lang="nl-NL" sz="1600" kern="0" dirty="0" err="1" smtClean="0">
+                <a:latin typeface="Courier New" panose="02070309020205020404" pitchFamily="49" charset="0"/>
+                <a:cs typeface="Courier New" panose="02070309020205020404" pitchFamily="49" charset="0"/>
+              </a:rPr>
+              <a:t>only</a:t>
+            </a:r>
+            <a:r>
+              <a:rPr lang="nl-NL" sz="1600" kern="0" dirty="0" smtClean="0">
+                <a:latin typeface="Courier New" panose="02070309020205020404" pitchFamily="49" charset="0"/>
+                <a:cs typeface="Courier New" panose="02070309020205020404" pitchFamily="49" charset="0"/>
+              </a:rPr>
+              <a:t> </a:t>
+            </a:r>
+            <a:r>
+              <a:rPr lang="nl-NL" sz="1600" kern="0" dirty="0" err="1" smtClean="0">
+                <a:latin typeface="Courier New" panose="02070309020205020404" pitchFamily="49" charset="0"/>
+                <a:cs typeface="Courier New" panose="02070309020205020404" pitchFamily="49" charset="0"/>
+              </a:rPr>
+              <a:t>work</a:t>
+            </a:r>
+            <a:r>
+              <a:rPr lang="nl-NL" sz="1600" kern="0" dirty="0" smtClean="0">
+                <a:latin typeface="Courier New" panose="02070309020205020404" pitchFamily="49" charset="0"/>
+                <a:cs typeface="Courier New" panose="02070309020205020404" pitchFamily="49" charset="0"/>
+              </a:rPr>
+              <a:t> </a:t>
+            </a:r>
+            <a:r>
+              <a:rPr lang="nl-NL" sz="1600" kern="0" dirty="0" err="1" smtClean="0">
+                <a:latin typeface="Courier New" panose="02070309020205020404" pitchFamily="49" charset="0"/>
+                <a:cs typeface="Courier New" panose="02070309020205020404" pitchFamily="49" charset="0"/>
+              </a:rPr>
+              <a:t>with</a:t>
+            </a:r>
+            <a:r>
+              <a:rPr lang="nl-NL" sz="1600" kern="0" dirty="0" smtClean="0">
+                <a:latin typeface="Courier New" panose="02070309020205020404" pitchFamily="49" charset="0"/>
+                <a:cs typeface="Courier New" panose="02070309020205020404" pitchFamily="49" charset="0"/>
+              </a:rPr>
+              <a:t> </a:t>
+            </a:r>
+            <a:r>
+              <a:rPr lang="nl-NL" sz="1600" kern="0" dirty="0" err="1" smtClean="0">
+                <a:latin typeface="Courier New" panose="02070309020205020404" pitchFamily="49" charset="0"/>
+                <a:cs typeface="Courier New" panose="02070309020205020404" pitchFamily="49" charset="0"/>
+              </a:rPr>
+              <a:t>Bart’s</a:t>
+            </a:r>
+            <a:r>
+              <a:rPr lang="nl-NL" sz="1600" kern="0" dirty="0" smtClean="0">
+                <a:latin typeface="Courier New" panose="02070309020205020404" pitchFamily="49" charset="0"/>
+                <a:cs typeface="Courier New" panose="02070309020205020404" pitchFamily="49" charset="0"/>
+              </a:rPr>
+              <a:t> </a:t>
+            </a:r>
+            <a:r>
+              <a:rPr lang="nl-NL" sz="1600" kern="0" dirty="0" err="1" smtClean="0">
+                <a:latin typeface="Courier New" panose="02070309020205020404" pitchFamily="49" charset="0"/>
+                <a:cs typeface="Courier New" panose="02070309020205020404" pitchFamily="49" charset="0"/>
+              </a:rPr>
+              <a:t>and</a:t>
+            </a:r>
+            <a:r>
+              <a:rPr lang="nl-NL" sz="1600" kern="0" dirty="0" smtClean="0">
+                <a:latin typeface="Courier New" panose="02070309020205020404" pitchFamily="49" charset="0"/>
+                <a:cs typeface="Courier New" panose="02070309020205020404" pitchFamily="49" charset="0"/>
+              </a:rPr>
+              <a:t> Lisa’s </a:t>
+            </a:r>
+            <a:r>
+              <a:rPr lang="nl-NL" sz="1600" kern="0" dirty="0" err="1" smtClean="0">
+                <a:latin typeface="Courier New" panose="02070309020205020404" pitchFamily="49" charset="0"/>
+                <a:cs typeface="Courier New" panose="02070309020205020404" pitchFamily="49" charset="0"/>
+              </a:rPr>
+              <a:t>lines</a:t>
+            </a:r>
+            <a:r>
+              <a:rPr lang="nl-NL" sz="1600" kern="0" dirty="0" smtClean="0">
+                <a:latin typeface="Courier New" panose="02070309020205020404" pitchFamily="49" charset="0"/>
+                <a:cs typeface="Courier New" panose="02070309020205020404" pitchFamily="49" charset="0"/>
+              </a:rPr>
+              <a:t>. Make the relevant </a:t>
+            </a:r>
+            <a:r>
+              <a:rPr lang="nl-NL" sz="1600" kern="0" dirty="0" err="1" smtClean="0">
+                <a:latin typeface="Courier New" panose="02070309020205020404" pitchFamily="49" charset="0"/>
+                <a:cs typeface="Courier New" panose="02070309020205020404" pitchFamily="49" charset="0"/>
+              </a:rPr>
+              <a:t>selection</a:t>
+            </a:r>
+            <a:r>
+              <a:rPr lang="nl-NL" sz="1600" kern="0" dirty="0" smtClean="0">
+                <a:latin typeface="Courier New" panose="02070309020205020404" pitchFamily="49" charset="0"/>
+                <a:cs typeface="Courier New" panose="02070309020205020404" pitchFamily="49" charset="0"/>
+              </a:rPr>
+              <a:t> in the data set.</a:t>
+            </a:r>
+          </a:p>
+          <a:p>
+            <a:pPr>
+              <a:buFont typeface="+mj-lt"/>
+              <a:buAutoNum type="arabicPeriod"/>
+            </a:pPr>
+            <a:endParaRPr lang="nl-NL" sz="1600" kern="0" dirty="0">
+              <a:latin typeface="Courier New" panose="02070309020205020404" pitchFamily="49" charset="0"/>
+              <a:cs typeface="Courier New" panose="02070309020205020404" pitchFamily="49" charset="0"/>
+            </a:endParaRPr>
+          </a:p>
+          <a:p>
+            <a:pPr>
+              <a:buFont typeface="+mj-lt"/>
+              <a:buAutoNum type="arabicPeriod"/>
+            </a:pPr>
+            <a:r>
+              <a:rPr lang="nl-NL" sz="1600" kern="0" dirty="0" err="1" smtClean="0">
+                <a:latin typeface="Courier New" panose="02070309020205020404" pitchFamily="49" charset="0"/>
+                <a:cs typeface="Courier New" panose="02070309020205020404" pitchFamily="49" charset="0"/>
+              </a:rPr>
+              <a:t>Create</a:t>
+            </a:r>
+            <a:r>
+              <a:rPr lang="nl-NL" sz="1600" kern="0" dirty="0" smtClean="0">
+                <a:latin typeface="Courier New" panose="02070309020205020404" pitchFamily="49" charset="0"/>
+                <a:cs typeface="Courier New" panose="02070309020205020404" pitchFamily="49" charset="0"/>
+              </a:rPr>
+              <a:t> a document-feature matrix of the text data.</a:t>
+            </a:r>
+          </a:p>
+          <a:p>
+            <a:pPr>
+              <a:buFont typeface="+mj-lt"/>
+              <a:buAutoNum type="arabicPeriod"/>
+            </a:pPr>
+            <a:endParaRPr lang="nl-NL" sz="1600" kern="0" dirty="0">
+              <a:latin typeface="Courier New" panose="02070309020205020404" pitchFamily="49" charset="0"/>
+              <a:cs typeface="Courier New" panose="02070309020205020404" pitchFamily="49" charset="0"/>
+            </a:endParaRPr>
+          </a:p>
+          <a:p>
+            <a:pPr>
+              <a:buFont typeface="+mj-lt"/>
+              <a:buAutoNum type="arabicPeriod"/>
+            </a:pPr>
+            <a:r>
+              <a:rPr lang="nl-NL" sz="1600" kern="0" dirty="0">
+                <a:latin typeface="Courier New" panose="02070309020205020404" pitchFamily="49" charset="0"/>
+                <a:cs typeface="Courier New" panose="02070309020205020404" pitchFamily="49" charset="0"/>
+              </a:rPr>
+              <a:t>Look at </a:t>
+            </a:r>
+            <a:r>
+              <a:rPr lang="nl-NL" sz="1600" kern="0" dirty="0" err="1" smtClean="0">
+                <a:latin typeface="Courier New" panose="02070309020205020404" pitchFamily="49" charset="0"/>
+                <a:cs typeface="Courier New" panose="02070309020205020404" pitchFamily="49" charset="0"/>
+              </a:rPr>
+              <a:t>some</a:t>
+            </a:r>
+            <a:r>
+              <a:rPr lang="nl-NL" sz="1600" kern="0" dirty="0" smtClean="0">
+                <a:latin typeface="Courier New" panose="02070309020205020404" pitchFamily="49" charset="0"/>
+                <a:cs typeface="Courier New" panose="02070309020205020404" pitchFamily="49" charset="0"/>
+              </a:rPr>
+              <a:t> of the features/</a:t>
+            </a:r>
+            <a:r>
+              <a:rPr lang="nl-NL" sz="1600" kern="0" dirty="0" err="1" smtClean="0">
+                <a:latin typeface="Courier New" panose="02070309020205020404" pitchFamily="49" charset="0"/>
+                <a:cs typeface="Courier New" panose="02070309020205020404" pitchFamily="49" charset="0"/>
+              </a:rPr>
+              <a:t>words</a:t>
+            </a:r>
+            <a:r>
+              <a:rPr lang="nl-NL" sz="1600" kern="0" dirty="0" smtClean="0">
+                <a:latin typeface="Courier New" panose="02070309020205020404" pitchFamily="49" charset="0"/>
+                <a:cs typeface="Courier New" panose="02070309020205020404" pitchFamily="49" charset="0"/>
+              </a:rPr>
+              <a:t>. </a:t>
+            </a:r>
+            <a:r>
+              <a:rPr lang="nl-NL" sz="1600" kern="0" dirty="0" err="1">
+                <a:latin typeface="Courier New" panose="02070309020205020404" pitchFamily="49" charset="0"/>
+                <a:cs typeface="Courier New" panose="02070309020205020404" pitchFamily="49" charset="0"/>
+              </a:rPr>
+              <a:t>What</a:t>
+            </a:r>
+            <a:r>
+              <a:rPr lang="nl-NL" sz="1600" kern="0" dirty="0">
+                <a:latin typeface="Courier New" panose="02070309020205020404" pitchFamily="49" charset="0"/>
+                <a:cs typeface="Courier New" panose="02070309020205020404" pitchFamily="49" charset="0"/>
+              </a:rPr>
+              <a:t> are </a:t>
+            </a:r>
+            <a:r>
+              <a:rPr lang="nl-NL" sz="1600" kern="0" dirty="0" err="1" smtClean="0">
+                <a:latin typeface="Courier New" panose="02070309020205020404" pitchFamily="49" charset="0"/>
+                <a:cs typeface="Courier New" panose="02070309020205020404" pitchFamily="49" charset="0"/>
+              </a:rPr>
+              <a:t>some</a:t>
+            </a:r>
+            <a:r>
+              <a:rPr lang="nl-NL" sz="1600" kern="0" dirty="0" smtClean="0">
+                <a:latin typeface="Courier New" panose="02070309020205020404" pitchFamily="49" charset="0"/>
+                <a:cs typeface="Courier New" panose="02070309020205020404" pitchFamily="49" charset="0"/>
+              </a:rPr>
+              <a:t> of the </a:t>
+            </a:r>
+            <a:r>
+              <a:rPr lang="nl-NL" sz="1600" kern="0" dirty="0" err="1">
+                <a:latin typeface="Courier New" panose="02070309020205020404" pitchFamily="49" charset="0"/>
+                <a:cs typeface="Courier New" panose="02070309020205020404" pitchFamily="49" charset="0"/>
+              </a:rPr>
+              <a:t>problems</a:t>
+            </a:r>
+            <a:r>
+              <a:rPr lang="nl-NL" sz="1600" kern="0" dirty="0">
+                <a:latin typeface="Courier New" panose="02070309020205020404" pitchFamily="49" charset="0"/>
+                <a:cs typeface="Courier New" panose="02070309020205020404" pitchFamily="49" charset="0"/>
+              </a:rPr>
+              <a:t> </a:t>
+            </a:r>
+            <a:r>
+              <a:rPr lang="nl-NL" sz="1600" kern="0" dirty="0" err="1" smtClean="0">
+                <a:latin typeface="Courier New" panose="02070309020205020404" pitchFamily="49" charset="0"/>
+                <a:cs typeface="Courier New" panose="02070309020205020404" pitchFamily="49" charset="0"/>
+              </a:rPr>
+              <a:t>with</a:t>
+            </a:r>
+            <a:r>
+              <a:rPr lang="nl-NL" sz="1600" kern="0" dirty="0" smtClean="0">
+                <a:latin typeface="Courier New" panose="02070309020205020404" pitchFamily="49" charset="0"/>
+                <a:cs typeface="Courier New" panose="02070309020205020404" pitchFamily="49" charset="0"/>
+              </a:rPr>
+              <a:t> </a:t>
+            </a:r>
+            <a:r>
+              <a:rPr lang="nl-NL" sz="1600" kern="0" dirty="0" err="1" smtClean="0">
+                <a:latin typeface="Courier New" panose="02070309020205020404" pitchFamily="49" charset="0"/>
+                <a:cs typeface="Courier New" panose="02070309020205020404" pitchFamily="49" charset="0"/>
+              </a:rPr>
+              <a:t>tokenizing</a:t>
+            </a:r>
+            <a:r>
+              <a:rPr lang="nl-NL" sz="1600" kern="0" dirty="0" smtClean="0">
+                <a:latin typeface="Courier New" panose="02070309020205020404" pitchFamily="49" charset="0"/>
+                <a:cs typeface="Courier New" panose="02070309020205020404" pitchFamily="49" charset="0"/>
+              </a:rPr>
+              <a:t> as </a:t>
+            </a:r>
+            <a:r>
+              <a:rPr lang="nl-NL" sz="1600" kern="0" dirty="0" err="1" smtClean="0">
+                <a:latin typeface="Courier New" panose="02070309020205020404" pitchFamily="49" charset="0"/>
+                <a:cs typeface="Courier New" panose="02070309020205020404" pitchFamily="49" charset="0"/>
+              </a:rPr>
+              <a:t>implemented</a:t>
+            </a:r>
+            <a:r>
+              <a:rPr lang="nl-NL" sz="1600" kern="0" dirty="0" smtClean="0">
+                <a:latin typeface="Courier New" panose="02070309020205020404" pitchFamily="49" charset="0"/>
+                <a:cs typeface="Courier New" panose="02070309020205020404" pitchFamily="49" charset="0"/>
+              </a:rPr>
+              <a:t> </a:t>
+            </a:r>
+            <a:r>
+              <a:rPr lang="nl-NL" sz="1600" kern="0" dirty="0" err="1" smtClean="0">
+                <a:latin typeface="Courier New" panose="02070309020205020404" pitchFamily="49" charset="0"/>
+                <a:cs typeface="Courier New" panose="02070309020205020404" pitchFamily="49" charset="0"/>
+              </a:rPr>
+              <a:t>by</a:t>
+            </a:r>
+            <a:r>
+              <a:rPr lang="nl-NL" sz="1600" kern="0" dirty="0" smtClean="0">
+                <a:latin typeface="Courier New" panose="02070309020205020404" pitchFamily="49" charset="0"/>
+                <a:cs typeface="Courier New" panose="02070309020205020404" pitchFamily="49" charset="0"/>
+              </a:rPr>
+              <a:t> </a:t>
+            </a:r>
+            <a:r>
+              <a:rPr lang="nl-NL" sz="1600" i="1" kern="0" dirty="0" err="1" smtClean="0">
+                <a:latin typeface="Courier New" panose="02070309020205020404" pitchFamily="49" charset="0"/>
+                <a:cs typeface="Courier New" panose="02070309020205020404" pitchFamily="49" charset="0"/>
+              </a:rPr>
+              <a:t>sklearn</a:t>
+            </a:r>
+            <a:r>
+              <a:rPr lang="nl-NL" sz="1600" kern="0" dirty="0" smtClean="0">
+                <a:latin typeface="Courier New" panose="02070309020205020404" pitchFamily="49" charset="0"/>
+                <a:cs typeface="Courier New" panose="02070309020205020404" pitchFamily="49" charset="0"/>
+              </a:rPr>
+              <a:t>?</a:t>
+            </a:r>
+            <a:endParaRPr lang="nl-NL" sz="1600" kern="0" dirty="0">
+              <a:latin typeface="Courier New" panose="02070309020205020404" pitchFamily="49" charset="0"/>
+              <a:cs typeface="Courier New" panose="02070309020205020404" pitchFamily="49" charset="0"/>
+            </a:endParaRPr>
+          </a:p>
+          <a:p>
+            <a:pPr>
+              <a:buFont typeface="+mj-lt"/>
+              <a:buAutoNum type="arabicPeriod"/>
+            </a:pPr>
+            <a:endParaRPr lang="nl-NL" sz="1600" kern="0" dirty="0">
+              <a:latin typeface="Courier New" panose="02070309020205020404" pitchFamily="49" charset="0"/>
+              <a:cs typeface="Courier New" panose="02070309020205020404" pitchFamily="49" charset="0"/>
+            </a:endParaRPr>
+          </a:p>
+          <a:p>
+            <a:pPr>
+              <a:buFont typeface="+mj-lt"/>
+              <a:buAutoNum type="arabicPeriod"/>
+            </a:pPr>
+            <a:r>
+              <a:rPr lang="nl-NL" sz="1600" kern="0" dirty="0" smtClean="0">
+                <a:latin typeface="Courier New" panose="02070309020205020404" pitchFamily="49" charset="0"/>
+                <a:cs typeface="Courier New" panose="02070309020205020404" pitchFamily="49" charset="0"/>
+              </a:rPr>
+              <a:t>Advanced: </a:t>
+            </a:r>
+            <a:r>
+              <a:rPr lang="nl-NL" sz="1600" kern="0" dirty="0" err="1" smtClean="0">
+                <a:latin typeface="Courier New" panose="02070309020205020404" pitchFamily="49" charset="0"/>
+                <a:cs typeface="Courier New" panose="02070309020205020404" pitchFamily="49" charset="0"/>
+              </a:rPr>
+              <a:t>which</a:t>
+            </a:r>
+            <a:r>
+              <a:rPr lang="nl-NL" sz="1600" kern="0" dirty="0" smtClean="0">
+                <a:latin typeface="Courier New" panose="02070309020205020404" pitchFamily="49" charset="0"/>
+                <a:cs typeface="Courier New" panose="02070309020205020404" pitchFamily="49" charset="0"/>
+              </a:rPr>
+              <a:t> </a:t>
+            </a:r>
+            <a:r>
+              <a:rPr lang="nl-NL" sz="1600" kern="0" dirty="0" err="1" smtClean="0">
+                <a:latin typeface="Courier New" panose="02070309020205020404" pitchFamily="49" charset="0"/>
+                <a:cs typeface="Courier New" panose="02070309020205020404" pitchFamily="49" charset="0"/>
+              </a:rPr>
+              <a:t>words</a:t>
+            </a:r>
+            <a:r>
+              <a:rPr lang="nl-NL" sz="1600" kern="0" dirty="0" smtClean="0">
+                <a:latin typeface="Courier New" panose="02070309020205020404" pitchFamily="49" charset="0"/>
+                <a:cs typeface="Courier New" panose="02070309020205020404" pitchFamily="49" charset="0"/>
+              </a:rPr>
+              <a:t> does Bart </a:t>
+            </a:r>
+            <a:r>
+              <a:rPr lang="nl-NL" sz="1600" kern="0" dirty="0" err="1" smtClean="0">
+                <a:latin typeface="Courier New" panose="02070309020205020404" pitchFamily="49" charset="0"/>
+                <a:cs typeface="Courier New" panose="02070309020205020404" pitchFamily="49" charset="0"/>
+              </a:rPr>
+              <a:t>use</a:t>
+            </a:r>
+            <a:r>
+              <a:rPr lang="nl-NL" sz="1600" kern="0" dirty="0" smtClean="0">
+                <a:latin typeface="Courier New" panose="02070309020205020404" pitchFamily="49" charset="0"/>
+                <a:cs typeface="Courier New" panose="02070309020205020404" pitchFamily="49" charset="0"/>
+              </a:rPr>
+              <a:t> most </a:t>
+            </a:r>
+            <a:r>
+              <a:rPr lang="nl-NL" sz="1600" kern="0" dirty="0" err="1" smtClean="0">
+                <a:latin typeface="Courier New" panose="02070309020205020404" pitchFamily="49" charset="0"/>
+                <a:cs typeface="Courier New" panose="02070309020205020404" pitchFamily="49" charset="0"/>
+              </a:rPr>
+              <a:t>frequently</a:t>
+            </a:r>
+            <a:r>
+              <a:rPr lang="nl-NL" sz="1600" kern="0" dirty="0" smtClean="0">
+                <a:latin typeface="Courier New" panose="02070309020205020404" pitchFamily="49" charset="0"/>
+                <a:cs typeface="Courier New" panose="02070309020205020404" pitchFamily="49" charset="0"/>
+              </a:rPr>
+              <a:t>? Are these the most important </a:t>
+            </a:r>
+            <a:r>
+              <a:rPr lang="nl-NL" sz="1600" kern="0" dirty="0" err="1" smtClean="0">
+                <a:latin typeface="Courier New" panose="02070309020205020404" pitchFamily="49" charset="0"/>
+                <a:cs typeface="Courier New" panose="02070309020205020404" pitchFamily="49" charset="0"/>
+              </a:rPr>
+              <a:t>words</a:t>
+            </a:r>
+            <a:r>
+              <a:rPr lang="nl-NL" sz="1600" kern="0" dirty="0" smtClean="0">
+                <a:latin typeface="Courier New" panose="02070309020205020404" pitchFamily="49" charset="0"/>
+                <a:cs typeface="Courier New" panose="02070309020205020404" pitchFamily="49" charset="0"/>
+              </a:rPr>
+              <a:t> </a:t>
+            </a:r>
+            <a:r>
+              <a:rPr lang="nl-NL" sz="1600" kern="0" dirty="0" err="1" smtClean="0">
+                <a:latin typeface="Courier New" panose="02070309020205020404" pitchFamily="49" charset="0"/>
+                <a:cs typeface="Courier New" panose="02070309020205020404" pitchFamily="49" charset="0"/>
+              </a:rPr>
+              <a:t>for</a:t>
+            </a:r>
+            <a:r>
+              <a:rPr lang="nl-NL" sz="1600" kern="0" dirty="0" smtClean="0">
+                <a:latin typeface="Courier New" panose="02070309020205020404" pitchFamily="49" charset="0"/>
+                <a:cs typeface="Courier New" panose="02070309020205020404" pitchFamily="49" charset="0"/>
+              </a:rPr>
+              <a:t> </a:t>
+            </a:r>
+            <a:r>
+              <a:rPr lang="nl-NL" sz="1600" kern="0" dirty="0" err="1" smtClean="0">
+                <a:latin typeface="Courier New" panose="02070309020205020404" pitchFamily="49" charset="0"/>
+                <a:cs typeface="Courier New" panose="02070309020205020404" pitchFamily="49" charset="0"/>
+              </a:rPr>
+              <a:t>classification</a:t>
+            </a:r>
+            <a:r>
+              <a:rPr lang="nl-NL" sz="1600" kern="0" dirty="0" smtClean="0">
+                <a:latin typeface="Courier New" panose="02070309020205020404" pitchFamily="49" charset="0"/>
+                <a:cs typeface="Courier New" panose="02070309020205020404" pitchFamily="49" charset="0"/>
+              </a:rPr>
+              <a:t>? </a:t>
+            </a:r>
+            <a:r>
+              <a:rPr lang="nl-NL" sz="1600" kern="0" dirty="0" err="1" smtClean="0">
+                <a:latin typeface="Courier New" panose="02070309020205020404" pitchFamily="49" charset="0"/>
+                <a:cs typeface="Courier New" panose="02070309020205020404" pitchFamily="49" charset="0"/>
+              </a:rPr>
+              <a:t>Why</a:t>
+            </a:r>
+            <a:r>
+              <a:rPr lang="nl-NL" sz="1600" kern="0" dirty="0" smtClean="0">
+                <a:latin typeface="Courier New" panose="02070309020205020404" pitchFamily="49" charset="0"/>
+                <a:cs typeface="Courier New" panose="02070309020205020404" pitchFamily="49" charset="0"/>
+              </a:rPr>
+              <a:t> (</a:t>
+            </a:r>
+            <a:r>
+              <a:rPr lang="nl-NL" sz="1600" kern="0" dirty="0" err="1" smtClean="0">
+                <a:latin typeface="Courier New" panose="02070309020205020404" pitchFamily="49" charset="0"/>
+                <a:cs typeface="Courier New" panose="02070309020205020404" pitchFamily="49" charset="0"/>
+              </a:rPr>
+              <a:t>not</a:t>
+            </a:r>
+            <a:r>
+              <a:rPr lang="nl-NL" sz="1600" kern="0" dirty="0" smtClean="0">
+                <a:latin typeface="Courier New" panose="02070309020205020404" pitchFamily="49" charset="0"/>
+                <a:cs typeface="Courier New" panose="02070309020205020404" pitchFamily="49" charset="0"/>
+              </a:rPr>
+              <a:t>)?</a:t>
+            </a:r>
+          </a:p>
+          <a:p>
+            <a:pPr>
+              <a:buFont typeface="+mj-lt"/>
+              <a:buAutoNum type="arabicPeriod"/>
+            </a:pPr>
+            <a:endParaRPr lang="nl-NL" sz="1400" kern="0" dirty="0">
+              <a:latin typeface="Courier New" panose="02070309020205020404" pitchFamily="49" charset="0"/>
+              <a:cs typeface="Courier New" panose="02070309020205020404" pitchFamily="49" charset="0"/>
+            </a:endParaRPr>
+          </a:p>
+          <a:p>
+            <a:pPr>
+              <a:buFont typeface="+mj-lt"/>
+              <a:buAutoNum type="arabicPeriod"/>
+            </a:pPr>
+            <a:endParaRPr lang="nl-NL" sz="1400" kern="0" dirty="0">
+              <a:latin typeface="Courier New" panose="02070309020205020404" pitchFamily="49" charset="0"/>
+              <a:cs typeface="Courier New" panose="02070309020205020404" pitchFamily="49" charset="0"/>
+            </a:endParaRPr>
+          </a:p>
+          <a:p>
+            <a:pPr>
+              <a:buFont typeface="+mj-lt"/>
+              <a:buAutoNum type="arabicPeriod"/>
+            </a:pPr>
+            <a:endParaRPr lang="nl-NL" sz="1400" kern="0" dirty="0">
+              <a:latin typeface="Courier New" panose="02070309020205020404" pitchFamily="49" charset="0"/>
+              <a:cs typeface="Courier New" panose="02070309020205020404" pitchFamily="49" charset="0"/>
+            </a:endParaRPr>
+          </a:p>
+          <a:p>
+            <a:pPr>
+              <a:buFont typeface="+mj-lt"/>
+              <a:buAutoNum type="arabicPeriod"/>
+            </a:pPr>
+            <a:endParaRPr lang="nl-NL" sz="1400" kern="0" dirty="0">
+              <a:latin typeface="Courier New" panose="02070309020205020404" pitchFamily="49" charset="0"/>
+              <a:cs typeface="Courier New" panose="02070309020205020404" pitchFamily="49" charset="0"/>
+            </a:endParaRPr>
+          </a:p>
+          <a:p>
+            <a:pPr>
+              <a:buFont typeface="+mj-lt"/>
+              <a:buAutoNum type="arabicPeriod"/>
+            </a:pPr>
+            <a:endParaRPr lang="nl-NL" sz="1400" kern="0" dirty="0" smtClean="0">
+              <a:latin typeface="Courier New" panose="02070309020205020404" pitchFamily="49" charset="0"/>
+              <a:cs typeface="Courier New" panose="02070309020205020404" pitchFamily="49" charset="0"/>
+            </a:endParaRPr>
+          </a:p>
+          <a:p>
+            <a:pPr marL="0" indent="0">
+              <a:buFont typeface="Zapf Dingbats" charset="2"/>
+              <a:buNone/>
+            </a:pPr>
+            <a:endParaRPr lang="nl-NL" sz="1400" kern="0" dirty="0">
+              <a:latin typeface="Courier New" panose="02070309020205020404" pitchFamily="49" charset="0"/>
+              <a:cs typeface="Courier New" panose="02070309020205020404" pitchFamily="49" charset="0"/>
+            </a:endParaRPr>
+          </a:p>
+          <a:p>
+            <a:pPr marL="0" indent="0">
+              <a:buFont typeface="Zapf Dingbats" charset="2"/>
+              <a:buNone/>
+            </a:pPr>
+            <a:endParaRPr lang="nl-NL" sz="1400" kern="0" dirty="0" smtClean="0">
+              <a:latin typeface="Courier New" panose="02070309020205020404" pitchFamily="49" charset="0"/>
+              <a:cs typeface="Courier New" panose="02070309020205020404" pitchFamily="49" charset="0"/>
+            </a:endParaRPr>
+          </a:p>
+          <a:p>
+            <a:pPr marL="0" indent="0">
+              <a:buFont typeface="Zapf Dingbats" charset="2"/>
+              <a:buNone/>
+            </a:pPr>
+            <a:endParaRPr lang="nl-NL" sz="1400" kern="0" dirty="0">
+              <a:latin typeface="Courier New" panose="02070309020205020404" pitchFamily="49" charset="0"/>
+              <a:cs typeface="Courier New" panose="02070309020205020404" pitchFamily="49" charset="0"/>
+            </a:endParaRPr>
+          </a:p>
+          <a:p>
+            <a:pPr marL="0" indent="0">
+              <a:buFont typeface="Zapf Dingbats" charset="2"/>
+              <a:buNone/>
+            </a:pPr>
+            <a:endParaRPr lang="nl-NL" sz="1400" kern="0" dirty="0" smtClean="0">
+              <a:latin typeface="Courier New" panose="02070309020205020404" pitchFamily="49" charset="0"/>
+              <a:cs typeface="Courier New" panose="02070309020205020404" pitchFamily="49" charset="0"/>
+            </a:endParaRPr>
+          </a:p>
+        </p:txBody>
+      </p:sp>
+    </p:spTree>
+    <p:extLst>
+      <p:ext uri="{BB962C8B-B14F-4D97-AF65-F5344CB8AC3E}">
+        <p14:creationId xmlns:p14="http://schemas.microsoft.com/office/powerpoint/2010/main" val="3335614205"/>
+      </p:ext>
+    </p:extLst>
+  </p:cSld>
+  <p:clrMapOvr>
+    <a:masterClrMapping/>
+  </p:clrMapOvr>
+</p:sld>
+</file>
+
+<file path=ppt/slides/slide14.xml><?xml version="1.0" encoding="utf-8"?>
+<p:sld xmlns:a="http://schemas.openxmlformats.org/drawingml/2006/main" xmlns:r="http://schemas.openxmlformats.org/officeDocument/2006/relationships" xmlns:p="http://schemas.openxmlformats.org/presentationml/2006/main">
+  <p:cSld>
+    <p:spTree>
+      <p:nvGrpSpPr>
+        <p:cNvPr id="1" name=""/>
+        <p:cNvGrpSpPr/>
+        <p:nvPr/>
+      </p:nvGrpSpPr>
+      <p:grpSpPr>
+        <a:xfrm>
+          <a:off x="0" y="0"/>
+          <a:ext cx="0" cy="0"/>
+          <a:chOff x="0" y="0"/>
+          <a:chExt cx="0" cy="0"/>
+        </a:xfrm>
+      </p:grpSpPr>
+      <p:sp>
+        <p:nvSpPr>
+          <p:cNvPr id="2" name="Titel 1"/>
+          <p:cNvSpPr>
+            <a:spLocks noGrp="1"/>
+          </p:cNvSpPr>
+          <p:nvPr>
+            <p:ph type="title"/>
+          </p:nvPr>
+        </p:nvSpPr>
+        <p:spPr/>
+        <p:txBody>
+          <a:bodyPr/>
+          <a:lstStyle/>
+          <a:p>
+            <a:r>
+              <a:rPr lang="nl-NL" dirty="0" err="1" smtClean="0"/>
+              <a:t>Lemmatization</a:t>
+            </a:r>
+            <a:r>
+              <a:rPr lang="nl-NL" dirty="0" smtClean="0"/>
+              <a:t> </a:t>
+            </a:r>
+            <a:r>
+              <a:rPr lang="nl-NL" dirty="0" err="1" smtClean="0"/>
+              <a:t>and</a:t>
+            </a:r>
+            <a:r>
+              <a:rPr lang="nl-NL" dirty="0" smtClean="0"/>
+              <a:t> stemming</a:t>
+            </a:r>
+            <a:endParaRPr lang="nl-NL" dirty="0"/>
+          </a:p>
+        </p:txBody>
+      </p:sp>
+      <p:sp>
+        <p:nvSpPr>
+          <p:cNvPr id="3" name="Tijdelijke aanduiding voor inhoud 2"/>
+          <p:cNvSpPr>
+            <a:spLocks noGrp="1"/>
+          </p:cNvSpPr>
+          <p:nvPr>
+            <p:ph idx="1"/>
+          </p:nvPr>
+        </p:nvSpPr>
+        <p:spPr>
+          <a:xfrm>
+            <a:off x="683568" y="1556792"/>
+            <a:ext cx="7881938" cy="4585871"/>
+          </a:xfrm>
+        </p:spPr>
+        <p:txBody>
+          <a:bodyPr/>
+          <a:lstStyle/>
+          <a:p>
+            <a:r>
+              <a:rPr lang="nl-NL" sz="2000" dirty="0" err="1" smtClean="0"/>
+              <a:t>Lemmatization</a:t>
+            </a:r>
+            <a:r>
+              <a:rPr lang="nl-NL" sz="2000" dirty="0" smtClean="0"/>
+              <a:t>: means </a:t>
+            </a:r>
+            <a:r>
+              <a:rPr lang="nl-NL" sz="2000" dirty="0" err="1" smtClean="0"/>
+              <a:t>reducing</a:t>
+            </a:r>
+            <a:r>
+              <a:rPr lang="nl-NL" sz="2000" dirty="0" smtClean="0"/>
+              <a:t> a word </a:t>
+            </a:r>
+            <a:r>
+              <a:rPr lang="nl-NL" sz="2000" dirty="0" err="1" smtClean="0"/>
+              <a:t>to</a:t>
+            </a:r>
+            <a:r>
+              <a:rPr lang="nl-NL" sz="2000" dirty="0" smtClean="0"/>
+              <a:t> </a:t>
+            </a:r>
+            <a:r>
+              <a:rPr lang="nl-NL" sz="2000" dirty="0" err="1" smtClean="0"/>
+              <a:t>its</a:t>
+            </a:r>
+            <a:r>
+              <a:rPr lang="nl-NL" sz="2000" dirty="0" smtClean="0"/>
+              <a:t> </a:t>
+            </a:r>
+            <a:r>
+              <a:rPr lang="nl-NL" sz="2000" dirty="0" err="1" smtClean="0"/>
+              <a:t>grammatical</a:t>
+            </a:r>
+            <a:r>
+              <a:rPr lang="nl-NL" sz="2000" dirty="0" smtClean="0"/>
+              <a:t> stem</a:t>
+            </a:r>
+          </a:p>
+          <a:p>
+            <a:endParaRPr lang="nl-NL" sz="2000" dirty="0"/>
+          </a:p>
+          <a:p>
+            <a:r>
+              <a:rPr lang="nl-NL" sz="2000" dirty="0" err="1" smtClean="0"/>
+              <a:t>Removing</a:t>
+            </a:r>
+            <a:r>
+              <a:rPr lang="nl-NL" sz="2000" dirty="0" smtClean="0"/>
+              <a:t> pre- </a:t>
+            </a:r>
+            <a:r>
+              <a:rPr lang="nl-NL" sz="2000" dirty="0" err="1" smtClean="0"/>
+              <a:t>and</a:t>
+            </a:r>
+            <a:r>
+              <a:rPr lang="nl-NL" sz="2000" dirty="0" smtClean="0"/>
+              <a:t> </a:t>
+            </a:r>
+            <a:r>
+              <a:rPr lang="nl-NL" sz="2000" dirty="0" err="1" smtClean="0"/>
+              <a:t>suffixes</a:t>
+            </a:r>
+            <a:r>
+              <a:rPr lang="nl-NL" sz="2000" dirty="0" smtClean="0"/>
+              <a:t> </a:t>
+            </a:r>
+            <a:r>
+              <a:rPr lang="nl-NL" sz="2000" dirty="0" err="1" smtClean="0"/>
+              <a:t>for</a:t>
+            </a:r>
+            <a:r>
+              <a:rPr lang="nl-NL" sz="2000" dirty="0" smtClean="0"/>
+              <a:t> </a:t>
+            </a:r>
+            <a:r>
+              <a:rPr lang="nl-NL" sz="2000" dirty="0" err="1" smtClean="0"/>
+              <a:t>things</a:t>
+            </a:r>
+            <a:r>
+              <a:rPr lang="nl-NL" sz="2000" dirty="0" smtClean="0"/>
+              <a:t> like gender, </a:t>
+            </a:r>
+            <a:r>
+              <a:rPr lang="nl-NL" sz="2000" dirty="0" err="1" smtClean="0"/>
+              <a:t>number</a:t>
+            </a:r>
+            <a:r>
+              <a:rPr lang="nl-NL" sz="2000" dirty="0" smtClean="0"/>
+              <a:t>, </a:t>
+            </a:r>
+            <a:r>
+              <a:rPr lang="nl-NL" sz="2000" dirty="0" err="1" smtClean="0"/>
+              <a:t>tense</a:t>
+            </a:r>
+            <a:r>
+              <a:rPr lang="nl-NL" sz="2000" dirty="0" smtClean="0"/>
+              <a:t>, aspect, etc.</a:t>
+            </a:r>
+          </a:p>
+          <a:p>
+            <a:endParaRPr lang="nl-NL" sz="2000" dirty="0"/>
+          </a:p>
+          <a:p>
+            <a:r>
+              <a:rPr lang="nl-NL" sz="2000" dirty="0" err="1" smtClean="0"/>
+              <a:t>Going</a:t>
+            </a:r>
+            <a:r>
+              <a:rPr lang="nl-NL" sz="2000" dirty="0" smtClean="0"/>
+              <a:t>, </a:t>
+            </a:r>
+            <a:r>
+              <a:rPr lang="nl-NL" sz="2000" dirty="0" err="1" smtClean="0"/>
+              <a:t>goes</a:t>
+            </a:r>
+            <a:r>
+              <a:rPr lang="nl-NL" sz="2000" dirty="0" smtClean="0"/>
+              <a:t>, </a:t>
+            </a:r>
+            <a:r>
+              <a:rPr lang="nl-NL" sz="2000" dirty="0" err="1" smtClean="0"/>
+              <a:t>gone</a:t>
+            </a:r>
+            <a:r>
+              <a:rPr lang="nl-NL" sz="2000" dirty="0" smtClean="0"/>
+              <a:t>, go → </a:t>
+            </a:r>
+            <a:r>
+              <a:rPr lang="nl-NL" sz="2000" dirty="0" smtClean="0">
+                <a:solidFill>
+                  <a:srgbClr val="0070C0"/>
+                </a:solidFill>
+              </a:rPr>
+              <a:t>go</a:t>
+            </a:r>
+          </a:p>
+          <a:p>
+            <a:endParaRPr lang="nl-NL" sz="2000" dirty="0"/>
+          </a:p>
+          <a:p>
+            <a:r>
+              <a:rPr lang="nl-NL" sz="2000" dirty="0" err="1" smtClean="0"/>
+              <a:t>Falo</a:t>
+            </a:r>
+            <a:r>
+              <a:rPr lang="nl-NL" sz="2000" dirty="0" smtClean="0"/>
+              <a:t>, </a:t>
+            </a:r>
+            <a:r>
+              <a:rPr lang="nl-NL" sz="2000" dirty="0" err="1" smtClean="0"/>
+              <a:t>falas</a:t>
+            </a:r>
+            <a:r>
+              <a:rPr lang="nl-NL" sz="2000" dirty="0" smtClean="0"/>
+              <a:t>, </a:t>
+            </a:r>
+            <a:r>
+              <a:rPr lang="nl-NL" sz="2000" dirty="0" err="1" smtClean="0"/>
+              <a:t>fala</a:t>
+            </a:r>
+            <a:r>
+              <a:rPr lang="nl-NL" sz="2000" dirty="0" smtClean="0"/>
+              <a:t>, </a:t>
+            </a:r>
+            <a:r>
+              <a:rPr lang="nl-NL" sz="2000" dirty="0" err="1" smtClean="0"/>
+              <a:t>falamos</a:t>
+            </a:r>
+            <a:r>
+              <a:rPr lang="nl-NL" sz="2000" dirty="0" smtClean="0"/>
+              <a:t>, </a:t>
+            </a:r>
+            <a:r>
+              <a:rPr lang="nl-NL" sz="2000" dirty="0" err="1" smtClean="0"/>
+              <a:t>falam</a:t>
+            </a:r>
+            <a:r>
+              <a:rPr lang="nl-NL" sz="2000" dirty="0" smtClean="0"/>
+              <a:t>, </a:t>
+            </a:r>
+            <a:r>
+              <a:rPr lang="nl-NL" sz="2000" dirty="0" err="1" smtClean="0"/>
+              <a:t>falava</a:t>
+            </a:r>
+            <a:r>
+              <a:rPr lang="nl-NL" sz="2000" dirty="0" smtClean="0"/>
+              <a:t>, </a:t>
+            </a:r>
+            <a:r>
+              <a:rPr lang="nl-NL" sz="2000" dirty="0" err="1" smtClean="0"/>
+              <a:t>falavas</a:t>
+            </a:r>
+            <a:r>
+              <a:rPr lang="nl-NL" sz="2000" dirty="0" smtClean="0"/>
+              <a:t>, </a:t>
+            </a:r>
+            <a:r>
+              <a:rPr lang="nl-NL" sz="2000" dirty="0" err="1" smtClean="0"/>
+              <a:t>falávamos</a:t>
+            </a:r>
+            <a:r>
+              <a:rPr lang="nl-NL" sz="2000" dirty="0" smtClean="0"/>
+              <a:t>, </a:t>
+            </a:r>
+            <a:r>
+              <a:rPr lang="nl-NL" sz="2000" dirty="0" err="1" smtClean="0"/>
+              <a:t>falavam</a:t>
+            </a:r>
+            <a:r>
+              <a:rPr lang="nl-NL" sz="2000" dirty="0" smtClean="0"/>
+              <a:t>, </a:t>
+            </a:r>
+            <a:r>
+              <a:rPr lang="nl-NL" sz="2000" dirty="0" err="1" smtClean="0"/>
+              <a:t>falei</a:t>
+            </a:r>
+            <a:r>
+              <a:rPr lang="nl-NL" sz="2000" dirty="0" smtClean="0"/>
+              <a:t>, </a:t>
+            </a:r>
+            <a:r>
+              <a:rPr lang="nl-NL" sz="2000" dirty="0" err="1" smtClean="0"/>
+              <a:t>falaste</a:t>
+            </a:r>
+            <a:r>
+              <a:rPr lang="nl-NL" sz="2000" dirty="0" smtClean="0"/>
+              <a:t>, </a:t>
+            </a:r>
+            <a:r>
+              <a:rPr lang="nl-NL" sz="2000" dirty="0" err="1" smtClean="0"/>
+              <a:t>falou</a:t>
+            </a:r>
+            <a:r>
+              <a:rPr lang="nl-NL" sz="2000" dirty="0" smtClean="0"/>
+              <a:t>, </a:t>
+            </a:r>
+            <a:r>
+              <a:rPr lang="nl-NL" sz="2000" dirty="0" err="1" smtClean="0"/>
+              <a:t>falámos</a:t>
+            </a:r>
+            <a:r>
+              <a:rPr lang="nl-NL" sz="2000" dirty="0" smtClean="0"/>
+              <a:t>, </a:t>
+            </a:r>
+            <a:r>
+              <a:rPr lang="nl-NL" sz="2000" dirty="0" err="1" smtClean="0"/>
+              <a:t>falaram</a:t>
+            </a:r>
+            <a:r>
+              <a:rPr lang="nl-NL" sz="2000" dirty="0" smtClean="0"/>
+              <a:t>, </a:t>
+            </a:r>
+            <a:r>
+              <a:rPr lang="nl-NL" sz="2000" dirty="0" err="1" smtClean="0"/>
+              <a:t>falarei</a:t>
+            </a:r>
+            <a:r>
+              <a:rPr lang="nl-NL" sz="2000" dirty="0" smtClean="0"/>
+              <a:t>, </a:t>
+            </a:r>
+            <a:r>
+              <a:rPr lang="nl-NL" sz="2000" dirty="0" err="1" smtClean="0"/>
+              <a:t>falarás</a:t>
+            </a:r>
+            <a:r>
+              <a:rPr lang="nl-NL" sz="2000" dirty="0" smtClean="0"/>
+              <a:t>, </a:t>
+            </a:r>
+            <a:r>
+              <a:rPr lang="nl-NL" sz="2000" dirty="0" err="1" smtClean="0"/>
+              <a:t>falará</a:t>
+            </a:r>
+            <a:r>
+              <a:rPr lang="nl-NL" sz="2000" dirty="0" smtClean="0"/>
+              <a:t>, </a:t>
+            </a:r>
+            <a:r>
+              <a:rPr lang="nl-NL" sz="2000" dirty="0" err="1" smtClean="0"/>
+              <a:t>falaremos</a:t>
+            </a:r>
+            <a:r>
+              <a:rPr lang="nl-NL" sz="2000" dirty="0" smtClean="0"/>
+              <a:t>, </a:t>
+            </a:r>
+            <a:r>
+              <a:rPr lang="nl-NL" sz="2000" dirty="0" err="1" smtClean="0"/>
+              <a:t>falarão</a:t>
+            </a:r>
+            <a:r>
+              <a:rPr lang="nl-NL" sz="2000" dirty="0" smtClean="0"/>
+              <a:t>, </a:t>
+            </a:r>
+            <a:r>
+              <a:rPr lang="nl-NL" sz="2000" dirty="0" err="1" smtClean="0"/>
+              <a:t>falaria</a:t>
+            </a:r>
+            <a:r>
+              <a:rPr lang="nl-NL" sz="2000" dirty="0" smtClean="0"/>
+              <a:t>, </a:t>
+            </a:r>
+            <a:r>
+              <a:rPr lang="nl-NL" sz="2000" dirty="0" err="1" smtClean="0"/>
+              <a:t>falarias</a:t>
+            </a:r>
+            <a:r>
+              <a:rPr lang="nl-NL" sz="2000" dirty="0" smtClean="0"/>
+              <a:t> </a:t>
+            </a:r>
+            <a:r>
+              <a:rPr lang="nl-NL" sz="2000" dirty="0" err="1" smtClean="0"/>
+              <a:t>falaria</a:t>
+            </a:r>
+            <a:r>
+              <a:rPr lang="nl-NL" sz="2000" dirty="0" smtClean="0"/>
+              <a:t>, </a:t>
+            </a:r>
+            <a:r>
+              <a:rPr lang="nl-NL" sz="2000" dirty="0" err="1" smtClean="0"/>
+              <a:t>falaríamos</a:t>
+            </a:r>
+            <a:r>
+              <a:rPr lang="nl-NL" sz="2000" dirty="0" smtClean="0"/>
+              <a:t>, </a:t>
+            </a:r>
+            <a:r>
+              <a:rPr lang="nl-NL" sz="2000" dirty="0" err="1" smtClean="0"/>
+              <a:t>falariam</a:t>
+            </a:r>
+            <a:r>
+              <a:rPr lang="nl-NL" sz="2000" dirty="0" smtClean="0"/>
+              <a:t>,… → </a:t>
+            </a:r>
+            <a:r>
+              <a:rPr lang="nl-NL" sz="2000" dirty="0" err="1" smtClean="0">
+                <a:solidFill>
+                  <a:srgbClr val="0070C0"/>
+                </a:solidFill>
+              </a:rPr>
+              <a:t>falar</a:t>
+            </a:r>
+            <a:endParaRPr lang="nl-NL" sz="2000" dirty="0" smtClean="0">
+              <a:solidFill>
+                <a:srgbClr val="0070C0"/>
+              </a:solidFill>
+            </a:endParaRPr>
+          </a:p>
+          <a:p>
+            <a:endParaRPr lang="nl-NL" sz="2000" dirty="0">
+              <a:solidFill>
+                <a:srgbClr val="0070C0"/>
+              </a:solidFill>
+            </a:endParaRPr>
+          </a:p>
+          <a:p>
+            <a:r>
+              <a:rPr lang="nl-NL" sz="2000" dirty="0" err="1" smtClean="0">
+                <a:solidFill>
+                  <a:schemeClr val="tx1"/>
+                </a:solidFill>
+              </a:rPr>
+              <a:t>Not</a:t>
+            </a:r>
+            <a:r>
+              <a:rPr lang="nl-NL" sz="2000" dirty="0" smtClean="0">
+                <a:solidFill>
+                  <a:schemeClr val="tx1"/>
+                </a:solidFill>
+              </a:rPr>
+              <a:t> </a:t>
+            </a:r>
+            <a:r>
+              <a:rPr lang="nl-NL" sz="2000" dirty="0" err="1" smtClean="0">
+                <a:solidFill>
+                  <a:schemeClr val="tx1"/>
+                </a:solidFill>
+              </a:rPr>
+              <a:t>included</a:t>
+            </a:r>
+            <a:r>
+              <a:rPr lang="nl-NL" sz="2000" dirty="0" smtClean="0">
+                <a:solidFill>
+                  <a:schemeClr val="tx1"/>
+                </a:solidFill>
+              </a:rPr>
+              <a:t> in </a:t>
+            </a:r>
+            <a:r>
+              <a:rPr lang="nl-NL" sz="2000" i="1" dirty="0" err="1" smtClean="0">
+                <a:solidFill>
+                  <a:schemeClr val="tx1"/>
+                </a:solidFill>
+              </a:rPr>
+              <a:t>sklearn</a:t>
+            </a:r>
+            <a:endParaRPr lang="nl-NL" sz="2000" dirty="0" smtClean="0">
+              <a:solidFill>
+                <a:schemeClr val="tx1"/>
+              </a:solidFill>
+            </a:endParaRPr>
+          </a:p>
+        </p:txBody>
+      </p:sp>
+    </p:spTree>
+    <p:extLst>
+      <p:ext uri="{BB962C8B-B14F-4D97-AF65-F5344CB8AC3E}">
+        <p14:creationId xmlns:p14="http://schemas.microsoft.com/office/powerpoint/2010/main" val="817418437"/>
+      </p:ext>
+    </p:extLst>
+  </p:cSld>
+  <p:clrMapOvr>
+    <a:masterClrMapping/>
+  </p:clrMapOvr>
+</p:sld>
+</file>
+
+<file path=ppt/slides/slide15.xml><?xml version="1.0" encoding="utf-8"?>
+<p:sld xmlns:a="http://schemas.openxmlformats.org/drawingml/2006/main" xmlns:r="http://schemas.openxmlformats.org/officeDocument/2006/relationships" xmlns:p="http://schemas.openxmlformats.org/presentationml/2006/main">
+  <p:cSld>
+    <p:spTree>
+      <p:nvGrpSpPr>
+        <p:cNvPr id="1" name=""/>
+        <p:cNvGrpSpPr/>
+        <p:nvPr/>
+      </p:nvGrpSpPr>
+      <p:grpSpPr>
+        <a:xfrm>
+          <a:off x="0" y="0"/>
+          <a:ext cx="0" cy="0"/>
+          <a:chOff x="0" y="0"/>
+          <a:chExt cx="0" cy="0"/>
+        </a:xfrm>
+      </p:grpSpPr>
+      <p:sp>
+        <p:nvSpPr>
+          <p:cNvPr id="2" name="Titel 1"/>
+          <p:cNvSpPr>
+            <a:spLocks noGrp="1"/>
+          </p:cNvSpPr>
+          <p:nvPr>
+            <p:ph type="title"/>
+          </p:nvPr>
+        </p:nvSpPr>
+        <p:spPr/>
+        <p:txBody>
+          <a:bodyPr/>
+          <a:lstStyle/>
+          <a:p>
+            <a:r>
+              <a:rPr lang="nl-NL" dirty="0" smtClean="0"/>
+              <a:t>Topics</a:t>
+            </a:r>
+            <a:endParaRPr lang="nl-NL" dirty="0"/>
+          </a:p>
+        </p:txBody>
+      </p:sp>
+      <p:sp>
+        <p:nvSpPr>
+          <p:cNvPr id="3" name="Tijdelijke aanduiding voor inhoud 2"/>
+          <p:cNvSpPr>
+            <a:spLocks noGrp="1"/>
+          </p:cNvSpPr>
+          <p:nvPr>
+            <p:ph idx="1"/>
+          </p:nvPr>
+        </p:nvSpPr>
+        <p:spPr>
+          <a:xfrm>
+            <a:off x="762000" y="1762125"/>
+            <a:ext cx="7881938" cy="2234458"/>
+          </a:xfrm>
+        </p:spPr>
+        <p:txBody>
+          <a:bodyPr/>
+          <a:lstStyle/>
+          <a:p>
+            <a:r>
+              <a:rPr lang="nl-NL" sz="2400" dirty="0"/>
+              <a:t>Natural Language Processing (NLP)</a:t>
+            </a:r>
+          </a:p>
+          <a:p>
+            <a:endParaRPr lang="nl-NL" sz="2400" dirty="0"/>
+          </a:p>
+          <a:p>
+            <a:r>
+              <a:rPr lang="nl-NL" sz="2400" dirty="0" err="1" smtClean="0"/>
+              <a:t>Modeling</a:t>
+            </a:r>
+            <a:r>
+              <a:rPr lang="nl-NL" sz="2400" dirty="0" smtClean="0"/>
+              <a:t> text</a:t>
+            </a:r>
+            <a:endParaRPr lang="nl-NL" sz="2400" dirty="0" smtClean="0"/>
+          </a:p>
+          <a:p>
+            <a:pPr marL="0" indent="0">
+              <a:buNone/>
+            </a:pPr>
+            <a:endParaRPr lang="nl-NL" sz="2400" dirty="0"/>
+          </a:p>
+          <a:p>
+            <a:r>
+              <a:rPr lang="nl-NL" sz="2400" dirty="0" err="1" smtClean="0"/>
+              <a:t>Classification</a:t>
+            </a:r>
+            <a:r>
+              <a:rPr lang="nl-NL" sz="2400" dirty="0" smtClean="0"/>
+              <a:t> </a:t>
+            </a:r>
+            <a:r>
+              <a:rPr lang="nl-NL" sz="2400" dirty="0" err="1" smtClean="0"/>
+              <a:t>with</a:t>
+            </a:r>
+            <a:r>
+              <a:rPr lang="nl-NL" sz="2400" dirty="0" smtClean="0"/>
+              <a:t> </a:t>
+            </a:r>
+            <a:r>
+              <a:rPr lang="nl-NL" sz="2400" dirty="0" err="1" smtClean="0"/>
+              <a:t>Naïve</a:t>
+            </a:r>
+            <a:r>
+              <a:rPr lang="nl-NL" sz="2400" dirty="0" smtClean="0"/>
+              <a:t> Bayes</a:t>
+            </a:r>
+            <a:endParaRPr lang="nl-NL" sz="2400" dirty="0"/>
+          </a:p>
+        </p:txBody>
+      </p:sp>
+    </p:spTree>
+    <p:extLst>
+      <p:ext uri="{BB962C8B-B14F-4D97-AF65-F5344CB8AC3E}">
+        <p14:creationId xmlns:p14="http://schemas.microsoft.com/office/powerpoint/2010/main" val="1096367582"/>
+      </p:ext>
+    </p:extLst>
+  </p:cSld>
+  <p:clrMapOvr>
+    <a:masterClrMapping/>
+  </p:clrMapOvr>
+</p:sld>
+</file>
+
+<file path=ppt/slides/slide16.xml><?xml version="1.0" encoding="utf-8"?>
+<p:sld xmlns:a="http://schemas.openxmlformats.org/drawingml/2006/main" xmlns:r="http://schemas.openxmlformats.org/officeDocument/2006/relationships" xmlns:p="http://schemas.openxmlformats.org/presentationml/2006/main">
+  <p:cSld>
+    <p:spTree>
+      <p:nvGrpSpPr>
+        <p:cNvPr id="1" name=""/>
+        <p:cNvGrpSpPr/>
+        <p:nvPr/>
+      </p:nvGrpSpPr>
+      <p:grpSpPr>
+        <a:xfrm>
+          <a:off x="0" y="0"/>
+          <a:ext cx="0" cy="0"/>
+          <a:chOff x="0" y="0"/>
+          <a:chExt cx="0" cy="0"/>
+        </a:xfrm>
+      </p:grpSpPr>
+      <p:sp>
+        <p:nvSpPr>
+          <p:cNvPr id="2" name="Titel 1"/>
+          <p:cNvSpPr>
+            <a:spLocks noGrp="1"/>
+          </p:cNvSpPr>
+          <p:nvPr>
+            <p:ph type="title"/>
+          </p:nvPr>
+        </p:nvSpPr>
+        <p:spPr/>
+        <p:txBody>
+          <a:bodyPr/>
+          <a:lstStyle/>
+          <a:p>
+            <a:r>
+              <a:rPr lang="nl-NL" dirty="0" smtClean="0"/>
+              <a:t>Bayes’ </a:t>
+            </a:r>
+            <a:r>
+              <a:rPr lang="nl-NL" dirty="0" err="1" smtClean="0"/>
+              <a:t>theorem</a:t>
+            </a:r>
+            <a:endParaRPr lang="nl-NL" dirty="0"/>
+          </a:p>
+        </p:txBody>
+      </p:sp>
+      <p:sp>
+        <p:nvSpPr>
+          <p:cNvPr id="5" name="Ovaal 4"/>
+          <p:cNvSpPr/>
+          <p:nvPr/>
+        </p:nvSpPr>
+        <p:spPr bwMode="auto">
+          <a:xfrm>
+            <a:off x="1223904" y="3671065"/>
+            <a:ext cx="349424" cy="360040"/>
+          </a:xfrm>
+          <a:prstGeom prst="ellipse">
+            <a:avLst/>
+          </a:prstGeom>
+          <a:solidFill>
+            <a:schemeClr val="accent1"/>
+          </a:solidFill>
+          <a:ln w="9525" cap="flat" cmpd="sng" algn="ctr">
+            <a:solidFill>
+              <a:schemeClr val="tx1"/>
+            </a:solidFill>
+            <a:prstDash val="solid"/>
+            <a:round/>
+            <a:headEnd type="none" w="med" len="med"/>
+            <a:tailEnd type="none" w="med" len="med"/>
+          </a:ln>
+          <a:effectLst/>
+        </p:spPr>
+        <p:txBody>
+          <a:bodyPr vert="horz" wrap="none" lIns="91440" tIns="45720" rIns="91440" bIns="45720" numCol="1" rtlCol="0" anchor="ctr" anchorCtr="0" compatLnSpc="1">
+            <a:prstTxWarp prst="textNoShape">
+              <a:avLst/>
+            </a:prstTxWarp>
+          </a:bodyPr>
+          <a:lstStyle/>
+          <a:p>
+            <a:pPr marL="0" marR="0" indent="0" algn="l" defTabSz="914400" rtl="0" eaLnBrk="1" fontAlgn="base" latinLnBrk="0" hangingPunct="1">
+              <a:lnSpc>
+                <a:spcPct val="100000"/>
+              </a:lnSpc>
+              <a:spcBef>
+                <a:spcPct val="0"/>
+              </a:spcBef>
+              <a:spcAft>
+                <a:spcPct val="0"/>
+              </a:spcAft>
+              <a:buClrTx/>
+              <a:buSzTx/>
+              <a:buFontTx/>
+              <a:buNone/>
+              <a:tabLst/>
+            </a:pPr>
+            <a:endParaRPr kumimoji="0" lang="nl-NL" sz="1400" b="0" i="0" u="none" strike="noStrike" cap="none" normalizeH="0" baseline="0" smtClean="0">
+              <a:ln>
+                <a:noFill/>
+              </a:ln>
+              <a:solidFill>
+                <a:schemeClr val="tx1"/>
+              </a:solidFill>
+              <a:effectLst/>
+              <a:latin typeface="Arial" charset="0"/>
+            </a:endParaRPr>
+          </a:p>
+        </p:txBody>
+      </p:sp>
+      <p:sp>
+        <p:nvSpPr>
+          <p:cNvPr id="6" name="Ovaal 5"/>
+          <p:cNvSpPr/>
+          <p:nvPr/>
+        </p:nvSpPr>
+        <p:spPr bwMode="auto">
+          <a:xfrm>
+            <a:off x="3642476" y="2653754"/>
+            <a:ext cx="349424" cy="360040"/>
+          </a:xfrm>
+          <a:prstGeom prst="ellipse">
+            <a:avLst/>
+          </a:prstGeom>
+          <a:solidFill>
+            <a:schemeClr val="accent1"/>
+          </a:solidFill>
+          <a:ln w="9525" cap="flat" cmpd="sng" algn="ctr">
+            <a:solidFill>
+              <a:schemeClr val="tx1"/>
+            </a:solidFill>
+            <a:prstDash val="solid"/>
+            <a:round/>
+            <a:headEnd type="none" w="med" len="med"/>
+            <a:tailEnd type="none" w="med" len="med"/>
+          </a:ln>
+          <a:effectLst/>
+        </p:spPr>
+        <p:txBody>
+          <a:bodyPr vert="horz" wrap="none" lIns="91440" tIns="45720" rIns="91440" bIns="45720" numCol="1" rtlCol="0" anchor="ctr" anchorCtr="0" compatLnSpc="1">
+            <a:prstTxWarp prst="textNoShape">
+              <a:avLst/>
+            </a:prstTxWarp>
+          </a:bodyPr>
+          <a:lstStyle/>
+          <a:p>
+            <a:pPr marL="0" marR="0" indent="0" algn="l" defTabSz="914400" rtl="0" eaLnBrk="1" fontAlgn="base" latinLnBrk="0" hangingPunct="1">
+              <a:lnSpc>
+                <a:spcPct val="100000"/>
+              </a:lnSpc>
+              <a:spcBef>
+                <a:spcPct val="0"/>
+              </a:spcBef>
+              <a:spcAft>
+                <a:spcPct val="0"/>
+              </a:spcAft>
+              <a:buClrTx/>
+              <a:buSzTx/>
+              <a:buFontTx/>
+              <a:buNone/>
+              <a:tabLst/>
+            </a:pPr>
+            <a:endParaRPr kumimoji="0" lang="nl-NL" sz="1400" b="0" i="0" u="none" strike="noStrike" cap="none" normalizeH="0" baseline="0" smtClean="0">
+              <a:ln>
+                <a:noFill/>
+              </a:ln>
+              <a:solidFill>
+                <a:schemeClr val="tx1"/>
+              </a:solidFill>
+              <a:effectLst/>
+              <a:latin typeface="Arial" charset="0"/>
+            </a:endParaRPr>
+          </a:p>
+        </p:txBody>
+      </p:sp>
+      <p:sp>
+        <p:nvSpPr>
+          <p:cNvPr id="7" name="Ovaal 6"/>
+          <p:cNvSpPr/>
+          <p:nvPr/>
+        </p:nvSpPr>
+        <p:spPr bwMode="auto">
+          <a:xfrm>
+            <a:off x="3611552" y="4791798"/>
+            <a:ext cx="349424" cy="360040"/>
+          </a:xfrm>
+          <a:prstGeom prst="ellipse">
+            <a:avLst/>
+          </a:prstGeom>
+          <a:solidFill>
+            <a:schemeClr val="accent1"/>
+          </a:solidFill>
+          <a:ln w="9525" cap="flat" cmpd="sng" algn="ctr">
+            <a:solidFill>
+              <a:schemeClr val="tx1"/>
+            </a:solidFill>
+            <a:prstDash val="solid"/>
+            <a:round/>
+            <a:headEnd type="none" w="med" len="med"/>
+            <a:tailEnd type="none" w="med" len="med"/>
+          </a:ln>
+          <a:effectLst/>
+        </p:spPr>
+        <p:txBody>
+          <a:bodyPr vert="horz" wrap="none" lIns="91440" tIns="45720" rIns="91440" bIns="45720" numCol="1" rtlCol="0" anchor="ctr" anchorCtr="0" compatLnSpc="1">
+            <a:prstTxWarp prst="textNoShape">
+              <a:avLst/>
+            </a:prstTxWarp>
+          </a:bodyPr>
+          <a:lstStyle/>
+          <a:p>
+            <a:pPr marL="0" marR="0" indent="0" algn="l" defTabSz="914400" rtl="0" eaLnBrk="1" fontAlgn="base" latinLnBrk="0" hangingPunct="1">
+              <a:lnSpc>
+                <a:spcPct val="100000"/>
+              </a:lnSpc>
+              <a:spcBef>
+                <a:spcPct val="0"/>
+              </a:spcBef>
+              <a:spcAft>
+                <a:spcPct val="0"/>
+              </a:spcAft>
+              <a:buClrTx/>
+              <a:buSzTx/>
+              <a:buFontTx/>
+              <a:buNone/>
+              <a:tabLst/>
+            </a:pPr>
+            <a:endParaRPr kumimoji="0" lang="nl-NL" sz="1400" b="0" i="0" u="none" strike="noStrike" cap="none" normalizeH="0" baseline="0" smtClean="0">
+              <a:ln>
+                <a:noFill/>
+              </a:ln>
+              <a:solidFill>
+                <a:schemeClr val="tx1"/>
+              </a:solidFill>
+              <a:effectLst/>
+              <a:latin typeface="Arial" charset="0"/>
+            </a:endParaRPr>
+          </a:p>
+        </p:txBody>
+      </p:sp>
+      <p:sp>
+        <p:nvSpPr>
+          <p:cNvPr id="8" name="Ovaal 7"/>
+          <p:cNvSpPr/>
+          <p:nvPr/>
+        </p:nvSpPr>
+        <p:spPr bwMode="auto">
+          <a:xfrm>
+            <a:off x="6048440" y="1580692"/>
+            <a:ext cx="349424" cy="360040"/>
+          </a:xfrm>
+          <a:prstGeom prst="ellipse">
+            <a:avLst/>
+          </a:prstGeom>
+          <a:solidFill>
+            <a:schemeClr val="accent1"/>
+          </a:solidFill>
+          <a:ln w="9525" cap="flat" cmpd="sng" algn="ctr">
+            <a:solidFill>
+              <a:schemeClr val="tx1"/>
+            </a:solidFill>
+            <a:prstDash val="solid"/>
+            <a:round/>
+            <a:headEnd type="none" w="med" len="med"/>
+            <a:tailEnd type="none" w="med" len="med"/>
+          </a:ln>
+          <a:effectLst/>
+        </p:spPr>
+        <p:txBody>
+          <a:bodyPr vert="horz" wrap="none" lIns="91440" tIns="45720" rIns="91440" bIns="45720" numCol="1" rtlCol="0" anchor="ctr" anchorCtr="0" compatLnSpc="1">
+            <a:prstTxWarp prst="textNoShape">
+              <a:avLst/>
+            </a:prstTxWarp>
+          </a:bodyPr>
+          <a:lstStyle/>
+          <a:p>
+            <a:pPr marL="0" marR="0" indent="0" algn="l" defTabSz="914400" rtl="0" eaLnBrk="1" fontAlgn="base" latinLnBrk="0" hangingPunct="1">
+              <a:lnSpc>
+                <a:spcPct val="100000"/>
+              </a:lnSpc>
+              <a:spcBef>
+                <a:spcPct val="0"/>
+              </a:spcBef>
+              <a:spcAft>
+                <a:spcPct val="0"/>
+              </a:spcAft>
+              <a:buClrTx/>
+              <a:buSzTx/>
+              <a:buFontTx/>
+              <a:buNone/>
+              <a:tabLst/>
+            </a:pPr>
+            <a:endParaRPr kumimoji="0" lang="nl-NL" sz="1400" b="0" i="0" u="none" strike="noStrike" cap="none" normalizeH="0" baseline="0" smtClean="0">
+              <a:ln>
+                <a:noFill/>
+              </a:ln>
+              <a:solidFill>
+                <a:schemeClr val="tx1"/>
+              </a:solidFill>
+              <a:effectLst/>
+              <a:latin typeface="Arial" charset="0"/>
+            </a:endParaRPr>
+          </a:p>
+        </p:txBody>
+      </p:sp>
+      <p:sp>
+        <p:nvSpPr>
+          <p:cNvPr id="9" name="Ovaal 8"/>
+          <p:cNvSpPr/>
+          <p:nvPr/>
+        </p:nvSpPr>
+        <p:spPr bwMode="auto">
+          <a:xfrm>
+            <a:off x="5993211" y="6057836"/>
+            <a:ext cx="349424" cy="360040"/>
+          </a:xfrm>
+          <a:prstGeom prst="ellipse">
+            <a:avLst/>
+          </a:prstGeom>
+          <a:solidFill>
+            <a:schemeClr val="accent1"/>
+          </a:solidFill>
+          <a:ln w="9525" cap="flat" cmpd="sng" algn="ctr">
+            <a:solidFill>
+              <a:schemeClr val="tx1"/>
+            </a:solidFill>
+            <a:prstDash val="solid"/>
+            <a:round/>
+            <a:headEnd type="none" w="med" len="med"/>
+            <a:tailEnd type="none" w="med" len="med"/>
+          </a:ln>
+          <a:effectLst/>
+        </p:spPr>
+        <p:txBody>
+          <a:bodyPr vert="horz" wrap="none" lIns="91440" tIns="45720" rIns="91440" bIns="45720" numCol="1" rtlCol="0" anchor="ctr" anchorCtr="0" compatLnSpc="1">
+            <a:prstTxWarp prst="textNoShape">
+              <a:avLst/>
+            </a:prstTxWarp>
+          </a:bodyPr>
+          <a:lstStyle/>
+          <a:p>
+            <a:pPr marL="0" marR="0" indent="0" algn="l" defTabSz="914400" rtl="0" eaLnBrk="1" fontAlgn="base" latinLnBrk="0" hangingPunct="1">
+              <a:lnSpc>
+                <a:spcPct val="100000"/>
+              </a:lnSpc>
+              <a:spcBef>
+                <a:spcPct val="0"/>
+              </a:spcBef>
+              <a:spcAft>
+                <a:spcPct val="0"/>
+              </a:spcAft>
+              <a:buClrTx/>
+              <a:buSzTx/>
+              <a:buFontTx/>
+              <a:buNone/>
+              <a:tabLst/>
+            </a:pPr>
+            <a:endParaRPr kumimoji="0" lang="nl-NL" sz="1400" b="0" i="0" u="none" strike="noStrike" cap="none" normalizeH="0" baseline="0" smtClean="0">
+              <a:ln>
+                <a:noFill/>
+              </a:ln>
+              <a:solidFill>
+                <a:schemeClr val="tx1"/>
+              </a:solidFill>
+              <a:effectLst/>
+              <a:latin typeface="Arial" charset="0"/>
+            </a:endParaRPr>
+          </a:p>
+        </p:txBody>
+      </p:sp>
+      <p:cxnSp>
+        <p:nvCxnSpPr>
+          <p:cNvPr id="12" name="Rechte verbindingslijn 11"/>
+          <p:cNvCxnSpPr/>
+          <p:nvPr/>
+        </p:nvCxnSpPr>
+        <p:spPr bwMode="auto">
+          <a:xfrm flipV="1">
+            <a:off x="1584584" y="2901690"/>
+            <a:ext cx="2089396" cy="916071"/>
+          </a:xfrm>
+          <a:prstGeom prst="line">
+            <a:avLst/>
+          </a:prstGeom>
+          <a:solidFill>
+            <a:schemeClr val="accent1"/>
+          </a:solidFill>
+          <a:ln w="38100" cap="flat" cmpd="sng" algn="ctr">
+            <a:solidFill>
+              <a:schemeClr val="tx1"/>
+            </a:solidFill>
+            <a:prstDash val="solid"/>
+            <a:round/>
+            <a:headEnd type="none" w="med" len="med"/>
+            <a:tailEnd type="none" w="med" len="med"/>
+          </a:ln>
+          <a:effectLst/>
+        </p:spPr>
+      </p:cxnSp>
+      <p:cxnSp>
+        <p:nvCxnSpPr>
+          <p:cNvPr id="13" name="Rechte verbindingslijn 12"/>
+          <p:cNvCxnSpPr>
+            <a:stCxn id="5" idx="6"/>
+            <a:endCxn id="7" idx="2"/>
+          </p:cNvCxnSpPr>
+          <p:nvPr/>
+        </p:nvCxnSpPr>
+        <p:spPr bwMode="auto">
+          <a:xfrm>
+            <a:off x="1573328" y="3851085"/>
+            <a:ext cx="2038224" cy="1120733"/>
+          </a:xfrm>
+          <a:prstGeom prst="line">
+            <a:avLst/>
+          </a:prstGeom>
+          <a:solidFill>
+            <a:schemeClr val="accent1"/>
+          </a:solidFill>
+          <a:ln w="38100" cap="flat" cmpd="sng" algn="ctr">
+            <a:solidFill>
+              <a:schemeClr val="tx1"/>
+            </a:solidFill>
+            <a:prstDash val="solid"/>
+            <a:round/>
+            <a:headEnd type="none" w="med" len="med"/>
+            <a:tailEnd type="none" w="med" len="med"/>
+          </a:ln>
+          <a:effectLst/>
+        </p:spPr>
+      </p:cxnSp>
+      <p:cxnSp>
+        <p:nvCxnSpPr>
+          <p:cNvPr id="16" name="Rechte verbindingslijn 15"/>
+          <p:cNvCxnSpPr/>
+          <p:nvPr/>
+        </p:nvCxnSpPr>
+        <p:spPr bwMode="auto">
+          <a:xfrm flipV="1">
+            <a:off x="3960976" y="1830862"/>
+            <a:ext cx="2089396" cy="916071"/>
+          </a:xfrm>
+          <a:prstGeom prst="line">
+            <a:avLst/>
+          </a:prstGeom>
+          <a:solidFill>
+            <a:schemeClr val="accent1"/>
+          </a:solidFill>
+          <a:ln w="38100" cap="flat" cmpd="sng" algn="ctr">
+            <a:solidFill>
+              <a:schemeClr val="tx1"/>
+            </a:solidFill>
+            <a:prstDash val="solid"/>
+            <a:round/>
+            <a:headEnd type="none" w="med" len="med"/>
+            <a:tailEnd type="none" w="med" len="med"/>
+          </a:ln>
+          <a:effectLst/>
+        </p:spPr>
+      </p:cxnSp>
+      <p:cxnSp>
+        <p:nvCxnSpPr>
+          <p:cNvPr id="19" name="Rechte verbindingslijn 18"/>
+          <p:cNvCxnSpPr/>
+          <p:nvPr/>
+        </p:nvCxnSpPr>
+        <p:spPr bwMode="auto">
+          <a:xfrm>
+            <a:off x="3954987" y="5080980"/>
+            <a:ext cx="2038224" cy="1120733"/>
+          </a:xfrm>
+          <a:prstGeom prst="line">
+            <a:avLst/>
+          </a:prstGeom>
+          <a:solidFill>
+            <a:schemeClr val="accent1"/>
+          </a:solidFill>
+          <a:ln w="38100" cap="flat" cmpd="sng" algn="ctr">
+            <a:solidFill>
+              <a:schemeClr val="tx1"/>
+            </a:solidFill>
+            <a:prstDash val="solid"/>
+            <a:round/>
+            <a:headEnd type="none" w="med" len="med"/>
+            <a:tailEnd type="none" w="med" len="med"/>
+          </a:ln>
+          <a:effectLst/>
+        </p:spPr>
+      </p:cxnSp>
+      <p:sp>
+        <p:nvSpPr>
+          <p:cNvPr id="20" name="Tekstvak 19"/>
+          <p:cNvSpPr txBox="1"/>
+          <p:nvPr/>
+        </p:nvSpPr>
+        <p:spPr>
+          <a:xfrm>
+            <a:off x="2419836" y="3390124"/>
+            <a:ext cx="1423788" cy="307777"/>
+          </a:xfrm>
+          <a:prstGeom prst="rect">
+            <a:avLst/>
+          </a:prstGeom>
+          <a:noFill/>
+        </p:spPr>
+        <p:txBody>
+          <a:bodyPr wrap="none" rtlCol="0">
+            <a:spAutoFit/>
+          </a:bodyPr>
+          <a:lstStyle/>
+          <a:p>
+            <a:r>
+              <a:rPr lang="nl-NL" dirty="0" smtClean="0"/>
+              <a:t>P(spam) = 30%</a:t>
+            </a:r>
+            <a:endParaRPr lang="nl-NL" dirty="0"/>
+          </a:p>
+        </p:txBody>
+      </p:sp>
+      <p:sp>
+        <p:nvSpPr>
+          <p:cNvPr id="21" name="Tekstvak 20"/>
+          <p:cNvSpPr txBox="1"/>
+          <p:nvPr/>
+        </p:nvSpPr>
+        <p:spPr>
+          <a:xfrm>
+            <a:off x="2471190" y="4061597"/>
+            <a:ext cx="1314784" cy="307777"/>
+          </a:xfrm>
+          <a:prstGeom prst="rect">
+            <a:avLst/>
+          </a:prstGeom>
+          <a:noFill/>
+        </p:spPr>
+        <p:txBody>
+          <a:bodyPr wrap="none" rtlCol="0">
+            <a:spAutoFit/>
+          </a:bodyPr>
+          <a:lstStyle/>
+          <a:p>
+            <a:r>
+              <a:rPr lang="nl-NL" dirty="0" smtClean="0"/>
+              <a:t>P(mail) = 70%</a:t>
+            </a:r>
+            <a:endParaRPr lang="nl-NL" dirty="0"/>
+          </a:p>
+        </p:txBody>
+      </p:sp>
+      <p:sp>
+        <p:nvSpPr>
+          <p:cNvPr id="22" name="Tekstvak 21"/>
+          <p:cNvSpPr txBox="1"/>
+          <p:nvPr/>
+        </p:nvSpPr>
+        <p:spPr>
+          <a:xfrm>
+            <a:off x="3984926" y="1620325"/>
+            <a:ext cx="1943096" cy="307777"/>
+          </a:xfrm>
+          <a:prstGeom prst="rect">
+            <a:avLst/>
+          </a:prstGeom>
+          <a:noFill/>
+        </p:spPr>
+        <p:txBody>
+          <a:bodyPr wrap="none" rtlCol="0">
+            <a:spAutoFit/>
+          </a:bodyPr>
+          <a:lstStyle/>
+          <a:p>
+            <a:r>
+              <a:rPr lang="nl-NL" dirty="0" smtClean="0"/>
+              <a:t>P(“</a:t>
+            </a:r>
+            <a:r>
+              <a:rPr lang="nl-NL" dirty="0" err="1" smtClean="0"/>
+              <a:t>offer”|spam</a:t>
+            </a:r>
+            <a:r>
+              <a:rPr lang="nl-NL" dirty="0" smtClean="0"/>
+              <a:t>) = 50%</a:t>
+            </a:r>
+            <a:endParaRPr lang="nl-NL" dirty="0"/>
+          </a:p>
+        </p:txBody>
+      </p:sp>
+      <p:sp>
+        <p:nvSpPr>
+          <p:cNvPr id="25" name="Tekstvak 24"/>
+          <p:cNvSpPr txBox="1"/>
+          <p:nvPr/>
+        </p:nvSpPr>
+        <p:spPr>
+          <a:xfrm>
+            <a:off x="4187587" y="4693798"/>
+            <a:ext cx="1834092" cy="307777"/>
+          </a:xfrm>
+          <a:prstGeom prst="rect">
+            <a:avLst/>
+          </a:prstGeom>
+          <a:noFill/>
+        </p:spPr>
+        <p:txBody>
+          <a:bodyPr wrap="none" rtlCol="0">
+            <a:spAutoFit/>
+          </a:bodyPr>
+          <a:lstStyle/>
+          <a:p>
+            <a:r>
+              <a:rPr lang="nl-NL" dirty="0" smtClean="0"/>
+              <a:t>P(“</a:t>
+            </a:r>
+            <a:r>
+              <a:rPr lang="nl-NL" dirty="0" err="1" smtClean="0"/>
+              <a:t>offer”|mail</a:t>
+            </a:r>
+            <a:r>
+              <a:rPr lang="nl-NL" dirty="0" smtClean="0"/>
+              <a:t>) = 10%</a:t>
+            </a:r>
+            <a:endParaRPr lang="nl-NL" dirty="0"/>
+          </a:p>
+        </p:txBody>
+      </p:sp>
+      <p:sp>
+        <p:nvSpPr>
+          <p:cNvPr id="26" name="Tekstvak 25"/>
+          <p:cNvSpPr txBox="1"/>
+          <p:nvPr/>
+        </p:nvSpPr>
+        <p:spPr>
+          <a:xfrm>
+            <a:off x="6574944" y="5915410"/>
+            <a:ext cx="1907830" cy="307777"/>
+          </a:xfrm>
+          <a:prstGeom prst="rect">
+            <a:avLst/>
+          </a:prstGeom>
+          <a:noFill/>
+        </p:spPr>
+        <p:txBody>
+          <a:bodyPr wrap="none" rtlCol="0">
+            <a:spAutoFit/>
+          </a:bodyPr>
+          <a:lstStyle/>
+          <a:p>
+            <a:r>
+              <a:rPr lang="nl-NL" dirty="0" smtClean="0"/>
+              <a:t>P(“offer” &amp; mail) = 7%</a:t>
+            </a:r>
+            <a:endParaRPr lang="nl-NL" dirty="0"/>
+          </a:p>
+        </p:txBody>
+      </p:sp>
+      <p:sp>
+        <p:nvSpPr>
+          <p:cNvPr id="27" name="Tekstvak 26"/>
+          <p:cNvSpPr txBox="1"/>
+          <p:nvPr/>
+        </p:nvSpPr>
+        <p:spPr>
+          <a:xfrm>
+            <a:off x="6588224" y="1556792"/>
+            <a:ext cx="2116220" cy="307777"/>
+          </a:xfrm>
+          <a:prstGeom prst="rect">
+            <a:avLst/>
+          </a:prstGeom>
+          <a:noFill/>
+        </p:spPr>
+        <p:txBody>
+          <a:bodyPr wrap="none" rtlCol="0">
+            <a:spAutoFit/>
+          </a:bodyPr>
+          <a:lstStyle/>
+          <a:p>
+            <a:r>
+              <a:rPr lang="nl-NL" dirty="0" smtClean="0"/>
+              <a:t>P(“offer” &amp; spam) = 15%</a:t>
+            </a:r>
+            <a:endParaRPr lang="nl-NL" dirty="0"/>
+          </a:p>
+        </p:txBody>
+      </p:sp>
+      <p:sp>
+        <p:nvSpPr>
+          <p:cNvPr id="28" name="Tekstvak 27"/>
+          <p:cNvSpPr txBox="1"/>
+          <p:nvPr/>
+        </p:nvSpPr>
+        <p:spPr>
+          <a:xfrm>
+            <a:off x="3722231" y="5750118"/>
+            <a:ext cx="2503736" cy="738664"/>
+          </a:xfrm>
+          <a:prstGeom prst="rect">
+            <a:avLst/>
+          </a:prstGeom>
+          <a:noFill/>
+        </p:spPr>
+        <p:txBody>
+          <a:bodyPr wrap="square" rtlCol="0">
+            <a:spAutoFit/>
+          </a:bodyPr>
+          <a:lstStyle/>
+          <a:p>
+            <a:r>
+              <a:rPr lang="nl-NL" dirty="0" smtClean="0"/>
+              <a:t>The word “offer”</a:t>
+            </a:r>
+          </a:p>
+          <a:p>
+            <a:r>
+              <a:rPr lang="nl-NL" dirty="0" err="1" smtClean="0"/>
+              <a:t>occurs</a:t>
+            </a:r>
+            <a:r>
+              <a:rPr lang="nl-NL" dirty="0" smtClean="0"/>
+              <a:t> in 10% of </a:t>
+            </a:r>
+          </a:p>
+          <a:p>
+            <a:r>
+              <a:rPr lang="nl-NL" dirty="0" smtClean="0"/>
+              <a:t>regular mail</a:t>
+            </a:r>
+            <a:endParaRPr lang="nl-NL" dirty="0"/>
+          </a:p>
+        </p:txBody>
+      </p:sp>
+      <p:sp>
+        <p:nvSpPr>
+          <p:cNvPr id="30" name="Tekstvak 29"/>
+          <p:cNvSpPr txBox="1"/>
+          <p:nvPr/>
+        </p:nvSpPr>
+        <p:spPr>
+          <a:xfrm>
+            <a:off x="998388" y="4488610"/>
+            <a:ext cx="1279228" cy="738664"/>
+          </a:xfrm>
+          <a:prstGeom prst="rect">
+            <a:avLst/>
+          </a:prstGeom>
+          <a:noFill/>
+        </p:spPr>
+        <p:txBody>
+          <a:bodyPr wrap="square" rtlCol="0">
+            <a:spAutoFit/>
+          </a:bodyPr>
+          <a:lstStyle/>
+          <a:p>
+            <a:r>
+              <a:rPr lang="nl-NL" dirty="0" smtClean="0"/>
+              <a:t>The </a:t>
+            </a:r>
+            <a:r>
+              <a:rPr lang="nl-NL" dirty="0" err="1" smtClean="0"/>
+              <a:t>majority</a:t>
+            </a:r>
+            <a:r>
+              <a:rPr lang="nl-NL" dirty="0" smtClean="0"/>
+              <a:t> of e-mail is </a:t>
+            </a:r>
+            <a:r>
+              <a:rPr lang="nl-NL" dirty="0" err="1" smtClean="0"/>
+              <a:t>not</a:t>
+            </a:r>
+            <a:r>
+              <a:rPr lang="nl-NL" dirty="0" smtClean="0"/>
+              <a:t> spam</a:t>
+            </a:r>
+            <a:endParaRPr lang="nl-NL" dirty="0"/>
+          </a:p>
+        </p:txBody>
+      </p:sp>
+      <p:sp>
+        <p:nvSpPr>
+          <p:cNvPr id="31" name="Tekstvak 30"/>
+          <p:cNvSpPr txBox="1"/>
+          <p:nvPr/>
+        </p:nvSpPr>
+        <p:spPr>
+          <a:xfrm>
+            <a:off x="4638652" y="2461964"/>
+            <a:ext cx="1279228" cy="954107"/>
+          </a:xfrm>
+          <a:prstGeom prst="rect">
+            <a:avLst/>
+          </a:prstGeom>
+          <a:noFill/>
+        </p:spPr>
+        <p:txBody>
+          <a:bodyPr wrap="square" rtlCol="0">
+            <a:spAutoFit/>
+          </a:bodyPr>
+          <a:lstStyle/>
+          <a:p>
+            <a:r>
+              <a:rPr lang="nl-NL" dirty="0" smtClean="0"/>
+              <a:t>In spam, the word </a:t>
+            </a:r>
+            <a:r>
+              <a:rPr lang="nl-NL" dirty="0" err="1" smtClean="0"/>
+              <a:t>occurs</a:t>
+            </a:r>
+            <a:r>
+              <a:rPr lang="nl-NL" dirty="0" smtClean="0"/>
+              <a:t> in 50% of mail</a:t>
+            </a:r>
+            <a:endParaRPr lang="nl-NL" dirty="0"/>
+          </a:p>
+        </p:txBody>
+      </p:sp>
+      <p:sp>
+        <p:nvSpPr>
+          <p:cNvPr id="32" name="Tekstvak 31"/>
+          <p:cNvSpPr txBox="1"/>
+          <p:nvPr/>
+        </p:nvSpPr>
+        <p:spPr>
+          <a:xfrm>
+            <a:off x="6374295" y="3097736"/>
+            <a:ext cx="2544078" cy="1477328"/>
+          </a:xfrm>
+          <a:prstGeom prst="rect">
+            <a:avLst/>
+          </a:prstGeom>
+          <a:noFill/>
+        </p:spPr>
+        <p:txBody>
+          <a:bodyPr wrap="square" rtlCol="0">
+            <a:spAutoFit/>
+          </a:bodyPr>
+          <a:lstStyle/>
+          <a:p>
+            <a:r>
+              <a:rPr lang="nl-NL" sz="1800" dirty="0" err="1" smtClean="0"/>
+              <a:t>If</a:t>
+            </a:r>
+            <a:r>
+              <a:rPr lang="nl-NL" sz="1800" dirty="0" smtClean="0"/>
+              <a:t> we </a:t>
+            </a:r>
+            <a:r>
+              <a:rPr lang="nl-NL" sz="1800" dirty="0" err="1" smtClean="0"/>
+              <a:t>encounter</a:t>
+            </a:r>
+            <a:r>
+              <a:rPr lang="nl-NL" sz="1800" dirty="0" smtClean="0"/>
+              <a:t> the word “offer”, the e-mail is  </a:t>
+            </a:r>
+            <a:r>
+              <a:rPr lang="nl-NL" sz="1800" dirty="0" err="1" smtClean="0"/>
+              <a:t>about</a:t>
+            </a:r>
+            <a:r>
+              <a:rPr lang="nl-NL" sz="1800" dirty="0" smtClean="0"/>
+              <a:t> </a:t>
+            </a:r>
+            <a:r>
+              <a:rPr lang="nl-NL" sz="1800" dirty="0" err="1" smtClean="0"/>
+              <a:t>twice</a:t>
+            </a:r>
+            <a:r>
+              <a:rPr lang="nl-NL" sz="1800" dirty="0" smtClean="0"/>
+              <a:t> as </a:t>
+            </a:r>
+            <a:r>
+              <a:rPr lang="nl-NL" sz="1800" dirty="0" err="1" smtClean="0"/>
+              <a:t>likely</a:t>
+            </a:r>
+            <a:r>
+              <a:rPr lang="nl-NL" sz="1800" dirty="0" smtClean="0"/>
+              <a:t> (15/7) </a:t>
+            </a:r>
+            <a:r>
+              <a:rPr lang="nl-NL" sz="1800" dirty="0" err="1" smtClean="0"/>
+              <a:t>to</a:t>
+            </a:r>
+            <a:r>
+              <a:rPr lang="nl-NL" sz="1800" dirty="0" smtClean="0"/>
+              <a:t> </a:t>
+            </a:r>
+            <a:r>
+              <a:rPr lang="nl-NL" sz="1800" dirty="0" err="1" smtClean="0"/>
+              <a:t>be</a:t>
+            </a:r>
+            <a:r>
+              <a:rPr lang="nl-NL" sz="1800" dirty="0" smtClean="0"/>
+              <a:t> spam </a:t>
+            </a:r>
+            <a:r>
+              <a:rPr lang="nl-NL" sz="1800" dirty="0" err="1" smtClean="0"/>
+              <a:t>than</a:t>
+            </a:r>
+            <a:r>
+              <a:rPr lang="nl-NL" sz="1800" dirty="0" smtClean="0"/>
+              <a:t> </a:t>
+            </a:r>
+            <a:r>
+              <a:rPr lang="nl-NL" sz="1800" dirty="0" err="1" smtClean="0"/>
+              <a:t>not</a:t>
+            </a:r>
+            <a:endParaRPr lang="nl-NL" sz="1800" dirty="0"/>
+          </a:p>
+        </p:txBody>
+      </p:sp>
+    </p:spTree>
+    <p:extLst>
+      <p:ext uri="{BB962C8B-B14F-4D97-AF65-F5344CB8AC3E}">
+        <p14:creationId xmlns:p14="http://schemas.microsoft.com/office/powerpoint/2010/main" val="1154119894"/>
+      </p:ext>
+    </p:extLst>
+  </p:cSld>
+  <p:clrMapOvr>
+    <a:masterClrMapping/>
+  </p:clrMapOvr>
+  <p:timing>
+    <p:tnLst>
+      <p:par>
+        <p:cTn id="1" dur="indefinite" restart="never" nodeType="tmRoot">
+          <p:childTnLst>
+            <p:seq concurrent="1" nextAc="seek">
+              <p:cTn id="2" dur="indefinite" nodeType="mainSeq">
+                <p:childTnLst>
+                  <p:par>
+                    <p:cTn id="3" fill="hold">
+                      <p:stCondLst>
+                        <p:cond delay="indefinite"/>
+                      </p:stCondLst>
+                      <p:childTnLst>
+                        <p:par>
+                          <p:cTn id="4" fill="hold">
+                            <p:stCondLst>
+                              <p:cond delay="0"/>
+                            </p:stCondLst>
+                            <p:childTnLst>
+                              <p:par>
+                                <p:cTn id="5" presetID="1" presetClass="entr" presetSubtype="0" fill="hold" nodeType="clickEffect">
+                                  <p:stCondLst>
+                                    <p:cond delay="0"/>
+                                  </p:stCondLst>
+                                  <p:childTnLst>
+                                    <p:set>
+                                      <p:cBhvr>
+                                        <p:cTn id="6" dur="1" fill="hold">
+                                          <p:stCondLst>
+                                            <p:cond delay="0"/>
+                                          </p:stCondLst>
+                                        </p:cTn>
+                                        <p:tgtEl>
+                                          <p:spTgt spid="16"/>
+                                        </p:tgtEl>
+                                        <p:attrNameLst>
+                                          <p:attrName>style.visibility</p:attrName>
+                                        </p:attrNameLst>
+                                      </p:cBhvr>
+                                      <p:to>
+                                        <p:strVal val="visible"/>
+                                      </p:to>
+                                    </p:set>
+                                  </p:childTnLst>
+                                </p:cTn>
+                              </p:par>
+                              <p:par>
+                                <p:cTn id="7" presetID="1" presetClass="entr" presetSubtype="0" fill="hold" grpId="0" nodeType="withEffect">
+                                  <p:stCondLst>
+                                    <p:cond delay="0"/>
+                                  </p:stCondLst>
+                                  <p:childTnLst>
+                                    <p:set>
+                                      <p:cBhvr>
+                                        <p:cTn id="8" dur="1" fill="hold">
+                                          <p:stCondLst>
+                                            <p:cond delay="0"/>
+                                          </p:stCondLst>
+                                        </p:cTn>
+                                        <p:tgtEl>
+                                          <p:spTgt spid="22"/>
+                                        </p:tgtEl>
+                                        <p:attrNameLst>
+                                          <p:attrName>style.visibility</p:attrName>
+                                        </p:attrNameLst>
+                                      </p:cBhvr>
+                                      <p:to>
+                                        <p:strVal val="visible"/>
+                                      </p:to>
+                                    </p:set>
+                                  </p:childTnLst>
+                                </p:cTn>
+                              </p:par>
+                              <p:par>
+                                <p:cTn id="9" presetID="1" presetClass="entr" presetSubtype="0" fill="hold" grpId="0" nodeType="withEffect">
+                                  <p:stCondLst>
+                                    <p:cond delay="0"/>
+                                  </p:stCondLst>
+                                  <p:childTnLst>
+                                    <p:set>
+                                      <p:cBhvr>
+                                        <p:cTn id="10" dur="1" fill="hold">
+                                          <p:stCondLst>
+                                            <p:cond delay="0"/>
+                                          </p:stCondLst>
+                                        </p:cTn>
+                                        <p:tgtEl>
+                                          <p:spTgt spid="31"/>
+                                        </p:tgtEl>
+                                        <p:attrNameLst>
+                                          <p:attrName>style.visibility</p:attrName>
+                                        </p:attrNameLst>
+                                      </p:cBhvr>
+                                      <p:to>
+                                        <p:strVal val="visible"/>
+                                      </p:to>
+                                    </p:set>
+                                  </p:childTnLst>
+                                </p:cTn>
+                              </p:par>
+                            </p:childTnLst>
+                          </p:cTn>
+                        </p:par>
+                      </p:childTnLst>
+                    </p:cTn>
+                  </p:par>
+                  <p:par>
+                    <p:cTn id="11" fill="hold">
+                      <p:stCondLst>
+                        <p:cond delay="indefinite"/>
+                      </p:stCondLst>
+                      <p:childTnLst>
+                        <p:par>
+                          <p:cTn id="12" fill="hold">
+                            <p:stCondLst>
+                              <p:cond delay="0"/>
+                            </p:stCondLst>
+                            <p:childTnLst>
+                              <p:par>
+                                <p:cTn id="13" presetID="1" presetClass="entr" presetSubtype="0" fill="hold" grpId="0" nodeType="clickEffect">
+                                  <p:stCondLst>
+                                    <p:cond delay="0"/>
+                                  </p:stCondLst>
+                                  <p:childTnLst>
+                                    <p:set>
+                                      <p:cBhvr>
+                                        <p:cTn id="14" dur="1" fill="hold">
+                                          <p:stCondLst>
+                                            <p:cond delay="0"/>
+                                          </p:stCondLst>
+                                        </p:cTn>
+                                        <p:tgtEl>
+                                          <p:spTgt spid="28"/>
+                                        </p:tgtEl>
+                                        <p:attrNameLst>
+                                          <p:attrName>style.visibility</p:attrName>
+                                        </p:attrNameLst>
+                                      </p:cBhvr>
+                                      <p:to>
+                                        <p:strVal val="visible"/>
+                                      </p:to>
+                                    </p:set>
+                                  </p:childTnLst>
+                                </p:cTn>
+                              </p:par>
+                              <p:par>
+                                <p:cTn id="15" presetID="1" presetClass="entr" presetSubtype="0" fill="hold" nodeType="withEffect">
+                                  <p:stCondLst>
+                                    <p:cond delay="0"/>
+                                  </p:stCondLst>
+                                  <p:childTnLst>
+                                    <p:set>
+                                      <p:cBhvr>
+                                        <p:cTn id="16" dur="1" fill="hold">
+                                          <p:stCondLst>
+                                            <p:cond delay="0"/>
+                                          </p:stCondLst>
+                                        </p:cTn>
+                                        <p:tgtEl>
+                                          <p:spTgt spid="19"/>
+                                        </p:tgtEl>
+                                        <p:attrNameLst>
+                                          <p:attrName>style.visibility</p:attrName>
+                                        </p:attrNameLst>
+                                      </p:cBhvr>
+                                      <p:to>
+                                        <p:strVal val="visible"/>
+                                      </p:to>
+                                    </p:set>
+                                  </p:childTnLst>
+                                </p:cTn>
+                              </p:par>
+                              <p:par>
+                                <p:cTn id="17" presetID="1" presetClass="entr" presetSubtype="0" fill="hold" grpId="0" nodeType="withEffect">
+                                  <p:stCondLst>
+                                    <p:cond delay="0"/>
+                                  </p:stCondLst>
+                                  <p:childTnLst>
+                                    <p:set>
+                                      <p:cBhvr>
+                                        <p:cTn id="18" dur="1" fill="hold">
+                                          <p:stCondLst>
+                                            <p:cond delay="0"/>
+                                          </p:stCondLst>
+                                        </p:cTn>
+                                        <p:tgtEl>
+                                          <p:spTgt spid="25"/>
+                                        </p:tgtEl>
+                                        <p:attrNameLst>
+                                          <p:attrName>style.visibility</p:attrName>
+                                        </p:attrNameLst>
+                                      </p:cBhvr>
+                                      <p:to>
+                                        <p:strVal val="visible"/>
+                                      </p:to>
+                                    </p:set>
+                                  </p:childTnLst>
+                                </p:cTn>
+                              </p:par>
+                            </p:childTnLst>
+                          </p:cTn>
+                        </p:par>
+                      </p:childTnLst>
+                    </p:cTn>
+                  </p:par>
+                  <p:par>
+                    <p:cTn id="19" fill="hold">
+                      <p:stCondLst>
+                        <p:cond delay="indefinite"/>
+                      </p:stCondLst>
+                      <p:childTnLst>
+                        <p:par>
+                          <p:cTn id="20" fill="hold">
+                            <p:stCondLst>
+                              <p:cond delay="0"/>
+                            </p:stCondLst>
+                            <p:childTnLst>
+                              <p:par>
+                                <p:cTn id="21" presetID="1" presetClass="entr" presetSubtype="0" fill="hold" grpId="0" nodeType="clickEffect">
+                                  <p:stCondLst>
+                                    <p:cond delay="0"/>
+                                  </p:stCondLst>
+                                  <p:childTnLst>
+                                    <p:set>
+                                      <p:cBhvr>
+                                        <p:cTn id="22" dur="1" fill="hold">
+                                          <p:stCondLst>
+                                            <p:cond delay="0"/>
+                                          </p:stCondLst>
+                                        </p:cTn>
+                                        <p:tgtEl>
+                                          <p:spTgt spid="8"/>
+                                        </p:tgtEl>
+                                        <p:attrNameLst>
+                                          <p:attrName>style.visibility</p:attrName>
+                                        </p:attrNameLst>
+                                      </p:cBhvr>
+                                      <p:to>
+                                        <p:strVal val="visible"/>
+                                      </p:to>
+                                    </p:set>
+                                  </p:childTnLst>
+                                </p:cTn>
+                              </p:par>
+                              <p:par>
+                                <p:cTn id="23" presetID="1" presetClass="entr" presetSubtype="0" fill="hold" grpId="0" nodeType="withEffect">
+                                  <p:stCondLst>
+                                    <p:cond delay="0"/>
+                                  </p:stCondLst>
+                                  <p:childTnLst>
+                                    <p:set>
+                                      <p:cBhvr>
+                                        <p:cTn id="24" dur="1" fill="hold">
+                                          <p:stCondLst>
+                                            <p:cond delay="0"/>
+                                          </p:stCondLst>
+                                        </p:cTn>
+                                        <p:tgtEl>
+                                          <p:spTgt spid="27"/>
+                                        </p:tgtEl>
+                                        <p:attrNameLst>
+                                          <p:attrName>style.visibility</p:attrName>
+                                        </p:attrNameLst>
+                                      </p:cBhvr>
+                                      <p:to>
+                                        <p:strVal val="visible"/>
+                                      </p:to>
+                                    </p:set>
+                                  </p:childTnLst>
+                                </p:cTn>
+                              </p:par>
+                            </p:childTnLst>
+                          </p:cTn>
+                        </p:par>
+                      </p:childTnLst>
+                    </p:cTn>
+                  </p:par>
+                  <p:par>
+                    <p:cTn id="25" fill="hold">
+                      <p:stCondLst>
+                        <p:cond delay="indefinite"/>
+                      </p:stCondLst>
+                      <p:childTnLst>
+                        <p:par>
+                          <p:cTn id="26" fill="hold">
+                            <p:stCondLst>
+                              <p:cond delay="0"/>
+                            </p:stCondLst>
+                            <p:childTnLst>
+                              <p:par>
+                                <p:cTn id="27" presetID="1" presetClass="entr" presetSubtype="0" fill="hold" grpId="0" nodeType="clickEffect">
+                                  <p:stCondLst>
+                                    <p:cond delay="0"/>
+                                  </p:stCondLst>
+                                  <p:childTnLst>
+                                    <p:set>
+                                      <p:cBhvr>
+                                        <p:cTn id="28" dur="1" fill="hold">
+                                          <p:stCondLst>
+                                            <p:cond delay="0"/>
+                                          </p:stCondLst>
+                                        </p:cTn>
+                                        <p:tgtEl>
+                                          <p:spTgt spid="9"/>
+                                        </p:tgtEl>
+                                        <p:attrNameLst>
+                                          <p:attrName>style.visibility</p:attrName>
+                                        </p:attrNameLst>
+                                      </p:cBhvr>
+                                      <p:to>
+                                        <p:strVal val="visible"/>
+                                      </p:to>
+                                    </p:set>
+                                  </p:childTnLst>
+                                </p:cTn>
+                              </p:par>
+                              <p:par>
+                                <p:cTn id="29" presetID="1" presetClass="entr" presetSubtype="0" fill="hold" grpId="0" nodeType="withEffect">
+                                  <p:stCondLst>
+                                    <p:cond delay="0"/>
+                                  </p:stCondLst>
+                                  <p:childTnLst>
+                                    <p:set>
+                                      <p:cBhvr>
+                                        <p:cTn id="30" dur="1" fill="hold">
+                                          <p:stCondLst>
+                                            <p:cond delay="0"/>
+                                          </p:stCondLst>
+                                        </p:cTn>
+                                        <p:tgtEl>
+                                          <p:spTgt spid="26"/>
+                                        </p:tgtEl>
+                                        <p:attrNameLst>
+                                          <p:attrName>style.visibility</p:attrName>
+                                        </p:attrNameLst>
+                                      </p:cBhvr>
+                                      <p:to>
+                                        <p:strVal val="visible"/>
+                                      </p:to>
+                                    </p:set>
+                                  </p:childTnLst>
+                                </p:cTn>
+                              </p:par>
+                            </p:childTnLst>
+                          </p:cTn>
+                        </p:par>
+                      </p:childTnLst>
+                    </p:cTn>
+                  </p:par>
+                  <p:par>
+                    <p:cTn id="31" fill="hold">
+                      <p:stCondLst>
+                        <p:cond delay="indefinite"/>
+                      </p:stCondLst>
+                      <p:childTnLst>
+                        <p:par>
+                          <p:cTn id="32" fill="hold">
+                            <p:stCondLst>
+                              <p:cond delay="0"/>
+                            </p:stCondLst>
+                            <p:childTnLst>
+                              <p:par>
+                                <p:cTn id="33" presetID="1" presetClass="entr" presetSubtype="0" fill="hold" grpId="0" nodeType="clickEffect">
+                                  <p:stCondLst>
+                                    <p:cond delay="0"/>
+                                  </p:stCondLst>
+                                  <p:childTnLst>
+                                    <p:set>
+                                      <p:cBhvr>
+                                        <p:cTn id="34" dur="1" fill="hold">
+                                          <p:stCondLst>
+                                            <p:cond delay="0"/>
+                                          </p:stCondLst>
+                                        </p:cTn>
+                                        <p:tgtEl>
+                                          <p:spTgt spid="32"/>
+                                        </p:tgtEl>
+                                        <p:attrNameLst>
+                                          <p:attrName>style.visibility</p:attrName>
+                                        </p:attrNameLst>
+                                      </p:cBhvr>
+                                      <p:to>
+                                        <p:strVal val="visible"/>
+                                      </p:to>
+                                    </p:set>
+                                  </p:childTnLst>
+                                </p:cTn>
+                              </p:par>
+                            </p:childTnLst>
+                          </p:cTn>
+                        </p:par>
+                      </p:childTnLst>
+                    </p:cTn>
+                  </p:par>
+                </p:childTnLst>
+              </p:cTn>
+              <p:prevCondLst>
+                <p:cond evt="onPrev" delay="0">
+                  <p:tgtEl>
+                    <p:sldTgt/>
+                  </p:tgtEl>
+                </p:cond>
+              </p:prevCondLst>
+              <p:nextCondLst>
+                <p:cond evt="onNext" delay="0">
+                  <p:tgtEl>
+                    <p:sldTgt/>
+                  </p:tgtEl>
+                </p:cond>
+              </p:nextCondLst>
+            </p:seq>
+          </p:childTnLst>
+        </p:cTn>
+      </p:par>
+    </p:tnLst>
+    <p:bldLst>
+      <p:bldP spid="8" grpId="0" animBg="1"/>
+      <p:bldP spid="9" grpId="0" animBg="1"/>
+      <p:bldP spid="22" grpId="0"/>
+      <p:bldP spid="25" grpId="0"/>
+      <p:bldP spid="26" grpId="0"/>
+      <p:bldP spid="27" grpId="0"/>
+      <p:bldP spid="28" grpId="0"/>
+      <p:bldP spid="31" grpId="0"/>
+      <p:bldP spid="32" grpId="0"/>
+    </p:bldLst>
+  </p:timing>
+</p:sld>
+</file>
+
+<file path=ppt/slides/slide17.xml><?xml version="1.0" encoding="utf-8"?>
+<p:sld xmlns:a="http://schemas.openxmlformats.org/drawingml/2006/main" xmlns:r="http://schemas.openxmlformats.org/officeDocument/2006/relationships" xmlns:p="http://schemas.openxmlformats.org/presentationml/2006/main">
+  <p:cSld>
+    <p:spTree>
+      <p:nvGrpSpPr>
+        <p:cNvPr id="1" name=""/>
+        <p:cNvGrpSpPr/>
+        <p:nvPr/>
+      </p:nvGrpSpPr>
+      <p:grpSpPr>
+        <a:xfrm>
+          <a:off x="0" y="0"/>
+          <a:ext cx="0" cy="0"/>
+          <a:chOff x="0" y="0"/>
+          <a:chExt cx="0" cy="0"/>
+        </a:xfrm>
+      </p:grpSpPr>
+      <p:sp>
+        <p:nvSpPr>
+          <p:cNvPr id="2" name="Titel 1"/>
+          <p:cNvSpPr>
+            <a:spLocks noGrp="1"/>
+          </p:cNvSpPr>
+          <p:nvPr>
+            <p:ph type="title"/>
+          </p:nvPr>
+        </p:nvSpPr>
+        <p:spPr/>
+        <p:txBody>
+          <a:bodyPr/>
+          <a:lstStyle/>
+          <a:p>
+            <a:r>
+              <a:rPr lang="nl-NL" dirty="0" smtClean="0"/>
+              <a:t>Bayes’ </a:t>
+            </a:r>
+            <a:r>
+              <a:rPr lang="nl-NL" dirty="0" err="1" smtClean="0"/>
+              <a:t>theorem</a:t>
+            </a:r>
+            <a:r>
+              <a:rPr lang="nl-NL" dirty="0" smtClean="0"/>
+              <a:t> in text </a:t>
+            </a:r>
+            <a:r>
+              <a:rPr lang="nl-NL" dirty="0" err="1" smtClean="0"/>
+              <a:t>mining</a:t>
+            </a:r>
+            <a:endParaRPr lang="nl-NL" dirty="0"/>
+          </a:p>
+        </p:txBody>
+      </p:sp>
+      <p:sp>
+        <p:nvSpPr>
+          <p:cNvPr id="3" name="Tijdelijke aanduiding voor inhoud 2"/>
+          <p:cNvSpPr>
+            <a:spLocks noGrp="1"/>
+          </p:cNvSpPr>
+          <p:nvPr>
+            <p:ph idx="1"/>
+          </p:nvPr>
+        </p:nvSpPr>
+        <p:spPr>
+          <a:xfrm>
+            <a:off x="762000" y="1762125"/>
+            <a:ext cx="7881938" cy="4228850"/>
+          </a:xfrm>
+        </p:spPr>
+        <p:txBody>
+          <a:bodyPr/>
+          <a:lstStyle/>
+          <a:p>
+            <a:r>
+              <a:rPr lang="nl-NL" sz="2400" dirty="0" smtClean="0"/>
+              <a:t>We </a:t>
+            </a:r>
+            <a:r>
+              <a:rPr lang="nl-NL" sz="2400" dirty="0" err="1" smtClean="0"/>
+              <a:t>can</a:t>
+            </a:r>
+            <a:r>
+              <a:rPr lang="nl-NL" sz="2400" dirty="0" smtClean="0"/>
+              <a:t> </a:t>
+            </a:r>
+            <a:r>
+              <a:rPr lang="nl-NL" sz="2400" dirty="0" err="1" smtClean="0"/>
+              <a:t>use</a:t>
+            </a:r>
+            <a:r>
+              <a:rPr lang="nl-NL" sz="2400" dirty="0" smtClean="0"/>
+              <a:t> Bayes’ </a:t>
+            </a:r>
+            <a:r>
+              <a:rPr lang="nl-NL" sz="2400" dirty="0" err="1" smtClean="0"/>
+              <a:t>theorem</a:t>
+            </a:r>
+            <a:r>
+              <a:rPr lang="nl-NL" sz="2400" dirty="0" smtClean="0"/>
+              <a:t> </a:t>
+            </a:r>
+            <a:r>
+              <a:rPr lang="nl-NL" sz="2400" dirty="0" err="1" smtClean="0"/>
+              <a:t>to</a:t>
+            </a:r>
+            <a:r>
+              <a:rPr lang="nl-NL" sz="2400" dirty="0" smtClean="0"/>
+              <a:t> </a:t>
+            </a:r>
+            <a:r>
+              <a:rPr lang="nl-NL" sz="2400" dirty="0" err="1" smtClean="0"/>
+              <a:t>calculate</a:t>
+            </a:r>
+            <a:r>
+              <a:rPr lang="nl-NL" sz="2400" dirty="0" smtClean="0"/>
+              <a:t> a </a:t>
+            </a:r>
+            <a:r>
+              <a:rPr lang="nl-NL" sz="2400" dirty="0" err="1" smtClean="0"/>
+              <a:t>probability</a:t>
+            </a:r>
+            <a:r>
+              <a:rPr lang="nl-NL" sz="2400" dirty="0" smtClean="0"/>
+              <a:t> </a:t>
+            </a:r>
+            <a:r>
+              <a:rPr lang="nl-NL" sz="2400" dirty="0" err="1" smtClean="0"/>
+              <a:t>that</a:t>
+            </a:r>
+            <a:r>
+              <a:rPr lang="nl-NL" sz="2400" dirty="0" smtClean="0"/>
+              <a:t> a text </a:t>
+            </a:r>
+            <a:r>
+              <a:rPr lang="nl-NL" sz="2400" dirty="0" err="1" smtClean="0"/>
+              <a:t>belongs</a:t>
+            </a:r>
+            <a:r>
+              <a:rPr lang="nl-NL" sz="2400" dirty="0" smtClean="0"/>
+              <a:t> </a:t>
+            </a:r>
+            <a:r>
+              <a:rPr lang="nl-NL" sz="2400" dirty="0" err="1" smtClean="0"/>
+              <a:t>to</a:t>
+            </a:r>
+            <a:r>
+              <a:rPr lang="nl-NL" sz="2400" dirty="0" smtClean="0"/>
+              <a:t> a </a:t>
+            </a:r>
+            <a:r>
+              <a:rPr lang="nl-NL" sz="2400" dirty="0" err="1" smtClean="0"/>
+              <a:t>certain</a:t>
+            </a:r>
+            <a:r>
+              <a:rPr lang="nl-NL" sz="2400" dirty="0" smtClean="0"/>
+              <a:t> </a:t>
+            </a:r>
+            <a:r>
+              <a:rPr lang="nl-NL" sz="2400" dirty="0" err="1" smtClean="0"/>
+              <a:t>category</a:t>
+            </a:r>
+            <a:r>
+              <a:rPr lang="nl-NL" sz="2400" dirty="0" smtClean="0"/>
+              <a:t> (e.g., spam)</a:t>
+            </a:r>
+          </a:p>
+          <a:p>
+            <a:endParaRPr lang="nl-NL" sz="2400" dirty="0"/>
+          </a:p>
+          <a:p>
+            <a:r>
+              <a:rPr lang="nl-NL" sz="2400" dirty="0" smtClean="0"/>
+              <a:t>The </a:t>
+            </a:r>
+            <a:r>
+              <a:rPr lang="nl-NL" sz="2400" dirty="0" err="1" smtClean="0"/>
+              <a:t>frequency</a:t>
+            </a:r>
+            <a:r>
+              <a:rPr lang="nl-NL" sz="2400" dirty="0" smtClean="0"/>
+              <a:t> </a:t>
+            </a:r>
+            <a:r>
+              <a:rPr lang="nl-NL" sz="2400" dirty="0" smtClean="0"/>
+              <a:t>of </a:t>
+            </a:r>
+            <a:r>
+              <a:rPr lang="nl-NL" sz="2400" dirty="0" err="1" smtClean="0"/>
+              <a:t>each</a:t>
+            </a:r>
+            <a:r>
+              <a:rPr lang="nl-NL" sz="2400" dirty="0" smtClean="0"/>
+              <a:t> word </a:t>
+            </a:r>
+            <a:r>
+              <a:rPr lang="nl-NL" sz="2400" dirty="0" err="1" smtClean="0"/>
+              <a:t>determines</a:t>
+            </a:r>
+            <a:r>
+              <a:rPr lang="nl-NL" sz="2400" dirty="0" smtClean="0"/>
+              <a:t> the </a:t>
+            </a:r>
+            <a:r>
+              <a:rPr lang="nl-NL" sz="2400" dirty="0" err="1" smtClean="0"/>
+              <a:t>probability</a:t>
+            </a:r>
+            <a:endParaRPr lang="nl-NL" sz="2400" dirty="0" smtClean="0"/>
+          </a:p>
+          <a:p>
+            <a:endParaRPr lang="nl-NL" sz="2400" dirty="0"/>
+          </a:p>
+          <a:p>
+            <a:r>
+              <a:rPr lang="nl-NL" sz="2400" dirty="0" smtClean="0"/>
+              <a:t>But </a:t>
+            </a:r>
+            <a:r>
+              <a:rPr lang="nl-NL" sz="2400" dirty="0" err="1" smtClean="0"/>
+              <a:t>how</a:t>
+            </a:r>
+            <a:r>
+              <a:rPr lang="nl-NL" sz="2400" dirty="0" smtClean="0"/>
+              <a:t> do we combine the </a:t>
+            </a:r>
+            <a:r>
+              <a:rPr lang="nl-NL" sz="2400" dirty="0" err="1" smtClean="0"/>
+              <a:t>probabilities</a:t>
+            </a:r>
+            <a:r>
+              <a:rPr lang="nl-NL" sz="2400" dirty="0" smtClean="0"/>
+              <a:t> of the different </a:t>
+            </a:r>
+            <a:r>
+              <a:rPr lang="nl-NL" sz="2400" dirty="0" err="1" smtClean="0"/>
+              <a:t>words</a:t>
+            </a:r>
+            <a:r>
+              <a:rPr lang="nl-NL" sz="2400" dirty="0" smtClean="0"/>
+              <a:t>?</a:t>
+            </a:r>
+          </a:p>
+          <a:p>
+            <a:endParaRPr lang="nl-NL" sz="2400" dirty="0"/>
+          </a:p>
+          <a:p>
+            <a:endParaRPr lang="nl-NL" sz="2400" dirty="0"/>
+          </a:p>
+        </p:txBody>
+      </p:sp>
+    </p:spTree>
+    <p:extLst>
+      <p:ext uri="{BB962C8B-B14F-4D97-AF65-F5344CB8AC3E}">
+        <p14:creationId xmlns:p14="http://schemas.microsoft.com/office/powerpoint/2010/main" val="1666206083"/>
+      </p:ext>
+    </p:extLst>
+  </p:cSld>
+  <p:clrMapOvr>
+    <a:masterClrMapping/>
+  </p:clrMapOvr>
+  <p:timing>
+    <p:tnLst>
+      <p:par>
+        <p:cTn id="1" dur="indefinite" restart="never" nodeType="tmRoot"/>
+      </p:par>
+    </p:tnLst>
+  </p:timing>
+</p:sld>
+</file>
+
+<file path=ppt/slides/slide18.xml><?xml version="1.0" encoding="utf-8"?>
+<p:sld xmlns:a="http://schemas.openxmlformats.org/drawingml/2006/main" xmlns:r="http://schemas.openxmlformats.org/officeDocument/2006/relationships" xmlns:p="http://schemas.openxmlformats.org/presentationml/2006/main">
+  <p:cSld>
+    <p:spTree>
+      <p:nvGrpSpPr>
+        <p:cNvPr id="1" name=""/>
+        <p:cNvGrpSpPr/>
+        <p:nvPr/>
+      </p:nvGrpSpPr>
+      <p:grpSpPr>
+        <a:xfrm>
+          <a:off x="0" y="0"/>
+          <a:ext cx="0" cy="0"/>
+          <a:chOff x="0" y="0"/>
+          <a:chExt cx="0" cy="0"/>
+        </a:xfrm>
+      </p:grpSpPr>
+      <p:sp>
+        <p:nvSpPr>
+          <p:cNvPr id="2" name="Titel 1"/>
+          <p:cNvSpPr>
+            <a:spLocks noGrp="1"/>
+          </p:cNvSpPr>
+          <p:nvPr>
+            <p:ph type="title"/>
+          </p:nvPr>
+        </p:nvSpPr>
+        <p:spPr/>
+        <p:txBody>
+          <a:bodyPr/>
+          <a:lstStyle/>
+          <a:p>
+            <a:r>
+              <a:rPr lang="nl-NL" dirty="0" err="1" smtClean="0"/>
+              <a:t>Naïve</a:t>
+            </a:r>
+            <a:r>
+              <a:rPr lang="nl-NL" dirty="0" smtClean="0"/>
+              <a:t> Bayes</a:t>
+            </a:r>
+            <a:endParaRPr lang="nl-NL" dirty="0"/>
+          </a:p>
+        </p:txBody>
+      </p:sp>
+      <p:sp>
+        <p:nvSpPr>
+          <p:cNvPr id="3" name="Tijdelijke aanduiding voor inhoud 2"/>
+          <p:cNvSpPr>
+            <a:spLocks noGrp="1"/>
+          </p:cNvSpPr>
+          <p:nvPr>
+            <p:ph idx="1"/>
+          </p:nvPr>
+        </p:nvSpPr>
+        <p:spPr>
+          <a:xfrm>
+            <a:off x="762000" y="1762125"/>
+            <a:ext cx="7881938" cy="3711785"/>
+          </a:xfrm>
+        </p:spPr>
+        <p:txBody>
+          <a:bodyPr/>
+          <a:lstStyle/>
+          <a:p>
+            <a:r>
+              <a:rPr lang="nl-NL" sz="2400" dirty="0" err="1" smtClean="0"/>
+              <a:t>If</a:t>
+            </a:r>
+            <a:r>
+              <a:rPr lang="nl-NL" sz="2400" dirty="0" smtClean="0"/>
+              <a:t> I flip </a:t>
+            </a:r>
+            <a:r>
+              <a:rPr lang="nl-NL" sz="2400" dirty="0" err="1" smtClean="0"/>
+              <a:t>two</a:t>
+            </a:r>
+            <a:r>
+              <a:rPr lang="nl-NL" sz="2400" dirty="0" smtClean="0"/>
+              <a:t> </a:t>
+            </a:r>
+            <a:r>
+              <a:rPr lang="nl-NL" sz="2400" dirty="0" err="1" smtClean="0"/>
+              <a:t>coins</a:t>
+            </a:r>
+            <a:r>
+              <a:rPr lang="nl-NL" sz="2400" dirty="0" smtClean="0"/>
+              <a:t>, the </a:t>
+            </a:r>
+            <a:r>
+              <a:rPr lang="nl-NL" sz="2400" dirty="0" err="1" smtClean="0"/>
+              <a:t>probability</a:t>
+            </a:r>
+            <a:r>
+              <a:rPr lang="nl-NL" sz="2400" dirty="0" smtClean="0"/>
+              <a:t> of </a:t>
+            </a:r>
+            <a:r>
+              <a:rPr lang="nl-NL" sz="2400" dirty="0" err="1" smtClean="0"/>
+              <a:t>one</a:t>
+            </a:r>
+            <a:r>
+              <a:rPr lang="nl-NL" sz="2400" dirty="0" smtClean="0"/>
+              <a:t> </a:t>
+            </a:r>
+            <a:r>
+              <a:rPr lang="nl-NL" sz="2400" dirty="0" err="1" smtClean="0"/>
+              <a:t>coin</a:t>
+            </a:r>
+            <a:r>
+              <a:rPr lang="nl-NL" sz="2400" dirty="0" smtClean="0"/>
+              <a:t> </a:t>
+            </a:r>
+            <a:r>
+              <a:rPr lang="nl-NL" sz="2400" dirty="0" err="1" smtClean="0"/>
+              <a:t>being</a:t>
+            </a:r>
+            <a:r>
+              <a:rPr lang="nl-NL" sz="2400" dirty="0" smtClean="0"/>
+              <a:t> </a:t>
+            </a:r>
+            <a:r>
+              <a:rPr lang="nl-NL" sz="2400" dirty="0" err="1" smtClean="0"/>
+              <a:t>heads</a:t>
+            </a:r>
+            <a:r>
+              <a:rPr lang="nl-NL" sz="2400" dirty="0" smtClean="0"/>
+              <a:t> does </a:t>
+            </a:r>
+            <a:r>
+              <a:rPr lang="nl-NL" sz="2400" dirty="0" err="1" smtClean="0"/>
+              <a:t>not</a:t>
+            </a:r>
+            <a:r>
+              <a:rPr lang="nl-NL" sz="2400" dirty="0" smtClean="0"/>
+              <a:t> </a:t>
+            </a:r>
+            <a:r>
+              <a:rPr lang="nl-NL" sz="2400" dirty="0" err="1" smtClean="0"/>
+              <a:t>influence</a:t>
+            </a:r>
+            <a:r>
+              <a:rPr lang="nl-NL" sz="2400" dirty="0" smtClean="0"/>
+              <a:t> the </a:t>
+            </a:r>
+            <a:r>
+              <a:rPr lang="nl-NL" sz="2400" dirty="0" err="1" smtClean="0"/>
+              <a:t>other</a:t>
+            </a:r>
+            <a:r>
+              <a:rPr lang="nl-NL" sz="2400" dirty="0" smtClean="0"/>
+              <a:t>: </a:t>
+            </a:r>
+            <a:r>
+              <a:rPr lang="nl-NL" sz="2400" dirty="0" err="1" smtClean="0"/>
+              <a:t>they</a:t>
+            </a:r>
+            <a:r>
+              <a:rPr lang="nl-NL" sz="2400" dirty="0" smtClean="0"/>
+              <a:t> are </a:t>
+            </a:r>
+            <a:r>
+              <a:rPr lang="nl-NL" sz="2400" dirty="0" smtClean="0"/>
+              <a:t>independent. We </a:t>
+            </a:r>
+            <a:r>
+              <a:rPr lang="nl-NL" sz="2400" dirty="0" err="1" smtClean="0"/>
+              <a:t>can</a:t>
+            </a:r>
+            <a:r>
+              <a:rPr lang="nl-NL" sz="2400" dirty="0" smtClean="0"/>
+              <a:t> </a:t>
+            </a:r>
+            <a:r>
+              <a:rPr lang="nl-NL" sz="2400" dirty="0" err="1" smtClean="0"/>
+              <a:t>multiply</a:t>
+            </a:r>
+            <a:r>
+              <a:rPr lang="nl-NL" sz="2400" dirty="0" smtClean="0"/>
+              <a:t> the </a:t>
+            </a:r>
+            <a:r>
+              <a:rPr lang="nl-NL" sz="2400" dirty="0" err="1" smtClean="0"/>
+              <a:t>probabilities</a:t>
+            </a:r>
+            <a:r>
+              <a:rPr lang="nl-NL" sz="2400" dirty="0"/>
+              <a:t>.</a:t>
+            </a:r>
+            <a:endParaRPr lang="nl-NL" sz="2400" dirty="0" smtClean="0"/>
+          </a:p>
+          <a:p>
+            <a:endParaRPr lang="nl-NL" sz="2400" dirty="0"/>
+          </a:p>
+          <a:p>
+            <a:r>
+              <a:rPr lang="nl-NL" sz="2400" dirty="0" smtClean="0"/>
+              <a:t>The </a:t>
+            </a:r>
+            <a:r>
+              <a:rPr lang="nl-NL" sz="2400" dirty="0" err="1" smtClean="0"/>
+              <a:t>probabilities</a:t>
+            </a:r>
+            <a:r>
+              <a:rPr lang="nl-NL" sz="2400" dirty="0" smtClean="0"/>
+              <a:t> of </a:t>
+            </a:r>
+            <a:r>
+              <a:rPr lang="nl-NL" sz="2400" dirty="0" err="1" smtClean="0"/>
+              <a:t>two</a:t>
+            </a:r>
+            <a:r>
+              <a:rPr lang="nl-NL" sz="2400" dirty="0" smtClean="0"/>
+              <a:t> </a:t>
+            </a:r>
+            <a:r>
+              <a:rPr lang="nl-NL" sz="2400" dirty="0" err="1" smtClean="0"/>
+              <a:t>words</a:t>
+            </a:r>
+            <a:r>
+              <a:rPr lang="nl-NL" sz="2400" dirty="0" smtClean="0"/>
+              <a:t> </a:t>
+            </a:r>
+            <a:r>
+              <a:rPr lang="nl-NL" sz="2400" dirty="0" err="1" smtClean="0"/>
+              <a:t>being</a:t>
+            </a:r>
+            <a:r>
+              <a:rPr lang="nl-NL" sz="2400" dirty="0" smtClean="0"/>
+              <a:t> in a text (e.g., ‘</a:t>
+            </a:r>
+            <a:r>
+              <a:rPr lang="nl-NL" sz="2400" dirty="0" err="1" smtClean="0"/>
+              <a:t>police</a:t>
+            </a:r>
+            <a:r>
+              <a:rPr lang="nl-NL" sz="2400" dirty="0" smtClean="0"/>
+              <a:t>’ </a:t>
+            </a:r>
+            <a:r>
+              <a:rPr lang="nl-NL" sz="2400" dirty="0" err="1" smtClean="0"/>
+              <a:t>and</a:t>
+            </a:r>
+            <a:r>
+              <a:rPr lang="nl-NL" sz="2400" dirty="0" smtClean="0"/>
+              <a:t> ‘crime’) are </a:t>
+            </a:r>
+            <a:r>
+              <a:rPr lang="nl-NL" sz="2400" dirty="0" err="1" smtClean="0"/>
+              <a:t>definitely</a:t>
+            </a:r>
+            <a:r>
+              <a:rPr lang="nl-NL" sz="2400" dirty="0" smtClean="0"/>
+              <a:t> </a:t>
+            </a:r>
+            <a:r>
+              <a:rPr lang="nl-NL" sz="2400" b="1" dirty="0" err="1" smtClean="0"/>
+              <a:t>not</a:t>
+            </a:r>
+            <a:r>
+              <a:rPr lang="nl-NL" sz="2400" b="1" dirty="0" smtClean="0"/>
+              <a:t> </a:t>
+            </a:r>
+            <a:r>
+              <a:rPr lang="nl-NL" sz="2400" dirty="0" smtClean="0"/>
+              <a:t>independent</a:t>
+            </a:r>
+          </a:p>
+          <a:p>
+            <a:endParaRPr lang="nl-NL" sz="2400" dirty="0"/>
+          </a:p>
+          <a:p>
+            <a:r>
+              <a:rPr lang="nl-NL" sz="2400" dirty="0" err="1" smtClean="0"/>
+              <a:t>Yet</a:t>
+            </a:r>
+            <a:r>
+              <a:rPr lang="nl-NL" sz="2400" dirty="0" smtClean="0"/>
+              <a:t> this is </a:t>
+            </a:r>
+            <a:r>
+              <a:rPr lang="nl-NL" sz="2400" dirty="0" err="1" smtClean="0"/>
+              <a:t>exactly</a:t>
+            </a:r>
+            <a:r>
+              <a:rPr lang="nl-NL" sz="2400" dirty="0" smtClean="0"/>
+              <a:t> </a:t>
+            </a:r>
+            <a:r>
+              <a:rPr lang="nl-NL" sz="2400" dirty="0" err="1" smtClean="0"/>
+              <a:t>what</a:t>
+            </a:r>
+            <a:r>
+              <a:rPr lang="nl-NL" sz="2400" dirty="0" smtClean="0"/>
+              <a:t> is </a:t>
+            </a:r>
+            <a:r>
+              <a:rPr lang="nl-NL" sz="2400" dirty="0" err="1" smtClean="0"/>
+              <a:t>assumed</a:t>
+            </a:r>
+            <a:r>
+              <a:rPr lang="nl-NL" sz="2400" dirty="0" smtClean="0"/>
+              <a:t> in </a:t>
+            </a:r>
+            <a:r>
+              <a:rPr lang="nl-NL" sz="2400" dirty="0" err="1" smtClean="0"/>
+              <a:t>Naïve</a:t>
+            </a:r>
+            <a:r>
+              <a:rPr lang="nl-NL" sz="2400" dirty="0" smtClean="0"/>
+              <a:t> Bayes (</a:t>
+            </a:r>
+            <a:r>
+              <a:rPr lang="nl-NL" sz="2400" dirty="0" err="1" smtClean="0"/>
+              <a:t>hence</a:t>
+            </a:r>
+            <a:r>
+              <a:rPr lang="nl-NL" sz="2400" dirty="0" smtClean="0"/>
+              <a:t>: </a:t>
+            </a:r>
+            <a:r>
+              <a:rPr lang="nl-NL" sz="2400" dirty="0" smtClean="0"/>
+              <a:t>‘</a:t>
+            </a:r>
+            <a:r>
+              <a:rPr lang="nl-NL" sz="2400" dirty="0" err="1" smtClean="0"/>
+              <a:t>naïve</a:t>
+            </a:r>
+            <a:r>
+              <a:rPr lang="nl-NL" sz="2400" dirty="0" smtClean="0"/>
+              <a:t>’), </a:t>
+            </a:r>
+            <a:r>
+              <a:rPr lang="nl-NL" sz="2400" dirty="0" err="1" smtClean="0"/>
+              <a:t>and</a:t>
+            </a:r>
+            <a:r>
+              <a:rPr lang="nl-NL" sz="2400" dirty="0" smtClean="0"/>
+              <a:t> </a:t>
+            </a:r>
+            <a:r>
+              <a:rPr lang="nl-NL" sz="2400" dirty="0" err="1" smtClean="0"/>
+              <a:t>it</a:t>
+            </a:r>
+            <a:r>
+              <a:rPr lang="nl-NL" sz="2400" dirty="0" smtClean="0"/>
+              <a:t> </a:t>
+            </a:r>
+            <a:r>
+              <a:rPr lang="nl-NL" sz="2400" dirty="0" err="1" smtClean="0"/>
+              <a:t>works</a:t>
+            </a:r>
+            <a:r>
+              <a:rPr lang="nl-NL" sz="2400" dirty="0" smtClean="0"/>
+              <a:t> well in </a:t>
+            </a:r>
+            <a:r>
+              <a:rPr lang="nl-NL" sz="2400" dirty="0" err="1" smtClean="0"/>
+              <a:t>practice</a:t>
+            </a:r>
+            <a:endParaRPr lang="nl-NL" sz="2400" dirty="0"/>
+          </a:p>
+        </p:txBody>
+      </p:sp>
+    </p:spTree>
+    <p:extLst>
+      <p:ext uri="{BB962C8B-B14F-4D97-AF65-F5344CB8AC3E}">
+        <p14:creationId xmlns:p14="http://schemas.microsoft.com/office/powerpoint/2010/main" val="1217373500"/>
+      </p:ext>
+    </p:extLst>
+  </p:cSld>
+  <p:clrMapOvr>
+    <a:masterClrMapping/>
+  </p:clrMapOvr>
+  <p:timing>
+    <p:tnLst>
+      <p:par>
+        <p:cTn id="1" dur="indefinite" restart="never" nodeType="tmRoot"/>
+      </p:par>
+    </p:tnLst>
+  </p:timing>
+</p:sld>
+</file>
+
+<file path=ppt/slides/slide19.xml><?xml version="1.0" encoding="utf-8"?>
+<p:sld xmlns:a="http://schemas.openxmlformats.org/drawingml/2006/main" xmlns:r="http://schemas.openxmlformats.org/officeDocument/2006/relationships" xmlns:p="http://schemas.openxmlformats.org/presentationml/2006/main">
+  <p:cSld>
+    <p:spTree>
+      <p:nvGrpSpPr>
+        <p:cNvPr id="1" name=""/>
+        <p:cNvGrpSpPr/>
+        <p:nvPr/>
+      </p:nvGrpSpPr>
+      <p:grpSpPr>
+        <a:xfrm>
+          <a:off x="0" y="0"/>
+          <a:ext cx="0" cy="0"/>
+          <a:chOff x="0" y="0"/>
+          <a:chExt cx="0" cy="0"/>
+        </a:xfrm>
+      </p:grpSpPr>
+      <p:sp>
+        <p:nvSpPr>
+          <p:cNvPr id="2" name="Titel 1"/>
+          <p:cNvSpPr>
+            <a:spLocks noGrp="1"/>
+          </p:cNvSpPr>
+          <p:nvPr>
+            <p:ph type="title"/>
+          </p:nvPr>
+        </p:nvSpPr>
+        <p:spPr>
+          <a:xfrm>
+            <a:off x="838200" y="604263"/>
+            <a:ext cx="6686128" cy="584775"/>
+          </a:xfrm>
+        </p:spPr>
+        <p:txBody>
+          <a:bodyPr/>
+          <a:lstStyle/>
+          <a:p>
+            <a:r>
+              <a:rPr lang="nl-NL" dirty="0" err="1" smtClean="0"/>
+              <a:t>Exercise</a:t>
+            </a:r>
+            <a:r>
+              <a:rPr lang="nl-NL" dirty="0" smtClean="0"/>
+              <a:t> 2: </a:t>
+            </a:r>
+            <a:r>
+              <a:rPr lang="nl-NL" dirty="0" err="1" smtClean="0"/>
+              <a:t>Naïve</a:t>
+            </a:r>
+            <a:r>
+              <a:rPr lang="nl-NL" dirty="0" smtClean="0"/>
+              <a:t> Bayes</a:t>
+            </a:r>
+            <a:endParaRPr lang="nl-NL" dirty="0"/>
+          </a:p>
+        </p:txBody>
+      </p:sp>
+      <p:sp>
+        <p:nvSpPr>
+          <p:cNvPr id="5" name="Tijdelijke aanduiding voor inhoud 2"/>
+          <p:cNvSpPr txBox="1">
+            <a:spLocks noGrp="1"/>
+          </p:cNvSpPr>
+          <p:nvPr>
+            <p:ph idx="1"/>
+          </p:nvPr>
+        </p:nvSpPr>
+        <p:spPr bwMode="auto">
+          <a:xfrm>
+            <a:off x="755576" y="1556792"/>
+            <a:ext cx="7881938" cy="824841"/>
+          </a:xfrm>
+          <a:prstGeom prst="rect">
+            <a:avLst/>
+          </a:prstGeom>
+          <a:noFill/>
+          <a:ln w="9525">
+            <a:noFill/>
+            <a:miter lim="800000"/>
+            <a:headEnd/>
+            <a:tailEnd/>
+          </a:ln>
+          <a:effectLst/>
+        </p:spPr>
+        <p:txBody>
+          <a:bodyPr vert="horz" wrap="square" lIns="91440" tIns="45720" rIns="91440" bIns="45720" numCol="1" anchor="t" anchorCtr="0" compatLnSpc="1">
+            <a:prstTxWarp prst="textNoShape">
+              <a:avLst/>
+            </a:prstTxWarp>
+            <a:spAutoFit/>
+          </a:bodyPr>
+          <a:lstStyle>
+            <a:lvl1pPr marL="342900" indent="-342900" algn="l" rtl="0" fontAlgn="base">
+              <a:spcBef>
+                <a:spcPct val="20000"/>
+              </a:spcBef>
+              <a:spcAft>
+                <a:spcPct val="0"/>
+              </a:spcAft>
+              <a:buClr>
+                <a:srgbClr val="ED0010"/>
+              </a:buClr>
+              <a:buSzPct val="60000"/>
+              <a:buFont typeface="Zapf Dingbats" charset="2"/>
+              <a:buChar char="n"/>
+              <a:defRPr sz="2800">
+                <a:solidFill>
+                  <a:srgbClr val="000000"/>
+                </a:solidFill>
+                <a:latin typeface="+mn-lt"/>
+                <a:ea typeface="+mn-ea"/>
+                <a:cs typeface="+mn-cs"/>
+              </a:defRPr>
+            </a:lvl1pPr>
+            <a:lvl2pPr marL="819150" indent="-285750" algn="l" rtl="0" fontAlgn="base">
+              <a:spcBef>
+                <a:spcPct val="20000"/>
+              </a:spcBef>
+              <a:spcAft>
+                <a:spcPct val="0"/>
+              </a:spcAft>
+              <a:buClr>
+                <a:schemeClr val="accent1"/>
+              </a:buClr>
+              <a:buSzPct val="60000"/>
+              <a:buFont typeface="Zapf Dingbats" charset="2"/>
+              <a:buChar char="n"/>
+              <a:defRPr sz="2600">
+                <a:solidFill>
+                  <a:srgbClr val="000000"/>
+                </a:solidFill>
+                <a:latin typeface="+mn-lt"/>
+              </a:defRPr>
+            </a:lvl2pPr>
+            <a:lvl3pPr marL="1143000" indent="-228600" algn="l" rtl="0" fontAlgn="base">
+              <a:spcBef>
+                <a:spcPct val="20000"/>
+              </a:spcBef>
+              <a:spcAft>
+                <a:spcPct val="0"/>
+              </a:spcAft>
+              <a:buClr>
+                <a:schemeClr val="accent1"/>
+              </a:buClr>
+              <a:buSzPct val="60000"/>
+              <a:buFont typeface="Zapf Dingbats" charset="2"/>
+              <a:buChar char="n"/>
+              <a:defRPr sz="2400">
+                <a:solidFill>
+                  <a:srgbClr val="000000"/>
+                </a:solidFill>
+                <a:latin typeface="+mn-lt"/>
+              </a:defRPr>
+            </a:lvl3pPr>
+            <a:lvl4pPr marL="1562100" indent="-228600" algn="l" rtl="0" fontAlgn="base">
+              <a:spcBef>
+                <a:spcPct val="20000"/>
+              </a:spcBef>
+              <a:spcAft>
+                <a:spcPct val="0"/>
+              </a:spcAft>
+              <a:buClr>
+                <a:schemeClr val="accent1"/>
+              </a:buClr>
+              <a:buSzPct val="60000"/>
+              <a:buFont typeface="Zapf Dingbats" charset="2"/>
+              <a:buChar char="n"/>
+              <a:defRPr sz="2200">
+                <a:solidFill>
+                  <a:srgbClr val="000000"/>
+                </a:solidFill>
+                <a:latin typeface="+mn-lt"/>
+              </a:defRPr>
+            </a:lvl4pPr>
+            <a:lvl5pPr marL="1981200" indent="-228600" algn="l" rtl="0" fontAlgn="base">
+              <a:spcBef>
+                <a:spcPct val="20000"/>
+              </a:spcBef>
+              <a:spcAft>
+                <a:spcPct val="0"/>
+              </a:spcAft>
+              <a:buClr>
+                <a:schemeClr val="accent1"/>
+              </a:buClr>
+              <a:buSzPct val="60000"/>
+              <a:buFont typeface="Zapf Dingbats" charset="2"/>
+              <a:buChar char="n"/>
+              <a:defRPr sz="2000">
+                <a:solidFill>
+                  <a:srgbClr val="000000"/>
+                </a:solidFill>
+                <a:latin typeface="+mn-lt"/>
+              </a:defRPr>
+            </a:lvl5pPr>
+            <a:lvl6pPr marL="2438400" indent="-228600" algn="l" rtl="0" fontAlgn="base">
+              <a:spcBef>
+                <a:spcPct val="20000"/>
+              </a:spcBef>
+              <a:spcAft>
+                <a:spcPct val="0"/>
+              </a:spcAft>
+              <a:buClr>
+                <a:schemeClr val="accent1"/>
+              </a:buClr>
+              <a:buSzPct val="60000"/>
+              <a:buFont typeface="Zapf Dingbats" charset="2"/>
+              <a:buChar char="n"/>
+              <a:defRPr sz="2000">
+                <a:solidFill>
+                  <a:srgbClr val="000000"/>
+                </a:solidFill>
+                <a:latin typeface="+mn-lt"/>
+              </a:defRPr>
+            </a:lvl6pPr>
+            <a:lvl7pPr marL="2895600" indent="-228600" algn="l" rtl="0" fontAlgn="base">
+              <a:spcBef>
+                <a:spcPct val="20000"/>
+              </a:spcBef>
+              <a:spcAft>
+                <a:spcPct val="0"/>
+              </a:spcAft>
+              <a:buClr>
+                <a:schemeClr val="accent1"/>
+              </a:buClr>
+              <a:buSzPct val="60000"/>
+              <a:buFont typeface="Zapf Dingbats" charset="2"/>
+              <a:buChar char="n"/>
+              <a:defRPr sz="2000">
+                <a:solidFill>
+                  <a:srgbClr val="000000"/>
+                </a:solidFill>
+                <a:latin typeface="+mn-lt"/>
+              </a:defRPr>
+            </a:lvl7pPr>
+            <a:lvl8pPr marL="3352800" indent="-228600" algn="l" rtl="0" fontAlgn="base">
+              <a:spcBef>
+                <a:spcPct val="20000"/>
+              </a:spcBef>
+              <a:spcAft>
+                <a:spcPct val="0"/>
+              </a:spcAft>
+              <a:buClr>
+                <a:schemeClr val="accent1"/>
+              </a:buClr>
+              <a:buSzPct val="60000"/>
+              <a:buFont typeface="Zapf Dingbats" charset="2"/>
+              <a:buChar char="n"/>
+              <a:defRPr sz="2000">
+                <a:solidFill>
+                  <a:srgbClr val="000000"/>
+                </a:solidFill>
+                <a:latin typeface="+mn-lt"/>
+              </a:defRPr>
+            </a:lvl8pPr>
+            <a:lvl9pPr marL="3810000" indent="-228600" algn="l" rtl="0" fontAlgn="base">
+              <a:spcBef>
+                <a:spcPct val="20000"/>
+              </a:spcBef>
+              <a:spcAft>
+                <a:spcPct val="0"/>
+              </a:spcAft>
+              <a:buClr>
+                <a:schemeClr val="accent1"/>
+              </a:buClr>
+              <a:buSzPct val="60000"/>
+              <a:buFont typeface="Zapf Dingbats" charset="2"/>
+              <a:buChar char="n"/>
+              <a:defRPr sz="2000">
+                <a:solidFill>
+                  <a:srgbClr val="000000"/>
+                </a:solidFill>
+                <a:latin typeface="+mn-lt"/>
+              </a:defRPr>
+            </a:lvl9pPr>
+          </a:lstStyle>
+          <a:p>
+            <a:pPr>
+              <a:buFont typeface="+mj-lt"/>
+              <a:buAutoNum type="arabicPeriod"/>
+            </a:pPr>
+            <a:endParaRPr lang="nl-NL" sz="1400" kern="0" dirty="0" smtClean="0">
+              <a:latin typeface="Courier New" panose="02070309020205020404" pitchFamily="49" charset="0"/>
+              <a:cs typeface="Courier New" panose="02070309020205020404" pitchFamily="49" charset="0"/>
+            </a:endParaRPr>
+          </a:p>
+          <a:p>
+            <a:pPr marL="0" indent="0">
+              <a:buFont typeface="Zapf Dingbats" charset="2"/>
+              <a:buNone/>
+            </a:pPr>
+            <a:endParaRPr lang="nl-NL" sz="1400" kern="0" dirty="0">
+              <a:latin typeface="Courier New" panose="02070309020205020404" pitchFamily="49" charset="0"/>
+              <a:cs typeface="Courier New" panose="02070309020205020404" pitchFamily="49" charset="0"/>
+            </a:endParaRPr>
+          </a:p>
+          <a:p>
+            <a:pPr marL="0" indent="0">
+              <a:buFont typeface="Zapf Dingbats" charset="2"/>
+              <a:buNone/>
+            </a:pPr>
+            <a:endParaRPr lang="nl-NL" sz="1400" kern="0" dirty="0" smtClean="0">
+              <a:latin typeface="Courier New" panose="02070309020205020404" pitchFamily="49" charset="0"/>
+              <a:cs typeface="Courier New" panose="02070309020205020404" pitchFamily="49" charset="0"/>
+            </a:endParaRPr>
+          </a:p>
+        </p:txBody>
+      </p:sp>
+      <p:sp>
+        <p:nvSpPr>
+          <p:cNvPr id="7" name="Tijdelijke aanduiding voor inhoud 2"/>
+          <p:cNvSpPr txBox="1">
+            <a:spLocks/>
+          </p:cNvSpPr>
+          <p:nvPr/>
+        </p:nvSpPr>
+        <p:spPr bwMode="auto">
+          <a:xfrm>
+            <a:off x="838200" y="1484784"/>
+            <a:ext cx="7881938" cy="2634567"/>
+          </a:xfrm>
+          <a:prstGeom prst="rect">
+            <a:avLst/>
+          </a:prstGeom>
+          <a:noFill/>
+          <a:ln w="9525">
+            <a:noFill/>
+            <a:miter lim="800000"/>
+            <a:headEnd/>
+            <a:tailEnd/>
+          </a:ln>
+          <a:effectLst/>
+        </p:spPr>
+        <p:txBody>
+          <a:bodyPr vert="horz" wrap="square" lIns="91440" tIns="45720" rIns="91440" bIns="45720" numCol="1" anchor="t" anchorCtr="0" compatLnSpc="1">
+            <a:prstTxWarp prst="textNoShape">
+              <a:avLst/>
+            </a:prstTxWarp>
+            <a:spAutoFit/>
+          </a:bodyPr>
+          <a:lstStyle>
+            <a:lvl1pPr marL="342900" indent="-342900" algn="l" rtl="0" fontAlgn="base">
+              <a:spcBef>
+                <a:spcPct val="20000"/>
+              </a:spcBef>
+              <a:spcAft>
+                <a:spcPct val="0"/>
+              </a:spcAft>
+              <a:buClr>
+                <a:srgbClr val="ED0010"/>
+              </a:buClr>
+              <a:buSzPct val="60000"/>
+              <a:buFont typeface="Zapf Dingbats" charset="2"/>
+              <a:buChar char="n"/>
+              <a:defRPr sz="2800">
+                <a:solidFill>
+                  <a:srgbClr val="000000"/>
+                </a:solidFill>
+                <a:latin typeface="+mn-lt"/>
+                <a:ea typeface="+mn-ea"/>
+                <a:cs typeface="+mn-cs"/>
+              </a:defRPr>
+            </a:lvl1pPr>
+            <a:lvl2pPr marL="819150" indent="-285750" algn="l" rtl="0" fontAlgn="base">
+              <a:spcBef>
+                <a:spcPct val="20000"/>
+              </a:spcBef>
+              <a:spcAft>
+                <a:spcPct val="0"/>
+              </a:spcAft>
+              <a:buClr>
+                <a:schemeClr val="accent1"/>
+              </a:buClr>
+              <a:buSzPct val="60000"/>
+              <a:buFont typeface="Zapf Dingbats" charset="2"/>
+              <a:buChar char="n"/>
+              <a:defRPr sz="2600">
+                <a:solidFill>
+                  <a:srgbClr val="000000"/>
+                </a:solidFill>
+                <a:latin typeface="+mn-lt"/>
+              </a:defRPr>
+            </a:lvl2pPr>
+            <a:lvl3pPr marL="1143000" indent="-228600" algn="l" rtl="0" fontAlgn="base">
+              <a:spcBef>
+                <a:spcPct val="20000"/>
+              </a:spcBef>
+              <a:spcAft>
+                <a:spcPct val="0"/>
+              </a:spcAft>
+              <a:buClr>
+                <a:schemeClr val="accent1"/>
+              </a:buClr>
+              <a:buSzPct val="60000"/>
+              <a:buFont typeface="Zapf Dingbats" charset="2"/>
+              <a:buChar char="n"/>
+              <a:defRPr sz="2400">
+                <a:solidFill>
+                  <a:srgbClr val="000000"/>
+                </a:solidFill>
+                <a:latin typeface="+mn-lt"/>
+              </a:defRPr>
+            </a:lvl3pPr>
+            <a:lvl4pPr marL="1562100" indent="-228600" algn="l" rtl="0" fontAlgn="base">
+              <a:spcBef>
+                <a:spcPct val="20000"/>
+              </a:spcBef>
+              <a:spcAft>
+                <a:spcPct val="0"/>
+              </a:spcAft>
+              <a:buClr>
+                <a:schemeClr val="accent1"/>
+              </a:buClr>
+              <a:buSzPct val="60000"/>
+              <a:buFont typeface="Zapf Dingbats" charset="2"/>
+              <a:buChar char="n"/>
+              <a:defRPr sz="2200">
+                <a:solidFill>
+                  <a:srgbClr val="000000"/>
+                </a:solidFill>
+                <a:latin typeface="+mn-lt"/>
+              </a:defRPr>
+            </a:lvl4pPr>
+            <a:lvl5pPr marL="1981200" indent="-228600" algn="l" rtl="0" fontAlgn="base">
+              <a:spcBef>
+                <a:spcPct val="20000"/>
+              </a:spcBef>
+              <a:spcAft>
+                <a:spcPct val="0"/>
+              </a:spcAft>
+              <a:buClr>
+                <a:schemeClr val="accent1"/>
+              </a:buClr>
+              <a:buSzPct val="60000"/>
+              <a:buFont typeface="Zapf Dingbats" charset="2"/>
+              <a:buChar char="n"/>
+              <a:defRPr sz="2000">
+                <a:solidFill>
+                  <a:srgbClr val="000000"/>
+                </a:solidFill>
+                <a:latin typeface="+mn-lt"/>
+              </a:defRPr>
+            </a:lvl5pPr>
+            <a:lvl6pPr marL="2438400" indent="-228600" algn="l" rtl="0" fontAlgn="base">
+              <a:spcBef>
+                <a:spcPct val="20000"/>
+              </a:spcBef>
+              <a:spcAft>
+                <a:spcPct val="0"/>
+              </a:spcAft>
+              <a:buClr>
+                <a:schemeClr val="accent1"/>
+              </a:buClr>
+              <a:buSzPct val="60000"/>
+              <a:buFont typeface="Zapf Dingbats" charset="2"/>
+              <a:buChar char="n"/>
+              <a:defRPr sz="2000">
+                <a:solidFill>
+                  <a:srgbClr val="000000"/>
+                </a:solidFill>
+                <a:latin typeface="+mn-lt"/>
+              </a:defRPr>
+            </a:lvl6pPr>
+            <a:lvl7pPr marL="2895600" indent="-228600" algn="l" rtl="0" fontAlgn="base">
+              <a:spcBef>
+                <a:spcPct val="20000"/>
+              </a:spcBef>
+              <a:spcAft>
+                <a:spcPct val="0"/>
+              </a:spcAft>
+              <a:buClr>
+                <a:schemeClr val="accent1"/>
+              </a:buClr>
+              <a:buSzPct val="60000"/>
+              <a:buFont typeface="Zapf Dingbats" charset="2"/>
+              <a:buChar char="n"/>
+              <a:defRPr sz="2000">
+                <a:solidFill>
+                  <a:srgbClr val="000000"/>
+                </a:solidFill>
+                <a:latin typeface="+mn-lt"/>
+              </a:defRPr>
+            </a:lvl7pPr>
+            <a:lvl8pPr marL="3352800" indent="-228600" algn="l" rtl="0" fontAlgn="base">
+              <a:spcBef>
+                <a:spcPct val="20000"/>
+              </a:spcBef>
+              <a:spcAft>
+                <a:spcPct val="0"/>
+              </a:spcAft>
+              <a:buClr>
+                <a:schemeClr val="accent1"/>
+              </a:buClr>
+              <a:buSzPct val="60000"/>
+              <a:buFont typeface="Zapf Dingbats" charset="2"/>
+              <a:buChar char="n"/>
+              <a:defRPr sz="2000">
+                <a:solidFill>
+                  <a:srgbClr val="000000"/>
+                </a:solidFill>
+                <a:latin typeface="+mn-lt"/>
+              </a:defRPr>
+            </a:lvl8pPr>
+            <a:lvl9pPr marL="3810000" indent="-228600" algn="l" rtl="0" fontAlgn="base">
+              <a:spcBef>
+                <a:spcPct val="20000"/>
+              </a:spcBef>
+              <a:spcAft>
+                <a:spcPct val="0"/>
+              </a:spcAft>
+              <a:buClr>
+                <a:schemeClr val="accent1"/>
+              </a:buClr>
+              <a:buSzPct val="60000"/>
+              <a:buFont typeface="Zapf Dingbats" charset="2"/>
+              <a:buChar char="n"/>
+              <a:defRPr sz="2000">
+                <a:solidFill>
+                  <a:srgbClr val="000000"/>
+                </a:solidFill>
+                <a:latin typeface="+mn-lt"/>
+              </a:defRPr>
+            </a:lvl9pPr>
+          </a:lstStyle>
+          <a:p>
+            <a:pPr marL="0" indent="0">
+              <a:buNone/>
+            </a:pPr>
+            <a:r>
+              <a:rPr lang="nl-NL" sz="1400" kern="0" dirty="0" err="1" smtClean="0">
+                <a:latin typeface="Courier New" panose="02070309020205020404" pitchFamily="49" charset="0"/>
+                <a:cs typeface="Courier New" panose="02070309020205020404" pitchFamily="49" charset="0"/>
+              </a:rPr>
+              <a:t>Blablbla</a:t>
+            </a:r>
+            <a:endParaRPr lang="nl-NL" sz="1400" kern="0" dirty="0" smtClean="0">
+              <a:latin typeface="Courier New" panose="02070309020205020404" pitchFamily="49" charset="0"/>
+              <a:cs typeface="Courier New" panose="02070309020205020404" pitchFamily="49" charset="0"/>
+            </a:endParaRPr>
+          </a:p>
+          <a:p>
+            <a:pPr>
+              <a:buFont typeface="+mj-lt"/>
+              <a:buAutoNum type="arabicPeriod"/>
+            </a:pPr>
+            <a:endParaRPr lang="nl-NL" sz="1400" kern="0" dirty="0">
+              <a:latin typeface="Courier New" panose="02070309020205020404" pitchFamily="49" charset="0"/>
+              <a:cs typeface="Courier New" panose="02070309020205020404" pitchFamily="49" charset="0"/>
+            </a:endParaRPr>
+          </a:p>
+          <a:p>
+            <a:pPr>
+              <a:buFont typeface="+mj-lt"/>
+              <a:buAutoNum type="arabicPeriod"/>
+            </a:pPr>
+            <a:endParaRPr lang="nl-NL" sz="1400" kern="0" dirty="0">
+              <a:latin typeface="Courier New" panose="02070309020205020404" pitchFamily="49" charset="0"/>
+              <a:cs typeface="Courier New" panose="02070309020205020404" pitchFamily="49" charset="0"/>
+            </a:endParaRPr>
+          </a:p>
+          <a:p>
+            <a:pPr>
+              <a:buFont typeface="+mj-lt"/>
+              <a:buAutoNum type="arabicPeriod"/>
+            </a:pPr>
+            <a:endParaRPr lang="nl-NL" sz="1400" kern="0" dirty="0">
+              <a:latin typeface="Courier New" panose="02070309020205020404" pitchFamily="49" charset="0"/>
+              <a:cs typeface="Courier New" panose="02070309020205020404" pitchFamily="49" charset="0"/>
+            </a:endParaRPr>
+          </a:p>
+          <a:p>
+            <a:pPr>
+              <a:buFont typeface="+mj-lt"/>
+              <a:buAutoNum type="arabicPeriod"/>
+            </a:pPr>
+            <a:endParaRPr lang="nl-NL" sz="1400" kern="0" dirty="0">
+              <a:latin typeface="Courier New" panose="02070309020205020404" pitchFamily="49" charset="0"/>
+              <a:cs typeface="Courier New" panose="02070309020205020404" pitchFamily="49" charset="0"/>
+            </a:endParaRPr>
+          </a:p>
+          <a:p>
+            <a:pPr>
+              <a:buFont typeface="+mj-lt"/>
+              <a:buAutoNum type="arabicPeriod"/>
+            </a:pPr>
+            <a:endParaRPr lang="nl-NL" sz="1400" kern="0" dirty="0" smtClean="0">
+              <a:latin typeface="Courier New" panose="02070309020205020404" pitchFamily="49" charset="0"/>
+              <a:cs typeface="Courier New" panose="02070309020205020404" pitchFamily="49" charset="0"/>
+            </a:endParaRPr>
+          </a:p>
+          <a:p>
+            <a:pPr marL="0" indent="0">
+              <a:buFont typeface="Zapf Dingbats" charset="2"/>
+              <a:buNone/>
+            </a:pPr>
+            <a:endParaRPr lang="nl-NL" sz="1400" kern="0" dirty="0">
+              <a:latin typeface="Courier New" panose="02070309020205020404" pitchFamily="49" charset="0"/>
+              <a:cs typeface="Courier New" panose="02070309020205020404" pitchFamily="49" charset="0"/>
+            </a:endParaRPr>
+          </a:p>
+          <a:p>
+            <a:pPr marL="0" indent="0">
+              <a:buFont typeface="Zapf Dingbats" charset="2"/>
+              <a:buNone/>
+            </a:pPr>
+            <a:endParaRPr lang="nl-NL" sz="1400" kern="0" dirty="0" smtClean="0">
+              <a:latin typeface="Courier New" panose="02070309020205020404" pitchFamily="49" charset="0"/>
+              <a:cs typeface="Courier New" panose="02070309020205020404" pitchFamily="49" charset="0"/>
+            </a:endParaRPr>
+          </a:p>
+          <a:p>
+            <a:pPr marL="0" indent="0">
+              <a:buFont typeface="Zapf Dingbats" charset="2"/>
+              <a:buNone/>
+            </a:pPr>
+            <a:endParaRPr lang="nl-NL" sz="1400" kern="0" dirty="0">
+              <a:latin typeface="Courier New" panose="02070309020205020404" pitchFamily="49" charset="0"/>
+              <a:cs typeface="Courier New" panose="02070309020205020404" pitchFamily="49" charset="0"/>
+            </a:endParaRPr>
+          </a:p>
+          <a:p>
+            <a:pPr marL="0" indent="0">
+              <a:buFont typeface="Zapf Dingbats" charset="2"/>
+              <a:buNone/>
+            </a:pPr>
+            <a:endParaRPr lang="nl-NL" sz="1400" kern="0" dirty="0" smtClean="0">
+              <a:latin typeface="Courier New" panose="02070309020205020404" pitchFamily="49" charset="0"/>
+              <a:cs typeface="Courier New" panose="02070309020205020404" pitchFamily="49" charset="0"/>
+            </a:endParaRPr>
+          </a:p>
+        </p:txBody>
+      </p:sp>
+    </p:spTree>
+    <p:extLst>
+      <p:ext uri="{BB962C8B-B14F-4D97-AF65-F5344CB8AC3E}">
+        <p14:creationId xmlns:p14="http://schemas.microsoft.com/office/powerpoint/2010/main" val="3408638535"/>
+      </p:ext>
+    </p:extLst>
+  </p:cSld>
+  <p:clrMapOvr>
+    <a:masterClrMapping/>
+  </p:clrMapOvr>
 </p:sld>
 </file>
 
@@ -5672,6 +12281,200 @@
 </p:sld>
 </file>
 
+<file path=ppt/slides/slide20.xml><?xml version="1.0" encoding="utf-8"?>
+<p:sld xmlns:a="http://schemas.openxmlformats.org/drawingml/2006/main" xmlns:r="http://schemas.openxmlformats.org/officeDocument/2006/relationships" xmlns:p="http://schemas.openxmlformats.org/presentationml/2006/main">
+  <p:cSld>
+    <p:spTree>
+      <p:nvGrpSpPr>
+        <p:cNvPr id="1" name=""/>
+        <p:cNvGrpSpPr/>
+        <p:nvPr/>
+      </p:nvGrpSpPr>
+      <p:grpSpPr>
+        <a:xfrm>
+          <a:off x="0" y="0"/>
+          <a:ext cx="0" cy="0"/>
+          <a:chOff x="0" y="0"/>
+          <a:chExt cx="0" cy="0"/>
+        </a:xfrm>
+      </p:grpSpPr>
+      <p:sp>
+        <p:nvSpPr>
+          <p:cNvPr id="2" name="Titel 1"/>
+          <p:cNvSpPr>
+            <a:spLocks noGrp="1"/>
+          </p:cNvSpPr>
+          <p:nvPr>
+            <p:ph type="title"/>
+          </p:nvPr>
+        </p:nvSpPr>
+        <p:spPr/>
+        <p:txBody>
+          <a:bodyPr/>
+          <a:lstStyle/>
+          <a:p>
+            <a:r>
+              <a:rPr lang="nl-NL" dirty="0" smtClean="0"/>
+              <a:t>Image credit</a:t>
+            </a:r>
+            <a:endParaRPr lang="nl-NL" dirty="0"/>
+          </a:p>
+        </p:txBody>
+      </p:sp>
+      <p:sp>
+        <p:nvSpPr>
+          <p:cNvPr id="3" name="Tijdelijke aanduiding voor inhoud 2"/>
+          <p:cNvSpPr>
+            <a:spLocks noGrp="1"/>
+          </p:cNvSpPr>
+          <p:nvPr>
+            <p:ph idx="1"/>
+          </p:nvPr>
+        </p:nvSpPr>
+        <p:spPr>
+          <a:xfrm>
+            <a:off x="762000" y="1762125"/>
+            <a:ext cx="7881938" cy="3120854"/>
+          </a:xfrm>
+        </p:spPr>
+        <p:txBody>
+          <a:bodyPr/>
+          <a:lstStyle/>
+          <a:p>
+            <a:r>
+              <a:rPr lang="nl-NL" sz="2400" dirty="0" err="1" smtClean="0"/>
+              <a:t>Simpons</a:t>
+            </a:r>
+            <a:r>
+              <a:rPr lang="nl-NL" sz="2400" dirty="0" smtClean="0"/>
+              <a:t> </a:t>
+            </a:r>
+            <a:r>
+              <a:rPr lang="nl-NL" sz="2400" dirty="0" err="1" smtClean="0"/>
+              <a:t>by</a:t>
+            </a:r>
+            <a:r>
+              <a:rPr lang="nl-NL" sz="2400" dirty="0" smtClean="0"/>
+              <a:t> 20th </a:t>
+            </a:r>
+            <a:r>
+              <a:rPr lang="nl-NL" sz="2400" dirty="0" err="1" smtClean="0"/>
+              <a:t>century</a:t>
+            </a:r>
+            <a:r>
+              <a:rPr lang="nl-NL" sz="2400" dirty="0" smtClean="0"/>
+              <a:t> Fox, fair </a:t>
+            </a:r>
+            <a:r>
+              <a:rPr lang="nl-NL" sz="2400" dirty="0" err="1" smtClean="0"/>
+              <a:t>use</a:t>
+            </a:r>
+            <a:r>
+              <a:rPr lang="nl-NL" sz="2400" dirty="0" smtClean="0"/>
+              <a:t> </a:t>
+            </a:r>
+            <a:r>
+              <a:rPr lang="nl-NL" sz="2400" dirty="0" err="1" smtClean="0"/>
+              <a:t>claimed</a:t>
+            </a:r>
+            <a:endParaRPr lang="nl-NL" sz="2400" dirty="0" smtClean="0"/>
+          </a:p>
+          <a:p>
+            <a:r>
+              <a:rPr lang="nl-NL" sz="2400" dirty="0" err="1" smtClean="0"/>
+              <a:t>Sloth</a:t>
+            </a:r>
+            <a:r>
+              <a:rPr lang="nl-NL" sz="2400" dirty="0" smtClean="0"/>
+              <a:t> </a:t>
+            </a:r>
+            <a:r>
+              <a:rPr lang="nl-NL" sz="2400" dirty="0" err="1" smtClean="0"/>
+              <a:t>meme</a:t>
+            </a:r>
+            <a:r>
+              <a:rPr lang="nl-NL" sz="2400" dirty="0" smtClean="0"/>
+              <a:t> </a:t>
+            </a:r>
+            <a:r>
+              <a:rPr lang="nl-NL" sz="2400" dirty="0" err="1" smtClean="0"/>
+              <a:t>by</a:t>
+            </a:r>
+            <a:r>
+              <a:rPr lang="nl-NL" sz="2400" dirty="0" smtClean="0"/>
+              <a:t> </a:t>
+            </a:r>
+            <a:r>
+              <a:rPr lang="nl-NL" sz="2400" dirty="0" err="1" smtClean="0"/>
+              <a:t>author</a:t>
+            </a:r>
+            <a:r>
+              <a:rPr lang="nl-NL" sz="2400" dirty="0" smtClean="0"/>
+              <a:t> </a:t>
+            </a:r>
+            <a:r>
+              <a:rPr lang="nl-NL" sz="2400" dirty="0" err="1" smtClean="0"/>
+              <a:t>unknown</a:t>
+            </a:r>
+            <a:r>
+              <a:rPr lang="nl-NL" sz="2400" dirty="0" smtClean="0"/>
+              <a:t>, fair </a:t>
+            </a:r>
+            <a:r>
+              <a:rPr lang="nl-NL" sz="2400" dirty="0" err="1" smtClean="0"/>
+              <a:t>use</a:t>
+            </a:r>
+            <a:r>
+              <a:rPr lang="nl-NL" sz="2400" dirty="0" smtClean="0"/>
+              <a:t> </a:t>
+            </a:r>
+            <a:r>
+              <a:rPr lang="nl-NL" sz="2400" dirty="0" err="1" smtClean="0"/>
+              <a:t>claimed</a:t>
+            </a:r>
+            <a:endParaRPr lang="nl-NL" sz="2400" dirty="0" smtClean="0"/>
+          </a:p>
+          <a:p>
+            <a:r>
+              <a:rPr lang="nl-NL" sz="2400" dirty="0" smtClean="0"/>
+              <a:t>Bag </a:t>
+            </a:r>
+            <a:r>
+              <a:rPr lang="nl-NL" sz="2400" dirty="0" err="1" smtClean="0"/>
+              <a:t>by</a:t>
+            </a:r>
+            <a:r>
+              <a:rPr lang="nl-NL" sz="2400" dirty="0" smtClean="0"/>
+              <a:t> wixin_56: public domain</a:t>
+            </a:r>
+          </a:p>
+          <a:p>
+            <a:endParaRPr lang="nl-NL" sz="2400" dirty="0" smtClean="0"/>
+          </a:p>
+          <a:p>
+            <a:endParaRPr lang="nl-NL" sz="2400" dirty="0" smtClean="0"/>
+          </a:p>
+          <a:p>
+            <a:endParaRPr lang="nl-NL" sz="2400" dirty="0" smtClean="0"/>
+          </a:p>
+          <a:p>
+            <a:endParaRPr lang="nl-NL" sz="2400" dirty="0"/>
+          </a:p>
+        </p:txBody>
+      </p:sp>
+    </p:spTree>
+    <p:extLst>
+      <p:ext uri="{BB962C8B-B14F-4D97-AF65-F5344CB8AC3E}">
+        <p14:creationId xmlns:p14="http://schemas.microsoft.com/office/powerpoint/2010/main" val="3893381647"/>
+      </p:ext>
+    </p:extLst>
+  </p:cSld>
+  <p:clrMapOvr>
+    <a:masterClrMapping/>
+  </p:clrMapOvr>
+</p:sld>
+</file>
+
 <file path=ppt/slides/slide3.xml><?xml version="1.0" encoding="utf-8"?>
 <p:sld xmlns:a="http://schemas.openxmlformats.org/drawingml/2006/main" xmlns:r="http://schemas.openxmlformats.org/officeDocument/2006/relationships" xmlns:p="http://schemas.openxmlformats.org/presentationml/2006/main">
   <p:cSld>
@@ -5712,25 +12515,35 @@
           </a:p>
         </p:txBody>
       </p:sp>
-      <p:sp>
-        <p:nvSpPr>
-          <p:cNvPr id="3" name="Tijdelijke aanduiding voor inhoud 2"/>
-          <p:cNvSpPr>
-            <a:spLocks noGrp="1"/>
-          </p:cNvSpPr>
+      <p:pic>
+        <p:nvPicPr>
+          <p:cNvPr id="4" name="Tijdelijke aanduiding voor inhoud 3"/>
+          <p:cNvPicPr>
+            <a:picLocks noGrp="1" noChangeAspect="1"/>
+          </p:cNvPicPr>
           <p:nvPr>
             <p:ph idx="1"/>
           </p:nvPr>
-        </p:nvSpPr>
-        <p:spPr/>
-        <p:txBody>
-          <a:bodyPr/>
-          <a:lstStyle/>
-          <a:p>
-            <a:endParaRPr lang="nl-NL"/>
-          </a:p>
-        </p:txBody>
-      </p:sp>
+        </p:nvPicPr>
+        <p:blipFill>
+          <a:blip r:embed="rId2" cstate="print">
+            <a:extLst>
+              <a:ext uri="{28A0092B-C50C-407E-A947-70E740481C1C}">
+                <a14:useLocalDpi xmlns:a14="http://schemas.microsoft.com/office/drawing/2010/main" val="0"/>
+              </a:ext>
+            </a:extLst>
+          </a:blip>
+          <a:stretch>
+            <a:fillRect/>
+          </a:stretch>
+        </p:blipFill>
+        <p:spPr>
+          <a:xfrm>
+            <a:off x="2987824" y="1189038"/>
+            <a:ext cx="3456384" cy="5184576"/>
+          </a:xfrm>
+        </p:spPr>
+      </p:pic>
     </p:spTree>
     <p:extLst>
       <p:ext uri="{BB962C8B-B14F-4D97-AF65-F5344CB8AC3E}">
@@ -5866,19 +12679,1040 @@
             <p:ph idx="1"/>
           </p:nvPr>
         </p:nvSpPr>
-        <p:spPr/>
+        <p:spPr>
+          <a:xfrm>
+            <a:off x="762000" y="1762125"/>
+            <a:ext cx="7881938" cy="2234458"/>
+          </a:xfrm>
+        </p:spPr>
         <p:txBody>
           <a:bodyPr/>
           <a:lstStyle/>
           <a:p>
-            <a:endParaRPr lang="nl-NL" dirty="0"/>
+            <a:r>
+              <a:rPr lang="nl-NL" sz="2400" dirty="0"/>
+              <a:t>Natural Language Processing (NLP)</a:t>
+            </a:r>
+          </a:p>
+          <a:p>
+            <a:endParaRPr lang="nl-NL" sz="2400" dirty="0"/>
+          </a:p>
+          <a:p>
+            <a:r>
+              <a:rPr lang="nl-NL" sz="2400" dirty="0" err="1" smtClean="0"/>
+              <a:t>Modeling</a:t>
+            </a:r>
+            <a:r>
+              <a:rPr lang="nl-NL" sz="2400" dirty="0" smtClean="0"/>
+              <a:t> text</a:t>
+            </a:r>
+            <a:endParaRPr lang="nl-NL" sz="2400" dirty="0" smtClean="0"/>
+          </a:p>
+          <a:p>
+            <a:pPr marL="0" indent="0">
+              <a:buNone/>
+            </a:pPr>
+            <a:endParaRPr lang="nl-NL" sz="2400" dirty="0"/>
+          </a:p>
+          <a:p>
+            <a:r>
+              <a:rPr lang="nl-NL" sz="2400" dirty="0" err="1" smtClean="0"/>
+              <a:t>Classification</a:t>
+            </a:r>
+            <a:r>
+              <a:rPr lang="nl-NL" sz="2400" dirty="0" smtClean="0"/>
+              <a:t> </a:t>
+            </a:r>
+            <a:r>
+              <a:rPr lang="nl-NL" sz="2400" dirty="0" err="1" smtClean="0"/>
+              <a:t>with</a:t>
+            </a:r>
+            <a:r>
+              <a:rPr lang="nl-NL" sz="2400" dirty="0" smtClean="0"/>
+              <a:t> </a:t>
+            </a:r>
+            <a:r>
+              <a:rPr lang="nl-NL" sz="2400" dirty="0" err="1" smtClean="0"/>
+              <a:t>Naïve</a:t>
+            </a:r>
+            <a:r>
+              <a:rPr lang="nl-NL" sz="2400" dirty="0" smtClean="0"/>
+              <a:t> Bayes</a:t>
+            </a:r>
+            <a:endParaRPr lang="nl-NL" sz="2400" dirty="0"/>
           </a:p>
         </p:txBody>
       </p:sp>
     </p:spTree>
     <p:extLst>
       <p:ext uri="{BB962C8B-B14F-4D97-AF65-F5344CB8AC3E}">
-        <p14:creationId xmlns:p14="http://schemas.microsoft.com/office/powerpoint/2010/main" val="2729931763"/>
+        <p14:creationId xmlns:p14="http://schemas.microsoft.com/office/powerpoint/2010/main" val="4039664760"/>
+      </p:ext>
+    </p:extLst>
+  </p:cSld>
+  <p:clrMapOvr>
+    <a:masterClrMapping/>
+  </p:clrMapOvr>
+</p:sld>
+</file>
+
+<file path=ppt/slides/slide6.xml><?xml version="1.0" encoding="utf-8"?>
+<p:sld xmlns:a="http://schemas.openxmlformats.org/drawingml/2006/main" xmlns:r="http://schemas.openxmlformats.org/officeDocument/2006/relationships" xmlns:p="http://schemas.openxmlformats.org/presentationml/2006/main">
+  <p:cSld>
+    <p:spTree>
+      <p:nvGrpSpPr>
+        <p:cNvPr id="1" name=""/>
+        <p:cNvGrpSpPr/>
+        <p:nvPr/>
+      </p:nvGrpSpPr>
+      <p:grpSpPr>
+        <a:xfrm>
+          <a:off x="0" y="0"/>
+          <a:ext cx="0" cy="0"/>
+          <a:chOff x="0" y="0"/>
+          <a:chExt cx="0" cy="0"/>
+        </a:xfrm>
+      </p:grpSpPr>
+      <p:sp>
+        <p:nvSpPr>
+          <p:cNvPr id="2" name="Titel 1"/>
+          <p:cNvSpPr>
+            <a:spLocks noGrp="1"/>
+          </p:cNvSpPr>
+          <p:nvPr>
+            <p:ph type="title"/>
+          </p:nvPr>
+        </p:nvSpPr>
+        <p:spPr/>
+        <p:txBody>
+          <a:bodyPr/>
+          <a:lstStyle/>
+          <a:p>
+            <a:r>
+              <a:rPr lang="nl-NL" dirty="0" smtClean="0"/>
+              <a:t>Natural </a:t>
+            </a:r>
+            <a:r>
+              <a:rPr lang="nl-NL" dirty="0" err="1" smtClean="0"/>
+              <a:t>language</a:t>
+            </a:r>
+            <a:r>
+              <a:rPr lang="nl-NL" dirty="0" smtClean="0"/>
+              <a:t> processing</a:t>
+            </a:r>
+            <a:endParaRPr lang="nl-NL" dirty="0"/>
+          </a:p>
+        </p:txBody>
+      </p:sp>
+      <p:sp>
+        <p:nvSpPr>
+          <p:cNvPr id="3" name="Tijdelijke aanduiding voor inhoud 2"/>
+          <p:cNvSpPr>
+            <a:spLocks noGrp="1"/>
+          </p:cNvSpPr>
+          <p:nvPr>
+            <p:ph idx="1"/>
+          </p:nvPr>
+        </p:nvSpPr>
+        <p:spPr>
+          <a:xfrm>
+            <a:off x="762000" y="1762125"/>
+            <a:ext cx="7881938" cy="4721292"/>
+          </a:xfrm>
+        </p:spPr>
+        <p:txBody>
+          <a:bodyPr/>
+          <a:lstStyle/>
+          <a:p>
+            <a:r>
+              <a:rPr lang="nl-NL" sz="2000" dirty="0" err="1" smtClean="0"/>
+              <a:t>Production</a:t>
+            </a:r>
+            <a:endParaRPr lang="nl-NL" sz="2000" dirty="0" smtClean="0"/>
+          </a:p>
+          <a:p>
+            <a:pPr lvl="1"/>
+            <a:r>
+              <a:rPr lang="nl-NL" sz="1800" dirty="0" smtClean="0"/>
+              <a:t>Natural </a:t>
+            </a:r>
+            <a:r>
+              <a:rPr lang="nl-NL" sz="1800" dirty="0" err="1" smtClean="0"/>
+              <a:t>language</a:t>
+            </a:r>
+            <a:r>
+              <a:rPr lang="nl-NL" sz="1800" dirty="0" smtClean="0"/>
+              <a:t> </a:t>
+            </a:r>
+            <a:r>
+              <a:rPr lang="nl-NL" sz="1800" dirty="0" err="1" smtClean="0"/>
+              <a:t>generation</a:t>
+            </a:r>
+            <a:endParaRPr lang="nl-NL" sz="1800" dirty="0" smtClean="0"/>
+          </a:p>
+          <a:p>
+            <a:pPr lvl="1"/>
+            <a:r>
+              <a:rPr lang="nl-NL" sz="1800" dirty="0"/>
+              <a:t>Text-</a:t>
+            </a:r>
+            <a:r>
+              <a:rPr lang="nl-NL" sz="1800" dirty="0" err="1"/>
+              <a:t>to</a:t>
+            </a:r>
+            <a:r>
+              <a:rPr lang="nl-NL" sz="1800" dirty="0"/>
+              <a:t>-speech</a:t>
+            </a:r>
+          </a:p>
+          <a:p>
+            <a:pPr lvl="1"/>
+            <a:r>
+              <a:rPr lang="nl-NL" sz="1800" dirty="0" smtClean="0"/>
+              <a:t>Chatbots </a:t>
+            </a:r>
+          </a:p>
+          <a:p>
+            <a:pPr lvl="1"/>
+            <a:endParaRPr lang="nl-NL" sz="2000" dirty="0"/>
+          </a:p>
+          <a:p>
+            <a:r>
+              <a:rPr lang="nl-NL" sz="2000" dirty="0" err="1" smtClean="0"/>
+              <a:t>Recognition</a:t>
+            </a:r>
+            <a:endParaRPr lang="nl-NL" sz="2000" dirty="0" smtClean="0"/>
+          </a:p>
+          <a:p>
+            <a:pPr lvl="1"/>
+            <a:r>
+              <a:rPr lang="nl-NL" sz="1800" dirty="0"/>
+              <a:t>Speech </a:t>
+            </a:r>
+            <a:r>
+              <a:rPr lang="nl-NL" sz="1800" dirty="0" err="1" smtClean="0"/>
+              <a:t>recognition</a:t>
+            </a:r>
+            <a:endParaRPr lang="nl-NL" sz="1800" dirty="0" smtClean="0"/>
+          </a:p>
+          <a:p>
+            <a:pPr lvl="1"/>
+            <a:r>
+              <a:rPr lang="nl-NL" sz="1800" dirty="0" smtClean="0"/>
+              <a:t>Understanding </a:t>
+            </a:r>
+            <a:r>
+              <a:rPr lang="nl-NL" sz="1800" dirty="0" err="1" smtClean="0"/>
+              <a:t>written</a:t>
+            </a:r>
+            <a:r>
+              <a:rPr lang="nl-NL" sz="1800" dirty="0" smtClean="0"/>
+              <a:t> text</a:t>
+            </a:r>
+            <a:endParaRPr lang="nl-NL" sz="1800" dirty="0"/>
+          </a:p>
+          <a:p>
+            <a:pPr marL="0" indent="0">
+              <a:buNone/>
+            </a:pPr>
+            <a:endParaRPr lang="nl-NL" sz="2000" dirty="0"/>
+          </a:p>
+          <a:p>
+            <a:r>
+              <a:rPr lang="nl-NL" sz="2000" dirty="0" err="1" smtClean="0"/>
+              <a:t>Translation</a:t>
+            </a:r>
+            <a:endParaRPr lang="nl-NL" sz="2000" dirty="0" smtClean="0"/>
+          </a:p>
+          <a:p>
+            <a:pPr marL="0" indent="0">
+              <a:buNone/>
+            </a:pPr>
+            <a:endParaRPr lang="nl-NL" sz="2400" dirty="0" smtClean="0"/>
+          </a:p>
+          <a:p>
+            <a:pPr marL="0" indent="0">
+              <a:buNone/>
+            </a:pPr>
+            <a:endParaRPr lang="nl-NL" sz="2000" dirty="0"/>
+          </a:p>
+          <a:p>
+            <a:pPr marL="0" indent="0">
+              <a:buNone/>
+            </a:pPr>
+            <a:endParaRPr lang="nl-NL" sz="2000" dirty="0"/>
+          </a:p>
+        </p:txBody>
+      </p:sp>
+    </p:spTree>
+    <p:extLst>
+      <p:ext uri="{BB962C8B-B14F-4D97-AF65-F5344CB8AC3E}">
+        <p14:creationId xmlns:p14="http://schemas.microsoft.com/office/powerpoint/2010/main" val="2893022587"/>
+      </p:ext>
+    </p:extLst>
+  </p:cSld>
+  <p:clrMapOvr>
+    <a:masterClrMapping/>
+  </p:clrMapOvr>
+</p:sld>
+</file>
+
+<file path=ppt/slides/slide7.xml><?xml version="1.0" encoding="utf-8"?>
+<p:sld xmlns:a="http://schemas.openxmlformats.org/drawingml/2006/main" xmlns:r="http://schemas.openxmlformats.org/officeDocument/2006/relationships" xmlns:p="http://schemas.openxmlformats.org/presentationml/2006/main">
+  <p:cSld>
+    <p:spTree>
+      <p:nvGrpSpPr>
+        <p:cNvPr id="1" name=""/>
+        <p:cNvGrpSpPr/>
+        <p:nvPr/>
+      </p:nvGrpSpPr>
+      <p:grpSpPr>
+        <a:xfrm>
+          <a:off x="0" y="0"/>
+          <a:ext cx="0" cy="0"/>
+          <a:chOff x="0" y="0"/>
+          <a:chExt cx="0" cy="0"/>
+        </a:xfrm>
+      </p:grpSpPr>
+      <p:sp>
+        <p:nvSpPr>
+          <p:cNvPr id="2" name="Titel 1"/>
+          <p:cNvSpPr>
+            <a:spLocks noGrp="1"/>
+          </p:cNvSpPr>
+          <p:nvPr>
+            <p:ph type="title"/>
+          </p:nvPr>
+        </p:nvSpPr>
+        <p:spPr/>
+        <p:txBody>
+          <a:bodyPr/>
+          <a:lstStyle/>
+          <a:p>
+            <a:r>
+              <a:rPr lang="nl-NL" dirty="0" err="1" smtClean="0"/>
+              <a:t>Challenges</a:t>
+            </a:r>
+            <a:endParaRPr lang="nl-NL" dirty="0"/>
+          </a:p>
+        </p:txBody>
+      </p:sp>
+      <p:sp>
+        <p:nvSpPr>
+          <p:cNvPr id="3" name="Tijdelijke aanduiding voor inhoud 2"/>
+          <p:cNvSpPr>
+            <a:spLocks noGrp="1"/>
+          </p:cNvSpPr>
+          <p:nvPr>
+            <p:ph idx="1"/>
+          </p:nvPr>
+        </p:nvSpPr>
+        <p:spPr>
+          <a:xfrm>
+            <a:off x="762000" y="1762125"/>
+            <a:ext cx="7881938" cy="4745915"/>
+          </a:xfrm>
+        </p:spPr>
+        <p:txBody>
+          <a:bodyPr/>
+          <a:lstStyle/>
+          <a:p>
+            <a:r>
+              <a:rPr lang="nl-NL" sz="2400" dirty="0" err="1" smtClean="0"/>
+              <a:t>Requires</a:t>
+            </a:r>
+            <a:r>
+              <a:rPr lang="nl-NL" sz="2400" dirty="0" smtClean="0"/>
+              <a:t> </a:t>
+            </a:r>
+            <a:r>
+              <a:rPr lang="nl-NL" sz="2400" dirty="0" err="1" smtClean="0"/>
+              <a:t>huge</a:t>
+            </a:r>
+            <a:r>
+              <a:rPr lang="nl-NL" sz="2400" dirty="0" smtClean="0"/>
+              <a:t> corpora </a:t>
+            </a:r>
+            <a:r>
+              <a:rPr lang="nl-NL" sz="2400" dirty="0" err="1" smtClean="0"/>
+              <a:t>and</a:t>
+            </a:r>
+            <a:r>
+              <a:rPr lang="nl-NL" sz="2400" dirty="0" smtClean="0"/>
+              <a:t> </a:t>
+            </a:r>
+            <a:r>
+              <a:rPr lang="nl-NL" sz="2400" dirty="0" err="1" smtClean="0"/>
+              <a:t>tagged</a:t>
+            </a:r>
+            <a:r>
+              <a:rPr lang="nl-NL" sz="2400" dirty="0" smtClean="0"/>
+              <a:t> databases</a:t>
+            </a:r>
+          </a:p>
+          <a:p>
+            <a:endParaRPr lang="nl-NL" sz="2400" dirty="0"/>
+          </a:p>
+          <a:p>
+            <a:r>
+              <a:rPr lang="nl-NL" sz="2400" dirty="0" err="1" smtClean="0"/>
+              <a:t>And</a:t>
+            </a:r>
+            <a:r>
+              <a:rPr lang="nl-NL" sz="2400" dirty="0" smtClean="0"/>
+              <a:t> </a:t>
+            </a:r>
+            <a:r>
+              <a:rPr lang="nl-NL" sz="2400" dirty="0" err="1" smtClean="0"/>
+              <a:t>specialized</a:t>
+            </a:r>
+            <a:r>
+              <a:rPr lang="nl-NL" sz="2400" dirty="0" smtClean="0"/>
+              <a:t> </a:t>
+            </a:r>
+            <a:r>
+              <a:rPr lang="nl-NL" sz="2400" dirty="0" err="1" smtClean="0"/>
+              <a:t>algorithms</a:t>
+            </a:r>
+            <a:r>
+              <a:rPr lang="nl-NL" sz="2400" dirty="0" smtClean="0"/>
+              <a:t> </a:t>
+            </a:r>
+            <a:r>
+              <a:rPr lang="nl-NL" sz="2400" dirty="0" err="1" smtClean="0"/>
+              <a:t>and</a:t>
+            </a:r>
+            <a:r>
+              <a:rPr lang="nl-NL" sz="2400" dirty="0" smtClean="0"/>
+              <a:t> </a:t>
+            </a:r>
+            <a:r>
+              <a:rPr lang="nl-NL" sz="2400" dirty="0" err="1" smtClean="0"/>
+              <a:t>linguistic</a:t>
+            </a:r>
+            <a:r>
+              <a:rPr lang="nl-NL" sz="2400" dirty="0" smtClean="0"/>
+              <a:t> expertise</a:t>
+            </a:r>
+          </a:p>
+          <a:p>
+            <a:endParaRPr lang="nl-NL" sz="2400" dirty="0" smtClean="0"/>
+          </a:p>
+          <a:p>
+            <a:r>
+              <a:rPr lang="nl-NL" sz="2400" dirty="0" smtClean="0"/>
+              <a:t>Context is </a:t>
+            </a:r>
+            <a:r>
+              <a:rPr lang="nl-NL" sz="2400" dirty="0" err="1" smtClean="0"/>
+              <a:t>everything</a:t>
+            </a:r>
+            <a:endParaRPr lang="nl-NL" sz="2400" dirty="0" smtClean="0"/>
+          </a:p>
+          <a:p>
+            <a:endParaRPr lang="nl-NL" sz="2400" dirty="0"/>
+          </a:p>
+          <a:p>
+            <a:r>
+              <a:rPr lang="nl-NL" sz="2400" dirty="0" smtClean="0"/>
+              <a:t>Big </a:t>
+            </a:r>
+            <a:r>
+              <a:rPr lang="nl-NL" sz="2400" dirty="0" err="1" smtClean="0"/>
+              <a:t>differences</a:t>
+            </a:r>
+            <a:r>
+              <a:rPr lang="nl-NL" sz="2400" dirty="0" smtClean="0"/>
+              <a:t> </a:t>
+            </a:r>
+            <a:r>
+              <a:rPr lang="nl-NL" sz="2400" dirty="0" err="1" smtClean="0"/>
+              <a:t>between</a:t>
+            </a:r>
+            <a:r>
+              <a:rPr lang="nl-NL" sz="2400" dirty="0" smtClean="0"/>
+              <a:t> </a:t>
+            </a:r>
+            <a:r>
+              <a:rPr lang="nl-NL" sz="2400" dirty="0" err="1" smtClean="0"/>
+              <a:t>languages</a:t>
+            </a:r>
+            <a:r>
+              <a:rPr lang="nl-NL" sz="2400" dirty="0" smtClean="0"/>
+              <a:t>: </a:t>
+            </a:r>
+            <a:r>
+              <a:rPr lang="nl-NL" sz="2400" dirty="0" err="1" smtClean="0"/>
+              <a:t>relatively</a:t>
+            </a:r>
+            <a:r>
+              <a:rPr lang="nl-NL" sz="2400" dirty="0" smtClean="0"/>
+              <a:t> </a:t>
+            </a:r>
+            <a:r>
+              <a:rPr lang="nl-NL" sz="2400" dirty="0"/>
+              <a:t>well </a:t>
+            </a:r>
+            <a:r>
+              <a:rPr lang="nl-NL" sz="2400" dirty="0" err="1"/>
+              <a:t>developed</a:t>
+            </a:r>
+            <a:r>
+              <a:rPr lang="nl-NL" sz="2400" dirty="0"/>
+              <a:t> </a:t>
+            </a:r>
+            <a:r>
+              <a:rPr lang="nl-NL" sz="2400" dirty="0" err="1"/>
+              <a:t>for</a:t>
+            </a:r>
+            <a:r>
+              <a:rPr lang="nl-NL" sz="2400" dirty="0"/>
+              <a:t> English </a:t>
+            </a:r>
+            <a:r>
+              <a:rPr lang="nl-NL" sz="2400" dirty="0" err="1"/>
+              <a:t>and</a:t>
+            </a:r>
+            <a:r>
+              <a:rPr lang="nl-NL" sz="2400" dirty="0"/>
+              <a:t> </a:t>
+            </a:r>
+            <a:r>
+              <a:rPr lang="nl-NL" sz="2400" dirty="0" err="1"/>
+              <a:t>some</a:t>
+            </a:r>
+            <a:r>
+              <a:rPr lang="nl-NL" sz="2400" dirty="0"/>
+              <a:t> </a:t>
+            </a:r>
+            <a:r>
+              <a:rPr lang="nl-NL" sz="2400" dirty="0" err="1"/>
+              <a:t>other</a:t>
+            </a:r>
+            <a:r>
+              <a:rPr lang="nl-NL" sz="2400" dirty="0"/>
+              <a:t> big </a:t>
+            </a:r>
+            <a:r>
+              <a:rPr lang="nl-NL" sz="2400" dirty="0" err="1"/>
+              <a:t>and</a:t>
+            </a:r>
+            <a:r>
+              <a:rPr lang="nl-NL" sz="2400" dirty="0"/>
+              <a:t>/or (Indo-)European </a:t>
+            </a:r>
+            <a:r>
+              <a:rPr lang="nl-NL" sz="2400" dirty="0" err="1"/>
+              <a:t>languages</a:t>
+            </a:r>
+            <a:r>
+              <a:rPr lang="nl-NL" sz="2400" dirty="0"/>
+              <a:t>, </a:t>
+            </a:r>
+            <a:r>
+              <a:rPr lang="nl-NL" sz="2400" dirty="0" err="1"/>
+              <a:t>not</a:t>
+            </a:r>
+            <a:r>
+              <a:rPr lang="nl-NL" sz="2400" dirty="0"/>
+              <a:t> </a:t>
+            </a:r>
+            <a:r>
+              <a:rPr lang="nl-NL" sz="2400" dirty="0" err="1"/>
+              <a:t>so</a:t>
+            </a:r>
+            <a:r>
+              <a:rPr lang="nl-NL" sz="2400" dirty="0"/>
+              <a:t> </a:t>
+            </a:r>
+            <a:r>
+              <a:rPr lang="nl-NL" sz="2400" dirty="0" err="1"/>
+              <a:t>much</a:t>
+            </a:r>
+            <a:r>
+              <a:rPr lang="nl-NL" sz="2400" dirty="0"/>
+              <a:t> </a:t>
+            </a:r>
+            <a:r>
+              <a:rPr lang="nl-NL" sz="2400" dirty="0" err="1"/>
+              <a:t>for</a:t>
+            </a:r>
+            <a:r>
+              <a:rPr lang="nl-NL" sz="2400" dirty="0"/>
+              <a:t> </a:t>
+            </a:r>
+            <a:r>
+              <a:rPr lang="nl-NL" sz="2400" dirty="0" err="1"/>
+              <a:t>others</a:t>
+            </a:r>
+            <a:endParaRPr lang="nl-NL" sz="2400" dirty="0"/>
+          </a:p>
+          <a:p>
+            <a:endParaRPr lang="nl-NL" sz="2400" dirty="0"/>
+          </a:p>
+          <a:p>
+            <a:endParaRPr lang="nl-NL" sz="2400" dirty="0"/>
+          </a:p>
+        </p:txBody>
+      </p:sp>
+    </p:spTree>
+    <p:extLst>
+      <p:ext uri="{BB962C8B-B14F-4D97-AF65-F5344CB8AC3E}">
+        <p14:creationId xmlns:p14="http://schemas.microsoft.com/office/powerpoint/2010/main" val="972860387"/>
+      </p:ext>
+    </p:extLst>
+  </p:cSld>
+  <p:clrMapOvr>
+    <a:masterClrMapping/>
+  </p:clrMapOvr>
+</p:sld>
+</file>
+
+<file path=ppt/slides/slide8.xml><?xml version="1.0" encoding="utf-8"?>
+<p:sld xmlns:a="http://schemas.openxmlformats.org/drawingml/2006/main" xmlns:r="http://schemas.openxmlformats.org/officeDocument/2006/relationships" xmlns:p="http://schemas.openxmlformats.org/presentationml/2006/main">
+  <p:cSld>
+    <p:spTree>
+      <p:nvGrpSpPr>
+        <p:cNvPr id="1" name=""/>
+        <p:cNvGrpSpPr/>
+        <p:nvPr/>
+      </p:nvGrpSpPr>
+      <p:grpSpPr>
+        <a:xfrm>
+          <a:off x="0" y="0"/>
+          <a:ext cx="0" cy="0"/>
+          <a:chOff x="0" y="0"/>
+          <a:chExt cx="0" cy="0"/>
+        </a:xfrm>
+      </p:grpSpPr>
+      <p:sp>
+        <p:nvSpPr>
+          <p:cNvPr id="2" name="Titel 1"/>
+          <p:cNvSpPr>
+            <a:spLocks noGrp="1"/>
+          </p:cNvSpPr>
+          <p:nvPr>
+            <p:ph type="title"/>
+          </p:nvPr>
+        </p:nvSpPr>
+        <p:spPr/>
+        <p:txBody>
+          <a:bodyPr/>
+          <a:lstStyle/>
+          <a:p>
+            <a:r>
+              <a:rPr lang="nl-NL" dirty="0" smtClean="0"/>
+              <a:t>Language is complex…</a:t>
+            </a:r>
+            <a:endParaRPr lang="nl-NL" dirty="0"/>
+          </a:p>
+        </p:txBody>
+      </p:sp>
+      <p:sp>
+        <p:nvSpPr>
+          <p:cNvPr id="4" name="Tekstvak 3"/>
+          <p:cNvSpPr txBox="1"/>
+          <p:nvPr/>
+        </p:nvSpPr>
+        <p:spPr>
+          <a:xfrm>
+            <a:off x="525856" y="1772816"/>
+            <a:ext cx="4176464" cy="4985980"/>
+          </a:xfrm>
+          <a:prstGeom prst="rect">
+            <a:avLst/>
+          </a:prstGeom>
+          <a:noFill/>
+        </p:spPr>
+        <p:txBody>
+          <a:bodyPr wrap="square" rtlCol="0">
+            <a:spAutoFit/>
+          </a:bodyPr>
+          <a:lstStyle/>
+          <a:p>
+            <a:r>
+              <a:rPr lang="nl-NL" sz="2400" dirty="0" smtClean="0"/>
+              <a:t>“</a:t>
+            </a:r>
+            <a:r>
+              <a:rPr lang="nl-NL" sz="2400" dirty="0" err="1" smtClean="0"/>
+              <a:t>What</a:t>
+            </a:r>
+            <a:r>
+              <a:rPr lang="nl-NL" sz="2400" dirty="0" smtClean="0"/>
+              <a:t> are </a:t>
+            </a:r>
+            <a:r>
+              <a:rPr lang="nl-NL" sz="2400" dirty="0" err="1" smtClean="0"/>
+              <a:t>you</a:t>
+            </a:r>
+            <a:r>
+              <a:rPr lang="nl-NL" sz="2400" dirty="0" smtClean="0"/>
+              <a:t> </a:t>
+            </a:r>
+            <a:r>
+              <a:rPr lang="nl-NL" sz="2400" dirty="0" err="1" smtClean="0"/>
+              <a:t>doing</a:t>
+            </a:r>
+            <a:r>
+              <a:rPr lang="nl-NL" sz="2400" dirty="0" smtClean="0"/>
+              <a:t> in this classroom?”</a:t>
+            </a:r>
+          </a:p>
+          <a:p>
+            <a:endParaRPr lang="nl-NL" sz="1800" dirty="0"/>
+          </a:p>
+          <a:p>
+            <a:r>
+              <a:rPr lang="nl-NL" sz="1800" dirty="0" smtClean="0"/>
+              <a:t>We have:</a:t>
+            </a:r>
+          </a:p>
+          <a:p>
+            <a:pPr marL="457200" indent="-457200">
+              <a:buFont typeface="Arial" panose="020B0604020202020204" pitchFamily="34" charset="0"/>
+              <a:buChar char="•"/>
+            </a:pPr>
+            <a:r>
+              <a:rPr lang="nl-NL" sz="1800" dirty="0" err="1" smtClean="0"/>
+              <a:t>Semantics</a:t>
+            </a:r>
+            <a:r>
+              <a:rPr lang="nl-NL" sz="1800" dirty="0" smtClean="0"/>
+              <a:t> (</a:t>
+            </a:r>
+            <a:r>
+              <a:rPr lang="nl-NL" sz="1800" dirty="0" err="1" smtClean="0"/>
+              <a:t>what</a:t>
+            </a:r>
+            <a:r>
+              <a:rPr lang="nl-NL" sz="1800" dirty="0" smtClean="0"/>
+              <a:t> </a:t>
+            </a:r>
+            <a:r>
+              <a:rPr lang="nl-NL" sz="1800" dirty="0" err="1" smtClean="0"/>
+              <a:t>words</a:t>
+            </a:r>
+            <a:r>
+              <a:rPr lang="nl-NL" sz="1800" dirty="0" smtClean="0"/>
+              <a:t> mean)</a:t>
+            </a:r>
+          </a:p>
+          <a:p>
+            <a:pPr marL="457200" indent="-457200">
+              <a:buFont typeface="Arial" panose="020B0604020202020204" pitchFamily="34" charset="0"/>
+              <a:buChar char="•"/>
+            </a:pPr>
+            <a:endParaRPr lang="nl-NL" sz="1800" dirty="0" smtClean="0"/>
+          </a:p>
+          <a:p>
+            <a:pPr marL="457200" indent="-457200">
+              <a:buFont typeface="Arial" panose="020B0604020202020204" pitchFamily="34" charset="0"/>
+              <a:buChar char="•"/>
+            </a:pPr>
+            <a:r>
+              <a:rPr lang="nl-NL" sz="1800" dirty="0" err="1" smtClean="0"/>
+              <a:t>Morphology</a:t>
+            </a:r>
+            <a:r>
+              <a:rPr lang="nl-NL" sz="1800" dirty="0" smtClean="0"/>
+              <a:t> </a:t>
+            </a:r>
+            <a:r>
+              <a:rPr lang="nl-NL" sz="1800" dirty="0" smtClean="0"/>
+              <a:t>(</a:t>
+            </a:r>
+            <a:r>
+              <a:rPr lang="nl-NL" sz="1800" dirty="0" err="1" smtClean="0"/>
+              <a:t>how</a:t>
+            </a:r>
+            <a:r>
+              <a:rPr lang="nl-NL" sz="1800" dirty="0" smtClean="0"/>
+              <a:t> </a:t>
+            </a:r>
+            <a:r>
+              <a:rPr lang="nl-NL" sz="1800" dirty="0" err="1" smtClean="0"/>
+              <a:t>words</a:t>
+            </a:r>
+            <a:r>
+              <a:rPr lang="nl-NL" sz="1800" dirty="0" smtClean="0"/>
+              <a:t> are </a:t>
+            </a:r>
+            <a:r>
+              <a:rPr lang="nl-NL" sz="1800" dirty="0" err="1" smtClean="0"/>
+              <a:t>formed</a:t>
+            </a:r>
+            <a:r>
+              <a:rPr lang="nl-NL" sz="1800" dirty="0" smtClean="0"/>
+              <a:t>) </a:t>
+            </a:r>
+            <a:r>
+              <a:rPr lang="nl-NL" sz="1800" dirty="0"/>
+              <a:t>→ ‘do-</a:t>
+            </a:r>
+            <a:r>
+              <a:rPr lang="nl-NL" sz="1800" dirty="0" err="1"/>
+              <a:t>ing</a:t>
+            </a:r>
+            <a:r>
+              <a:rPr lang="nl-NL" sz="1800" dirty="0"/>
+              <a:t>’, ‘are’, word order</a:t>
+            </a:r>
+          </a:p>
+          <a:p>
+            <a:pPr marL="457200" indent="-457200">
+              <a:buFont typeface="Arial" panose="020B0604020202020204" pitchFamily="34" charset="0"/>
+              <a:buChar char="•"/>
+            </a:pPr>
+            <a:endParaRPr lang="nl-NL" sz="1800" dirty="0" smtClean="0"/>
+          </a:p>
+          <a:p>
+            <a:pPr marL="457200" indent="-457200">
+              <a:buFont typeface="Arial" panose="020B0604020202020204" pitchFamily="34" charset="0"/>
+              <a:buChar char="•"/>
+            </a:pPr>
+            <a:r>
+              <a:rPr lang="nl-NL" sz="1800" dirty="0" smtClean="0"/>
+              <a:t>Syntax (</a:t>
+            </a:r>
+            <a:r>
+              <a:rPr lang="nl-NL" sz="1800" dirty="0" err="1" smtClean="0"/>
+              <a:t>sentence</a:t>
+            </a:r>
+            <a:r>
+              <a:rPr lang="nl-NL" sz="1800" dirty="0" smtClean="0"/>
+              <a:t> </a:t>
+            </a:r>
+            <a:r>
+              <a:rPr lang="nl-NL" sz="1800" dirty="0" err="1" smtClean="0"/>
+              <a:t>construction</a:t>
+            </a:r>
+            <a:r>
+              <a:rPr lang="nl-NL" sz="1800" dirty="0" smtClean="0"/>
+              <a:t>, word order) → </a:t>
+            </a:r>
+            <a:r>
+              <a:rPr lang="nl-NL" sz="1800" dirty="0" err="1" smtClean="0"/>
+              <a:t>what</a:t>
+            </a:r>
+            <a:r>
+              <a:rPr lang="nl-NL" sz="1800" dirty="0" smtClean="0"/>
+              <a:t> are </a:t>
+            </a:r>
+            <a:r>
+              <a:rPr lang="nl-NL" sz="1800" dirty="0" err="1" smtClean="0"/>
+              <a:t>you</a:t>
+            </a:r>
+            <a:r>
+              <a:rPr lang="nl-NL" sz="1800" dirty="0" smtClean="0"/>
+              <a:t> …</a:t>
+            </a:r>
+          </a:p>
+          <a:p>
+            <a:endParaRPr lang="nl-NL" sz="1800" dirty="0" smtClean="0"/>
+          </a:p>
+          <a:p>
+            <a:pPr marL="457200" indent="-457200">
+              <a:buFont typeface="Arial" panose="020B0604020202020204" pitchFamily="34" charset="0"/>
+              <a:buChar char="•"/>
+            </a:pPr>
+            <a:r>
+              <a:rPr lang="nl-NL" sz="1800" dirty="0" err="1" smtClean="0"/>
+              <a:t>Pragmatics</a:t>
+            </a:r>
+            <a:r>
+              <a:rPr lang="nl-NL" sz="1800" dirty="0" smtClean="0"/>
+              <a:t> (</a:t>
+            </a:r>
+            <a:r>
+              <a:rPr lang="nl-NL" sz="1800" dirty="0" err="1" smtClean="0"/>
+              <a:t>meaning</a:t>
+            </a:r>
+            <a:r>
+              <a:rPr lang="nl-NL" sz="1800" dirty="0" smtClean="0"/>
+              <a:t> in context) </a:t>
+            </a:r>
+            <a:r>
+              <a:rPr lang="nl-NL" sz="1800" dirty="0" smtClean="0"/>
+              <a:t>→ ‘get out!’</a:t>
+            </a:r>
+          </a:p>
+          <a:p>
+            <a:endParaRPr lang="nl-NL" sz="1800" dirty="0"/>
+          </a:p>
+          <a:p>
+            <a:endParaRPr lang="nl-NL" sz="1800" dirty="0"/>
+          </a:p>
+        </p:txBody>
+      </p:sp>
+      <p:pic>
+        <p:nvPicPr>
+          <p:cNvPr id="5" name="Afbeelding 4"/>
+          <p:cNvPicPr>
+            <a:picLocks noChangeAspect="1"/>
+          </p:cNvPicPr>
+          <p:nvPr/>
+        </p:nvPicPr>
+        <p:blipFill>
+          <a:blip r:embed="rId2">
+            <a:extLst>
+              <a:ext uri="{28A0092B-C50C-407E-A947-70E740481C1C}">
+                <a14:useLocalDpi xmlns:a14="http://schemas.microsoft.com/office/drawing/2010/main" val="0"/>
+              </a:ext>
+            </a:extLst>
+          </a:blip>
+          <a:stretch>
+            <a:fillRect/>
+          </a:stretch>
+        </p:blipFill>
+        <p:spPr>
+          <a:xfrm>
+            <a:off x="5148064" y="1916832"/>
+            <a:ext cx="3540832" cy="3540832"/>
+          </a:xfrm>
+          <a:prstGeom prst="rect">
+            <a:avLst/>
+          </a:prstGeom>
+        </p:spPr>
+      </p:pic>
+    </p:spTree>
+    <p:extLst>
+      <p:ext uri="{BB962C8B-B14F-4D97-AF65-F5344CB8AC3E}">
+        <p14:creationId xmlns:p14="http://schemas.microsoft.com/office/powerpoint/2010/main" val="2040044746"/>
+      </p:ext>
+    </p:extLst>
+  </p:cSld>
+  <p:clrMapOvr>
+    <a:masterClrMapping/>
+  </p:clrMapOvr>
+  <p:timing>
+    <p:tnLst>
+      <p:par>
+        <p:cTn id="1" dur="indefinite" restart="never" nodeType="tmRoot"/>
+      </p:par>
+    </p:tnLst>
+  </p:timing>
+</p:sld>
+</file>
+
+<file path=ppt/slides/slide9.xml><?xml version="1.0" encoding="utf-8"?>
+<p:sld xmlns:a="http://schemas.openxmlformats.org/drawingml/2006/main" xmlns:r="http://schemas.openxmlformats.org/officeDocument/2006/relationships" xmlns:p="http://schemas.openxmlformats.org/presentationml/2006/main">
+  <p:cSld>
+    <p:spTree>
+      <p:nvGrpSpPr>
+        <p:cNvPr id="1" name=""/>
+        <p:cNvGrpSpPr/>
+        <p:nvPr/>
+      </p:nvGrpSpPr>
+      <p:grpSpPr>
+        <a:xfrm>
+          <a:off x="0" y="0"/>
+          <a:ext cx="0" cy="0"/>
+          <a:chOff x="0" y="0"/>
+          <a:chExt cx="0" cy="0"/>
+        </a:xfrm>
+      </p:grpSpPr>
+      <p:sp>
+        <p:nvSpPr>
+          <p:cNvPr id="2" name="Titel 1"/>
+          <p:cNvSpPr>
+            <a:spLocks noGrp="1"/>
+          </p:cNvSpPr>
+          <p:nvPr>
+            <p:ph type="title"/>
+          </p:nvPr>
+        </p:nvSpPr>
+        <p:spPr/>
+        <p:txBody>
+          <a:bodyPr/>
+          <a:lstStyle/>
+          <a:p>
+            <a:r>
+              <a:rPr lang="nl-NL" dirty="0" smtClean="0"/>
+              <a:t>Topics</a:t>
+            </a:r>
+            <a:endParaRPr lang="nl-NL" dirty="0"/>
+          </a:p>
+        </p:txBody>
+      </p:sp>
+      <p:sp>
+        <p:nvSpPr>
+          <p:cNvPr id="3" name="Tijdelijke aanduiding voor inhoud 2"/>
+          <p:cNvSpPr>
+            <a:spLocks noGrp="1"/>
+          </p:cNvSpPr>
+          <p:nvPr>
+            <p:ph idx="1"/>
+          </p:nvPr>
+        </p:nvSpPr>
+        <p:spPr>
+          <a:xfrm>
+            <a:off x="762000" y="1762125"/>
+            <a:ext cx="7881938" cy="2234458"/>
+          </a:xfrm>
+        </p:spPr>
+        <p:txBody>
+          <a:bodyPr/>
+          <a:lstStyle/>
+          <a:p>
+            <a:r>
+              <a:rPr lang="nl-NL" sz="2400" dirty="0"/>
+              <a:t>Natural Language Processing (NLP)</a:t>
+            </a:r>
+          </a:p>
+          <a:p>
+            <a:endParaRPr lang="nl-NL" sz="2400" dirty="0"/>
+          </a:p>
+          <a:p>
+            <a:r>
+              <a:rPr lang="nl-NL" sz="2400" dirty="0" err="1" smtClean="0"/>
+              <a:t>Modeling</a:t>
+            </a:r>
+            <a:r>
+              <a:rPr lang="nl-NL" sz="2400" dirty="0" smtClean="0"/>
+              <a:t> text</a:t>
+            </a:r>
+            <a:endParaRPr lang="nl-NL" sz="2400" dirty="0" smtClean="0"/>
+          </a:p>
+          <a:p>
+            <a:pPr marL="0" indent="0">
+              <a:buNone/>
+            </a:pPr>
+            <a:endParaRPr lang="nl-NL" sz="2400" dirty="0"/>
+          </a:p>
+          <a:p>
+            <a:r>
+              <a:rPr lang="nl-NL" sz="2400" dirty="0" err="1" smtClean="0"/>
+              <a:t>Classification</a:t>
+            </a:r>
+            <a:r>
+              <a:rPr lang="nl-NL" sz="2400" dirty="0" smtClean="0"/>
+              <a:t> </a:t>
+            </a:r>
+            <a:r>
+              <a:rPr lang="nl-NL" sz="2400" dirty="0" err="1" smtClean="0"/>
+              <a:t>with</a:t>
+            </a:r>
+            <a:r>
+              <a:rPr lang="nl-NL" sz="2400" dirty="0" smtClean="0"/>
+              <a:t> </a:t>
+            </a:r>
+            <a:r>
+              <a:rPr lang="nl-NL" sz="2400" dirty="0" err="1" smtClean="0"/>
+              <a:t>Naïve</a:t>
+            </a:r>
+            <a:r>
+              <a:rPr lang="nl-NL" sz="2400" dirty="0" smtClean="0"/>
+              <a:t> Bayes</a:t>
+            </a:r>
+            <a:endParaRPr lang="nl-NL" sz="2400" dirty="0"/>
+          </a:p>
+        </p:txBody>
+      </p:sp>
+    </p:spTree>
+    <p:extLst>
+      <p:ext uri="{BB962C8B-B14F-4D97-AF65-F5344CB8AC3E}">
+        <p14:creationId xmlns:p14="http://schemas.microsoft.com/office/powerpoint/2010/main" val="184613006"/>
       </p:ext>
     </p:extLst>
   </p:cSld>

--- a/slides/ddl-w8l1.pptx
+++ b/slides/ddl-w8l1.pptx
@@ -309,7 +309,7 @@
             <a:fld id="{373F1B60-BDF4-4D63-AD79-99D5A5B1DF99}" type="datetime1">
               <a:rPr lang="en-US"/>
               <a:pPr/>
-              <a:t>1/4/2019</a:t>
+              <a:t>1/12/2019</a:t>
             </a:fld>
             <a:endParaRPr lang="en-US"/>
           </a:p>
@@ -528,7 +528,7 @@
             <a:fld id="{4387A7AA-DFE9-4771-BEDE-3294FCEBFB02}" type="datetime1">
               <a:rPr lang="en-US"/>
               <a:pPr/>
-              <a:t>1/4/2019</a:t>
+              <a:t>1/12/2019</a:t>
             </a:fld>
             <a:endParaRPr lang="en-US"/>
           </a:p>
@@ -919,7 +919,7 @@
             <a:fld id="{8541E2CD-DBF4-40F9-B6F8-EEFD0DF8A138}" type="datetime1">
               <a:rPr lang="en-US"/>
               <a:pPr/>
-              <a:t>1/4/2019</a:t>
+              <a:t>1/12/2019</a:t>
             </a:fld>
             <a:endParaRPr lang="en-US"/>
           </a:p>
@@ -1139,7 +1139,7 @@
             <a:fld id="{93F21019-3A00-48AC-9663-40DF67A83229}" type="datetime1">
               <a:rPr lang="en-US"/>
               <a:pPr/>
-              <a:t>1/4/2019</a:t>
+              <a:t>1/12/2019</a:t>
             </a:fld>
             <a:endParaRPr lang="en-US">
               <a:solidFill>
@@ -1325,7 +1325,7 @@
             <a:fld id="{8B2EF9C8-0AC3-4A53-9A61-1834A571F420}" type="datetime1">
               <a:rPr lang="en-US"/>
               <a:pPr/>
-              <a:t>1/4/2019</a:t>
+              <a:t>1/12/2019</a:t>
             </a:fld>
             <a:endParaRPr lang="en-US" sz="1400">
               <a:solidFill>
@@ -1522,7 +1522,7 @@
             <a:fld id="{F02960F3-A385-4905-A491-FDC17E063DD1}" type="datetime1">
               <a:rPr lang="en-US"/>
               <a:pPr/>
-              <a:t>1/4/2019</a:t>
+              <a:t>1/12/2019</a:t>
             </a:fld>
             <a:endParaRPr lang="en-US" sz="1400">
               <a:solidFill>
@@ -1781,7 +1781,7 @@
             <a:fld id="{CD3AD70A-8E2A-47B5-AC18-ABBB5A8E737D}" type="datetime1">
               <a:rPr lang="en-US"/>
               <a:pPr/>
-              <a:t>1/4/2019</a:t>
+              <a:t>1/12/2019</a:t>
             </a:fld>
             <a:endParaRPr lang="en-US" sz="1400">
               <a:solidFill>
@@ -2017,7 +2017,7 @@
             <a:fld id="{07008C2E-9BD6-496B-BFC3-B4A975EBC85E}" type="datetime1">
               <a:rPr lang="en-US"/>
               <a:pPr/>
-              <a:t>1/4/2019</a:t>
+              <a:t>1/12/2019</a:t>
             </a:fld>
             <a:endParaRPr lang="en-US" sz="1400">
               <a:solidFill>
@@ -2196,7 +2196,7 @@
             <a:fld id="{1AA2C3CF-866C-4FDE-B76D-4E9536901630}" type="datetime1">
               <a:rPr lang="en-US"/>
               <a:pPr/>
-              <a:t>1/4/2019</a:t>
+              <a:t>1/12/2019</a:t>
             </a:fld>
             <a:endParaRPr lang="en-US" sz="1400">
               <a:solidFill>
@@ -2375,7 +2375,7 @@
             <a:fld id="{555EE259-FE08-4558-B721-B189FFE77284}" type="datetime1">
               <a:rPr lang="en-US"/>
               <a:pPr/>
-              <a:t>1/4/2019</a:t>
+              <a:t>1/12/2019</a:t>
             </a:fld>
             <a:endParaRPr lang="en-US" sz="1400">
               <a:solidFill>
@@ -2644,7 +2644,7 @@
             <a:fld id="{0AF4064E-5624-49AB-B7C6-E301A8F6B1FF}" type="datetime1">
               <a:rPr lang="en-US"/>
               <a:pPr/>
-              <a:t>1/4/2019</a:t>
+              <a:t>1/12/2019</a:t>
             </a:fld>
             <a:endParaRPr lang="en-US" sz="1400">
               <a:solidFill>
@@ -2841,7 +2841,7 @@
             <a:fld id="{CBC97FCD-6C54-4833-B032-BFBCDFA8379D}" type="datetime1">
               <a:rPr lang="en-US"/>
               <a:pPr/>
-              <a:t>1/4/2019</a:t>
+              <a:t>1/12/2019</a:t>
             </a:fld>
             <a:endParaRPr lang="en-US" sz="1400">
               <a:solidFill>
@@ -3050,7 +3050,7 @@
             <a:fld id="{F04AA577-515A-431F-98B6-3B03494ABB11}" type="datetime1">
               <a:rPr lang="en-US"/>
               <a:pPr/>
-              <a:t>1/4/2019</a:t>
+              <a:t>1/12/2019</a:t>
             </a:fld>
             <a:endParaRPr lang="en-US" sz="1400">
               <a:solidFill>
@@ -3355,7 +3355,7 @@
             <a:fld id="{6475F1A4-C474-4345-A800-2F40B0E4E70C}" type="datetime1">
               <a:rPr lang="en-US"/>
               <a:pPr/>
-              <a:t>1/4/2019</a:t>
+              <a:t>1/12/2019</a:t>
             </a:fld>
             <a:endParaRPr lang="en-US" sz="1400">
               <a:solidFill>
@@ -3799,7 +3799,7 @@
             <a:fld id="{7BA535AB-820E-4207-9DA8-5F37106C7AF4}" type="datetime1">
               <a:rPr lang="en-US"/>
               <a:pPr/>
-              <a:t>1/4/2019</a:t>
+              <a:t>1/12/2019</a:t>
             </a:fld>
             <a:endParaRPr lang="en-US" sz="1400">
               <a:solidFill>
@@ -3934,7 +3934,7 @@
             <a:fld id="{0A7E69FA-D7EE-42C0-9117-1971B541885F}" type="datetime1">
               <a:rPr lang="en-US"/>
               <a:pPr/>
-              <a:t>1/4/2019</a:t>
+              <a:t>1/12/2019</a:t>
             </a:fld>
             <a:endParaRPr lang="en-US" sz="1400">
               <a:solidFill>
@@ -4046,7 +4046,7 @@
             <a:fld id="{10D7644E-1B5D-4325-BA79-338DF2B89B56}" type="datetime1">
               <a:rPr lang="en-US"/>
               <a:pPr/>
-              <a:t>1/4/2019</a:t>
+              <a:t>1/12/2019</a:t>
             </a:fld>
             <a:endParaRPr lang="en-US" sz="1400">
               <a:solidFill>
@@ -4340,7 +4340,7 @@
             <a:fld id="{B790C882-0B74-4932-8998-E9ABB8AF1740}" type="datetime1">
               <a:rPr lang="en-US"/>
               <a:pPr/>
-              <a:t>1/4/2019</a:t>
+              <a:t>1/12/2019</a:t>
             </a:fld>
             <a:endParaRPr lang="en-US" sz="1400">
               <a:solidFill>
@@ -4610,7 +4610,7 @@
             <a:fld id="{9DC585DC-AE7D-44C1-90AB-C3A391DEA065}" type="datetime1">
               <a:rPr lang="en-US"/>
               <a:pPr/>
-              <a:t>1/4/2019</a:t>
+              <a:t>1/12/2019</a:t>
             </a:fld>
             <a:endParaRPr lang="en-US" sz="1400">
               <a:solidFill>
@@ -4874,7 +4874,7 @@
             <a:fld id="{256CE565-1940-4E5F-9190-C0815CEAAA9D}" type="datetime1">
               <a:rPr lang="en-US"/>
               <a:pPr/>
-              <a:t>1/4/2019</a:t>
+              <a:t>1/12/2019</a:t>
             </a:fld>
             <a:endParaRPr lang="en-US"/>
           </a:p>
@@ -7346,7 +7346,6 @@
               <a:rPr lang="nl-NL" sz="2000" kern="0" dirty="0" smtClean="0"/>
               <a:t> / variables</a:t>
             </a:r>
-            <a:endParaRPr lang="nl-NL" sz="2000" kern="0" dirty="0" smtClean="0"/>
           </a:p>
         </p:txBody>
       </p:sp>
@@ -7673,7 +7672,7 @@
         <p:spPr bwMode="auto">
           <a:xfrm>
             <a:off x="838200" y="1484784"/>
-            <a:ext cx="7881938" cy="7343549"/>
+            <a:ext cx="7881938" cy="6604885"/>
           </a:xfrm>
           <a:prstGeom prst="rect">
             <a:avLst/>
@@ -7883,266 +7882,266 @@
               <a:buNone/>
             </a:pPr>
             <a:r>
-              <a:rPr lang="nl-NL" sz="1600" kern="0" dirty="0" err="1" smtClean="0">
+              <a:rPr lang="nl-NL" sz="1400" kern="0" dirty="0" err="1" smtClean="0">
                 <a:latin typeface="Courier New" panose="02070309020205020404" pitchFamily="49" charset="0"/>
                 <a:cs typeface="Courier New" panose="02070309020205020404" pitchFamily="49" charset="0"/>
               </a:rPr>
               <a:t>During</a:t>
             </a:r>
             <a:r>
-              <a:rPr lang="nl-NL" sz="1600" kern="0" dirty="0" smtClean="0">
+              <a:rPr lang="nl-NL" sz="1400" kern="0" dirty="0" smtClean="0">
                 <a:latin typeface="Courier New" panose="02070309020205020404" pitchFamily="49" charset="0"/>
                 <a:cs typeface="Courier New" panose="02070309020205020404" pitchFamily="49" charset="0"/>
               </a:rPr>
               <a:t> this week, </a:t>
             </a:r>
             <a:r>
-              <a:rPr lang="nl-NL" sz="1600" kern="0" dirty="0" err="1" smtClean="0">
+              <a:rPr lang="nl-NL" sz="1400" kern="0" dirty="0" err="1" smtClean="0">
                 <a:latin typeface="Courier New" panose="02070309020205020404" pitchFamily="49" charset="0"/>
                 <a:cs typeface="Courier New" panose="02070309020205020404" pitchFamily="49" charset="0"/>
               </a:rPr>
               <a:t>you</a:t>
             </a:r>
             <a:r>
-              <a:rPr lang="nl-NL" sz="1600" kern="0" dirty="0" smtClean="0">
+              <a:rPr lang="nl-NL" sz="1400" kern="0" dirty="0" smtClean="0">
                 <a:latin typeface="Courier New" panose="02070309020205020404" pitchFamily="49" charset="0"/>
                 <a:cs typeface="Courier New" panose="02070309020205020404" pitchFamily="49" charset="0"/>
               </a:rPr>
               <a:t> are </a:t>
             </a:r>
             <a:r>
-              <a:rPr lang="nl-NL" sz="1600" kern="0" dirty="0" err="1" smtClean="0">
+              <a:rPr lang="nl-NL" sz="1400" kern="0" dirty="0" err="1" smtClean="0">
                 <a:latin typeface="Courier New" panose="02070309020205020404" pitchFamily="49" charset="0"/>
                 <a:cs typeface="Courier New" panose="02070309020205020404" pitchFamily="49" charset="0"/>
               </a:rPr>
               <a:t>going</a:t>
             </a:r>
             <a:r>
-              <a:rPr lang="nl-NL" sz="1600" kern="0" dirty="0" smtClean="0">
+              <a:rPr lang="nl-NL" sz="1400" kern="0" dirty="0" smtClean="0">
                 <a:latin typeface="Courier New" panose="02070309020205020404" pitchFamily="49" charset="0"/>
                 <a:cs typeface="Courier New" panose="02070309020205020404" pitchFamily="49" charset="0"/>
               </a:rPr>
               <a:t> </a:t>
             </a:r>
             <a:r>
-              <a:rPr lang="nl-NL" sz="1600" kern="0" dirty="0" err="1" smtClean="0">
+              <a:rPr lang="nl-NL" sz="1400" kern="0" dirty="0" err="1" smtClean="0">
                 <a:latin typeface="Courier New" panose="02070309020205020404" pitchFamily="49" charset="0"/>
                 <a:cs typeface="Courier New" panose="02070309020205020404" pitchFamily="49" charset="0"/>
               </a:rPr>
               <a:t>to</a:t>
             </a:r>
             <a:r>
-              <a:rPr lang="nl-NL" sz="1600" kern="0" dirty="0" smtClean="0">
+              <a:rPr lang="nl-NL" sz="1400" kern="0" dirty="0" smtClean="0">
                 <a:latin typeface="Courier New" panose="02070309020205020404" pitchFamily="49" charset="0"/>
                 <a:cs typeface="Courier New" panose="02070309020205020404" pitchFamily="49" charset="0"/>
               </a:rPr>
               <a:t> </a:t>
             </a:r>
             <a:r>
-              <a:rPr lang="nl-NL" sz="1600" kern="0" dirty="0" err="1" smtClean="0">
+              <a:rPr lang="nl-NL" sz="1400" kern="0" dirty="0" err="1" smtClean="0">
                 <a:latin typeface="Courier New" panose="02070309020205020404" pitchFamily="49" charset="0"/>
                 <a:cs typeface="Courier New" panose="02070309020205020404" pitchFamily="49" charset="0"/>
               </a:rPr>
               <a:t>work</a:t>
             </a:r>
             <a:r>
-              <a:rPr lang="nl-NL" sz="1600" kern="0" dirty="0" smtClean="0">
+              <a:rPr lang="nl-NL" sz="1400" kern="0" dirty="0" smtClean="0">
                 <a:latin typeface="Courier New" panose="02070309020205020404" pitchFamily="49" charset="0"/>
                 <a:cs typeface="Courier New" panose="02070309020205020404" pitchFamily="49" charset="0"/>
               </a:rPr>
               <a:t> </a:t>
             </a:r>
             <a:r>
-              <a:rPr lang="nl-NL" sz="1600" kern="0" dirty="0" err="1" smtClean="0">
+              <a:rPr lang="nl-NL" sz="1400" kern="0" dirty="0" err="1" smtClean="0">
                 <a:latin typeface="Courier New" panose="02070309020205020404" pitchFamily="49" charset="0"/>
                 <a:cs typeface="Courier New" panose="02070309020205020404" pitchFamily="49" charset="0"/>
               </a:rPr>
               <a:t>with</a:t>
             </a:r>
             <a:r>
-              <a:rPr lang="nl-NL" sz="1600" kern="0" dirty="0" smtClean="0">
+              <a:rPr lang="nl-NL" sz="1400" kern="0" dirty="0" smtClean="0">
                 <a:latin typeface="Courier New" panose="02070309020205020404" pitchFamily="49" charset="0"/>
                 <a:cs typeface="Courier New" panose="02070309020205020404" pitchFamily="49" charset="0"/>
               </a:rPr>
               <a:t> </a:t>
             </a:r>
             <a:r>
-              <a:rPr lang="nl-NL" sz="1600" kern="0" dirty="0" err="1" smtClean="0">
+              <a:rPr lang="nl-NL" sz="1400" kern="0" dirty="0" err="1" smtClean="0">
                 <a:latin typeface="Courier New" panose="02070309020205020404" pitchFamily="49" charset="0"/>
                 <a:cs typeface="Courier New" panose="02070309020205020404" pitchFamily="49" charset="0"/>
               </a:rPr>
               <a:t>dialog</a:t>
             </a:r>
             <a:r>
-              <a:rPr lang="nl-NL" sz="1600" kern="0" dirty="0" smtClean="0">
+              <a:rPr lang="nl-NL" sz="1400" kern="0" dirty="0" smtClean="0">
                 <a:latin typeface="Courier New" panose="02070309020205020404" pitchFamily="49" charset="0"/>
                 <a:cs typeface="Courier New" panose="02070309020205020404" pitchFamily="49" charset="0"/>
               </a:rPr>
               <a:t> </a:t>
             </a:r>
             <a:r>
-              <a:rPr lang="nl-NL" sz="1600" kern="0" dirty="0" err="1" smtClean="0">
+              <a:rPr lang="nl-NL" sz="1400" kern="0" dirty="0" err="1" smtClean="0">
                 <a:latin typeface="Courier New" panose="02070309020205020404" pitchFamily="49" charset="0"/>
                 <a:cs typeface="Courier New" panose="02070309020205020404" pitchFamily="49" charset="0"/>
               </a:rPr>
               <a:t>lines</a:t>
             </a:r>
             <a:r>
-              <a:rPr lang="nl-NL" sz="1600" kern="0" dirty="0" smtClean="0">
+              <a:rPr lang="nl-NL" sz="1400" kern="0" dirty="0" smtClean="0">
                 <a:latin typeface="Courier New" panose="02070309020205020404" pitchFamily="49" charset="0"/>
                 <a:cs typeface="Courier New" panose="02070309020205020404" pitchFamily="49" charset="0"/>
               </a:rPr>
               <a:t> from the </a:t>
             </a:r>
             <a:r>
-              <a:rPr lang="nl-NL" sz="1600" kern="0" dirty="0" err="1" smtClean="0">
-                <a:latin typeface="Courier New" panose="02070309020205020404" pitchFamily="49" charset="0"/>
-                <a:cs typeface="Courier New" panose="02070309020205020404" pitchFamily="49" charset="0"/>
-              </a:rPr>
-              <a:t>Simpson’s</a:t>
-            </a:r>
-            <a:r>
-              <a:rPr lang="nl-NL" sz="1600" kern="0" dirty="0" smtClean="0">
+              <a:rPr lang="nl-NL" sz="1400" kern="0" dirty="0" smtClean="0">
+                <a:latin typeface="Courier New" panose="02070309020205020404" pitchFamily="49" charset="0"/>
+                <a:cs typeface="Courier New" panose="02070309020205020404" pitchFamily="49" charset="0"/>
+              </a:rPr>
+              <a:t>Simpsons</a:t>
+            </a:r>
+            <a:r>
+              <a:rPr lang="nl-NL" sz="1400" kern="0" dirty="0" smtClean="0">
                 <a:latin typeface="Courier New" panose="02070309020205020404" pitchFamily="49" charset="0"/>
                 <a:cs typeface="Courier New" panose="02070309020205020404" pitchFamily="49" charset="0"/>
               </a:rPr>
               <a:t>. </a:t>
             </a:r>
             <a:r>
-              <a:rPr lang="nl-NL" sz="1600" kern="0" dirty="0" err="1" smtClean="0">
+              <a:rPr lang="nl-NL" sz="1400" kern="0" dirty="0" err="1" smtClean="0">
                 <a:latin typeface="Courier New" panose="02070309020205020404" pitchFamily="49" charset="0"/>
                 <a:cs typeface="Courier New" panose="02070309020205020404" pitchFamily="49" charset="0"/>
               </a:rPr>
               <a:t>Your</a:t>
             </a:r>
             <a:r>
-              <a:rPr lang="nl-NL" sz="1600" kern="0" dirty="0" smtClean="0">
+              <a:rPr lang="nl-NL" sz="1400" kern="0" dirty="0" smtClean="0">
                 <a:latin typeface="Courier New" panose="02070309020205020404" pitchFamily="49" charset="0"/>
                 <a:cs typeface="Courier New" panose="02070309020205020404" pitchFamily="49" charset="0"/>
               </a:rPr>
               <a:t> </a:t>
             </a:r>
             <a:r>
-              <a:rPr lang="nl-NL" sz="1600" kern="0" dirty="0" err="1" smtClean="0">
+              <a:rPr lang="nl-NL" sz="1400" kern="0" dirty="0" err="1" smtClean="0">
                 <a:latin typeface="Courier New" panose="02070309020205020404" pitchFamily="49" charset="0"/>
                 <a:cs typeface="Courier New" panose="02070309020205020404" pitchFamily="49" charset="0"/>
               </a:rPr>
               <a:t>task</a:t>
             </a:r>
             <a:r>
-              <a:rPr lang="nl-NL" sz="1600" kern="0" dirty="0" smtClean="0">
+              <a:rPr lang="nl-NL" sz="1400" kern="0" dirty="0" smtClean="0">
                 <a:latin typeface="Courier New" panose="02070309020205020404" pitchFamily="49" charset="0"/>
                 <a:cs typeface="Courier New" panose="02070309020205020404" pitchFamily="49" charset="0"/>
               </a:rPr>
               <a:t> </a:t>
             </a:r>
             <a:r>
-              <a:rPr lang="nl-NL" sz="1600" kern="0" dirty="0" err="1" smtClean="0">
+              <a:rPr lang="nl-NL" sz="1400" kern="0" dirty="0" err="1" smtClean="0">
                 <a:latin typeface="Courier New" panose="02070309020205020404" pitchFamily="49" charset="0"/>
                 <a:cs typeface="Courier New" panose="02070309020205020404" pitchFamily="49" charset="0"/>
               </a:rPr>
               <a:t>during</a:t>
             </a:r>
             <a:r>
-              <a:rPr lang="nl-NL" sz="1600" kern="0" dirty="0" smtClean="0">
+              <a:rPr lang="nl-NL" sz="1400" kern="0" dirty="0" smtClean="0">
                 <a:latin typeface="Courier New" panose="02070309020205020404" pitchFamily="49" charset="0"/>
                 <a:cs typeface="Courier New" panose="02070309020205020404" pitchFamily="49" charset="0"/>
               </a:rPr>
               <a:t> this week is </a:t>
             </a:r>
             <a:r>
-              <a:rPr lang="nl-NL" sz="1600" kern="0" dirty="0" err="1" smtClean="0">
+              <a:rPr lang="nl-NL" sz="1400" kern="0" dirty="0" err="1" smtClean="0">
                 <a:latin typeface="Courier New" panose="02070309020205020404" pitchFamily="49" charset="0"/>
                 <a:cs typeface="Courier New" panose="02070309020205020404" pitchFamily="49" charset="0"/>
               </a:rPr>
               <a:t>to</a:t>
             </a:r>
             <a:r>
-              <a:rPr lang="nl-NL" sz="1600" kern="0" dirty="0" smtClean="0">
+              <a:rPr lang="nl-NL" sz="1400" kern="0" dirty="0" smtClean="0">
                 <a:latin typeface="Courier New" panose="02070309020205020404" pitchFamily="49" charset="0"/>
                 <a:cs typeface="Courier New" panose="02070309020205020404" pitchFamily="49" charset="0"/>
               </a:rPr>
               <a:t> </a:t>
             </a:r>
             <a:r>
-              <a:rPr lang="nl-NL" sz="1600" kern="0" dirty="0" err="1" smtClean="0">
+              <a:rPr lang="nl-NL" sz="1400" kern="0" dirty="0" err="1" smtClean="0">
                 <a:latin typeface="Courier New" panose="02070309020205020404" pitchFamily="49" charset="0"/>
                 <a:cs typeface="Courier New" panose="02070309020205020404" pitchFamily="49" charset="0"/>
               </a:rPr>
               <a:t>build</a:t>
             </a:r>
             <a:r>
-              <a:rPr lang="nl-NL" sz="1600" kern="0" dirty="0" smtClean="0">
+              <a:rPr lang="nl-NL" sz="1400" kern="0" dirty="0" smtClean="0">
                 <a:latin typeface="Courier New" panose="02070309020205020404" pitchFamily="49" charset="0"/>
                 <a:cs typeface="Courier New" panose="02070309020205020404" pitchFamily="49" charset="0"/>
               </a:rPr>
               <a:t> a model </a:t>
             </a:r>
             <a:r>
-              <a:rPr lang="nl-NL" sz="1600" kern="0" dirty="0" err="1" smtClean="0">
+              <a:rPr lang="nl-NL" sz="1400" kern="0" dirty="0" err="1" smtClean="0">
                 <a:latin typeface="Courier New" panose="02070309020205020404" pitchFamily="49" charset="0"/>
                 <a:cs typeface="Courier New" panose="02070309020205020404" pitchFamily="49" charset="0"/>
               </a:rPr>
               <a:t>that</a:t>
             </a:r>
             <a:r>
-              <a:rPr lang="nl-NL" sz="1600" kern="0" dirty="0" smtClean="0">
+              <a:rPr lang="nl-NL" sz="1400" kern="0" dirty="0" smtClean="0">
                 <a:latin typeface="Courier New" panose="02070309020205020404" pitchFamily="49" charset="0"/>
                 <a:cs typeface="Courier New" panose="02070309020205020404" pitchFamily="49" charset="0"/>
               </a:rPr>
               <a:t> </a:t>
             </a:r>
             <a:r>
-              <a:rPr lang="nl-NL" sz="1600" kern="0" dirty="0" err="1" smtClean="0">
+              <a:rPr lang="nl-NL" sz="1400" kern="0" dirty="0" err="1" smtClean="0">
                 <a:latin typeface="Courier New" panose="02070309020205020404" pitchFamily="49" charset="0"/>
                 <a:cs typeface="Courier New" panose="02070309020205020404" pitchFamily="49" charset="0"/>
               </a:rPr>
               <a:t>distinguishes</a:t>
             </a:r>
             <a:r>
-              <a:rPr lang="nl-NL" sz="1600" kern="0" dirty="0">
+              <a:rPr lang="nl-NL" sz="1400" kern="0" dirty="0">
                 <a:latin typeface="Courier New" panose="02070309020205020404" pitchFamily="49" charset="0"/>
                 <a:cs typeface="Courier New" panose="02070309020205020404" pitchFamily="49" charset="0"/>
               </a:rPr>
               <a:t> </a:t>
             </a:r>
             <a:r>
-              <a:rPr lang="nl-NL" sz="1600" kern="0" dirty="0" err="1" smtClean="0">
+              <a:rPr lang="nl-NL" sz="1400" kern="0" dirty="0" err="1" smtClean="0">
                 <a:latin typeface="Courier New" panose="02070309020205020404" pitchFamily="49" charset="0"/>
                 <a:cs typeface="Courier New" panose="02070309020205020404" pitchFamily="49" charset="0"/>
               </a:rPr>
               <a:t>Bart’s</a:t>
             </a:r>
             <a:r>
-              <a:rPr lang="nl-NL" sz="1600" kern="0" dirty="0" smtClean="0">
+              <a:rPr lang="nl-NL" sz="1400" kern="0" dirty="0" smtClean="0">
                 <a:latin typeface="Courier New" panose="02070309020205020404" pitchFamily="49" charset="0"/>
                 <a:cs typeface="Courier New" panose="02070309020205020404" pitchFamily="49" charset="0"/>
               </a:rPr>
               <a:t> </a:t>
             </a:r>
             <a:r>
-              <a:rPr lang="nl-NL" sz="1600" kern="0" dirty="0" err="1" smtClean="0">
+              <a:rPr lang="nl-NL" sz="1400" kern="0" dirty="0" err="1" smtClean="0">
                 <a:latin typeface="Courier New" panose="02070309020205020404" pitchFamily="49" charset="0"/>
                 <a:cs typeface="Courier New" panose="02070309020205020404" pitchFamily="49" charset="0"/>
               </a:rPr>
               <a:t>dialogue</a:t>
             </a:r>
             <a:r>
-              <a:rPr lang="nl-NL" sz="1600" kern="0" dirty="0" smtClean="0">
+              <a:rPr lang="nl-NL" sz="1400" kern="0" dirty="0" smtClean="0">
                 <a:latin typeface="Courier New" panose="02070309020205020404" pitchFamily="49" charset="0"/>
                 <a:cs typeface="Courier New" panose="02070309020205020404" pitchFamily="49" charset="0"/>
               </a:rPr>
               <a:t> from Lisa’s </a:t>
             </a:r>
             <a:r>
-              <a:rPr lang="nl-NL" sz="1600" kern="0" dirty="0" err="1" smtClean="0">
+              <a:rPr lang="nl-NL" sz="1400" kern="0" dirty="0" err="1" smtClean="0">
                 <a:latin typeface="Courier New" panose="02070309020205020404" pitchFamily="49" charset="0"/>
                 <a:cs typeface="Courier New" panose="02070309020205020404" pitchFamily="49" charset="0"/>
               </a:rPr>
               <a:t>dialogue</a:t>
             </a:r>
             <a:r>
-              <a:rPr lang="nl-NL" sz="1600" kern="0" dirty="0" smtClean="0">
+              <a:rPr lang="nl-NL" sz="1400" kern="0" dirty="0" smtClean="0">
                 <a:latin typeface="Courier New" panose="02070309020205020404" pitchFamily="49" charset="0"/>
                 <a:cs typeface="Courier New" panose="02070309020205020404" pitchFamily="49" charset="0"/>
               </a:rPr>
@@ -8153,7 +8152,7 @@
             <a:pPr marL="0" indent="0">
               <a:buNone/>
             </a:pPr>
-            <a:endParaRPr lang="nl-NL" sz="1600" kern="0" dirty="0">
+            <a:endParaRPr lang="nl-NL" sz="1400" kern="0" dirty="0">
               <a:latin typeface="Courier New" panose="02070309020205020404" pitchFamily="49" charset="0"/>
               <a:cs typeface="Courier New" panose="02070309020205020404" pitchFamily="49" charset="0"/>
             </a:endParaRPr>
@@ -8164,604 +8163,123 @@
               <a:buAutoNum type="arabicPeriod"/>
             </a:pPr>
             <a:r>
-              <a:rPr lang="nl-NL" sz="1600" kern="0" dirty="0" smtClean="0">
+              <a:rPr lang="nl-NL" sz="1400" kern="0" dirty="0" smtClean="0">
                 <a:latin typeface="Courier New" panose="02070309020205020404" pitchFamily="49" charset="0"/>
                 <a:cs typeface="Courier New" panose="02070309020205020404" pitchFamily="49" charset="0"/>
               </a:rPr>
               <a:t>Load in the .</a:t>
             </a:r>
             <a:r>
-              <a:rPr lang="nl-NL" sz="1600" kern="0" dirty="0" err="1" smtClean="0">
+              <a:rPr lang="nl-NL" sz="1400" kern="0" dirty="0" err="1" smtClean="0">
                 <a:latin typeface="Courier New" panose="02070309020205020404" pitchFamily="49" charset="0"/>
                 <a:cs typeface="Courier New" panose="02070309020205020404" pitchFamily="49" charset="0"/>
               </a:rPr>
               <a:t>csv</a:t>
             </a:r>
             <a:r>
-              <a:rPr lang="nl-NL" sz="1600" kern="0" dirty="0" smtClean="0">
+              <a:rPr lang="nl-NL" sz="1400" kern="0" dirty="0" smtClean="0">
                 <a:latin typeface="Courier New" panose="02070309020205020404" pitchFamily="49" charset="0"/>
                 <a:cs typeface="Courier New" panose="02070309020205020404" pitchFamily="49" charset="0"/>
               </a:rPr>
               <a:t> file </a:t>
             </a:r>
             <a:r>
-              <a:rPr lang="nl-NL" sz="1600" kern="0" dirty="0" err="1" smtClean="0">
+              <a:rPr lang="nl-NL" sz="1400" kern="0" dirty="0" err="1" smtClean="0">
                 <a:latin typeface="Courier New" panose="02070309020205020404" pitchFamily="49" charset="0"/>
                 <a:cs typeface="Courier New" panose="02070309020205020404" pitchFamily="49" charset="0"/>
               </a:rPr>
               <a:t>and</a:t>
             </a:r>
             <a:r>
-              <a:rPr lang="nl-NL" sz="1600" kern="0" dirty="0" smtClean="0">
+              <a:rPr lang="nl-NL" sz="1400" kern="0" dirty="0" smtClean="0">
                 <a:latin typeface="Courier New" panose="02070309020205020404" pitchFamily="49" charset="0"/>
                 <a:cs typeface="Courier New" panose="02070309020205020404" pitchFamily="49" charset="0"/>
               </a:rPr>
               <a:t> have a look at the data set. </a:t>
             </a:r>
             <a:r>
-              <a:rPr lang="nl-NL" sz="1600" kern="0" dirty="0" err="1" smtClean="0">
+              <a:rPr lang="nl-NL" sz="1400" kern="0" dirty="0" err="1" smtClean="0">
                 <a:latin typeface="Courier New" panose="02070309020205020404" pitchFamily="49" charset="0"/>
                 <a:cs typeface="Courier New" panose="02070309020205020404" pitchFamily="49" charset="0"/>
               </a:rPr>
               <a:t>What</a:t>
             </a:r>
             <a:r>
-              <a:rPr lang="nl-NL" sz="1600" kern="0" dirty="0" smtClean="0">
+              <a:rPr lang="nl-NL" sz="1400" kern="0" dirty="0" smtClean="0">
                 <a:latin typeface="Courier New" panose="02070309020205020404" pitchFamily="49" charset="0"/>
                 <a:cs typeface="Courier New" panose="02070309020205020404" pitchFamily="49" charset="0"/>
               </a:rPr>
               <a:t> </a:t>
             </a:r>
             <a:r>
-              <a:rPr lang="nl-NL" sz="1600" kern="0" dirty="0" err="1" smtClean="0">
+              <a:rPr lang="nl-NL" sz="1400" kern="0" dirty="0" err="1" smtClean="0">
                 <a:latin typeface="Courier New" panose="02070309020205020404" pitchFamily="49" charset="0"/>
                 <a:cs typeface="Courier New" panose="02070309020205020404" pitchFamily="49" charset="0"/>
               </a:rPr>
               <a:t>will</a:t>
             </a:r>
             <a:r>
-              <a:rPr lang="nl-NL" sz="1600" kern="0" dirty="0" smtClean="0">
+              <a:rPr lang="nl-NL" sz="1400" kern="0" dirty="0" smtClean="0">
                 <a:latin typeface="Courier New" panose="02070309020205020404" pitchFamily="49" charset="0"/>
                 <a:cs typeface="Courier New" panose="02070309020205020404" pitchFamily="49" charset="0"/>
               </a:rPr>
               <a:t> </a:t>
             </a:r>
             <a:r>
-              <a:rPr lang="nl-NL" sz="1600" kern="0" dirty="0" err="1" smtClean="0">
+              <a:rPr lang="nl-NL" sz="1400" kern="0" dirty="0" err="1" smtClean="0">
                 <a:latin typeface="Courier New" panose="02070309020205020404" pitchFamily="49" charset="0"/>
                 <a:cs typeface="Courier New" panose="02070309020205020404" pitchFamily="49" charset="0"/>
               </a:rPr>
               <a:t>be</a:t>
             </a:r>
             <a:r>
-              <a:rPr lang="nl-NL" sz="1600" kern="0" dirty="0" smtClean="0">
+              <a:rPr lang="nl-NL" sz="1400" kern="0" dirty="0" smtClean="0">
                 <a:latin typeface="Courier New" panose="02070309020205020404" pitchFamily="49" charset="0"/>
                 <a:cs typeface="Courier New" panose="02070309020205020404" pitchFamily="49" charset="0"/>
               </a:rPr>
               <a:t> </a:t>
             </a:r>
             <a:r>
-              <a:rPr lang="nl-NL" sz="1600" kern="0" dirty="0" err="1" smtClean="0">
+              <a:rPr lang="nl-NL" sz="1400" kern="0" dirty="0" err="1" smtClean="0">
                 <a:latin typeface="Courier New" panose="02070309020205020404" pitchFamily="49" charset="0"/>
                 <a:cs typeface="Courier New" panose="02070309020205020404" pitchFamily="49" charset="0"/>
               </a:rPr>
               <a:t>challenging</a:t>
             </a:r>
             <a:r>
-              <a:rPr lang="nl-NL" sz="1600" kern="0" dirty="0" smtClean="0">
+              <a:rPr lang="nl-NL" sz="1400" kern="0" dirty="0" smtClean="0">
                 <a:latin typeface="Courier New" panose="02070309020205020404" pitchFamily="49" charset="0"/>
                 <a:cs typeface="Courier New" panose="02070309020205020404" pitchFamily="49" charset="0"/>
               </a:rPr>
               <a:t> </a:t>
             </a:r>
             <a:r>
-              <a:rPr lang="nl-NL" sz="1600" kern="0" dirty="0" err="1" smtClean="0">
+              <a:rPr lang="nl-NL" sz="1400" kern="0" dirty="0" err="1" smtClean="0">
                 <a:latin typeface="Courier New" panose="02070309020205020404" pitchFamily="49" charset="0"/>
                 <a:cs typeface="Courier New" panose="02070309020205020404" pitchFamily="49" charset="0"/>
               </a:rPr>
               <a:t>when</a:t>
             </a:r>
             <a:r>
-              <a:rPr lang="nl-NL" sz="1600" kern="0" dirty="0" smtClean="0">
+              <a:rPr lang="nl-NL" sz="1400" kern="0" dirty="0" smtClean="0">
                 <a:latin typeface="Courier New" panose="02070309020205020404" pitchFamily="49" charset="0"/>
                 <a:cs typeface="Courier New" panose="02070309020205020404" pitchFamily="49" charset="0"/>
               </a:rPr>
               <a:t> building a </a:t>
             </a:r>
             <a:r>
-              <a:rPr lang="nl-NL" sz="1600" kern="0" dirty="0" err="1" smtClean="0">
+              <a:rPr lang="nl-NL" sz="1400" kern="0" dirty="0" err="1" smtClean="0">
                 <a:latin typeface="Courier New" panose="02070309020205020404" pitchFamily="49" charset="0"/>
                 <a:cs typeface="Courier New" panose="02070309020205020404" pitchFamily="49" charset="0"/>
               </a:rPr>
               <a:t>predictive</a:t>
             </a:r>
             <a:r>
-              <a:rPr lang="nl-NL" sz="1600" kern="0" dirty="0" smtClean="0">
+              <a:rPr lang="nl-NL" sz="1400" kern="0" dirty="0" smtClean="0">
                 <a:latin typeface="Courier New" panose="02070309020205020404" pitchFamily="49" charset="0"/>
                 <a:cs typeface="Courier New" panose="02070309020205020404" pitchFamily="49" charset="0"/>
               </a:rPr>
               <a:t> model?</a:t>
-            </a:r>
-          </a:p>
-          <a:p>
-            <a:pPr>
-              <a:buFont typeface="+mj-lt"/>
-              <a:buAutoNum type="arabicPeriod"/>
-            </a:pPr>
-            <a:endParaRPr lang="nl-NL" sz="1600" kern="0" dirty="0">
-              <a:latin typeface="Courier New" panose="02070309020205020404" pitchFamily="49" charset="0"/>
-              <a:cs typeface="Courier New" panose="02070309020205020404" pitchFamily="49" charset="0"/>
-            </a:endParaRPr>
-          </a:p>
-          <a:p>
-            <a:pPr>
-              <a:buFont typeface="+mj-lt"/>
-              <a:buAutoNum type="arabicPeriod"/>
-            </a:pPr>
-            <a:r>
-              <a:rPr lang="nl-NL" sz="1600" kern="0" dirty="0" smtClean="0">
-                <a:latin typeface="Courier New" panose="02070309020205020404" pitchFamily="49" charset="0"/>
-                <a:cs typeface="Courier New" panose="02070309020205020404" pitchFamily="49" charset="0"/>
-              </a:rPr>
-              <a:t>We </a:t>
-            </a:r>
-            <a:r>
-              <a:rPr lang="nl-NL" sz="1600" kern="0" dirty="0" err="1" smtClean="0">
-                <a:latin typeface="Courier New" panose="02070309020205020404" pitchFamily="49" charset="0"/>
-                <a:cs typeface="Courier New" panose="02070309020205020404" pitchFamily="49" charset="0"/>
-              </a:rPr>
-              <a:t>will</a:t>
-            </a:r>
-            <a:r>
-              <a:rPr lang="nl-NL" sz="1600" kern="0" dirty="0" smtClean="0">
-                <a:latin typeface="Courier New" panose="02070309020205020404" pitchFamily="49" charset="0"/>
-                <a:cs typeface="Courier New" panose="02070309020205020404" pitchFamily="49" charset="0"/>
-              </a:rPr>
-              <a:t> </a:t>
-            </a:r>
-            <a:r>
-              <a:rPr lang="nl-NL" sz="1600" kern="0" dirty="0" err="1" smtClean="0">
-                <a:latin typeface="Courier New" panose="02070309020205020404" pitchFamily="49" charset="0"/>
-                <a:cs typeface="Courier New" panose="02070309020205020404" pitchFamily="49" charset="0"/>
-              </a:rPr>
-              <a:t>only</a:t>
-            </a:r>
-            <a:r>
-              <a:rPr lang="nl-NL" sz="1600" kern="0" dirty="0" smtClean="0">
-                <a:latin typeface="Courier New" panose="02070309020205020404" pitchFamily="49" charset="0"/>
-                <a:cs typeface="Courier New" panose="02070309020205020404" pitchFamily="49" charset="0"/>
-              </a:rPr>
-              <a:t> </a:t>
-            </a:r>
-            <a:r>
-              <a:rPr lang="nl-NL" sz="1600" kern="0" dirty="0" err="1" smtClean="0">
-                <a:latin typeface="Courier New" panose="02070309020205020404" pitchFamily="49" charset="0"/>
-                <a:cs typeface="Courier New" panose="02070309020205020404" pitchFamily="49" charset="0"/>
-              </a:rPr>
-              <a:t>work</a:t>
-            </a:r>
-            <a:r>
-              <a:rPr lang="nl-NL" sz="1600" kern="0" dirty="0" smtClean="0">
-                <a:latin typeface="Courier New" panose="02070309020205020404" pitchFamily="49" charset="0"/>
-                <a:cs typeface="Courier New" panose="02070309020205020404" pitchFamily="49" charset="0"/>
-              </a:rPr>
-              <a:t> </a:t>
-            </a:r>
-            <a:r>
-              <a:rPr lang="nl-NL" sz="1600" kern="0" dirty="0" err="1" smtClean="0">
-                <a:latin typeface="Courier New" panose="02070309020205020404" pitchFamily="49" charset="0"/>
-                <a:cs typeface="Courier New" panose="02070309020205020404" pitchFamily="49" charset="0"/>
-              </a:rPr>
-              <a:t>with</a:t>
-            </a:r>
-            <a:r>
-              <a:rPr lang="nl-NL" sz="1600" kern="0" dirty="0" smtClean="0">
-                <a:latin typeface="Courier New" panose="02070309020205020404" pitchFamily="49" charset="0"/>
-                <a:cs typeface="Courier New" panose="02070309020205020404" pitchFamily="49" charset="0"/>
-              </a:rPr>
-              <a:t> </a:t>
-            </a:r>
-            <a:r>
-              <a:rPr lang="nl-NL" sz="1600" kern="0" dirty="0" err="1" smtClean="0">
-                <a:latin typeface="Courier New" panose="02070309020205020404" pitchFamily="49" charset="0"/>
-                <a:cs typeface="Courier New" panose="02070309020205020404" pitchFamily="49" charset="0"/>
-              </a:rPr>
-              <a:t>Bart’s</a:t>
-            </a:r>
-            <a:r>
-              <a:rPr lang="nl-NL" sz="1600" kern="0" dirty="0" smtClean="0">
-                <a:latin typeface="Courier New" panose="02070309020205020404" pitchFamily="49" charset="0"/>
-                <a:cs typeface="Courier New" panose="02070309020205020404" pitchFamily="49" charset="0"/>
-              </a:rPr>
-              <a:t> </a:t>
-            </a:r>
-            <a:r>
-              <a:rPr lang="nl-NL" sz="1600" kern="0" dirty="0" err="1" smtClean="0">
-                <a:latin typeface="Courier New" panose="02070309020205020404" pitchFamily="49" charset="0"/>
-                <a:cs typeface="Courier New" panose="02070309020205020404" pitchFamily="49" charset="0"/>
-              </a:rPr>
-              <a:t>and</a:t>
-            </a:r>
-            <a:r>
-              <a:rPr lang="nl-NL" sz="1600" kern="0" dirty="0" smtClean="0">
-                <a:latin typeface="Courier New" panose="02070309020205020404" pitchFamily="49" charset="0"/>
-                <a:cs typeface="Courier New" panose="02070309020205020404" pitchFamily="49" charset="0"/>
-              </a:rPr>
-              <a:t> Lisa’s </a:t>
-            </a:r>
-            <a:r>
-              <a:rPr lang="nl-NL" sz="1600" kern="0" dirty="0" err="1" smtClean="0">
-                <a:latin typeface="Courier New" panose="02070309020205020404" pitchFamily="49" charset="0"/>
-                <a:cs typeface="Courier New" panose="02070309020205020404" pitchFamily="49" charset="0"/>
-              </a:rPr>
-              <a:t>lines</a:t>
-            </a:r>
-            <a:r>
-              <a:rPr lang="nl-NL" sz="1600" kern="0" dirty="0" smtClean="0">
-                <a:latin typeface="Courier New" panose="02070309020205020404" pitchFamily="49" charset="0"/>
-                <a:cs typeface="Courier New" panose="02070309020205020404" pitchFamily="49" charset="0"/>
-              </a:rPr>
-              <a:t>. Make the relevant </a:t>
-            </a:r>
-            <a:r>
-              <a:rPr lang="nl-NL" sz="1600" kern="0" dirty="0" err="1" smtClean="0">
-                <a:latin typeface="Courier New" panose="02070309020205020404" pitchFamily="49" charset="0"/>
-                <a:cs typeface="Courier New" panose="02070309020205020404" pitchFamily="49" charset="0"/>
-              </a:rPr>
-              <a:t>selection</a:t>
-            </a:r>
-            <a:r>
-              <a:rPr lang="nl-NL" sz="1600" kern="0" dirty="0" smtClean="0">
-                <a:latin typeface="Courier New" panose="02070309020205020404" pitchFamily="49" charset="0"/>
-                <a:cs typeface="Courier New" panose="02070309020205020404" pitchFamily="49" charset="0"/>
-              </a:rPr>
-              <a:t> in the data set.</a:t>
-            </a:r>
-          </a:p>
-          <a:p>
-            <a:pPr>
-              <a:buFont typeface="+mj-lt"/>
-              <a:buAutoNum type="arabicPeriod"/>
-            </a:pPr>
-            <a:endParaRPr lang="nl-NL" sz="1600" kern="0" dirty="0">
-              <a:latin typeface="Courier New" panose="02070309020205020404" pitchFamily="49" charset="0"/>
-              <a:cs typeface="Courier New" panose="02070309020205020404" pitchFamily="49" charset="0"/>
-            </a:endParaRPr>
-          </a:p>
-          <a:p>
-            <a:pPr>
-              <a:buFont typeface="+mj-lt"/>
-              <a:buAutoNum type="arabicPeriod"/>
-            </a:pPr>
-            <a:r>
-              <a:rPr lang="nl-NL" sz="1600" kern="0" dirty="0" err="1" smtClean="0">
-                <a:latin typeface="Courier New" panose="02070309020205020404" pitchFamily="49" charset="0"/>
-                <a:cs typeface="Courier New" panose="02070309020205020404" pitchFamily="49" charset="0"/>
-              </a:rPr>
-              <a:t>Create</a:t>
-            </a:r>
-            <a:r>
-              <a:rPr lang="nl-NL" sz="1600" kern="0" dirty="0" smtClean="0">
-                <a:latin typeface="Courier New" panose="02070309020205020404" pitchFamily="49" charset="0"/>
-                <a:cs typeface="Courier New" panose="02070309020205020404" pitchFamily="49" charset="0"/>
-              </a:rPr>
-              <a:t> a document-feature matrix of the text data.</a:t>
-            </a:r>
-          </a:p>
-          <a:p>
-            <a:pPr>
-              <a:buFont typeface="+mj-lt"/>
-              <a:buAutoNum type="arabicPeriod"/>
-            </a:pPr>
-            <a:endParaRPr lang="nl-NL" sz="1600" kern="0" dirty="0">
-              <a:latin typeface="Courier New" panose="02070309020205020404" pitchFamily="49" charset="0"/>
-              <a:cs typeface="Courier New" panose="02070309020205020404" pitchFamily="49" charset="0"/>
-            </a:endParaRPr>
-          </a:p>
-          <a:p>
-            <a:pPr>
-              <a:buFont typeface="+mj-lt"/>
-              <a:buAutoNum type="arabicPeriod"/>
-            </a:pPr>
-            <a:r>
-              <a:rPr lang="nl-NL" sz="1600" kern="0" dirty="0">
-                <a:latin typeface="Courier New" panose="02070309020205020404" pitchFamily="49" charset="0"/>
-                <a:cs typeface="Courier New" panose="02070309020205020404" pitchFamily="49" charset="0"/>
-              </a:rPr>
-              <a:t>Look at </a:t>
-            </a:r>
-            <a:r>
-              <a:rPr lang="nl-NL" sz="1600" kern="0" dirty="0" err="1" smtClean="0">
-                <a:latin typeface="Courier New" panose="02070309020205020404" pitchFamily="49" charset="0"/>
-                <a:cs typeface="Courier New" panose="02070309020205020404" pitchFamily="49" charset="0"/>
-              </a:rPr>
-              <a:t>some</a:t>
-            </a:r>
-            <a:r>
-              <a:rPr lang="nl-NL" sz="1600" kern="0" dirty="0" smtClean="0">
-                <a:latin typeface="Courier New" panose="02070309020205020404" pitchFamily="49" charset="0"/>
-                <a:cs typeface="Courier New" panose="02070309020205020404" pitchFamily="49" charset="0"/>
-              </a:rPr>
-              <a:t> of the features/</a:t>
-            </a:r>
-            <a:r>
-              <a:rPr lang="nl-NL" sz="1600" kern="0" dirty="0" err="1" smtClean="0">
-                <a:latin typeface="Courier New" panose="02070309020205020404" pitchFamily="49" charset="0"/>
-                <a:cs typeface="Courier New" panose="02070309020205020404" pitchFamily="49" charset="0"/>
-              </a:rPr>
-              <a:t>words</a:t>
-            </a:r>
-            <a:r>
-              <a:rPr lang="nl-NL" sz="1600" kern="0" dirty="0" smtClean="0">
-                <a:latin typeface="Courier New" panose="02070309020205020404" pitchFamily="49" charset="0"/>
-                <a:cs typeface="Courier New" panose="02070309020205020404" pitchFamily="49" charset="0"/>
-              </a:rPr>
-              <a:t>. </a:t>
-            </a:r>
-            <a:r>
-              <a:rPr lang="nl-NL" sz="1600" kern="0" dirty="0" err="1">
-                <a:latin typeface="Courier New" panose="02070309020205020404" pitchFamily="49" charset="0"/>
-                <a:cs typeface="Courier New" panose="02070309020205020404" pitchFamily="49" charset="0"/>
-              </a:rPr>
-              <a:t>What</a:t>
-            </a:r>
-            <a:r>
-              <a:rPr lang="nl-NL" sz="1600" kern="0" dirty="0">
-                <a:latin typeface="Courier New" panose="02070309020205020404" pitchFamily="49" charset="0"/>
-                <a:cs typeface="Courier New" panose="02070309020205020404" pitchFamily="49" charset="0"/>
-              </a:rPr>
-              <a:t> are </a:t>
-            </a:r>
-            <a:r>
-              <a:rPr lang="nl-NL" sz="1600" kern="0" dirty="0" err="1" smtClean="0">
-                <a:latin typeface="Courier New" panose="02070309020205020404" pitchFamily="49" charset="0"/>
-                <a:cs typeface="Courier New" panose="02070309020205020404" pitchFamily="49" charset="0"/>
-              </a:rPr>
-              <a:t>some</a:t>
-            </a:r>
-            <a:r>
-              <a:rPr lang="nl-NL" sz="1600" kern="0" dirty="0" smtClean="0">
-                <a:latin typeface="Courier New" panose="02070309020205020404" pitchFamily="49" charset="0"/>
-                <a:cs typeface="Courier New" panose="02070309020205020404" pitchFamily="49" charset="0"/>
-              </a:rPr>
-              <a:t> of the </a:t>
-            </a:r>
-            <a:r>
-              <a:rPr lang="nl-NL" sz="1600" kern="0" dirty="0" err="1">
-                <a:latin typeface="Courier New" panose="02070309020205020404" pitchFamily="49" charset="0"/>
-                <a:cs typeface="Courier New" panose="02070309020205020404" pitchFamily="49" charset="0"/>
-              </a:rPr>
-              <a:t>problems</a:t>
-            </a:r>
-            <a:r>
-              <a:rPr lang="nl-NL" sz="1600" kern="0" dirty="0">
-                <a:latin typeface="Courier New" panose="02070309020205020404" pitchFamily="49" charset="0"/>
-                <a:cs typeface="Courier New" panose="02070309020205020404" pitchFamily="49" charset="0"/>
-              </a:rPr>
-              <a:t> </a:t>
-            </a:r>
-            <a:r>
-              <a:rPr lang="nl-NL" sz="1600" kern="0" dirty="0" err="1" smtClean="0">
-                <a:latin typeface="Courier New" panose="02070309020205020404" pitchFamily="49" charset="0"/>
-                <a:cs typeface="Courier New" panose="02070309020205020404" pitchFamily="49" charset="0"/>
-              </a:rPr>
-              <a:t>with</a:t>
-            </a:r>
-            <a:r>
-              <a:rPr lang="nl-NL" sz="1600" kern="0" dirty="0" smtClean="0">
-                <a:latin typeface="Courier New" panose="02070309020205020404" pitchFamily="49" charset="0"/>
-                <a:cs typeface="Courier New" panose="02070309020205020404" pitchFamily="49" charset="0"/>
-              </a:rPr>
-              <a:t> </a:t>
-            </a:r>
-            <a:r>
-              <a:rPr lang="nl-NL" sz="1600" kern="0" dirty="0" err="1" smtClean="0">
-                <a:latin typeface="Courier New" panose="02070309020205020404" pitchFamily="49" charset="0"/>
-                <a:cs typeface="Courier New" panose="02070309020205020404" pitchFamily="49" charset="0"/>
-              </a:rPr>
-              <a:t>tokenizing</a:t>
-            </a:r>
-            <a:r>
-              <a:rPr lang="nl-NL" sz="1600" kern="0" dirty="0" smtClean="0">
-                <a:latin typeface="Courier New" panose="02070309020205020404" pitchFamily="49" charset="0"/>
-                <a:cs typeface="Courier New" panose="02070309020205020404" pitchFamily="49" charset="0"/>
-              </a:rPr>
-              <a:t> as </a:t>
-            </a:r>
-            <a:r>
-              <a:rPr lang="nl-NL" sz="1600" kern="0" dirty="0" err="1" smtClean="0">
-                <a:latin typeface="Courier New" panose="02070309020205020404" pitchFamily="49" charset="0"/>
-                <a:cs typeface="Courier New" panose="02070309020205020404" pitchFamily="49" charset="0"/>
-              </a:rPr>
-              <a:t>implemented</a:t>
-            </a:r>
-            <a:r>
-              <a:rPr lang="nl-NL" sz="1600" kern="0" dirty="0" smtClean="0">
-                <a:latin typeface="Courier New" panose="02070309020205020404" pitchFamily="49" charset="0"/>
-                <a:cs typeface="Courier New" panose="02070309020205020404" pitchFamily="49" charset="0"/>
-              </a:rPr>
-              <a:t> </a:t>
-            </a:r>
-            <a:r>
-              <a:rPr lang="nl-NL" sz="1600" kern="0" dirty="0" err="1" smtClean="0">
-                <a:latin typeface="Courier New" panose="02070309020205020404" pitchFamily="49" charset="0"/>
-                <a:cs typeface="Courier New" panose="02070309020205020404" pitchFamily="49" charset="0"/>
-              </a:rPr>
-              <a:t>by</a:t>
-            </a:r>
-            <a:r>
-              <a:rPr lang="nl-NL" sz="1600" kern="0" dirty="0" smtClean="0">
-                <a:latin typeface="Courier New" panose="02070309020205020404" pitchFamily="49" charset="0"/>
-                <a:cs typeface="Courier New" panose="02070309020205020404" pitchFamily="49" charset="0"/>
-              </a:rPr>
-              <a:t> </a:t>
-            </a:r>
-            <a:r>
-              <a:rPr lang="nl-NL" sz="1600" i="1" kern="0" dirty="0" err="1" smtClean="0">
-                <a:latin typeface="Courier New" panose="02070309020205020404" pitchFamily="49" charset="0"/>
-                <a:cs typeface="Courier New" panose="02070309020205020404" pitchFamily="49" charset="0"/>
-              </a:rPr>
-              <a:t>sklearn</a:t>
-            </a:r>
-            <a:r>
-              <a:rPr lang="nl-NL" sz="1600" kern="0" dirty="0" smtClean="0">
-                <a:latin typeface="Courier New" panose="02070309020205020404" pitchFamily="49" charset="0"/>
-                <a:cs typeface="Courier New" panose="02070309020205020404" pitchFamily="49" charset="0"/>
-              </a:rPr>
-              <a:t>?</a:t>
-            </a:r>
-            <a:endParaRPr lang="nl-NL" sz="1600" kern="0" dirty="0">
-              <a:latin typeface="Courier New" panose="02070309020205020404" pitchFamily="49" charset="0"/>
-              <a:cs typeface="Courier New" panose="02070309020205020404" pitchFamily="49" charset="0"/>
-            </a:endParaRPr>
-          </a:p>
-          <a:p>
-            <a:pPr>
-              <a:buFont typeface="+mj-lt"/>
-              <a:buAutoNum type="arabicPeriod"/>
-            </a:pPr>
-            <a:endParaRPr lang="nl-NL" sz="1600" kern="0" dirty="0">
-              <a:latin typeface="Courier New" panose="02070309020205020404" pitchFamily="49" charset="0"/>
-              <a:cs typeface="Courier New" panose="02070309020205020404" pitchFamily="49" charset="0"/>
-            </a:endParaRPr>
-          </a:p>
-          <a:p>
-            <a:pPr>
-              <a:buFont typeface="+mj-lt"/>
-              <a:buAutoNum type="arabicPeriod"/>
-            </a:pPr>
-            <a:r>
-              <a:rPr lang="nl-NL" sz="1600" kern="0" dirty="0" smtClean="0">
-                <a:latin typeface="Courier New" panose="02070309020205020404" pitchFamily="49" charset="0"/>
-                <a:cs typeface="Courier New" panose="02070309020205020404" pitchFamily="49" charset="0"/>
-              </a:rPr>
-              <a:t>Advanced: </a:t>
-            </a:r>
-            <a:r>
-              <a:rPr lang="nl-NL" sz="1600" kern="0" dirty="0" err="1" smtClean="0">
-                <a:latin typeface="Courier New" panose="02070309020205020404" pitchFamily="49" charset="0"/>
-                <a:cs typeface="Courier New" panose="02070309020205020404" pitchFamily="49" charset="0"/>
-              </a:rPr>
-              <a:t>which</a:t>
-            </a:r>
-            <a:r>
-              <a:rPr lang="nl-NL" sz="1600" kern="0" dirty="0" smtClean="0">
-                <a:latin typeface="Courier New" panose="02070309020205020404" pitchFamily="49" charset="0"/>
-                <a:cs typeface="Courier New" panose="02070309020205020404" pitchFamily="49" charset="0"/>
-              </a:rPr>
-              <a:t> </a:t>
-            </a:r>
-            <a:r>
-              <a:rPr lang="nl-NL" sz="1600" kern="0" dirty="0" err="1" smtClean="0">
-                <a:latin typeface="Courier New" panose="02070309020205020404" pitchFamily="49" charset="0"/>
-                <a:cs typeface="Courier New" panose="02070309020205020404" pitchFamily="49" charset="0"/>
-              </a:rPr>
-              <a:t>words</a:t>
-            </a:r>
-            <a:r>
-              <a:rPr lang="nl-NL" sz="1600" kern="0" dirty="0" smtClean="0">
-                <a:latin typeface="Courier New" panose="02070309020205020404" pitchFamily="49" charset="0"/>
-                <a:cs typeface="Courier New" panose="02070309020205020404" pitchFamily="49" charset="0"/>
-              </a:rPr>
-              <a:t> does Bart </a:t>
-            </a:r>
-            <a:r>
-              <a:rPr lang="nl-NL" sz="1600" kern="0" dirty="0" err="1" smtClean="0">
-                <a:latin typeface="Courier New" panose="02070309020205020404" pitchFamily="49" charset="0"/>
-                <a:cs typeface="Courier New" panose="02070309020205020404" pitchFamily="49" charset="0"/>
-              </a:rPr>
-              <a:t>use</a:t>
-            </a:r>
-            <a:r>
-              <a:rPr lang="nl-NL" sz="1600" kern="0" dirty="0" smtClean="0">
-                <a:latin typeface="Courier New" panose="02070309020205020404" pitchFamily="49" charset="0"/>
-                <a:cs typeface="Courier New" panose="02070309020205020404" pitchFamily="49" charset="0"/>
-              </a:rPr>
-              <a:t> most </a:t>
-            </a:r>
-            <a:r>
-              <a:rPr lang="nl-NL" sz="1600" kern="0" dirty="0" err="1" smtClean="0">
-                <a:latin typeface="Courier New" panose="02070309020205020404" pitchFamily="49" charset="0"/>
-                <a:cs typeface="Courier New" panose="02070309020205020404" pitchFamily="49" charset="0"/>
-              </a:rPr>
-              <a:t>frequently</a:t>
-            </a:r>
-            <a:r>
-              <a:rPr lang="nl-NL" sz="1600" kern="0" dirty="0" smtClean="0">
-                <a:latin typeface="Courier New" panose="02070309020205020404" pitchFamily="49" charset="0"/>
-                <a:cs typeface="Courier New" panose="02070309020205020404" pitchFamily="49" charset="0"/>
-              </a:rPr>
-              <a:t>? Are these the most important </a:t>
-            </a:r>
-            <a:r>
-              <a:rPr lang="nl-NL" sz="1600" kern="0" dirty="0" err="1" smtClean="0">
-                <a:latin typeface="Courier New" panose="02070309020205020404" pitchFamily="49" charset="0"/>
-                <a:cs typeface="Courier New" panose="02070309020205020404" pitchFamily="49" charset="0"/>
-              </a:rPr>
-              <a:t>words</a:t>
-            </a:r>
-            <a:r>
-              <a:rPr lang="nl-NL" sz="1600" kern="0" dirty="0" smtClean="0">
-                <a:latin typeface="Courier New" panose="02070309020205020404" pitchFamily="49" charset="0"/>
-                <a:cs typeface="Courier New" panose="02070309020205020404" pitchFamily="49" charset="0"/>
-              </a:rPr>
-              <a:t> </a:t>
-            </a:r>
-            <a:r>
-              <a:rPr lang="nl-NL" sz="1600" kern="0" dirty="0" err="1" smtClean="0">
-                <a:latin typeface="Courier New" panose="02070309020205020404" pitchFamily="49" charset="0"/>
-                <a:cs typeface="Courier New" panose="02070309020205020404" pitchFamily="49" charset="0"/>
-              </a:rPr>
-              <a:t>for</a:t>
-            </a:r>
-            <a:r>
-              <a:rPr lang="nl-NL" sz="1600" kern="0" dirty="0" smtClean="0">
-                <a:latin typeface="Courier New" panose="02070309020205020404" pitchFamily="49" charset="0"/>
-                <a:cs typeface="Courier New" panose="02070309020205020404" pitchFamily="49" charset="0"/>
-              </a:rPr>
-              <a:t> </a:t>
-            </a:r>
-            <a:r>
-              <a:rPr lang="nl-NL" sz="1600" kern="0" dirty="0" err="1" smtClean="0">
-                <a:latin typeface="Courier New" panose="02070309020205020404" pitchFamily="49" charset="0"/>
-                <a:cs typeface="Courier New" panose="02070309020205020404" pitchFamily="49" charset="0"/>
-              </a:rPr>
-              <a:t>classification</a:t>
-            </a:r>
-            <a:r>
-              <a:rPr lang="nl-NL" sz="1600" kern="0" dirty="0" smtClean="0">
-                <a:latin typeface="Courier New" panose="02070309020205020404" pitchFamily="49" charset="0"/>
-                <a:cs typeface="Courier New" panose="02070309020205020404" pitchFamily="49" charset="0"/>
-              </a:rPr>
-              <a:t>? </a:t>
-            </a:r>
-            <a:r>
-              <a:rPr lang="nl-NL" sz="1600" kern="0" dirty="0" err="1" smtClean="0">
-                <a:latin typeface="Courier New" panose="02070309020205020404" pitchFamily="49" charset="0"/>
-                <a:cs typeface="Courier New" panose="02070309020205020404" pitchFamily="49" charset="0"/>
-              </a:rPr>
-              <a:t>Why</a:t>
-            </a:r>
-            <a:r>
-              <a:rPr lang="nl-NL" sz="1600" kern="0" dirty="0" smtClean="0">
-                <a:latin typeface="Courier New" panose="02070309020205020404" pitchFamily="49" charset="0"/>
-                <a:cs typeface="Courier New" panose="02070309020205020404" pitchFamily="49" charset="0"/>
-              </a:rPr>
-              <a:t> (</a:t>
-            </a:r>
-            <a:r>
-              <a:rPr lang="nl-NL" sz="1600" kern="0" dirty="0" err="1" smtClean="0">
-                <a:latin typeface="Courier New" panose="02070309020205020404" pitchFamily="49" charset="0"/>
-                <a:cs typeface="Courier New" panose="02070309020205020404" pitchFamily="49" charset="0"/>
-              </a:rPr>
-              <a:t>not</a:t>
-            </a:r>
-            <a:r>
-              <a:rPr lang="nl-NL" sz="1600" kern="0" dirty="0" smtClean="0">
-                <a:latin typeface="Courier New" panose="02070309020205020404" pitchFamily="49" charset="0"/>
-                <a:cs typeface="Courier New" panose="02070309020205020404" pitchFamily="49" charset="0"/>
-              </a:rPr>
-              <a:t>)?</a:t>
             </a:r>
           </a:p>
           <a:p>
@@ -8779,7 +8297,343 @@
               <a:buFont typeface="+mj-lt"/>
               <a:buAutoNum type="arabicPeriod"/>
             </a:pPr>
-            <a:endParaRPr lang="nl-NL" sz="1400" kern="0" dirty="0">
+            <a:r>
+              <a:rPr lang="nl-NL" sz="1400" kern="0" dirty="0" smtClean="0">
+                <a:latin typeface="Courier New" panose="02070309020205020404" pitchFamily="49" charset="0"/>
+                <a:cs typeface="Courier New" panose="02070309020205020404" pitchFamily="49" charset="0"/>
+              </a:rPr>
+              <a:t>We </a:t>
+            </a:r>
+            <a:r>
+              <a:rPr lang="nl-NL" sz="1400" kern="0" dirty="0" err="1" smtClean="0">
+                <a:latin typeface="Courier New" panose="02070309020205020404" pitchFamily="49" charset="0"/>
+                <a:cs typeface="Courier New" panose="02070309020205020404" pitchFamily="49" charset="0"/>
+              </a:rPr>
+              <a:t>will</a:t>
+            </a:r>
+            <a:r>
+              <a:rPr lang="nl-NL" sz="1400" kern="0" dirty="0" smtClean="0">
+                <a:latin typeface="Courier New" panose="02070309020205020404" pitchFamily="49" charset="0"/>
+                <a:cs typeface="Courier New" panose="02070309020205020404" pitchFamily="49" charset="0"/>
+              </a:rPr>
+              <a:t> </a:t>
+            </a:r>
+            <a:r>
+              <a:rPr lang="nl-NL" sz="1400" kern="0" dirty="0" err="1" smtClean="0">
+                <a:latin typeface="Courier New" panose="02070309020205020404" pitchFamily="49" charset="0"/>
+                <a:cs typeface="Courier New" panose="02070309020205020404" pitchFamily="49" charset="0"/>
+              </a:rPr>
+              <a:t>only</a:t>
+            </a:r>
+            <a:r>
+              <a:rPr lang="nl-NL" sz="1400" kern="0" dirty="0" smtClean="0">
+                <a:latin typeface="Courier New" panose="02070309020205020404" pitchFamily="49" charset="0"/>
+                <a:cs typeface="Courier New" panose="02070309020205020404" pitchFamily="49" charset="0"/>
+              </a:rPr>
+              <a:t> </a:t>
+            </a:r>
+            <a:r>
+              <a:rPr lang="nl-NL" sz="1400" kern="0" dirty="0" err="1" smtClean="0">
+                <a:latin typeface="Courier New" panose="02070309020205020404" pitchFamily="49" charset="0"/>
+                <a:cs typeface="Courier New" panose="02070309020205020404" pitchFamily="49" charset="0"/>
+              </a:rPr>
+              <a:t>work</a:t>
+            </a:r>
+            <a:r>
+              <a:rPr lang="nl-NL" sz="1400" kern="0" dirty="0" smtClean="0">
+                <a:latin typeface="Courier New" panose="02070309020205020404" pitchFamily="49" charset="0"/>
+                <a:cs typeface="Courier New" panose="02070309020205020404" pitchFamily="49" charset="0"/>
+              </a:rPr>
+              <a:t> </a:t>
+            </a:r>
+            <a:r>
+              <a:rPr lang="nl-NL" sz="1400" kern="0" dirty="0" err="1" smtClean="0">
+                <a:latin typeface="Courier New" panose="02070309020205020404" pitchFamily="49" charset="0"/>
+                <a:cs typeface="Courier New" panose="02070309020205020404" pitchFamily="49" charset="0"/>
+              </a:rPr>
+              <a:t>with</a:t>
+            </a:r>
+            <a:r>
+              <a:rPr lang="nl-NL" sz="1400" kern="0" dirty="0" smtClean="0">
+                <a:latin typeface="Courier New" panose="02070309020205020404" pitchFamily="49" charset="0"/>
+                <a:cs typeface="Courier New" panose="02070309020205020404" pitchFamily="49" charset="0"/>
+              </a:rPr>
+              <a:t> </a:t>
+            </a:r>
+            <a:r>
+              <a:rPr lang="nl-NL" sz="1400" kern="0" dirty="0" err="1" smtClean="0">
+                <a:latin typeface="Courier New" panose="02070309020205020404" pitchFamily="49" charset="0"/>
+                <a:cs typeface="Courier New" panose="02070309020205020404" pitchFamily="49" charset="0"/>
+              </a:rPr>
+              <a:t>Bart’s</a:t>
+            </a:r>
+            <a:r>
+              <a:rPr lang="nl-NL" sz="1400" kern="0" dirty="0" smtClean="0">
+                <a:latin typeface="Courier New" panose="02070309020205020404" pitchFamily="49" charset="0"/>
+                <a:cs typeface="Courier New" panose="02070309020205020404" pitchFamily="49" charset="0"/>
+              </a:rPr>
+              <a:t> </a:t>
+            </a:r>
+            <a:r>
+              <a:rPr lang="nl-NL" sz="1400" kern="0" dirty="0" err="1" smtClean="0">
+                <a:latin typeface="Courier New" panose="02070309020205020404" pitchFamily="49" charset="0"/>
+                <a:cs typeface="Courier New" panose="02070309020205020404" pitchFamily="49" charset="0"/>
+              </a:rPr>
+              <a:t>and</a:t>
+            </a:r>
+            <a:r>
+              <a:rPr lang="nl-NL" sz="1400" kern="0" dirty="0" smtClean="0">
+                <a:latin typeface="Courier New" panose="02070309020205020404" pitchFamily="49" charset="0"/>
+                <a:cs typeface="Courier New" panose="02070309020205020404" pitchFamily="49" charset="0"/>
+              </a:rPr>
+              <a:t> Lisa’s </a:t>
+            </a:r>
+            <a:r>
+              <a:rPr lang="nl-NL" sz="1400" kern="0" dirty="0" err="1" smtClean="0">
+                <a:latin typeface="Courier New" panose="02070309020205020404" pitchFamily="49" charset="0"/>
+                <a:cs typeface="Courier New" panose="02070309020205020404" pitchFamily="49" charset="0"/>
+              </a:rPr>
+              <a:t>lines</a:t>
+            </a:r>
+            <a:r>
+              <a:rPr lang="nl-NL" sz="1400" kern="0" dirty="0" smtClean="0">
+                <a:latin typeface="Courier New" panose="02070309020205020404" pitchFamily="49" charset="0"/>
+                <a:cs typeface="Courier New" panose="02070309020205020404" pitchFamily="49" charset="0"/>
+              </a:rPr>
+              <a:t>. Make the relevant </a:t>
+            </a:r>
+            <a:r>
+              <a:rPr lang="nl-NL" sz="1400" kern="0" dirty="0" err="1" smtClean="0">
+                <a:latin typeface="Courier New" panose="02070309020205020404" pitchFamily="49" charset="0"/>
+                <a:cs typeface="Courier New" panose="02070309020205020404" pitchFamily="49" charset="0"/>
+              </a:rPr>
+              <a:t>selection</a:t>
+            </a:r>
+            <a:r>
+              <a:rPr lang="nl-NL" sz="1400" kern="0" dirty="0" smtClean="0">
+                <a:latin typeface="Courier New" panose="02070309020205020404" pitchFamily="49" charset="0"/>
+                <a:cs typeface="Courier New" panose="02070309020205020404" pitchFamily="49" charset="0"/>
+              </a:rPr>
+              <a:t> in the data set</a:t>
+            </a:r>
+            <a:r>
+              <a:rPr lang="nl-NL" sz="1400" kern="0" dirty="0" smtClean="0">
+                <a:latin typeface="Courier New" panose="02070309020205020404" pitchFamily="49" charset="0"/>
+                <a:cs typeface="Courier New" panose="02070309020205020404" pitchFamily="49" charset="0"/>
+              </a:rPr>
+              <a:t>. Tip: this </a:t>
+            </a:r>
+            <a:r>
+              <a:rPr lang="nl-NL" sz="1400" kern="0" dirty="0" smtClean="0">
+                <a:latin typeface="Courier New" panose="02070309020205020404" pitchFamily="49" charset="0"/>
+                <a:cs typeface="Courier New" panose="02070309020205020404" pitchFamily="49" charset="0"/>
+              </a:rPr>
+              <a:t>is a </a:t>
+            </a:r>
+            <a:r>
+              <a:rPr lang="nl-NL" sz="1400" kern="0" dirty="0" err="1" smtClean="0">
+                <a:latin typeface="Courier New" panose="02070309020205020404" pitchFamily="49" charset="0"/>
+                <a:cs typeface="Courier New" panose="02070309020205020404" pitchFamily="49" charset="0"/>
+              </a:rPr>
+              <a:t>selection</a:t>
+            </a:r>
+            <a:r>
+              <a:rPr lang="nl-NL" sz="1400" kern="0" dirty="0" smtClean="0">
+                <a:latin typeface="Courier New" panose="02070309020205020404" pitchFamily="49" charset="0"/>
+                <a:cs typeface="Courier New" panose="02070309020205020404" pitchFamily="49" charset="0"/>
+              </a:rPr>
+              <a:t> </a:t>
+            </a:r>
+            <a:r>
+              <a:rPr lang="nl-NL" sz="1400" kern="0" dirty="0" err="1" smtClean="0">
+                <a:latin typeface="Courier New" panose="02070309020205020404" pitchFamily="49" charset="0"/>
+                <a:cs typeface="Courier New" panose="02070309020205020404" pitchFamily="49" charset="0"/>
+              </a:rPr>
+              <a:t>based</a:t>
+            </a:r>
+            <a:r>
+              <a:rPr lang="nl-NL" sz="1400" kern="0" dirty="0" smtClean="0">
+                <a:latin typeface="Courier New" panose="02070309020205020404" pitchFamily="49" charset="0"/>
+                <a:cs typeface="Courier New" panose="02070309020205020404" pitchFamily="49" charset="0"/>
+              </a:rPr>
+              <a:t> on </a:t>
+            </a:r>
+            <a:r>
+              <a:rPr lang="nl-NL" sz="1400" kern="0" dirty="0" err="1" smtClean="0">
+                <a:latin typeface="Courier New" panose="02070309020205020404" pitchFamily="49" charset="0"/>
+                <a:cs typeface="Courier New" panose="02070309020205020404" pitchFamily="49" charset="0"/>
+              </a:rPr>
+              <a:t>two</a:t>
+            </a:r>
+            <a:r>
+              <a:rPr lang="nl-NL" sz="1400" kern="0" dirty="0" smtClean="0">
+                <a:latin typeface="Courier New" panose="02070309020205020404" pitchFamily="49" charset="0"/>
+                <a:cs typeface="Courier New" panose="02070309020205020404" pitchFamily="49" charset="0"/>
+              </a:rPr>
+              <a:t> </a:t>
+            </a:r>
+            <a:r>
+              <a:rPr lang="nl-NL" sz="1400" kern="0" dirty="0" err="1" smtClean="0">
+                <a:latin typeface="Courier New" panose="02070309020205020404" pitchFamily="49" charset="0"/>
+                <a:cs typeface="Courier New" panose="02070309020205020404" pitchFamily="49" charset="0"/>
+              </a:rPr>
+              <a:t>conditions</a:t>
+            </a:r>
+            <a:r>
+              <a:rPr lang="nl-NL" sz="1400" kern="0" dirty="0" smtClean="0">
+                <a:latin typeface="Courier New" panose="02070309020205020404" pitchFamily="49" charset="0"/>
+                <a:cs typeface="Courier New" panose="02070309020205020404" pitchFamily="49" charset="0"/>
+              </a:rPr>
+              <a:t>. </a:t>
+            </a:r>
+            <a:r>
+              <a:rPr lang="nl-NL" sz="1400" kern="0" dirty="0" err="1" smtClean="0">
+                <a:latin typeface="Courier New" panose="02070309020205020404" pitchFamily="49" charset="0"/>
+                <a:cs typeface="Courier New" panose="02070309020205020404" pitchFamily="49" charset="0"/>
+              </a:rPr>
+              <a:t>Use</a:t>
+            </a:r>
+            <a:r>
+              <a:rPr lang="nl-NL" sz="1400" kern="0" dirty="0" smtClean="0">
+                <a:latin typeface="Courier New" panose="02070309020205020404" pitchFamily="49" charset="0"/>
+                <a:cs typeface="Courier New" panose="02070309020205020404" pitchFamily="49" charset="0"/>
+              </a:rPr>
+              <a:t> </a:t>
+            </a:r>
+            <a:r>
+              <a:rPr lang="nl-NL" sz="1400" kern="0" dirty="0" err="1" smtClean="0">
+                <a:latin typeface="Courier New" panose="02070309020205020404" pitchFamily="49" charset="0"/>
+                <a:cs typeface="Courier New" panose="02070309020205020404" pitchFamily="49" charset="0"/>
+              </a:rPr>
+              <a:t>brackets</a:t>
+            </a:r>
+            <a:r>
+              <a:rPr lang="nl-NL" sz="1400" kern="0" dirty="0" smtClean="0">
+                <a:latin typeface="Courier New" panose="02070309020205020404" pitchFamily="49" charset="0"/>
+                <a:cs typeface="Courier New" panose="02070309020205020404" pitchFamily="49" charset="0"/>
+              </a:rPr>
+              <a:t> () </a:t>
+            </a:r>
+            <a:r>
+              <a:rPr lang="nl-NL" sz="1400" kern="0" dirty="0" err="1" smtClean="0">
+                <a:latin typeface="Courier New" panose="02070309020205020404" pitchFamily="49" charset="0"/>
+                <a:cs typeface="Courier New" panose="02070309020205020404" pitchFamily="49" charset="0"/>
+              </a:rPr>
+              <a:t>around</a:t>
+            </a:r>
+            <a:r>
+              <a:rPr lang="nl-NL" sz="1400" kern="0" dirty="0" smtClean="0">
+                <a:latin typeface="Courier New" panose="02070309020205020404" pitchFamily="49" charset="0"/>
+                <a:cs typeface="Courier New" panose="02070309020205020404" pitchFamily="49" charset="0"/>
+              </a:rPr>
+              <a:t> </a:t>
+            </a:r>
+            <a:r>
+              <a:rPr lang="nl-NL" sz="1400" kern="0" dirty="0" err="1" smtClean="0">
+                <a:latin typeface="Courier New" panose="02070309020205020404" pitchFamily="49" charset="0"/>
+                <a:cs typeface="Courier New" panose="02070309020205020404" pitchFamily="49" charset="0"/>
+              </a:rPr>
+              <a:t>each</a:t>
+            </a:r>
+            <a:r>
+              <a:rPr lang="nl-NL" sz="1400" kern="0" dirty="0" smtClean="0">
+                <a:latin typeface="Courier New" panose="02070309020205020404" pitchFamily="49" charset="0"/>
+                <a:cs typeface="Courier New" panose="02070309020205020404" pitchFamily="49" charset="0"/>
+              </a:rPr>
+              <a:t> </a:t>
+            </a:r>
+            <a:r>
+              <a:rPr lang="nl-NL" sz="1400" kern="0" dirty="0" err="1" smtClean="0">
+                <a:latin typeface="Courier New" panose="02070309020205020404" pitchFamily="49" charset="0"/>
+                <a:cs typeface="Courier New" panose="02070309020205020404" pitchFamily="49" charset="0"/>
+              </a:rPr>
+              <a:t>condition</a:t>
+            </a:r>
+            <a:r>
+              <a:rPr lang="nl-NL" sz="1400" kern="0" dirty="0" smtClean="0">
+                <a:latin typeface="Courier New" panose="02070309020205020404" pitchFamily="49" charset="0"/>
+                <a:cs typeface="Courier New" panose="02070309020205020404" pitchFamily="49" charset="0"/>
+              </a:rPr>
+              <a:t> </a:t>
+            </a:r>
+            <a:r>
+              <a:rPr lang="nl-NL" sz="1400" kern="0" dirty="0" err="1" smtClean="0">
+                <a:latin typeface="Courier New" panose="02070309020205020404" pitchFamily="49" charset="0"/>
+                <a:cs typeface="Courier New" panose="02070309020205020404" pitchFamily="49" charset="0"/>
+              </a:rPr>
+              <a:t>and</a:t>
+            </a:r>
+            <a:r>
+              <a:rPr lang="nl-NL" sz="1400" kern="0" dirty="0" smtClean="0">
+                <a:latin typeface="Courier New" panose="02070309020205020404" pitchFamily="49" charset="0"/>
+                <a:cs typeface="Courier New" panose="02070309020205020404" pitchFamily="49" charset="0"/>
+              </a:rPr>
+              <a:t> </a:t>
+            </a:r>
+            <a:r>
+              <a:rPr lang="nl-NL" sz="1400" kern="0" dirty="0" err="1" smtClean="0">
+                <a:latin typeface="Courier New" panose="02070309020205020404" pitchFamily="49" charset="0"/>
+                <a:cs typeface="Courier New" panose="02070309020205020404" pitchFamily="49" charset="0"/>
+              </a:rPr>
+              <a:t>use</a:t>
+            </a:r>
+            <a:r>
+              <a:rPr lang="nl-NL" sz="1400" kern="0" dirty="0" smtClean="0">
+                <a:latin typeface="Courier New" panose="02070309020205020404" pitchFamily="49" charset="0"/>
+                <a:cs typeface="Courier New" panose="02070309020205020404" pitchFamily="49" charset="0"/>
+              </a:rPr>
+              <a:t> | </a:t>
+            </a:r>
+            <a:r>
+              <a:rPr lang="nl-NL" sz="1400" kern="0" dirty="0" err="1" smtClean="0">
+                <a:latin typeface="Courier New" panose="02070309020205020404" pitchFamily="49" charset="0"/>
+                <a:cs typeface="Courier New" panose="02070309020205020404" pitchFamily="49" charset="0"/>
+              </a:rPr>
+              <a:t>instead</a:t>
+            </a:r>
+            <a:r>
+              <a:rPr lang="nl-NL" sz="1400" kern="0" dirty="0" smtClean="0">
+                <a:latin typeface="Courier New" panose="02070309020205020404" pitchFamily="49" charset="0"/>
+                <a:cs typeface="Courier New" panose="02070309020205020404" pitchFamily="49" charset="0"/>
+              </a:rPr>
+              <a:t> of </a:t>
+            </a:r>
+            <a:r>
+              <a:rPr lang="nl-NL" sz="1400" i="1" kern="0" dirty="0" smtClean="0">
+                <a:latin typeface="Courier New" panose="02070309020205020404" pitchFamily="49" charset="0"/>
+                <a:cs typeface="Courier New" panose="02070309020205020404" pitchFamily="49" charset="0"/>
+              </a:rPr>
+              <a:t>or </a:t>
+            </a:r>
+            <a:r>
+              <a:rPr lang="nl-NL" sz="1400" kern="0" dirty="0" smtClean="0">
+                <a:latin typeface="Courier New" panose="02070309020205020404" pitchFamily="49" charset="0"/>
+                <a:cs typeface="Courier New" panose="02070309020205020404" pitchFamily="49" charset="0"/>
+              </a:rPr>
+              <a:t>in </a:t>
+            </a:r>
+            <a:r>
+              <a:rPr lang="nl-NL" sz="1400" kern="0" dirty="0" err="1" smtClean="0">
+                <a:latin typeface="Courier New" panose="02070309020205020404" pitchFamily="49" charset="0"/>
+                <a:cs typeface="Courier New" panose="02070309020205020404" pitchFamily="49" charset="0"/>
+              </a:rPr>
+              <a:t>Pandas</a:t>
+            </a:r>
+            <a:r>
+              <a:rPr lang="nl-NL" sz="1400" kern="0" dirty="0" smtClean="0">
+                <a:latin typeface="Courier New" panose="02070309020205020404" pitchFamily="49" charset="0"/>
+                <a:cs typeface="Courier New" panose="02070309020205020404" pitchFamily="49" charset="0"/>
+              </a:rPr>
+              <a:t>.</a:t>
+            </a:r>
+            <a:r>
+              <a:rPr lang="nl-NL" sz="1400" kern="0" dirty="0" smtClean="0">
+                <a:latin typeface="Courier New" panose="02070309020205020404" pitchFamily="49" charset="0"/>
+                <a:cs typeface="Courier New" panose="02070309020205020404" pitchFamily="49" charset="0"/>
+              </a:rPr>
+              <a:t> </a:t>
+            </a:r>
+            <a:endParaRPr lang="nl-NL" sz="1400" kern="0" dirty="0" smtClean="0">
               <a:latin typeface="Courier New" panose="02070309020205020404" pitchFamily="49" charset="0"/>
               <a:cs typeface="Courier New" panose="02070309020205020404" pitchFamily="49" charset="0"/>
             </a:endParaRPr>
@@ -8799,25 +8653,36 @@
               <a:buFont typeface="+mj-lt"/>
               <a:buAutoNum type="arabicPeriod"/>
             </a:pPr>
-            <a:endParaRPr lang="nl-NL" sz="1400" kern="0" dirty="0">
-              <a:latin typeface="Courier New" panose="02070309020205020404" pitchFamily="49" charset="0"/>
-              <a:cs typeface="Courier New" panose="02070309020205020404" pitchFamily="49" charset="0"/>
-            </a:endParaRPr>
-          </a:p>
-          <a:p>
-            <a:pPr>
-              <a:buFont typeface="+mj-lt"/>
-              <a:buAutoNum type="arabicPeriod"/>
-            </a:pPr>
+            <a:r>
+              <a:rPr lang="nl-NL" sz="1400" kern="0" dirty="0" err="1" smtClean="0">
+                <a:latin typeface="Courier New" panose="02070309020205020404" pitchFamily="49" charset="0"/>
+                <a:cs typeface="Courier New" panose="02070309020205020404" pitchFamily="49" charset="0"/>
+              </a:rPr>
+              <a:t>Create</a:t>
+            </a:r>
+            <a:r>
+              <a:rPr lang="nl-NL" sz="1400" kern="0" dirty="0" smtClean="0">
+                <a:latin typeface="Courier New" panose="02070309020205020404" pitchFamily="49" charset="0"/>
+                <a:cs typeface="Courier New" panose="02070309020205020404" pitchFamily="49" charset="0"/>
+              </a:rPr>
+              <a:t> a document-feature matrix of the text </a:t>
+            </a:r>
+            <a:r>
+              <a:rPr lang="nl-NL" sz="1400" kern="0" dirty="0" smtClean="0">
+                <a:latin typeface="Courier New" panose="02070309020205020404" pitchFamily="49" charset="0"/>
+                <a:cs typeface="Courier New" panose="02070309020205020404" pitchFamily="49" charset="0"/>
+              </a:rPr>
+              <a:t>data.</a:t>
+            </a:r>
             <a:endParaRPr lang="nl-NL" sz="1400" kern="0" dirty="0" smtClean="0">
               <a:latin typeface="Courier New" panose="02070309020205020404" pitchFamily="49" charset="0"/>
               <a:cs typeface="Courier New" panose="02070309020205020404" pitchFamily="49" charset="0"/>
             </a:endParaRPr>
           </a:p>
           <a:p>
-            <a:pPr marL="0" indent="0">
-              <a:buFont typeface="Zapf Dingbats" charset="2"/>
-              <a:buNone/>
+            <a:pPr>
+              <a:buFont typeface="+mj-lt"/>
+              <a:buAutoNum type="arabicPeriod"/>
             </a:pPr>
             <a:endParaRPr lang="nl-NL" sz="1400" kern="0" dirty="0">
               <a:latin typeface="Courier New" panose="02070309020205020404" pitchFamily="49" charset="0"/>
@@ -8825,19 +8690,57 @@
             </a:endParaRPr>
           </a:p>
           <a:p>
-            <a:pPr marL="0" indent="0">
-              <a:buFont typeface="Zapf Dingbats" charset="2"/>
-              <a:buNone/>
+            <a:pPr>
+              <a:buFont typeface="+mj-lt"/>
+              <a:buAutoNum type="arabicPeriod"/>
             </a:pPr>
-            <a:endParaRPr lang="nl-NL" sz="1400" kern="0" dirty="0" smtClean="0">
-              <a:latin typeface="Courier New" panose="02070309020205020404" pitchFamily="49" charset="0"/>
-              <a:cs typeface="Courier New" panose="02070309020205020404" pitchFamily="49" charset="0"/>
-            </a:endParaRPr>
-          </a:p>
-          <a:p>
-            <a:pPr marL="0" indent="0">
-              <a:buFont typeface="Zapf Dingbats" charset="2"/>
-              <a:buNone/>
+            <a:r>
+              <a:rPr lang="nl-NL" sz="1400" kern="0" dirty="0" smtClean="0">
+                <a:latin typeface="Courier New" panose="02070309020205020404" pitchFamily="49" charset="0"/>
+                <a:cs typeface="Courier New" panose="02070309020205020404" pitchFamily="49" charset="0"/>
+              </a:rPr>
+              <a:t>Print a </a:t>
+            </a:r>
+            <a:r>
+              <a:rPr lang="nl-NL" sz="1400" kern="0" dirty="0" err="1" smtClean="0">
+                <a:latin typeface="Courier New" panose="02070309020205020404" pitchFamily="49" charset="0"/>
+                <a:cs typeface="Courier New" panose="02070309020205020404" pitchFamily="49" charset="0"/>
+              </a:rPr>
+              <a:t>selection</a:t>
+            </a:r>
+            <a:r>
+              <a:rPr lang="nl-NL" sz="1400" kern="0" dirty="0" smtClean="0">
+                <a:latin typeface="Courier New" panose="02070309020205020404" pitchFamily="49" charset="0"/>
+                <a:cs typeface="Courier New" panose="02070309020205020404" pitchFamily="49" charset="0"/>
+              </a:rPr>
+              <a:t> of </a:t>
+            </a:r>
+            <a:r>
+              <a:rPr lang="nl-NL" sz="1400" kern="0" dirty="0" smtClean="0">
+                <a:latin typeface="Courier New" panose="02070309020205020404" pitchFamily="49" charset="0"/>
+                <a:cs typeface="Courier New" panose="02070309020205020404" pitchFamily="49" charset="0"/>
+              </a:rPr>
+              <a:t>the features/</a:t>
+            </a:r>
+            <a:r>
+              <a:rPr lang="nl-NL" sz="1400" kern="0" dirty="0" err="1" smtClean="0">
+                <a:latin typeface="Courier New" panose="02070309020205020404" pitchFamily="49" charset="0"/>
+                <a:cs typeface="Courier New" panose="02070309020205020404" pitchFamily="49" charset="0"/>
+              </a:rPr>
+              <a:t>words</a:t>
+            </a:r>
+            <a:r>
+              <a:rPr lang="nl-NL" sz="1400" kern="0" dirty="0" smtClean="0">
+                <a:latin typeface="Courier New" panose="02070309020205020404" pitchFamily="49" charset="0"/>
+                <a:cs typeface="Courier New" panose="02070309020205020404" pitchFamily="49" charset="0"/>
+              </a:rPr>
+              <a:t>.</a:t>
+            </a:r>
+          </a:p>
+          <a:p>
+            <a:pPr>
+              <a:buFont typeface="+mj-lt"/>
+              <a:buAutoNum type="arabicPeriod"/>
             </a:pPr>
             <a:endParaRPr lang="nl-NL" sz="1400" kern="0" dirty="0">
               <a:latin typeface="Courier New" panose="02070309020205020404" pitchFamily="49" charset="0"/>
@@ -8845,11 +8748,350 @@
             </a:endParaRPr>
           </a:p>
           <a:p>
+            <a:pPr>
+              <a:buFont typeface="+mj-lt"/>
+              <a:buAutoNum type="arabicPeriod"/>
+            </a:pPr>
+            <a:r>
+              <a:rPr lang="nl-NL" sz="1400" kern="0" dirty="0" smtClean="0">
+                <a:latin typeface="Courier New" panose="02070309020205020404" pitchFamily="49" charset="0"/>
+                <a:cs typeface="Courier New" panose="02070309020205020404" pitchFamily="49" charset="0"/>
+              </a:rPr>
+              <a:t>Save </a:t>
+            </a:r>
+            <a:r>
+              <a:rPr lang="nl-NL" sz="1400" kern="0" dirty="0" err="1" smtClean="0">
+                <a:latin typeface="Courier New" panose="02070309020205020404" pitchFamily="49" charset="0"/>
+                <a:cs typeface="Courier New" panose="02070309020205020404" pitchFamily="49" charset="0"/>
+              </a:rPr>
+              <a:t>your</a:t>
+            </a:r>
+            <a:r>
+              <a:rPr lang="nl-NL" sz="1400" kern="0" dirty="0" smtClean="0">
+                <a:latin typeface="Courier New" panose="02070309020205020404" pitchFamily="49" charset="0"/>
+                <a:cs typeface="Courier New" panose="02070309020205020404" pitchFamily="49" charset="0"/>
+              </a:rPr>
+              <a:t> document (this </a:t>
+            </a:r>
+            <a:r>
+              <a:rPr lang="nl-NL" sz="1400" kern="0" dirty="0" err="1" smtClean="0">
+                <a:latin typeface="Courier New" panose="02070309020205020404" pitchFamily="49" charset="0"/>
+                <a:cs typeface="Courier New" panose="02070309020205020404" pitchFamily="49" charset="0"/>
+              </a:rPr>
+              <a:t>should</a:t>
+            </a:r>
+            <a:r>
+              <a:rPr lang="nl-NL" sz="1400" kern="0" dirty="0" smtClean="0">
+                <a:latin typeface="Courier New" panose="02070309020205020404" pitchFamily="49" charset="0"/>
+                <a:cs typeface="Courier New" panose="02070309020205020404" pitchFamily="49" charset="0"/>
+              </a:rPr>
+              <a:t> </a:t>
+            </a:r>
+            <a:r>
+              <a:rPr lang="nl-NL" sz="1400" kern="0" dirty="0" err="1" smtClean="0">
+                <a:latin typeface="Courier New" panose="02070309020205020404" pitchFamily="49" charset="0"/>
+                <a:cs typeface="Courier New" panose="02070309020205020404" pitchFamily="49" charset="0"/>
+              </a:rPr>
+              <a:t>not</a:t>
+            </a:r>
+            <a:r>
+              <a:rPr lang="nl-NL" sz="1400" kern="0" dirty="0" smtClean="0">
+                <a:latin typeface="Courier New" panose="02070309020205020404" pitchFamily="49" charset="0"/>
+                <a:cs typeface="Courier New" panose="02070309020205020404" pitchFamily="49" charset="0"/>
+              </a:rPr>
+              <a:t> </a:t>
+            </a:r>
+            <a:r>
+              <a:rPr lang="nl-NL" sz="1400" kern="0" dirty="0" err="1" smtClean="0">
+                <a:latin typeface="Courier New" panose="02070309020205020404" pitchFamily="49" charset="0"/>
+                <a:cs typeface="Courier New" panose="02070309020205020404" pitchFamily="49" charset="0"/>
+              </a:rPr>
+              <a:t>freeze</a:t>
+            </a:r>
+            <a:r>
+              <a:rPr lang="nl-NL" sz="1400" kern="0" dirty="0" smtClean="0">
+                <a:latin typeface="Courier New" panose="02070309020205020404" pitchFamily="49" charset="0"/>
+                <a:cs typeface="Courier New" panose="02070309020205020404" pitchFamily="49" charset="0"/>
+              </a:rPr>
+              <a:t> </a:t>
+            </a:r>
+            <a:r>
+              <a:rPr lang="nl-NL" sz="1400" kern="0" dirty="0" err="1" smtClean="0">
+                <a:latin typeface="Courier New" panose="02070309020205020404" pitchFamily="49" charset="0"/>
+                <a:cs typeface="Courier New" panose="02070309020205020404" pitchFamily="49" charset="0"/>
+              </a:rPr>
+              <a:t>your</a:t>
+            </a:r>
+            <a:r>
+              <a:rPr lang="nl-NL" sz="1400" kern="0" dirty="0" smtClean="0">
+                <a:latin typeface="Courier New" panose="02070309020205020404" pitchFamily="49" charset="0"/>
+                <a:cs typeface="Courier New" panose="02070309020205020404" pitchFamily="49" charset="0"/>
+              </a:rPr>
+              <a:t> machine, but </a:t>
+            </a:r>
+            <a:r>
+              <a:rPr lang="nl-NL" sz="1400" kern="0" dirty="0" err="1" smtClean="0">
+                <a:latin typeface="Courier New" panose="02070309020205020404" pitchFamily="49" charset="0"/>
+                <a:cs typeface="Courier New" panose="02070309020205020404" pitchFamily="49" charset="0"/>
+              </a:rPr>
+              <a:t>just</a:t>
+            </a:r>
+            <a:r>
+              <a:rPr lang="nl-NL" sz="1400" kern="0" dirty="0" smtClean="0">
+                <a:latin typeface="Courier New" panose="02070309020205020404" pitchFamily="49" charset="0"/>
+                <a:cs typeface="Courier New" panose="02070309020205020404" pitchFamily="49" charset="0"/>
+              </a:rPr>
+              <a:t> in case). </a:t>
+            </a:r>
+            <a:r>
+              <a:rPr lang="nl-NL" sz="1400" kern="0" dirty="0" err="1" smtClean="0">
+                <a:latin typeface="Courier New" panose="02070309020205020404" pitchFamily="49" charset="0"/>
+                <a:cs typeface="Courier New" panose="02070309020205020404" pitchFamily="49" charset="0"/>
+              </a:rPr>
+              <a:t>Try</a:t>
+            </a:r>
+            <a:r>
+              <a:rPr lang="nl-NL" sz="1400" kern="0" dirty="0" smtClean="0">
+                <a:latin typeface="Courier New" panose="02070309020205020404" pitchFamily="49" charset="0"/>
+                <a:cs typeface="Courier New" panose="02070309020205020404" pitchFamily="49" charset="0"/>
+              </a:rPr>
+              <a:t> </a:t>
+            </a:r>
+            <a:r>
+              <a:rPr lang="nl-NL" sz="1400" kern="0" dirty="0" err="1" smtClean="0">
+                <a:latin typeface="Courier New" panose="02070309020205020404" pitchFamily="49" charset="0"/>
+                <a:cs typeface="Courier New" panose="02070309020205020404" pitchFamily="49" charset="0"/>
+              </a:rPr>
+              <a:t>and</a:t>
+            </a:r>
+            <a:r>
+              <a:rPr lang="nl-NL" sz="1400" kern="0" dirty="0" smtClean="0">
+                <a:latin typeface="Courier New" panose="02070309020205020404" pitchFamily="49" charset="0"/>
+                <a:cs typeface="Courier New" panose="02070309020205020404" pitchFamily="49" charset="0"/>
+              </a:rPr>
+              <a:t> make a regular matrix out of the </a:t>
+            </a:r>
+            <a:r>
+              <a:rPr lang="nl-NL" sz="1400" kern="0" dirty="0" err="1" smtClean="0">
+                <a:latin typeface="Courier New" panose="02070309020205020404" pitchFamily="49" charset="0"/>
+                <a:cs typeface="Courier New" panose="02070309020205020404" pitchFamily="49" charset="0"/>
+              </a:rPr>
+              <a:t>sparse</a:t>
+            </a:r>
+            <a:r>
+              <a:rPr lang="nl-NL" sz="1400" kern="0" dirty="0" smtClean="0">
+                <a:latin typeface="Courier New" panose="02070309020205020404" pitchFamily="49" charset="0"/>
+                <a:cs typeface="Courier New" panose="02070309020205020404" pitchFamily="49" charset="0"/>
+              </a:rPr>
+              <a:t> matrix </a:t>
+            </a:r>
+            <a:r>
+              <a:rPr lang="nl-NL" sz="1400" kern="0" dirty="0" err="1" smtClean="0">
+                <a:latin typeface="Courier New" panose="02070309020205020404" pitchFamily="49" charset="0"/>
+                <a:cs typeface="Courier New" panose="02070309020205020404" pitchFamily="49" charset="0"/>
+              </a:rPr>
+              <a:t>and</a:t>
+            </a:r>
+            <a:r>
+              <a:rPr lang="nl-NL" sz="1400" kern="0" dirty="0" smtClean="0">
+                <a:latin typeface="Courier New" panose="02070309020205020404" pitchFamily="49" charset="0"/>
+                <a:cs typeface="Courier New" panose="02070309020205020404" pitchFamily="49" charset="0"/>
+              </a:rPr>
+              <a:t> </a:t>
+            </a:r>
+            <a:r>
+              <a:rPr lang="nl-NL" sz="1400" kern="0" dirty="0" err="1" smtClean="0">
+                <a:latin typeface="Courier New" panose="02070309020205020404" pitchFamily="49" charset="0"/>
+                <a:cs typeface="Courier New" panose="02070309020205020404" pitchFamily="49" charset="0"/>
+              </a:rPr>
+              <a:t>add</a:t>
+            </a:r>
+            <a:r>
+              <a:rPr lang="nl-NL" sz="1400" kern="0" dirty="0" smtClean="0">
+                <a:latin typeface="Courier New" panose="02070309020205020404" pitchFamily="49" charset="0"/>
+                <a:cs typeface="Courier New" panose="02070309020205020404" pitchFamily="49" charset="0"/>
+              </a:rPr>
+              <a:t> </a:t>
+            </a:r>
+            <a:r>
+              <a:rPr lang="nl-NL" sz="1400" kern="0" dirty="0" err="1" smtClean="0">
+                <a:latin typeface="Courier New" panose="02070309020205020404" pitchFamily="49" charset="0"/>
+                <a:cs typeface="Courier New" panose="02070309020205020404" pitchFamily="49" charset="0"/>
+              </a:rPr>
+              <a:t>it</a:t>
+            </a:r>
+            <a:r>
+              <a:rPr lang="nl-NL" sz="1400" kern="0" dirty="0" smtClean="0">
+                <a:latin typeface="Courier New" panose="02070309020205020404" pitchFamily="49" charset="0"/>
+                <a:cs typeface="Courier New" panose="02070309020205020404" pitchFamily="49" charset="0"/>
+              </a:rPr>
+              <a:t> </a:t>
+            </a:r>
+            <a:r>
+              <a:rPr lang="nl-NL" sz="1400" kern="0" dirty="0" err="1" smtClean="0">
+                <a:latin typeface="Courier New" panose="02070309020205020404" pitchFamily="49" charset="0"/>
+                <a:cs typeface="Courier New" panose="02070309020205020404" pitchFamily="49" charset="0"/>
+              </a:rPr>
+              <a:t>to</a:t>
+            </a:r>
+            <a:r>
+              <a:rPr lang="nl-NL" sz="1400" kern="0" dirty="0" smtClean="0">
+                <a:latin typeface="Courier New" panose="02070309020205020404" pitchFamily="49" charset="0"/>
+                <a:cs typeface="Courier New" panose="02070309020205020404" pitchFamily="49" charset="0"/>
+              </a:rPr>
+              <a:t> the data frame. Does </a:t>
+            </a:r>
+            <a:r>
+              <a:rPr lang="nl-NL" sz="1400" kern="0" dirty="0" err="1" smtClean="0">
+                <a:latin typeface="Courier New" panose="02070309020205020404" pitchFamily="49" charset="0"/>
+                <a:cs typeface="Courier New" panose="02070309020205020404" pitchFamily="49" charset="0"/>
+              </a:rPr>
+              <a:t>it</a:t>
+            </a:r>
+            <a:r>
+              <a:rPr lang="nl-NL" sz="1400" kern="0" dirty="0" smtClean="0">
+                <a:latin typeface="Courier New" panose="02070309020205020404" pitchFamily="49" charset="0"/>
+                <a:cs typeface="Courier New" panose="02070309020205020404" pitchFamily="49" charset="0"/>
+              </a:rPr>
+              <a:t> </a:t>
+            </a:r>
+            <a:r>
+              <a:rPr lang="nl-NL" sz="1400" kern="0" dirty="0" err="1" smtClean="0">
+                <a:latin typeface="Courier New" panose="02070309020205020404" pitchFamily="49" charset="0"/>
+                <a:cs typeface="Courier New" panose="02070309020205020404" pitchFamily="49" charset="0"/>
+              </a:rPr>
+              <a:t>work</a:t>
+            </a:r>
+            <a:r>
+              <a:rPr lang="nl-NL" sz="1400" kern="0" dirty="0" smtClean="0">
+                <a:latin typeface="Courier New" panose="02070309020205020404" pitchFamily="49" charset="0"/>
+                <a:cs typeface="Courier New" panose="02070309020205020404" pitchFamily="49" charset="0"/>
+              </a:rPr>
+              <a:t>? How </a:t>
+            </a:r>
+            <a:r>
+              <a:rPr lang="nl-NL" sz="1400" kern="0" dirty="0" err="1" smtClean="0">
+                <a:latin typeface="Courier New" panose="02070309020205020404" pitchFamily="49" charset="0"/>
+                <a:cs typeface="Courier New" panose="02070309020205020404" pitchFamily="49" charset="0"/>
+              </a:rPr>
+              <a:t>much</a:t>
+            </a:r>
+            <a:r>
+              <a:rPr lang="nl-NL" sz="1400" kern="0" dirty="0" smtClean="0">
+                <a:latin typeface="Courier New" panose="02070309020205020404" pitchFamily="49" charset="0"/>
+                <a:cs typeface="Courier New" panose="02070309020205020404" pitchFamily="49" charset="0"/>
+              </a:rPr>
+              <a:t> memory does Python </a:t>
+            </a:r>
+            <a:r>
+              <a:rPr lang="nl-NL" sz="1400" kern="0" dirty="0" err="1" smtClean="0">
+                <a:latin typeface="Courier New" panose="02070309020205020404" pitchFamily="49" charset="0"/>
+                <a:cs typeface="Courier New" panose="02070309020205020404" pitchFamily="49" charset="0"/>
+              </a:rPr>
+              <a:t>use</a:t>
+            </a:r>
+            <a:r>
+              <a:rPr lang="nl-NL" sz="1400" kern="0" dirty="0" smtClean="0">
+                <a:latin typeface="Courier New" panose="02070309020205020404" pitchFamily="49" charset="0"/>
+                <a:cs typeface="Courier New" panose="02070309020205020404" pitchFamily="49" charset="0"/>
+              </a:rPr>
+              <a:t> </a:t>
+            </a:r>
+            <a:r>
+              <a:rPr lang="nl-NL" sz="1400" kern="0" dirty="0" err="1" smtClean="0">
+                <a:latin typeface="Courier New" panose="02070309020205020404" pitchFamily="49" charset="0"/>
+                <a:cs typeface="Courier New" panose="02070309020205020404" pitchFamily="49" charset="0"/>
+              </a:rPr>
+              <a:t>now</a:t>
+            </a:r>
+            <a:r>
+              <a:rPr lang="nl-NL" sz="1400" kern="0" dirty="0" smtClean="0">
+                <a:latin typeface="Courier New" panose="02070309020205020404" pitchFamily="49" charset="0"/>
+                <a:cs typeface="Courier New" panose="02070309020205020404" pitchFamily="49" charset="0"/>
+              </a:rPr>
+              <a:t>?</a:t>
+            </a:r>
+            <a:endParaRPr lang="nl-NL" sz="1200" kern="0" dirty="0">
+              <a:latin typeface="Courier New" panose="02070309020205020404" pitchFamily="49" charset="0"/>
+              <a:cs typeface="Courier New" panose="02070309020205020404" pitchFamily="49" charset="0"/>
+            </a:endParaRPr>
+          </a:p>
+          <a:p>
+            <a:pPr>
+              <a:buFont typeface="+mj-lt"/>
+              <a:buAutoNum type="arabicPeriod"/>
+            </a:pPr>
+            <a:endParaRPr lang="nl-NL" sz="1200" kern="0" dirty="0">
+              <a:latin typeface="Courier New" panose="02070309020205020404" pitchFamily="49" charset="0"/>
+              <a:cs typeface="Courier New" panose="02070309020205020404" pitchFamily="49" charset="0"/>
+            </a:endParaRPr>
+          </a:p>
+          <a:p>
+            <a:pPr>
+              <a:buFont typeface="+mj-lt"/>
+              <a:buAutoNum type="arabicPeriod"/>
+            </a:pPr>
+            <a:endParaRPr lang="nl-NL" sz="1200" kern="0" dirty="0">
+              <a:latin typeface="Courier New" panose="02070309020205020404" pitchFamily="49" charset="0"/>
+              <a:cs typeface="Courier New" panose="02070309020205020404" pitchFamily="49" charset="0"/>
+            </a:endParaRPr>
+          </a:p>
+          <a:p>
+            <a:pPr>
+              <a:buFont typeface="+mj-lt"/>
+              <a:buAutoNum type="arabicPeriod"/>
+            </a:pPr>
+            <a:endParaRPr lang="nl-NL" sz="1200" kern="0" dirty="0">
+              <a:latin typeface="Courier New" panose="02070309020205020404" pitchFamily="49" charset="0"/>
+              <a:cs typeface="Courier New" panose="02070309020205020404" pitchFamily="49" charset="0"/>
+            </a:endParaRPr>
+          </a:p>
+          <a:p>
+            <a:pPr>
+              <a:buFont typeface="+mj-lt"/>
+              <a:buAutoNum type="arabicPeriod"/>
+            </a:pPr>
+            <a:endParaRPr lang="nl-NL" sz="1200" kern="0" dirty="0" smtClean="0">
+              <a:latin typeface="Courier New" panose="02070309020205020404" pitchFamily="49" charset="0"/>
+              <a:cs typeface="Courier New" panose="02070309020205020404" pitchFamily="49" charset="0"/>
+            </a:endParaRPr>
+          </a:p>
+          <a:p>
             <a:pPr marL="0" indent="0">
               <a:buFont typeface="Zapf Dingbats" charset="2"/>
               <a:buNone/>
             </a:pPr>
-            <a:endParaRPr lang="nl-NL" sz="1400" kern="0" dirty="0" smtClean="0">
+            <a:endParaRPr lang="nl-NL" sz="1200" kern="0" dirty="0">
+              <a:latin typeface="Courier New" panose="02070309020205020404" pitchFamily="49" charset="0"/>
+              <a:cs typeface="Courier New" panose="02070309020205020404" pitchFamily="49" charset="0"/>
+            </a:endParaRPr>
+          </a:p>
+          <a:p>
+            <a:pPr marL="0" indent="0">
+              <a:buFont typeface="Zapf Dingbats" charset="2"/>
+              <a:buNone/>
+            </a:pPr>
+            <a:endParaRPr lang="nl-NL" sz="1200" kern="0" dirty="0" smtClean="0">
+              <a:latin typeface="Courier New" panose="02070309020205020404" pitchFamily="49" charset="0"/>
+              <a:cs typeface="Courier New" panose="02070309020205020404" pitchFamily="49" charset="0"/>
+            </a:endParaRPr>
+          </a:p>
+          <a:p>
+            <a:pPr marL="0" indent="0">
+              <a:buFont typeface="Zapf Dingbats" charset="2"/>
+              <a:buNone/>
+            </a:pPr>
+            <a:endParaRPr lang="nl-NL" sz="1200" kern="0" dirty="0">
+              <a:latin typeface="Courier New" panose="02070309020205020404" pitchFamily="49" charset="0"/>
+              <a:cs typeface="Courier New" panose="02070309020205020404" pitchFamily="49" charset="0"/>
+            </a:endParaRPr>
+          </a:p>
+          <a:p>
+            <a:pPr marL="0" indent="0">
+              <a:buFont typeface="Zapf Dingbats" charset="2"/>
+              <a:buNone/>
+            </a:pPr>
+            <a:endParaRPr lang="nl-NL" sz="1200" kern="0" dirty="0" smtClean="0">
               <a:latin typeface="Courier New" panose="02070309020205020404" pitchFamily="49" charset="0"/>
               <a:cs typeface="Courier New" panose="02070309020205020404" pitchFamily="49" charset="0"/>
             </a:endParaRPr>
@@ -9436,7 +9678,6 @@
               <a:rPr lang="nl-NL" sz="2400" dirty="0" smtClean="0"/>
               <a:t> text</a:t>
             </a:r>
-            <a:endParaRPr lang="nl-NL" sz="2400" dirty="0" smtClean="0"/>
           </a:p>
           <a:p>
             <a:pPr marL="0" indent="0">
@@ -11014,11 +11255,7 @@
             </a:r>
             <a:r>
               <a:rPr lang="nl-NL" sz="2400" dirty="0" smtClean="0"/>
-              <a:t> </a:t>
-            </a:r>
-            <a:r>
-              <a:rPr lang="nl-NL" sz="2400" dirty="0" smtClean="0"/>
-              <a:t>of </a:t>
+              <a:t> of </a:t>
             </a:r>
             <a:r>
               <a:rPr lang="nl-NL" sz="2400" dirty="0" err="1" smtClean="0"/>
@@ -11261,11 +11498,7 @@
             </a:r>
             <a:r>
               <a:rPr lang="nl-NL" sz="2400" dirty="0" smtClean="0"/>
-              <a:t> are </a:t>
-            </a:r>
-            <a:r>
-              <a:rPr lang="nl-NL" sz="2400" dirty="0" smtClean="0"/>
-              <a:t>independent. We </a:t>
+              <a:t> are independent. We </a:t>
             </a:r>
             <a:r>
               <a:rPr lang="nl-NL" sz="2400" dirty="0" err="1" smtClean="0"/>
@@ -11420,11 +11653,7 @@
             </a:r>
             <a:r>
               <a:rPr lang="nl-NL" sz="2400" dirty="0" smtClean="0"/>
-              <a:t>: </a:t>
-            </a:r>
-            <a:r>
-              <a:rPr lang="nl-NL" sz="2400" dirty="0" smtClean="0"/>
-              <a:t>‘</a:t>
+              <a:t>: ‘</a:t>
             </a:r>
             <a:r>
               <a:rPr lang="nl-NL" sz="2400" dirty="0" err="1" smtClean="0"/>
@@ -11803,8 +12032,8 @@
         </p:nvSpPr>
         <p:spPr bwMode="auto">
           <a:xfrm>
-            <a:off x="838200" y="1484784"/>
-            <a:ext cx="7881938" cy="2634567"/>
+            <a:off x="838200" y="1521384"/>
+            <a:ext cx="7881938" cy="6641818"/>
           </a:xfrm>
           <a:prstGeom prst="rect">
             <a:avLst/>
@@ -12014,12 +12243,620 @@
               <a:buNone/>
             </a:pPr>
             <a:r>
+              <a:rPr lang="nl-NL" sz="1400" kern="0" dirty="0" smtClean="0">
+                <a:latin typeface="Courier New" panose="02070309020205020404" pitchFamily="49" charset="0"/>
+                <a:cs typeface="Courier New" panose="02070309020205020404" pitchFamily="49" charset="0"/>
+              </a:rPr>
+              <a:t>For this </a:t>
+            </a:r>
+            <a:r>
               <a:rPr lang="nl-NL" sz="1400" kern="0" dirty="0" err="1" smtClean="0">
                 <a:latin typeface="Courier New" panose="02070309020205020404" pitchFamily="49" charset="0"/>
                 <a:cs typeface="Courier New" panose="02070309020205020404" pitchFamily="49" charset="0"/>
               </a:rPr>
-              <a:t>Blablbla</a:t>
-            </a:r>
+              <a:t>exercise</a:t>
+            </a:r>
+            <a:r>
+              <a:rPr lang="nl-NL" sz="1400" kern="0" dirty="0" smtClean="0">
+                <a:latin typeface="Courier New" panose="02070309020205020404" pitchFamily="49" charset="0"/>
+                <a:cs typeface="Courier New" panose="02070309020205020404" pitchFamily="49" charset="0"/>
+              </a:rPr>
+              <a:t>, we </a:t>
+            </a:r>
+            <a:r>
+              <a:rPr lang="nl-NL" sz="1400" kern="0" dirty="0" err="1" smtClean="0">
+                <a:latin typeface="Courier New" panose="02070309020205020404" pitchFamily="49" charset="0"/>
+                <a:cs typeface="Courier New" panose="02070309020205020404" pitchFamily="49" charset="0"/>
+              </a:rPr>
+              <a:t>will</a:t>
+            </a:r>
+            <a:r>
+              <a:rPr lang="nl-NL" sz="1400" kern="0" dirty="0" smtClean="0">
+                <a:latin typeface="Courier New" panose="02070309020205020404" pitchFamily="49" charset="0"/>
+                <a:cs typeface="Courier New" panose="02070309020205020404" pitchFamily="49" charset="0"/>
+              </a:rPr>
+              <a:t> </a:t>
+            </a:r>
+            <a:r>
+              <a:rPr lang="nl-NL" sz="1400" kern="0" dirty="0" err="1" smtClean="0">
+                <a:latin typeface="Courier New" panose="02070309020205020404" pitchFamily="49" charset="0"/>
+                <a:cs typeface="Courier New" panose="02070309020205020404" pitchFamily="49" charset="0"/>
+              </a:rPr>
+              <a:t>not</a:t>
+            </a:r>
+            <a:r>
+              <a:rPr lang="nl-NL" sz="1400" kern="0" dirty="0" smtClean="0">
+                <a:latin typeface="Courier New" panose="02070309020205020404" pitchFamily="49" charset="0"/>
+                <a:cs typeface="Courier New" panose="02070309020205020404" pitchFamily="49" charset="0"/>
+              </a:rPr>
+              <a:t> </a:t>
+            </a:r>
+            <a:r>
+              <a:rPr lang="nl-NL" sz="1400" kern="0" dirty="0" err="1" smtClean="0">
+                <a:latin typeface="Courier New" panose="02070309020205020404" pitchFamily="49" charset="0"/>
+                <a:cs typeface="Courier New" panose="02070309020205020404" pitchFamily="49" charset="0"/>
+              </a:rPr>
+              <a:t>use</a:t>
+            </a:r>
+            <a:r>
+              <a:rPr lang="nl-NL" sz="1400" kern="0" dirty="0" smtClean="0">
+                <a:latin typeface="Courier New" panose="02070309020205020404" pitchFamily="49" charset="0"/>
+                <a:cs typeface="Courier New" panose="02070309020205020404" pitchFamily="49" charset="0"/>
+              </a:rPr>
+              <a:t> </a:t>
+            </a:r>
+            <a:r>
+              <a:rPr lang="nl-NL" sz="1400" kern="0" dirty="0" err="1" smtClean="0">
+                <a:latin typeface="Courier New" panose="02070309020205020404" pitchFamily="49" charset="0"/>
+                <a:cs typeface="Courier New" panose="02070309020205020404" pitchFamily="49" charset="0"/>
+              </a:rPr>
+              <a:t>example</a:t>
+            </a:r>
+            <a:r>
+              <a:rPr lang="nl-NL" sz="1400" kern="0" dirty="0" smtClean="0">
+                <a:latin typeface="Courier New" panose="02070309020205020404" pitchFamily="49" charset="0"/>
+                <a:cs typeface="Courier New" panose="02070309020205020404" pitchFamily="49" charset="0"/>
+              </a:rPr>
+              <a:t> code. </a:t>
+            </a:r>
+            <a:r>
+              <a:rPr lang="nl-NL" sz="1400" kern="0" dirty="0" err="1" smtClean="0">
+                <a:latin typeface="Courier New" panose="02070309020205020404" pitchFamily="49" charset="0"/>
+                <a:cs typeface="Courier New" panose="02070309020205020404" pitchFamily="49" charset="0"/>
+              </a:rPr>
+              <a:t>Instead</a:t>
+            </a:r>
+            <a:r>
+              <a:rPr lang="nl-NL" sz="1400" kern="0" dirty="0" smtClean="0">
+                <a:latin typeface="Courier New" panose="02070309020205020404" pitchFamily="49" charset="0"/>
+                <a:cs typeface="Courier New" panose="02070309020205020404" pitchFamily="49" charset="0"/>
+              </a:rPr>
+              <a:t>, </a:t>
+            </a:r>
+            <a:r>
+              <a:rPr lang="nl-NL" sz="1400" kern="0" dirty="0" err="1" smtClean="0">
+                <a:latin typeface="Courier New" panose="02070309020205020404" pitchFamily="49" charset="0"/>
+                <a:cs typeface="Courier New" panose="02070309020205020404" pitchFamily="49" charset="0"/>
+              </a:rPr>
+              <a:t>you</a:t>
+            </a:r>
+            <a:r>
+              <a:rPr lang="nl-NL" sz="1400" kern="0" dirty="0" smtClean="0">
+                <a:latin typeface="Courier New" panose="02070309020205020404" pitchFamily="49" charset="0"/>
+                <a:cs typeface="Courier New" panose="02070309020205020404" pitchFamily="49" charset="0"/>
+              </a:rPr>
+              <a:t> </a:t>
+            </a:r>
+            <a:r>
+              <a:rPr lang="nl-NL" sz="1400" kern="0" dirty="0" err="1" smtClean="0">
+                <a:latin typeface="Courier New" panose="02070309020205020404" pitchFamily="49" charset="0"/>
+                <a:cs typeface="Courier New" panose="02070309020205020404" pitchFamily="49" charset="0"/>
+              </a:rPr>
+              <a:t>will</a:t>
+            </a:r>
+            <a:r>
+              <a:rPr lang="nl-NL" sz="1400" kern="0" dirty="0" smtClean="0">
+                <a:latin typeface="Courier New" panose="02070309020205020404" pitchFamily="49" charset="0"/>
+                <a:cs typeface="Courier New" panose="02070309020205020404" pitchFamily="49" charset="0"/>
+              </a:rPr>
+              <a:t> </a:t>
+            </a:r>
+            <a:r>
+              <a:rPr lang="nl-NL" sz="1400" kern="0" dirty="0" err="1" smtClean="0">
+                <a:latin typeface="Courier New" panose="02070309020205020404" pitchFamily="49" charset="0"/>
+                <a:cs typeface="Courier New" panose="02070309020205020404" pitchFamily="49" charset="0"/>
+              </a:rPr>
+              <a:t>write</a:t>
+            </a:r>
+            <a:r>
+              <a:rPr lang="nl-NL" sz="1400" kern="0" dirty="0" smtClean="0">
+                <a:latin typeface="Courier New" panose="02070309020205020404" pitchFamily="49" charset="0"/>
+                <a:cs typeface="Courier New" panose="02070309020205020404" pitchFamily="49" charset="0"/>
+              </a:rPr>
+              <a:t> the code </a:t>
+            </a:r>
+            <a:r>
+              <a:rPr lang="nl-NL" sz="1400" kern="0" dirty="0" err="1" smtClean="0">
+                <a:latin typeface="Courier New" panose="02070309020205020404" pitchFamily="49" charset="0"/>
+                <a:cs typeface="Courier New" panose="02070309020205020404" pitchFamily="49" charset="0"/>
+              </a:rPr>
+              <a:t>yourself</a:t>
+            </a:r>
+            <a:r>
+              <a:rPr lang="nl-NL" sz="1400" kern="0" dirty="0" smtClean="0">
+                <a:latin typeface="Courier New" panose="02070309020205020404" pitchFamily="49" charset="0"/>
+                <a:cs typeface="Courier New" panose="02070309020205020404" pitchFamily="49" charset="0"/>
+              </a:rPr>
+              <a:t> </a:t>
+            </a:r>
+            <a:r>
+              <a:rPr lang="nl-NL" sz="1400" kern="0" dirty="0" err="1" smtClean="0">
+                <a:latin typeface="Courier New" panose="02070309020205020404" pitchFamily="49" charset="0"/>
+                <a:cs typeface="Courier New" panose="02070309020205020404" pitchFamily="49" charset="0"/>
+              </a:rPr>
+              <a:t>based</a:t>
+            </a:r>
+            <a:r>
+              <a:rPr lang="nl-NL" sz="1400" kern="0" dirty="0" smtClean="0">
+                <a:latin typeface="Courier New" panose="02070309020205020404" pitchFamily="49" charset="0"/>
+                <a:cs typeface="Courier New" panose="02070309020205020404" pitchFamily="49" charset="0"/>
+              </a:rPr>
+              <a:t> on the kind of code </a:t>
+            </a:r>
+            <a:r>
+              <a:rPr lang="nl-NL" sz="1400" kern="0" dirty="0" err="1" smtClean="0">
+                <a:latin typeface="Courier New" panose="02070309020205020404" pitchFamily="49" charset="0"/>
+                <a:cs typeface="Courier New" panose="02070309020205020404" pitchFamily="49" charset="0"/>
+              </a:rPr>
+              <a:t>that</a:t>
+            </a:r>
+            <a:r>
+              <a:rPr lang="nl-NL" sz="1400" kern="0" dirty="0" smtClean="0">
+                <a:latin typeface="Courier New" panose="02070309020205020404" pitchFamily="49" charset="0"/>
+                <a:cs typeface="Courier New" panose="02070309020205020404" pitchFamily="49" charset="0"/>
+              </a:rPr>
+              <a:t> </a:t>
+            </a:r>
+            <a:r>
+              <a:rPr lang="nl-NL" sz="1400" kern="0" dirty="0" err="1" smtClean="0">
+                <a:latin typeface="Courier New" panose="02070309020205020404" pitchFamily="49" charset="0"/>
+                <a:cs typeface="Courier New" panose="02070309020205020404" pitchFamily="49" charset="0"/>
+              </a:rPr>
+              <a:t>you</a:t>
+            </a:r>
+            <a:r>
+              <a:rPr lang="nl-NL" sz="1400" kern="0" dirty="0" smtClean="0">
+                <a:latin typeface="Courier New" panose="02070309020205020404" pitchFamily="49" charset="0"/>
+                <a:cs typeface="Courier New" panose="02070309020205020404" pitchFamily="49" charset="0"/>
+              </a:rPr>
+              <a:t> </a:t>
+            </a:r>
+            <a:r>
+              <a:rPr lang="nl-NL" sz="1400" kern="0" dirty="0" err="1" smtClean="0">
+                <a:latin typeface="Courier New" panose="02070309020205020404" pitchFamily="49" charset="0"/>
+                <a:cs typeface="Courier New" panose="02070309020205020404" pitchFamily="49" charset="0"/>
+              </a:rPr>
+              <a:t>before</a:t>
+            </a:r>
+            <a:r>
+              <a:rPr lang="nl-NL" sz="1400" kern="0" dirty="0" smtClean="0">
+                <a:latin typeface="Courier New" panose="02070309020205020404" pitchFamily="49" charset="0"/>
+                <a:cs typeface="Courier New" panose="02070309020205020404" pitchFamily="49" charset="0"/>
+              </a:rPr>
+              <a:t>. See the </a:t>
+            </a:r>
+            <a:r>
+              <a:rPr lang="nl-NL" sz="1400" i="1" kern="0" dirty="0" err="1" smtClean="0">
+                <a:latin typeface="Courier New" panose="02070309020205020404" pitchFamily="49" charset="0"/>
+                <a:cs typeface="Courier New" panose="02070309020205020404" pitchFamily="49" charset="0"/>
+              </a:rPr>
+              <a:t>Cookbook</a:t>
+            </a:r>
+            <a:r>
+              <a:rPr lang="nl-NL" sz="1400" i="1" kern="0" dirty="0" smtClean="0">
+                <a:latin typeface="Courier New" panose="02070309020205020404" pitchFamily="49" charset="0"/>
+                <a:cs typeface="Courier New" panose="02070309020205020404" pitchFamily="49" charset="0"/>
+              </a:rPr>
+              <a:t> </a:t>
+            </a:r>
+            <a:r>
+              <a:rPr lang="nl-NL" sz="1400" kern="0" dirty="0" err="1" smtClean="0">
+                <a:latin typeface="Courier New" panose="02070309020205020404" pitchFamily="49" charset="0"/>
+                <a:cs typeface="Courier New" panose="02070309020205020404" pitchFamily="49" charset="0"/>
+              </a:rPr>
+              <a:t>for</a:t>
+            </a:r>
+            <a:r>
+              <a:rPr lang="nl-NL" sz="1400" kern="0" dirty="0" smtClean="0">
+                <a:latin typeface="Courier New" panose="02070309020205020404" pitchFamily="49" charset="0"/>
+                <a:cs typeface="Courier New" panose="02070309020205020404" pitchFamily="49" charset="0"/>
+              </a:rPr>
+              <a:t> </a:t>
+            </a:r>
+            <a:r>
+              <a:rPr lang="nl-NL" sz="1400" kern="0" dirty="0" err="1" smtClean="0">
+                <a:latin typeface="Courier New" panose="02070309020205020404" pitchFamily="49" charset="0"/>
+                <a:cs typeface="Courier New" panose="02070309020205020404" pitchFamily="49" charset="0"/>
+              </a:rPr>
+              <a:t>reference</a:t>
+            </a:r>
+            <a:r>
+              <a:rPr lang="nl-NL" sz="1400" kern="0" dirty="0" smtClean="0">
+                <a:latin typeface="Courier New" panose="02070309020205020404" pitchFamily="49" charset="0"/>
+                <a:cs typeface="Courier New" panose="02070309020205020404" pitchFamily="49" charset="0"/>
+              </a:rPr>
+              <a:t>.</a:t>
+            </a:r>
+          </a:p>
+          <a:p>
+            <a:pPr marL="0" indent="0">
+              <a:buNone/>
+            </a:pPr>
+            <a:endParaRPr lang="nl-NL" sz="1400" kern="0" dirty="0">
+              <a:latin typeface="Courier New" panose="02070309020205020404" pitchFamily="49" charset="0"/>
+              <a:cs typeface="Courier New" panose="02070309020205020404" pitchFamily="49" charset="0"/>
+            </a:endParaRPr>
+          </a:p>
+          <a:p>
+            <a:pPr marL="0" indent="0">
+              <a:buNone/>
+            </a:pPr>
+            <a:r>
+              <a:rPr lang="nl-NL" sz="1400" kern="0" dirty="0" smtClean="0">
+                <a:latin typeface="Courier New" panose="02070309020205020404" pitchFamily="49" charset="0"/>
+                <a:cs typeface="Courier New" panose="02070309020205020404" pitchFamily="49" charset="0"/>
+              </a:rPr>
+              <a:t>See the </a:t>
+            </a:r>
+            <a:r>
+              <a:rPr lang="nl-NL" sz="1400" kern="0" dirty="0" smtClean="0">
+                <a:latin typeface="Courier New" panose="02070309020205020404" pitchFamily="49" charset="0"/>
+                <a:cs typeface="Courier New" panose="02070309020205020404" pitchFamily="49" charset="0"/>
+                <a:hlinkClick r:id="rId2"/>
+              </a:rPr>
+              <a:t>documentation</a:t>
+            </a:r>
+            <a:r>
+              <a:rPr lang="nl-NL" sz="1400" kern="0" dirty="0" smtClean="0">
+                <a:latin typeface="Courier New" panose="02070309020205020404" pitchFamily="49" charset="0"/>
+                <a:cs typeface="Courier New" panose="02070309020205020404" pitchFamily="49" charset="0"/>
+              </a:rPr>
+              <a:t> of </a:t>
+            </a:r>
+            <a:r>
+              <a:rPr lang="nl-NL" sz="1400" kern="0" dirty="0" err="1" smtClean="0">
+                <a:latin typeface="Courier New" panose="02070309020205020404" pitchFamily="49" charset="0"/>
+                <a:cs typeface="Courier New" panose="02070309020205020404" pitchFamily="49" charset="0"/>
+              </a:rPr>
+              <a:t>sklearn.naive_bayes_MultinomialNB</a:t>
+            </a:r>
+            <a:r>
+              <a:rPr lang="nl-NL" sz="1400" kern="0" dirty="0" smtClean="0">
+                <a:latin typeface="Courier New" panose="02070309020205020404" pitchFamily="49" charset="0"/>
+                <a:cs typeface="Courier New" panose="02070309020205020404" pitchFamily="49" charset="0"/>
+              </a:rPr>
+              <a:t> </a:t>
+            </a:r>
+            <a:r>
+              <a:rPr lang="nl-NL" sz="1400" kern="0" dirty="0" err="1" smtClean="0">
+                <a:latin typeface="Courier New" panose="02070309020205020404" pitchFamily="49" charset="0"/>
+                <a:cs typeface="Courier New" panose="02070309020205020404" pitchFamily="49" charset="0"/>
+              </a:rPr>
+              <a:t>for</a:t>
+            </a:r>
+            <a:r>
+              <a:rPr lang="nl-NL" sz="1400" kern="0" dirty="0" smtClean="0">
+                <a:latin typeface="Courier New" panose="02070309020205020404" pitchFamily="49" charset="0"/>
+                <a:cs typeface="Courier New" panose="02070309020205020404" pitchFamily="49" charset="0"/>
+              </a:rPr>
+              <a:t> the </a:t>
+            </a:r>
+            <a:r>
+              <a:rPr lang="nl-NL" sz="1400" kern="0" dirty="0" err="1" smtClean="0">
+                <a:latin typeface="Courier New" panose="02070309020205020404" pitchFamily="49" charset="0"/>
+                <a:cs typeface="Courier New" panose="02070309020205020404" pitchFamily="49" charset="0"/>
+              </a:rPr>
+              <a:t>Naive</a:t>
+            </a:r>
+            <a:r>
+              <a:rPr lang="nl-NL" sz="1400" kern="0" dirty="0" smtClean="0">
+                <a:latin typeface="Courier New" panose="02070309020205020404" pitchFamily="49" charset="0"/>
+                <a:cs typeface="Courier New" panose="02070309020205020404" pitchFamily="49" charset="0"/>
+              </a:rPr>
+              <a:t> Bayes model object.</a:t>
+            </a:r>
+          </a:p>
+          <a:p>
+            <a:pPr marL="0" indent="0">
+              <a:buNone/>
+            </a:pPr>
+            <a:endParaRPr lang="nl-NL" sz="1400" kern="0" dirty="0">
+              <a:latin typeface="Courier New" panose="02070309020205020404" pitchFamily="49" charset="0"/>
+              <a:cs typeface="Courier New" panose="02070309020205020404" pitchFamily="49" charset="0"/>
+            </a:endParaRPr>
+          </a:p>
+          <a:p>
+            <a:pPr marL="0" indent="0">
+              <a:buNone/>
+            </a:pPr>
+            <a:r>
+              <a:rPr lang="nl-NL" sz="1400" kern="0" dirty="0" smtClean="0">
+                <a:latin typeface="Courier New" panose="02070309020205020404" pitchFamily="49" charset="0"/>
+                <a:cs typeface="Courier New" panose="02070309020205020404" pitchFamily="49" charset="0"/>
+              </a:rPr>
+              <a:t>Steps:</a:t>
+            </a:r>
+          </a:p>
+          <a:p>
+            <a:pPr marL="0" indent="0">
+              <a:buNone/>
+            </a:pPr>
+            <a:endParaRPr lang="nl-NL" sz="1400" kern="0" dirty="0">
+              <a:latin typeface="Courier New" panose="02070309020205020404" pitchFamily="49" charset="0"/>
+              <a:cs typeface="Courier New" panose="02070309020205020404" pitchFamily="49" charset="0"/>
+            </a:endParaRPr>
+          </a:p>
+          <a:p>
+            <a:pPr>
+              <a:buFont typeface="+mj-lt"/>
+              <a:buAutoNum type="arabicPeriod"/>
+            </a:pPr>
+            <a:r>
+              <a:rPr lang="nl-NL" sz="1400" kern="0" dirty="0" smtClean="0">
+                <a:latin typeface="Courier New" panose="02070309020205020404" pitchFamily="49" charset="0"/>
+                <a:cs typeface="Courier New" panose="02070309020205020404" pitchFamily="49" charset="0"/>
+              </a:rPr>
+              <a:t>Import the relevant </a:t>
+            </a:r>
+            <a:r>
+              <a:rPr lang="nl-NL" sz="1400" kern="0" dirty="0" err="1" smtClean="0">
+                <a:latin typeface="Courier New" panose="02070309020205020404" pitchFamily="49" charset="0"/>
+                <a:cs typeface="Courier New" panose="02070309020205020404" pitchFamily="49" charset="0"/>
+              </a:rPr>
+              <a:t>libraries</a:t>
+            </a:r>
+            <a:r>
+              <a:rPr lang="nl-NL" sz="1400" kern="0" dirty="0" smtClean="0">
+                <a:latin typeface="Courier New" panose="02070309020205020404" pitchFamily="49" charset="0"/>
+                <a:cs typeface="Courier New" panose="02070309020205020404" pitchFamily="49" charset="0"/>
+              </a:rPr>
+              <a:t> </a:t>
+            </a:r>
+            <a:r>
+              <a:rPr lang="nl-NL" sz="1400" kern="0" dirty="0" err="1" smtClean="0">
+                <a:latin typeface="Courier New" panose="02070309020205020404" pitchFamily="49" charset="0"/>
+                <a:cs typeface="Courier New" panose="02070309020205020404" pitchFamily="49" charset="0"/>
+              </a:rPr>
+              <a:t>and</a:t>
+            </a:r>
+            <a:r>
+              <a:rPr lang="nl-NL" sz="1400" kern="0" dirty="0" smtClean="0">
+                <a:latin typeface="Courier New" panose="02070309020205020404" pitchFamily="49" charset="0"/>
+                <a:cs typeface="Courier New" panose="02070309020205020404" pitchFamily="49" charset="0"/>
+              </a:rPr>
+              <a:t>/or </a:t>
+            </a:r>
+            <a:r>
+              <a:rPr lang="nl-NL" sz="1400" kern="0" dirty="0" err="1" smtClean="0">
+                <a:latin typeface="Courier New" panose="02070309020205020404" pitchFamily="49" charset="0"/>
+                <a:cs typeface="Courier New" panose="02070309020205020404" pitchFamily="49" charset="0"/>
+              </a:rPr>
+              <a:t>objects</a:t>
+            </a:r>
+            <a:endParaRPr lang="nl-NL" sz="1400" kern="0" dirty="0" smtClean="0">
+              <a:latin typeface="Courier New" panose="02070309020205020404" pitchFamily="49" charset="0"/>
+              <a:cs typeface="Courier New" panose="02070309020205020404" pitchFamily="49" charset="0"/>
+            </a:endParaRPr>
+          </a:p>
+          <a:p>
+            <a:pPr>
+              <a:buFont typeface="+mj-lt"/>
+              <a:buAutoNum type="arabicPeriod"/>
+            </a:pPr>
+            <a:r>
+              <a:rPr lang="nl-NL" sz="1400" kern="0" dirty="0" smtClean="0">
+                <a:latin typeface="Courier New" panose="02070309020205020404" pitchFamily="49" charset="0"/>
+                <a:cs typeface="Courier New" panose="02070309020205020404" pitchFamily="49" charset="0"/>
+              </a:rPr>
+              <a:t>Split the data </a:t>
+            </a:r>
+            <a:r>
+              <a:rPr lang="nl-NL" sz="1400" kern="0" dirty="0" err="1" smtClean="0">
+                <a:latin typeface="Courier New" panose="02070309020205020404" pitchFamily="49" charset="0"/>
+                <a:cs typeface="Courier New" panose="02070309020205020404" pitchFamily="49" charset="0"/>
+              </a:rPr>
+              <a:t>into</a:t>
+            </a:r>
+            <a:r>
+              <a:rPr lang="nl-NL" sz="1400" kern="0" dirty="0" smtClean="0">
+                <a:latin typeface="Courier New" panose="02070309020205020404" pitchFamily="49" charset="0"/>
+                <a:cs typeface="Courier New" panose="02070309020205020404" pitchFamily="49" charset="0"/>
+              </a:rPr>
+              <a:t> a training </a:t>
+            </a:r>
+            <a:r>
+              <a:rPr lang="nl-NL" sz="1400" kern="0" dirty="0" err="1" smtClean="0">
+                <a:latin typeface="Courier New" panose="02070309020205020404" pitchFamily="49" charset="0"/>
+                <a:cs typeface="Courier New" panose="02070309020205020404" pitchFamily="49" charset="0"/>
+              </a:rPr>
+              <a:t>and</a:t>
+            </a:r>
+            <a:r>
+              <a:rPr lang="nl-NL" sz="1400" kern="0" dirty="0" smtClean="0">
+                <a:latin typeface="Courier New" panose="02070309020205020404" pitchFamily="49" charset="0"/>
+                <a:cs typeface="Courier New" panose="02070309020205020404" pitchFamily="49" charset="0"/>
+              </a:rPr>
+              <a:t> a test set</a:t>
+            </a:r>
+          </a:p>
+          <a:p>
+            <a:pPr>
+              <a:buFont typeface="+mj-lt"/>
+              <a:buAutoNum type="arabicPeriod"/>
+            </a:pPr>
+            <a:r>
+              <a:rPr lang="nl-NL" sz="1400" kern="0" dirty="0" smtClean="0">
+                <a:latin typeface="Courier New" panose="02070309020205020404" pitchFamily="49" charset="0"/>
+                <a:cs typeface="Courier New" panose="02070309020205020404" pitchFamily="49" charset="0"/>
+              </a:rPr>
+              <a:t>Train a NB model on the training set</a:t>
+            </a:r>
+          </a:p>
+          <a:p>
+            <a:pPr>
+              <a:buFont typeface="+mj-lt"/>
+              <a:buAutoNum type="arabicPeriod"/>
+            </a:pPr>
+            <a:r>
+              <a:rPr lang="nl-NL" sz="1400" kern="0" dirty="0" err="1" smtClean="0">
+                <a:latin typeface="Courier New" panose="02070309020205020404" pitchFamily="49" charset="0"/>
+                <a:cs typeface="Courier New" panose="02070309020205020404" pitchFamily="49" charset="0"/>
+              </a:rPr>
+              <a:t>Predict</a:t>
+            </a:r>
+            <a:r>
+              <a:rPr lang="nl-NL" sz="1400" kern="0" dirty="0">
+                <a:latin typeface="Courier New" panose="02070309020205020404" pitchFamily="49" charset="0"/>
+                <a:cs typeface="Courier New" panose="02070309020205020404" pitchFamily="49" charset="0"/>
+              </a:rPr>
+              <a:t> </a:t>
+            </a:r>
+            <a:r>
+              <a:rPr lang="nl-NL" sz="1400" kern="0" dirty="0" smtClean="0">
+                <a:latin typeface="Courier New" panose="02070309020205020404" pitchFamily="49" charset="0"/>
+                <a:cs typeface="Courier New" panose="02070309020205020404" pitchFamily="49" charset="0"/>
+              </a:rPr>
+              <a:t>the class (Lisa or Bart) of the test set.</a:t>
+            </a:r>
+          </a:p>
+          <a:p>
+            <a:pPr>
+              <a:buFont typeface="+mj-lt"/>
+              <a:buAutoNum type="arabicPeriod"/>
+            </a:pPr>
+            <a:r>
+              <a:rPr lang="nl-NL" sz="1400" kern="0" dirty="0" err="1" smtClean="0">
+                <a:latin typeface="Courier New" panose="02070309020205020404" pitchFamily="49" charset="0"/>
+                <a:cs typeface="Courier New" panose="02070309020205020404" pitchFamily="49" charset="0"/>
+              </a:rPr>
+              <a:t>What</a:t>
+            </a:r>
+            <a:r>
+              <a:rPr lang="nl-NL" sz="1400" kern="0" dirty="0" smtClean="0">
+                <a:latin typeface="Courier New" panose="02070309020205020404" pitchFamily="49" charset="0"/>
+                <a:cs typeface="Courier New" panose="02070309020205020404" pitchFamily="49" charset="0"/>
+              </a:rPr>
+              <a:t> is the </a:t>
+            </a:r>
+            <a:r>
+              <a:rPr lang="nl-NL" sz="1400" kern="0" dirty="0" err="1" smtClean="0">
+                <a:latin typeface="Courier New" panose="02070309020205020404" pitchFamily="49" charset="0"/>
+                <a:cs typeface="Courier New" panose="02070309020205020404" pitchFamily="49" charset="0"/>
+              </a:rPr>
+              <a:t>accuracy</a:t>
+            </a:r>
+            <a:r>
+              <a:rPr lang="nl-NL" sz="1400" kern="0" dirty="0" smtClean="0">
+                <a:latin typeface="Courier New" panose="02070309020205020404" pitchFamily="49" charset="0"/>
+                <a:cs typeface="Courier New" panose="02070309020205020404" pitchFamily="49" charset="0"/>
+              </a:rPr>
+              <a:t> of </a:t>
+            </a:r>
+            <a:r>
+              <a:rPr lang="nl-NL" sz="1400" kern="0" dirty="0" err="1" smtClean="0">
+                <a:latin typeface="Courier New" panose="02070309020205020404" pitchFamily="49" charset="0"/>
+                <a:cs typeface="Courier New" panose="02070309020205020404" pitchFamily="49" charset="0"/>
+              </a:rPr>
+              <a:t>your</a:t>
+            </a:r>
+            <a:r>
+              <a:rPr lang="nl-NL" sz="1400" kern="0" dirty="0" smtClean="0">
+                <a:latin typeface="Courier New" panose="02070309020205020404" pitchFamily="49" charset="0"/>
+                <a:cs typeface="Courier New" panose="02070309020205020404" pitchFamily="49" charset="0"/>
+              </a:rPr>
+              <a:t> model?</a:t>
+            </a:r>
+          </a:p>
+          <a:p>
+            <a:pPr>
+              <a:buFont typeface="+mj-lt"/>
+              <a:buAutoNum type="arabicPeriod"/>
+            </a:pPr>
+            <a:endParaRPr lang="nl-NL" sz="1400" kern="0" dirty="0">
+              <a:latin typeface="Courier New" panose="02070309020205020404" pitchFamily="49" charset="0"/>
+              <a:cs typeface="Courier New" panose="02070309020205020404" pitchFamily="49" charset="0"/>
+            </a:endParaRPr>
+          </a:p>
+          <a:p>
+            <a:pPr marL="0" indent="0">
+              <a:buNone/>
+            </a:pPr>
+            <a:r>
+              <a:rPr lang="nl-NL" sz="1400" kern="0" dirty="0" err="1" smtClean="0">
+                <a:latin typeface="Courier New" panose="02070309020205020404" pitchFamily="49" charset="0"/>
+                <a:cs typeface="Courier New" panose="02070309020205020404" pitchFamily="49" charset="0"/>
+              </a:rPr>
+              <a:t>Wednesday</a:t>
+            </a:r>
+            <a:r>
+              <a:rPr lang="nl-NL" sz="1400" kern="0" dirty="0" smtClean="0">
+                <a:latin typeface="Courier New" panose="02070309020205020404" pitchFamily="49" charset="0"/>
+                <a:cs typeface="Courier New" panose="02070309020205020404" pitchFamily="49" charset="0"/>
+              </a:rPr>
+              <a:t> we </a:t>
+            </a:r>
+            <a:r>
+              <a:rPr lang="nl-NL" sz="1400" kern="0" dirty="0" err="1" smtClean="0">
+                <a:latin typeface="Courier New" panose="02070309020205020404" pitchFamily="49" charset="0"/>
+                <a:cs typeface="Courier New" panose="02070309020205020404" pitchFamily="49" charset="0"/>
+              </a:rPr>
+              <a:t>will</a:t>
+            </a:r>
+            <a:r>
+              <a:rPr lang="nl-NL" sz="1400" kern="0" dirty="0" smtClean="0">
+                <a:latin typeface="Courier New" panose="02070309020205020404" pitchFamily="49" charset="0"/>
+                <a:cs typeface="Courier New" panose="02070309020205020404" pitchFamily="49" charset="0"/>
+              </a:rPr>
+              <a:t> look at </a:t>
+            </a:r>
+            <a:r>
+              <a:rPr lang="nl-NL" sz="1400" kern="0" dirty="0" err="1" smtClean="0">
+                <a:latin typeface="Courier New" panose="02070309020205020404" pitchFamily="49" charset="0"/>
+                <a:cs typeface="Courier New" panose="02070309020205020404" pitchFamily="49" charset="0"/>
+              </a:rPr>
+              <a:t>further</a:t>
+            </a:r>
+            <a:r>
+              <a:rPr lang="nl-NL" sz="1400" kern="0" dirty="0" smtClean="0">
+                <a:latin typeface="Courier New" panose="02070309020205020404" pitchFamily="49" charset="0"/>
+                <a:cs typeface="Courier New" panose="02070309020205020404" pitchFamily="49" charset="0"/>
+              </a:rPr>
+              <a:t> </a:t>
+            </a:r>
+            <a:r>
+              <a:rPr lang="nl-NL" sz="1400" kern="0" dirty="0" err="1" smtClean="0">
+                <a:latin typeface="Courier New" panose="02070309020205020404" pitchFamily="49" charset="0"/>
+                <a:cs typeface="Courier New" panose="02070309020205020404" pitchFamily="49" charset="0"/>
+              </a:rPr>
+              <a:t>evaluation</a:t>
+            </a:r>
+            <a:r>
+              <a:rPr lang="nl-NL" sz="1400" kern="0" dirty="0" smtClean="0">
+                <a:latin typeface="Courier New" panose="02070309020205020404" pitchFamily="49" charset="0"/>
+                <a:cs typeface="Courier New" panose="02070309020205020404" pitchFamily="49" charset="0"/>
+              </a:rPr>
+              <a:t> of this model.</a:t>
+            </a:r>
+            <a:endParaRPr lang="nl-NL" sz="1400" kern="0" dirty="0" smtClean="0">
+              <a:latin typeface="Courier New" panose="02070309020205020404" pitchFamily="49" charset="0"/>
+              <a:cs typeface="Courier New" panose="02070309020205020404" pitchFamily="49" charset="0"/>
+            </a:endParaRPr>
+          </a:p>
+          <a:p>
+            <a:pPr>
+              <a:buFont typeface="+mj-lt"/>
+              <a:buAutoNum type="arabicPeriod"/>
+            </a:pPr>
             <a:endParaRPr lang="nl-NL" sz="1400" kern="0" dirty="0" smtClean="0">
               <a:latin typeface="Courier New" panose="02070309020205020404" pitchFamily="49" charset="0"/>
               <a:cs typeface="Courier New" panose="02070309020205020404" pitchFamily="49" charset="0"/>
@@ -12607,12 +13444,69 @@
             <p:ph idx="1"/>
           </p:nvPr>
         </p:nvSpPr>
-        <p:spPr/>
+        <p:spPr>
+          <a:xfrm>
+            <a:off x="762000" y="1762125"/>
+            <a:ext cx="7881938" cy="830997"/>
+          </a:xfrm>
+        </p:spPr>
         <p:txBody>
           <a:bodyPr/>
           <a:lstStyle/>
           <a:p>
-            <a:endParaRPr lang="nl-NL"/>
+            <a:r>
+              <a:rPr lang="nl-NL" sz="2400" dirty="0" smtClean="0"/>
+              <a:t>I </a:t>
+            </a:r>
+            <a:r>
+              <a:rPr lang="nl-NL" sz="2400" dirty="0" err="1" smtClean="0"/>
+              <a:t>couldn’t</a:t>
+            </a:r>
+            <a:r>
+              <a:rPr lang="nl-NL" sz="2400" dirty="0" smtClean="0"/>
+              <a:t> </a:t>
+            </a:r>
+            <a:r>
+              <a:rPr lang="nl-NL" sz="2400" dirty="0" err="1" smtClean="0"/>
+              <a:t>think</a:t>
+            </a:r>
+            <a:r>
+              <a:rPr lang="nl-NL" sz="2400" dirty="0" smtClean="0"/>
+              <a:t> of </a:t>
+            </a:r>
+            <a:r>
+              <a:rPr lang="nl-NL" sz="2400" dirty="0" err="1" smtClean="0"/>
+              <a:t>any</a:t>
+            </a:r>
+            <a:r>
+              <a:rPr lang="nl-NL" sz="2400" dirty="0" smtClean="0"/>
+              <a:t> </a:t>
+            </a:r>
+            <a:r>
+              <a:rPr lang="nl-NL" sz="2400" dirty="0" err="1" smtClean="0"/>
+              <a:t>based</a:t>
+            </a:r>
+            <a:r>
+              <a:rPr lang="nl-NL" sz="2400" dirty="0" smtClean="0"/>
+              <a:t> on </a:t>
+            </a:r>
+            <a:r>
+              <a:rPr lang="nl-NL" sz="2400" dirty="0" err="1" smtClean="0"/>
+              <a:t>what</a:t>
+            </a:r>
+            <a:r>
+              <a:rPr lang="nl-NL" sz="2400" dirty="0" smtClean="0"/>
+              <a:t> was </a:t>
+            </a:r>
+            <a:r>
+              <a:rPr lang="nl-NL" sz="2400" dirty="0" err="1" smtClean="0"/>
+              <a:t>posted</a:t>
+            </a:r>
+            <a:r>
+              <a:rPr lang="nl-NL" sz="2400" dirty="0" smtClean="0"/>
+              <a:t> on Slack…</a:t>
+            </a:r>
+            <a:endParaRPr lang="nl-NL" sz="2400" dirty="0"/>
           </a:p>
         </p:txBody>
       </p:sp>
@@ -12706,7 +13600,6 @@
               <a:rPr lang="nl-NL" sz="2400" dirty="0" smtClean="0"/>
               <a:t> text</a:t>
             </a:r>
-            <a:endParaRPr lang="nl-NL" sz="2400" dirty="0" smtClean="0"/>
           </a:p>
           <a:p>
             <a:pPr marL="0" indent="0">
@@ -13416,11 +14309,7 @@
             </a:r>
             <a:r>
               <a:rPr lang="nl-NL" sz="1800" dirty="0" smtClean="0"/>
-              <a:t> </a:t>
-            </a:r>
-            <a:r>
-              <a:rPr lang="nl-NL" sz="1800" dirty="0" smtClean="0"/>
-              <a:t>(</a:t>
+              <a:t> (</a:t>
             </a:r>
             <a:r>
               <a:rPr lang="nl-NL" sz="1800" dirty="0" err="1" smtClean="0"/>
@@ -13530,11 +14419,7 @@
             </a:r>
             <a:r>
               <a:rPr lang="nl-NL" sz="1800" dirty="0" smtClean="0"/>
-              <a:t> in context) </a:t>
-            </a:r>
-            <a:r>
-              <a:rPr lang="nl-NL" sz="1800" dirty="0" smtClean="0"/>
-              <a:t>→ ‘get out!’</a:t>
+              <a:t> in context) → ‘get out!’</a:t>
             </a:r>
           </a:p>
           <a:p>
@@ -13672,7 +14557,6 @@
               <a:rPr lang="nl-NL" sz="2400" dirty="0" smtClean="0"/>
               <a:t> text</a:t>
             </a:r>
-            <a:endParaRPr lang="nl-NL" sz="2400" dirty="0" smtClean="0"/>
           </a:p>
           <a:p>
             <a:pPr marL="0" indent="0">
